--- a/materials/PPT slides/08 EDABDC - Pandas.pptx
+++ b/materials/PPT slides/08 EDABDC - Pandas.pptx
@@ -5,10 +5,10 @@
     <p:sldMasterId id="2147483648" r:id="rId1"/>
   </p:sldMasterIdLst>
   <p:notesMasterIdLst>
-    <p:notesMasterId r:id="rId40"/>
+    <p:notesMasterId r:id="rId34"/>
   </p:notesMasterIdLst>
   <p:handoutMasterIdLst>
-    <p:handoutMasterId r:id="rId41"/>
+    <p:handoutMasterId r:id="rId35"/>
   </p:handoutMasterIdLst>
   <p:sldIdLst>
     <p:sldId id="256" r:id="rId3"/>
@@ -32,22 +32,16 @@
     <p:sldId id="621" r:id="rId21"/>
     <p:sldId id="622" r:id="rId22"/>
     <p:sldId id="623" r:id="rId23"/>
-    <p:sldId id="624" r:id="rId24"/>
-    <p:sldId id="625" r:id="rId25"/>
-    <p:sldId id="626" r:id="rId26"/>
-    <p:sldId id="627" r:id="rId27"/>
-    <p:sldId id="628" r:id="rId28"/>
-    <p:sldId id="629" r:id="rId29"/>
-    <p:sldId id="630" r:id="rId30"/>
-    <p:sldId id="631" r:id="rId31"/>
-    <p:sldId id="632" r:id="rId32"/>
-    <p:sldId id="633" r:id="rId33"/>
-    <p:sldId id="634" r:id="rId34"/>
-    <p:sldId id="635" r:id="rId35"/>
-    <p:sldId id="636" r:id="rId36"/>
-    <p:sldId id="637" r:id="rId37"/>
-    <p:sldId id="638" r:id="rId38"/>
-    <p:sldId id="264" r:id="rId39"/>
+    <p:sldId id="626" r:id="rId24"/>
+    <p:sldId id="624" r:id="rId25"/>
+    <p:sldId id="625" r:id="rId26"/>
+    <p:sldId id="639" r:id="rId27"/>
+    <p:sldId id="640" r:id="rId28"/>
+    <p:sldId id="641" r:id="rId29"/>
+    <p:sldId id="642" r:id="rId30"/>
+    <p:sldId id="643" r:id="rId31"/>
+    <p:sldId id="638" r:id="rId32"/>
+    <p:sldId id="264" r:id="rId33"/>
   </p:sldIdLst>
   <p:sldSz cx="12192000" cy="6858000"/>
   <p:notesSz cx="6858000" cy="9144000"/>
@@ -8285,6 +8279,399 @@
         </p:nvSpPr>
         <p:spPr>
           <a:xfrm>
+            <a:off x="838200" y="635498"/>
+            <a:ext cx="10515600" cy="826552"/>
+          </a:xfrm>
+        </p:spPr>
+        <p:txBody>
+          <a:bodyPr>
+            <a:normAutofit fontScale="90000"/>
+          </a:bodyPr>
+          <a:lstStyle/>
+          <a:p>
+            <a:pPr algn="ctr"/>
+            <a:r>
+              <a:rPr lang="en-US" b="1" dirty="0"/>
+              <a:t>Understanding your variables </a:t>
+            </a:r>
+            <a:r>
+              <a:rPr lang="en-US" sz="4400" dirty="0"/>
+              <a:t>.</a:t>
+            </a:r>
+            <a:r>
+              <a:rPr lang="en-US" sz="4400" b="1" dirty="0">
+                <a:latin typeface="Courier New" panose="02070309020205020404" pitchFamily="49" charset="0"/>
+                <a:cs typeface="Courier New" panose="02070309020205020404" pitchFamily="49" charset="0"/>
+              </a:rPr>
+              <a:t>describe() </a:t>
+            </a:r>
+            <a:endParaRPr lang="en-US" b="1" dirty="0"/>
+          </a:p>
+        </p:txBody>
+      </p:sp>
+      <p:sp>
+        <p:nvSpPr>
+          <p:cNvPr id="3" name="Content Placeholder 2"/>
+          <p:cNvSpPr>
+            <a:spLocks noGrp="1"/>
+          </p:cNvSpPr>
+          <p:nvPr>
+            <p:ph idx="1"/>
+          </p:nvPr>
+        </p:nvSpPr>
+        <p:spPr>
+          <a:xfrm>
+            <a:off x="838200" y="1575412"/>
+            <a:ext cx="10515600" cy="5107965"/>
+          </a:xfrm>
+        </p:spPr>
+        <p:txBody>
+          <a:bodyPr>
+            <a:normAutofit/>
+          </a:bodyPr>
+          <a:lstStyle/>
+          <a:p>
+            <a:r>
+              <a:rPr lang="en-US" sz="2000" dirty="0"/>
+              <a:t>Using .</a:t>
+            </a:r>
+            <a:r>
+              <a:rPr lang="en-US" sz="2000" b="1" dirty="0">
+                <a:latin typeface="Courier New" panose="02070309020205020404" pitchFamily="49" charset="0"/>
+                <a:cs typeface="Courier New" panose="02070309020205020404" pitchFamily="49" charset="0"/>
+              </a:rPr>
+              <a:t>describe()</a:t>
+            </a:r>
+            <a:r>
+              <a:rPr lang="en-US" sz="2000" dirty="0"/>
+              <a:t>on an entire </a:t>
+            </a:r>
+            <a:r>
+              <a:rPr lang="en-US" sz="2000" dirty="0" err="1"/>
+              <a:t>DataFrame</a:t>
+            </a:r>
+            <a:r>
+              <a:rPr lang="en-US" sz="2000" dirty="0"/>
+              <a:t> we can get a summary of the distribution of continuous variables:</a:t>
+            </a:r>
+            <a:endParaRPr lang="en-US" sz="2000" dirty="0"/>
+          </a:p>
+          <a:p>
+            <a:endParaRPr lang="en-US" sz="2000" dirty="0"/>
+          </a:p>
+          <a:p>
+            <a:endParaRPr lang="en-US" sz="2000" dirty="0"/>
+          </a:p>
+          <a:p>
+            <a:endParaRPr lang="en-US" sz="2000" dirty="0"/>
+          </a:p>
+          <a:p>
+            <a:endParaRPr lang="en-US" sz="2000" dirty="0"/>
+          </a:p>
+          <a:p>
+            <a:endParaRPr lang="en-US" sz="2000" dirty="0"/>
+          </a:p>
+          <a:p>
+            <a:r>
+              <a:rPr lang="en-US" sz="2000" b="1" dirty="0">
+                <a:latin typeface="Courier New" panose="02070309020205020404" pitchFamily="49" charset="0"/>
+                <a:cs typeface="Courier New" panose="02070309020205020404" pitchFamily="49" charset="0"/>
+              </a:rPr>
+              <a:t>.describe() </a:t>
+            </a:r>
+            <a:r>
+              <a:rPr lang="en-US" sz="2000" dirty="0"/>
+              <a:t>can also be used on a categorical variable to get the count of rows, unique count of categories, top category, and </a:t>
+            </a:r>
+            <a:r>
+              <a:rPr lang="en-US" sz="2000" dirty="0" err="1"/>
+              <a:t>freq</a:t>
+            </a:r>
+            <a:r>
+              <a:rPr lang="en-US" sz="2000" dirty="0"/>
+              <a:t> of top category:</a:t>
+            </a:r>
+            <a:endParaRPr lang="en-US" sz="2000" dirty="0"/>
+          </a:p>
+          <a:p>
+            <a:endParaRPr lang="en-US" sz="2000" dirty="0"/>
+          </a:p>
+          <a:p>
+            <a:endParaRPr lang="en-US" sz="2000" dirty="0"/>
+          </a:p>
+          <a:p>
+            <a:endParaRPr lang="en-US" sz="2000" dirty="0"/>
+          </a:p>
+          <a:p>
+            <a:r>
+              <a:rPr lang="en-US" sz="2000" dirty="0"/>
+              <a:t>This tells us that the genre column has 207 unique values, the top value is Action/Adventure/Sci-Fi, which shows up 50 times (</a:t>
+            </a:r>
+            <a:r>
+              <a:rPr lang="en-US" sz="2000" dirty="0" err="1"/>
+              <a:t>freq</a:t>
+            </a:r>
+            <a:r>
+              <a:rPr lang="en-US" sz="2000" dirty="0"/>
+              <a:t>).</a:t>
+            </a:r>
+            <a:endParaRPr lang="en-US" sz="2000" dirty="0"/>
+          </a:p>
+        </p:txBody>
+      </p:sp>
+      <p:sp>
+        <p:nvSpPr>
+          <p:cNvPr id="4" name="Rectangle 3"/>
+          <p:cNvSpPr/>
+          <p:nvPr/>
+        </p:nvSpPr>
+        <p:spPr>
+          <a:xfrm>
+            <a:off x="2914783" y="2434394"/>
+            <a:ext cx="2941831" cy="369332"/>
+          </a:xfrm>
+          <a:prstGeom prst="rect">
+            <a:avLst/>
+          </a:prstGeom>
+          <a:solidFill>
+            <a:schemeClr val="accent4">
+              <a:lumMod val="20000"/>
+              <a:lumOff val="80000"/>
+            </a:schemeClr>
+          </a:solidFill>
+          <a:ln>
+            <a:solidFill>
+              <a:schemeClr val="accent1"/>
+            </a:solidFill>
+          </a:ln>
+        </p:spPr>
+        <p:txBody>
+          <a:bodyPr wrap="none">
+            <a:spAutoFit/>
+          </a:bodyPr>
+          <a:lstStyle/>
+          <a:p>
+            <a:r>
+              <a:rPr lang="en-US" b="1" dirty="0" err="1">
+                <a:solidFill>
+                  <a:srgbClr val="4D4D4C"/>
+                </a:solidFill>
+                <a:latin typeface="Courier New" panose="02070309020205020404" pitchFamily="49" charset="0"/>
+                <a:cs typeface="Courier New" panose="02070309020205020404" pitchFamily="49" charset="0"/>
+              </a:rPr>
+              <a:t>movies_df.</a:t>
+            </a:r>
+            <a:r>
+              <a:rPr lang="en-US" b="1" dirty="0" err="1">
+                <a:solidFill>
+                  <a:srgbClr val="4271AE"/>
+                </a:solidFill>
+                <a:latin typeface="Courier New" panose="02070309020205020404" pitchFamily="49" charset="0"/>
+                <a:cs typeface="Courier New" panose="02070309020205020404" pitchFamily="49" charset="0"/>
+              </a:rPr>
+              <a:t>describe</a:t>
+            </a:r>
+            <a:r>
+              <a:rPr lang="en-US" b="1" dirty="0">
+                <a:solidFill>
+                  <a:srgbClr val="4D4D4C"/>
+                </a:solidFill>
+                <a:latin typeface="Courier New" panose="02070309020205020404" pitchFamily="49" charset="0"/>
+                <a:cs typeface="Courier New" panose="02070309020205020404" pitchFamily="49" charset="0"/>
+              </a:rPr>
+              <a:t>()</a:t>
+            </a:r>
+            <a:endParaRPr lang="en-US" b="1" dirty="0">
+              <a:latin typeface="Courier New" panose="02070309020205020404" pitchFamily="49" charset="0"/>
+              <a:cs typeface="Courier New" panose="02070309020205020404" pitchFamily="49" charset="0"/>
+            </a:endParaRPr>
+          </a:p>
+        </p:txBody>
+      </p:sp>
+      <p:pic>
+        <p:nvPicPr>
+          <p:cNvPr id="5" name="Picture 4"/>
+          <p:cNvPicPr>
+            <a:picLocks noChangeAspect="1"/>
+          </p:cNvPicPr>
+          <p:nvPr/>
+        </p:nvPicPr>
+        <p:blipFill>
+          <a:blip r:embed="rId1"/>
+          <a:stretch>
+            <a:fillRect/>
+          </a:stretch>
+        </p:blipFill>
+        <p:spPr>
+          <a:xfrm>
+            <a:off x="6335387" y="1991264"/>
+            <a:ext cx="4692498" cy="1967393"/>
+          </a:xfrm>
+          <a:prstGeom prst="rect">
+            <a:avLst/>
+          </a:prstGeom>
+        </p:spPr>
+      </p:pic>
+      <p:sp>
+        <p:nvSpPr>
+          <p:cNvPr id="6" name="Rectangle 5"/>
+          <p:cNvSpPr/>
+          <p:nvPr/>
+        </p:nvSpPr>
+        <p:spPr>
+          <a:xfrm>
+            <a:off x="2714689" y="4931001"/>
+            <a:ext cx="4182555" cy="369332"/>
+          </a:xfrm>
+          <a:prstGeom prst="rect">
+            <a:avLst/>
+          </a:prstGeom>
+          <a:solidFill>
+            <a:schemeClr val="accent4">
+              <a:lumMod val="20000"/>
+              <a:lumOff val="80000"/>
+            </a:schemeClr>
+          </a:solidFill>
+          <a:ln>
+            <a:solidFill>
+              <a:schemeClr val="accent1"/>
+            </a:solidFill>
+          </a:ln>
+        </p:spPr>
+        <p:txBody>
+          <a:bodyPr wrap="none">
+            <a:spAutoFit/>
+          </a:bodyPr>
+          <a:lstStyle/>
+          <a:p>
+            <a:r>
+              <a:rPr lang="en-US" b="1" dirty="0" err="1">
+                <a:solidFill>
+                  <a:srgbClr val="4D4D4C"/>
+                </a:solidFill>
+                <a:latin typeface="Courier New" panose="02070309020205020404" pitchFamily="49" charset="0"/>
+                <a:cs typeface="Courier New" panose="02070309020205020404" pitchFamily="49" charset="0"/>
+              </a:rPr>
+              <a:t>movies_df</a:t>
+            </a:r>
+            <a:r>
+              <a:rPr lang="en-US" b="1" dirty="0">
+                <a:solidFill>
+                  <a:srgbClr val="4D4D4C"/>
+                </a:solidFill>
+                <a:latin typeface="Courier New" panose="02070309020205020404" pitchFamily="49" charset="0"/>
+                <a:cs typeface="Courier New" panose="02070309020205020404" pitchFamily="49" charset="0"/>
+              </a:rPr>
+              <a:t>[</a:t>
+            </a:r>
+            <a:r>
+              <a:rPr lang="en-US" b="1" dirty="0">
+                <a:solidFill>
+                  <a:srgbClr val="718C00"/>
+                </a:solidFill>
+                <a:latin typeface="Courier New" panose="02070309020205020404" pitchFamily="49" charset="0"/>
+                <a:cs typeface="Courier New" panose="02070309020205020404" pitchFamily="49" charset="0"/>
+              </a:rPr>
+              <a:t>'genre'</a:t>
+            </a:r>
+            <a:r>
+              <a:rPr lang="en-US" b="1" dirty="0">
+                <a:solidFill>
+                  <a:srgbClr val="4D4D4C"/>
+                </a:solidFill>
+                <a:latin typeface="Courier New" panose="02070309020205020404" pitchFamily="49" charset="0"/>
+                <a:cs typeface="Courier New" panose="02070309020205020404" pitchFamily="49" charset="0"/>
+              </a:rPr>
+              <a:t>].</a:t>
+            </a:r>
+            <a:r>
+              <a:rPr lang="en-US" b="1" dirty="0">
+                <a:solidFill>
+                  <a:srgbClr val="4271AE"/>
+                </a:solidFill>
+                <a:latin typeface="Courier New" panose="02070309020205020404" pitchFamily="49" charset="0"/>
+                <a:cs typeface="Courier New" panose="02070309020205020404" pitchFamily="49" charset="0"/>
+              </a:rPr>
+              <a:t>describe</a:t>
+            </a:r>
+            <a:r>
+              <a:rPr lang="en-US" b="1" dirty="0">
+                <a:solidFill>
+                  <a:srgbClr val="4D4D4C"/>
+                </a:solidFill>
+                <a:latin typeface="Courier New" panose="02070309020205020404" pitchFamily="49" charset="0"/>
+                <a:cs typeface="Courier New" panose="02070309020205020404" pitchFamily="49" charset="0"/>
+              </a:rPr>
+              <a:t>()</a:t>
+            </a:r>
+            <a:endParaRPr lang="en-US" b="1" dirty="0">
+              <a:latin typeface="Courier New" panose="02070309020205020404" pitchFamily="49" charset="0"/>
+              <a:cs typeface="Courier New" panose="02070309020205020404" pitchFamily="49" charset="0"/>
+            </a:endParaRPr>
+          </a:p>
+        </p:txBody>
+      </p:sp>
+      <p:pic>
+        <p:nvPicPr>
+          <p:cNvPr id="7" name="Picture 6"/>
+          <p:cNvPicPr>
+            <a:picLocks noChangeAspect="1"/>
+          </p:cNvPicPr>
+          <p:nvPr/>
+        </p:nvPicPr>
+        <p:blipFill>
+          <a:blip r:embed="rId2"/>
+          <a:stretch>
+            <a:fillRect/>
+          </a:stretch>
+        </p:blipFill>
+        <p:spPr>
+          <a:xfrm>
+            <a:off x="7425369" y="4487871"/>
+            <a:ext cx="2875401" cy="1255592"/>
+          </a:xfrm>
+          <a:prstGeom prst="rect">
+            <a:avLst/>
+          </a:prstGeom>
+        </p:spPr>
+      </p:pic>
+    </p:spTree>
+  </p:cSld>
+  <p:clrMapOvr>
+    <a:masterClrMapping/>
+  </p:clrMapOvr>
+</p:sld>
+</file>
+
+<file path=ppt/slides/slide23.xml><?xml version="1.0" encoding="utf-8"?>
+<p:sld xmlns:a="http://schemas.openxmlformats.org/drawingml/2006/main" xmlns:r="http://schemas.openxmlformats.org/officeDocument/2006/relationships" xmlns:p="http://schemas.openxmlformats.org/presentationml/2006/main">
+  <p:cSld>
+    <p:spTree>
+      <p:nvGrpSpPr>
+        <p:cNvPr id="1" name=""/>
+        <p:cNvGrpSpPr/>
+        <p:nvPr/>
+      </p:nvGrpSpPr>
+      <p:grpSpPr>
+        <a:xfrm>
+          <a:off x="0" y="0"/>
+          <a:ext cx="0" cy="0"/>
+          <a:chOff x="0" y="0"/>
+          <a:chExt cx="0" cy="0"/>
+        </a:xfrm>
+      </p:grpSpPr>
+      <p:sp>
+        <p:nvSpPr>
+          <p:cNvPr id="2" name="Title 1"/>
+          <p:cNvSpPr>
+            <a:spLocks noGrp="1"/>
+          </p:cNvSpPr>
+          <p:nvPr>
+            <p:ph type="title"/>
+          </p:nvPr>
+        </p:nvSpPr>
+        <p:spPr>
+          <a:xfrm>
             <a:off x="838200" y="177813"/>
             <a:ext cx="10515600" cy="1325563"/>
           </a:xfrm>
@@ -8807,7 +9194,7 @@
 </p:sld>
 </file>
 
-<file path=ppt/slides/slide23.xml><?xml version="1.0" encoding="utf-8"?>
+<file path=ppt/slides/slide24.xml><?xml version="1.0" encoding="utf-8"?>
 <p:sld xmlns:a="http://schemas.openxmlformats.org/drawingml/2006/main" xmlns:r="http://schemas.openxmlformats.org/officeDocument/2006/relationships" xmlns:p="http://schemas.openxmlformats.org/presentationml/2006/main">
   <p:cSld>
     <p:spTree>
@@ -9235,399 +9622,6 @@
 </p:sld>
 </file>
 
-<file path=ppt/slides/slide24.xml><?xml version="1.0" encoding="utf-8"?>
-<p:sld xmlns:a="http://schemas.openxmlformats.org/drawingml/2006/main" xmlns:r="http://schemas.openxmlformats.org/officeDocument/2006/relationships" xmlns:p="http://schemas.openxmlformats.org/presentationml/2006/main">
-  <p:cSld>
-    <p:spTree>
-      <p:nvGrpSpPr>
-        <p:cNvPr id="1" name=""/>
-        <p:cNvGrpSpPr/>
-        <p:nvPr/>
-      </p:nvGrpSpPr>
-      <p:grpSpPr>
-        <a:xfrm>
-          <a:off x="0" y="0"/>
-          <a:ext cx="0" cy="0"/>
-          <a:chOff x="0" y="0"/>
-          <a:chExt cx="0" cy="0"/>
-        </a:xfrm>
-      </p:grpSpPr>
-      <p:sp>
-        <p:nvSpPr>
-          <p:cNvPr id="2" name="Title 1"/>
-          <p:cNvSpPr>
-            <a:spLocks noGrp="1"/>
-          </p:cNvSpPr>
-          <p:nvPr>
-            <p:ph type="title"/>
-          </p:nvPr>
-        </p:nvSpPr>
-        <p:spPr>
-          <a:xfrm>
-            <a:off x="838200" y="635498"/>
-            <a:ext cx="10515600" cy="826552"/>
-          </a:xfrm>
-        </p:spPr>
-        <p:txBody>
-          <a:bodyPr>
-            <a:normAutofit fontScale="90000"/>
-          </a:bodyPr>
-          <a:lstStyle/>
-          <a:p>
-            <a:pPr algn="ctr"/>
-            <a:r>
-              <a:rPr lang="en-US" b="1" dirty="0"/>
-              <a:t>Understanding your variables </a:t>
-            </a:r>
-            <a:r>
-              <a:rPr lang="en-US" sz="4400" dirty="0"/>
-              <a:t>.</a:t>
-            </a:r>
-            <a:r>
-              <a:rPr lang="en-US" sz="4400" b="1" dirty="0">
-                <a:latin typeface="Courier New" panose="02070309020205020404" pitchFamily="49" charset="0"/>
-                <a:cs typeface="Courier New" panose="02070309020205020404" pitchFamily="49" charset="0"/>
-              </a:rPr>
-              <a:t>describe() </a:t>
-            </a:r>
-            <a:endParaRPr lang="en-US" b="1" dirty="0"/>
-          </a:p>
-        </p:txBody>
-      </p:sp>
-      <p:sp>
-        <p:nvSpPr>
-          <p:cNvPr id="3" name="Content Placeholder 2"/>
-          <p:cNvSpPr>
-            <a:spLocks noGrp="1"/>
-          </p:cNvSpPr>
-          <p:nvPr>
-            <p:ph idx="1"/>
-          </p:nvPr>
-        </p:nvSpPr>
-        <p:spPr>
-          <a:xfrm>
-            <a:off x="838200" y="1575412"/>
-            <a:ext cx="10515600" cy="5107965"/>
-          </a:xfrm>
-        </p:spPr>
-        <p:txBody>
-          <a:bodyPr>
-            <a:normAutofit/>
-          </a:bodyPr>
-          <a:lstStyle/>
-          <a:p>
-            <a:r>
-              <a:rPr lang="en-US" sz="2000" dirty="0"/>
-              <a:t>Using .</a:t>
-            </a:r>
-            <a:r>
-              <a:rPr lang="en-US" sz="2000" b="1" dirty="0">
-                <a:latin typeface="Courier New" panose="02070309020205020404" pitchFamily="49" charset="0"/>
-                <a:cs typeface="Courier New" panose="02070309020205020404" pitchFamily="49" charset="0"/>
-              </a:rPr>
-              <a:t>describe()</a:t>
-            </a:r>
-            <a:r>
-              <a:rPr lang="en-US" sz="2000" dirty="0"/>
-              <a:t>on an entire </a:t>
-            </a:r>
-            <a:r>
-              <a:rPr lang="en-US" sz="2000" dirty="0" err="1"/>
-              <a:t>DataFrame</a:t>
-            </a:r>
-            <a:r>
-              <a:rPr lang="en-US" sz="2000" dirty="0"/>
-              <a:t> we can get a summary of the distribution of continuous variables:</a:t>
-            </a:r>
-            <a:endParaRPr lang="en-US" sz="2000" dirty="0"/>
-          </a:p>
-          <a:p>
-            <a:endParaRPr lang="en-US" sz="2000" dirty="0"/>
-          </a:p>
-          <a:p>
-            <a:endParaRPr lang="en-US" sz="2000" dirty="0"/>
-          </a:p>
-          <a:p>
-            <a:endParaRPr lang="en-US" sz="2000" dirty="0"/>
-          </a:p>
-          <a:p>
-            <a:endParaRPr lang="en-US" sz="2000" dirty="0"/>
-          </a:p>
-          <a:p>
-            <a:endParaRPr lang="en-US" sz="2000" dirty="0"/>
-          </a:p>
-          <a:p>
-            <a:r>
-              <a:rPr lang="en-US" sz="2000" b="1" dirty="0">
-                <a:latin typeface="Courier New" panose="02070309020205020404" pitchFamily="49" charset="0"/>
-                <a:cs typeface="Courier New" panose="02070309020205020404" pitchFamily="49" charset="0"/>
-              </a:rPr>
-              <a:t>.describe() </a:t>
-            </a:r>
-            <a:r>
-              <a:rPr lang="en-US" sz="2000" dirty="0"/>
-              <a:t>can also be used on a categorical variable to get the count of rows, unique count of categories, top category, and </a:t>
-            </a:r>
-            <a:r>
-              <a:rPr lang="en-US" sz="2000" dirty="0" err="1"/>
-              <a:t>freq</a:t>
-            </a:r>
-            <a:r>
-              <a:rPr lang="en-US" sz="2000" dirty="0"/>
-              <a:t> of top category:</a:t>
-            </a:r>
-            <a:endParaRPr lang="en-US" sz="2000" dirty="0"/>
-          </a:p>
-          <a:p>
-            <a:endParaRPr lang="en-US" sz="2000" dirty="0"/>
-          </a:p>
-          <a:p>
-            <a:endParaRPr lang="en-US" sz="2000" dirty="0"/>
-          </a:p>
-          <a:p>
-            <a:endParaRPr lang="en-US" sz="2000" dirty="0"/>
-          </a:p>
-          <a:p>
-            <a:r>
-              <a:rPr lang="en-US" sz="2000" dirty="0"/>
-              <a:t>This tells us that the genre column has 207 unique values, the top value is Action/Adventure/Sci-Fi, which shows up 50 times (</a:t>
-            </a:r>
-            <a:r>
-              <a:rPr lang="en-US" sz="2000" dirty="0" err="1"/>
-              <a:t>freq</a:t>
-            </a:r>
-            <a:r>
-              <a:rPr lang="en-US" sz="2000" dirty="0"/>
-              <a:t>).</a:t>
-            </a:r>
-            <a:endParaRPr lang="en-US" sz="2000" dirty="0"/>
-          </a:p>
-        </p:txBody>
-      </p:sp>
-      <p:sp>
-        <p:nvSpPr>
-          <p:cNvPr id="4" name="Rectangle 3"/>
-          <p:cNvSpPr/>
-          <p:nvPr/>
-        </p:nvSpPr>
-        <p:spPr>
-          <a:xfrm>
-            <a:off x="2914783" y="2434394"/>
-            <a:ext cx="2941831" cy="369332"/>
-          </a:xfrm>
-          <a:prstGeom prst="rect">
-            <a:avLst/>
-          </a:prstGeom>
-          <a:solidFill>
-            <a:schemeClr val="accent4">
-              <a:lumMod val="20000"/>
-              <a:lumOff val="80000"/>
-            </a:schemeClr>
-          </a:solidFill>
-          <a:ln>
-            <a:solidFill>
-              <a:schemeClr val="accent1"/>
-            </a:solidFill>
-          </a:ln>
-        </p:spPr>
-        <p:txBody>
-          <a:bodyPr wrap="none">
-            <a:spAutoFit/>
-          </a:bodyPr>
-          <a:lstStyle/>
-          <a:p>
-            <a:r>
-              <a:rPr lang="en-US" b="1" dirty="0" err="1">
-                <a:solidFill>
-                  <a:srgbClr val="4D4D4C"/>
-                </a:solidFill>
-                <a:latin typeface="Courier New" panose="02070309020205020404" pitchFamily="49" charset="0"/>
-                <a:cs typeface="Courier New" panose="02070309020205020404" pitchFamily="49" charset="0"/>
-              </a:rPr>
-              <a:t>movies_df.</a:t>
-            </a:r>
-            <a:r>
-              <a:rPr lang="en-US" b="1" dirty="0" err="1">
-                <a:solidFill>
-                  <a:srgbClr val="4271AE"/>
-                </a:solidFill>
-                <a:latin typeface="Courier New" panose="02070309020205020404" pitchFamily="49" charset="0"/>
-                <a:cs typeface="Courier New" panose="02070309020205020404" pitchFamily="49" charset="0"/>
-              </a:rPr>
-              <a:t>describe</a:t>
-            </a:r>
-            <a:r>
-              <a:rPr lang="en-US" b="1" dirty="0">
-                <a:solidFill>
-                  <a:srgbClr val="4D4D4C"/>
-                </a:solidFill>
-                <a:latin typeface="Courier New" panose="02070309020205020404" pitchFamily="49" charset="0"/>
-                <a:cs typeface="Courier New" panose="02070309020205020404" pitchFamily="49" charset="0"/>
-              </a:rPr>
-              <a:t>()</a:t>
-            </a:r>
-            <a:endParaRPr lang="en-US" b="1" dirty="0">
-              <a:latin typeface="Courier New" panose="02070309020205020404" pitchFamily="49" charset="0"/>
-              <a:cs typeface="Courier New" panose="02070309020205020404" pitchFamily="49" charset="0"/>
-            </a:endParaRPr>
-          </a:p>
-        </p:txBody>
-      </p:sp>
-      <p:pic>
-        <p:nvPicPr>
-          <p:cNvPr id="5" name="Picture 4"/>
-          <p:cNvPicPr>
-            <a:picLocks noChangeAspect="1"/>
-          </p:cNvPicPr>
-          <p:nvPr/>
-        </p:nvPicPr>
-        <p:blipFill>
-          <a:blip r:embed="rId1"/>
-          <a:stretch>
-            <a:fillRect/>
-          </a:stretch>
-        </p:blipFill>
-        <p:spPr>
-          <a:xfrm>
-            <a:off x="6335387" y="1991264"/>
-            <a:ext cx="4692498" cy="1967393"/>
-          </a:xfrm>
-          <a:prstGeom prst="rect">
-            <a:avLst/>
-          </a:prstGeom>
-        </p:spPr>
-      </p:pic>
-      <p:sp>
-        <p:nvSpPr>
-          <p:cNvPr id="6" name="Rectangle 5"/>
-          <p:cNvSpPr/>
-          <p:nvPr/>
-        </p:nvSpPr>
-        <p:spPr>
-          <a:xfrm>
-            <a:off x="2714689" y="4931001"/>
-            <a:ext cx="4182555" cy="369332"/>
-          </a:xfrm>
-          <a:prstGeom prst="rect">
-            <a:avLst/>
-          </a:prstGeom>
-          <a:solidFill>
-            <a:schemeClr val="accent4">
-              <a:lumMod val="20000"/>
-              <a:lumOff val="80000"/>
-            </a:schemeClr>
-          </a:solidFill>
-          <a:ln>
-            <a:solidFill>
-              <a:schemeClr val="accent1"/>
-            </a:solidFill>
-          </a:ln>
-        </p:spPr>
-        <p:txBody>
-          <a:bodyPr wrap="none">
-            <a:spAutoFit/>
-          </a:bodyPr>
-          <a:lstStyle/>
-          <a:p>
-            <a:r>
-              <a:rPr lang="en-US" b="1" dirty="0" err="1">
-                <a:solidFill>
-                  <a:srgbClr val="4D4D4C"/>
-                </a:solidFill>
-                <a:latin typeface="Courier New" panose="02070309020205020404" pitchFamily="49" charset="0"/>
-                <a:cs typeface="Courier New" panose="02070309020205020404" pitchFamily="49" charset="0"/>
-              </a:rPr>
-              <a:t>movies_df</a:t>
-            </a:r>
-            <a:r>
-              <a:rPr lang="en-US" b="1" dirty="0">
-                <a:solidFill>
-                  <a:srgbClr val="4D4D4C"/>
-                </a:solidFill>
-                <a:latin typeface="Courier New" panose="02070309020205020404" pitchFamily="49" charset="0"/>
-                <a:cs typeface="Courier New" panose="02070309020205020404" pitchFamily="49" charset="0"/>
-              </a:rPr>
-              <a:t>[</a:t>
-            </a:r>
-            <a:r>
-              <a:rPr lang="en-US" b="1" dirty="0">
-                <a:solidFill>
-                  <a:srgbClr val="718C00"/>
-                </a:solidFill>
-                <a:latin typeface="Courier New" panose="02070309020205020404" pitchFamily="49" charset="0"/>
-                <a:cs typeface="Courier New" panose="02070309020205020404" pitchFamily="49" charset="0"/>
-              </a:rPr>
-              <a:t>'genre'</a:t>
-            </a:r>
-            <a:r>
-              <a:rPr lang="en-US" b="1" dirty="0">
-                <a:solidFill>
-                  <a:srgbClr val="4D4D4C"/>
-                </a:solidFill>
-                <a:latin typeface="Courier New" panose="02070309020205020404" pitchFamily="49" charset="0"/>
-                <a:cs typeface="Courier New" panose="02070309020205020404" pitchFamily="49" charset="0"/>
-              </a:rPr>
-              <a:t>].</a:t>
-            </a:r>
-            <a:r>
-              <a:rPr lang="en-US" b="1" dirty="0">
-                <a:solidFill>
-                  <a:srgbClr val="4271AE"/>
-                </a:solidFill>
-                <a:latin typeface="Courier New" panose="02070309020205020404" pitchFamily="49" charset="0"/>
-                <a:cs typeface="Courier New" panose="02070309020205020404" pitchFamily="49" charset="0"/>
-              </a:rPr>
-              <a:t>describe</a:t>
-            </a:r>
-            <a:r>
-              <a:rPr lang="en-US" b="1" dirty="0">
-                <a:solidFill>
-                  <a:srgbClr val="4D4D4C"/>
-                </a:solidFill>
-                <a:latin typeface="Courier New" panose="02070309020205020404" pitchFamily="49" charset="0"/>
-                <a:cs typeface="Courier New" panose="02070309020205020404" pitchFamily="49" charset="0"/>
-              </a:rPr>
-              <a:t>()</a:t>
-            </a:r>
-            <a:endParaRPr lang="en-US" b="1" dirty="0">
-              <a:latin typeface="Courier New" panose="02070309020205020404" pitchFamily="49" charset="0"/>
-              <a:cs typeface="Courier New" panose="02070309020205020404" pitchFamily="49" charset="0"/>
-            </a:endParaRPr>
-          </a:p>
-        </p:txBody>
-      </p:sp>
-      <p:pic>
-        <p:nvPicPr>
-          <p:cNvPr id="7" name="Picture 6"/>
-          <p:cNvPicPr>
-            <a:picLocks noChangeAspect="1"/>
-          </p:cNvPicPr>
-          <p:nvPr/>
-        </p:nvPicPr>
-        <p:blipFill>
-          <a:blip r:embed="rId2"/>
-          <a:stretch>
-            <a:fillRect/>
-          </a:stretch>
-        </p:blipFill>
-        <p:spPr>
-          <a:xfrm>
-            <a:off x="7425369" y="4487871"/>
-            <a:ext cx="2875401" cy="1255592"/>
-          </a:xfrm>
-          <a:prstGeom prst="rect">
-            <a:avLst/>
-          </a:prstGeom>
-        </p:spPr>
-      </p:pic>
-    </p:spTree>
-  </p:cSld>
-  <p:clrMapOvr>
-    <a:masterClrMapping/>
-  </p:clrMapOvr>
-</p:sld>
-</file>
-
 <file path=ppt/slides/slide25.xml><?xml version="1.0" encoding="utf-8"?>
 <p:sld xmlns:a="http://schemas.openxmlformats.org/drawingml/2006/main" xmlns:r="http://schemas.openxmlformats.org/officeDocument/2006/relationships" xmlns:p="http://schemas.openxmlformats.org/presentationml/2006/main">
   <p:cSld>
@@ -9637,14 +9631,7 @@
         <p:cNvGrpSpPr/>
         <p:nvPr/>
       </p:nvGrpSpPr>
-      <p:grpSpPr>
-        <a:xfrm>
-          <a:off x="0" y="0"/>
-          <a:ext cx="0" cy="0"/>
-          <a:chOff x="0" y="0"/>
-          <a:chExt cx="0" cy="0"/>
-        </a:xfrm>
-      </p:grpSpPr>
+      <p:grpSpPr/>
       <p:sp>
         <p:nvSpPr>
           <p:cNvPr id="2" name="Title 1"/>
@@ -9655,644 +9642,53 @@
             <p:ph type="title"/>
           </p:nvPr>
         </p:nvSpPr>
-        <p:spPr>
-          <a:xfrm>
-            <a:off x="838200" y="288007"/>
-            <a:ext cx="10515600" cy="1325563"/>
-          </a:xfrm>
-        </p:spPr>
+        <p:spPr/>
         <p:txBody>
           <a:bodyPr/>
-          <a:lstStyle/>
-          <a:p>
-            <a:pPr algn="ctr"/>
-            <a:r>
-              <a:rPr lang="en-US" b="1" dirty="0"/>
-              <a:t>More Examples</a:t>
-            </a:r>
-            <a:endParaRPr lang="en-US" b="1" dirty="0"/>
-          </a:p>
-        </p:txBody>
-      </p:sp>
-      <p:sp>
-        <p:nvSpPr>
-          <p:cNvPr id="4" name="Rectangle 3"/>
-          <p:cNvSpPr/>
-          <p:nvPr/>
-        </p:nvSpPr>
-        <p:spPr>
-          <a:xfrm>
-            <a:off x="838200" y="2000588"/>
-            <a:ext cx="6895011" cy="1200329"/>
-          </a:xfrm>
-          <a:prstGeom prst="rect">
-            <a:avLst/>
-          </a:prstGeom>
-          <a:solidFill>
-            <a:schemeClr val="accent4">
-              <a:lumMod val="20000"/>
-              <a:lumOff val="80000"/>
-            </a:schemeClr>
-          </a:solidFill>
-          <a:ln>
-            <a:solidFill>
-              <a:schemeClr val="accent1"/>
-            </a:solidFill>
-          </a:ln>
-        </p:spPr>
-        <p:txBody>
-          <a:bodyPr wrap="square">
-            <a:spAutoFit/>
-          </a:bodyPr>
-          <a:lstStyle/>
-          <a:p>
-            <a:r>
-              <a:rPr lang="pt-BR" b="1" dirty="0">
-                <a:solidFill>
-                  <a:srgbClr val="FF9900"/>
-                </a:solidFill>
-                <a:latin typeface="Courier New" panose="02070309020205020404" pitchFamily="49" charset="0"/>
-                <a:cs typeface="Courier New" panose="02070309020205020404" pitchFamily="49" charset="0"/>
-              </a:rPr>
-              <a:t>import</a:t>
-            </a:r>
-            <a:r>
-              <a:rPr lang="pt-BR" b="1" dirty="0">
-                <a:latin typeface="Courier New" panose="02070309020205020404" pitchFamily="49" charset="0"/>
-                <a:cs typeface="Courier New" panose="02070309020205020404" pitchFamily="49" charset="0"/>
-              </a:rPr>
-              <a:t> pandas </a:t>
-            </a:r>
-            <a:r>
-              <a:rPr lang="pt-BR" b="1" dirty="0">
-                <a:solidFill>
-                  <a:srgbClr val="FF9900"/>
-                </a:solidFill>
-                <a:latin typeface="Courier New" panose="02070309020205020404" pitchFamily="49" charset="0"/>
-                <a:cs typeface="Courier New" panose="02070309020205020404" pitchFamily="49" charset="0"/>
-              </a:rPr>
-              <a:t>as</a:t>
-            </a:r>
-            <a:r>
-              <a:rPr lang="pt-BR" b="1" dirty="0">
-                <a:latin typeface="Courier New" panose="02070309020205020404" pitchFamily="49" charset="0"/>
-                <a:cs typeface="Courier New" panose="02070309020205020404" pitchFamily="49" charset="0"/>
-              </a:rPr>
-              <a:t> pd</a:t>
-            </a:r>
-            <a:endParaRPr lang="pt-BR" b="1" dirty="0">
-              <a:latin typeface="Courier New" panose="02070309020205020404" pitchFamily="49" charset="0"/>
-              <a:cs typeface="Courier New" panose="02070309020205020404" pitchFamily="49" charset="0"/>
-            </a:endParaRPr>
-          </a:p>
-          <a:p>
-            <a:r>
-              <a:rPr lang="pt-BR" b="1" dirty="0">
-                <a:latin typeface="Courier New" panose="02070309020205020404" pitchFamily="49" charset="0"/>
-                <a:cs typeface="Courier New" panose="02070309020205020404" pitchFamily="49" charset="0"/>
-              </a:rPr>
-              <a:t>data </a:t>
-            </a:r>
-            <a:r>
-              <a:rPr lang="pt-BR" b="1" dirty="0">
-                <a:solidFill>
-                  <a:srgbClr val="3E999F"/>
-                </a:solidFill>
-                <a:latin typeface="Courier New" panose="02070309020205020404" pitchFamily="49" charset="0"/>
-                <a:cs typeface="Courier New" panose="02070309020205020404" pitchFamily="49" charset="0"/>
-              </a:rPr>
-              <a:t>=</a:t>
-            </a:r>
-            <a:r>
-              <a:rPr lang="pt-BR" b="1" dirty="0">
-                <a:latin typeface="Courier New" panose="02070309020205020404" pitchFamily="49" charset="0"/>
-                <a:cs typeface="Courier New" panose="02070309020205020404" pitchFamily="49" charset="0"/>
-              </a:rPr>
-              <a:t> [1,2,3,10,20,30]</a:t>
-            </a:r>
-            <a:endParaRPr lang="pt-BR" b="1" dirty="0">
-              <a:latin typeface="Courier New" panose="02070309020205020404" pitchFamily="49" charset="0"/>
-              <a:cs typeface="Courier New" panose="02070309020205020404" pitchFamily="49" charset="0"/>
-            </a:endParaRPr>
-          </a:p>
-          <a:p>
-            <a:r>
-              <a:rPr lang="pt-BR" b="1" dirty="0">
-                <a:latin typeface="Courier New" panose="02070309020205020404" pitchFamily="49" charset="0"/>
-                <a:cs typeface="Courier New" panose="02070309020205020404" pitchFamily="49" charset="0"/>
-              </a:rPr>
-              <a:t>df </a:t>
-            </a:r>
-            <a:r>
-              <a:rPr lang="pt-BR" b="1" dirty="0">
-                <a:solidFill>
-                  <a:srgbClr val="3E999F"/>
-                </a:solidFill>
-                <a:latin typeface="Courier New" panose="02070309020205020404" pitchFamily="49" charset="0"/>
-                <a:cs typeface="Courier New" panose="02070309020205020404" pitchFamily="49" charset="0"/>
-              </a:rPr>
-              <a:t>=</a:t>
-            </a:r>
-            <a:r>
-              <a:rPr lang="pt-BR" b="1" dirty="0">
-                <a:latin typeface="Courier New" panose="02070309020205020404" pitchFamily="49" charset="0"/>
-                <a:cs typeface="Courier New" panose="02070309020205020404" pitchFamily="49" charset="0"/>
-              </a:rPr>
-              <a:t> pd.</a:t>
-            </a:r>
-            <a:r>
-              <a:rPr lang="pt-BR" b="1" dirty="0">
-                <a:solidFill>
-                  <a:srgbClr val="4271AE"/>
-                </a:solidFill>
-                <a:latin typeface="Courier New" panose="02070309020205020404" pitchFamily="49" charset="0"/>
-                <a:cs typeface="Courier New" panose="02070309020205020404" pitchFamily="49" charset="0"/>
-              </a:rPr>
-              <a:t>DataFrame</a:t>
-            </a:r>
-            <a:r>
-              <a:rPr lang="pt-BR" b="1" dirty="0">
-                <a:latin typeface="Courier New" panose="02070309020205020404" pitchFamily="49" charset="0"/>
-                <a:cs typeface="Courier New" panose="02070309020205020404" pitchFamily="49" charset="0"/>
-              </a:rPr>
-              <a:t>(data)</a:t>
-            </a:r>
-            <a:endParaRPr lang="pt-BR" b="1" dirty="0">
-              <a:latin typeface="Courier New" panose="02070309020205020404" pitchFamily="49" charset="0"/>
-              <a:cs typeface="Courier New" panose="02070309020205020404" pitchFamily="49" charset="0"/>
-            </a:endParaRPr>
-          </a:p>
-          <a:p>
-            <a:r>
-              <a:rPr lang="pt-BR" b="1" dirty="0">
-                <a:latin typeface="Courier New" panose="02070309020205020404" pitchFamily="49" charset="0"/>
-                <a:cs typeface="Courier New" panose="02070309020205020404" pitchFamily="49" charset="0"/>
-              </a:rPr>
-              <a:t>print(df)</a:t>
-            </a:r>
-            <a:endParaRPr lang="en-US" b="1" dirty="0">
-              <a:latin typeface="Courier New" panose="02070309020205020404" pitchFamily="49" charset="0"/>
-              <a:cs typeface="Courier New" panose="02070309020205020404" pitchFamily="49" charset="0"/>
-            </a:endParaRPr>
-          </a:p>
-        </p:txBody>
-      </p:sp>
-      <p:sp>
-        <p:nvSpPr>
-          <p:cNvPr id="5" name="Rectangle 4"/>
-          <p:cNvSpPr/>
-          <p:nvPr/>
-        </p:nvSpPr>
-        <p:spPr>
-          <a:xfrm>
-            <a:off x="838200" y="4788265"/>
-            <a:ext cx="6895011" cy="1200329"/>
-          </a:xfrm>
-          <a:prstGeom prst="rect">
-            <a:avLst/>
-          </a:prstGeom>
-          <a:solidFill>
-            <a:schemeClr val="accent4">
-              <a:lumMod val="20000"/>
-              <a:lumOff val="80000"/>
-            </a:schemeClr>
-          </a:solidFill>
-          <a:ln>
-            <a:solidFill>
-              <a:schemeClr val="accent1"/>
-            </a:solidFill>
-          </a:ln>
-        </p:spPr>
-        <p:txBody>
-          <a:bodyPr wrap="square">
-            <a:spAutoFit/>
-          </a:bodyPr>
-          <a:lstStyle/>
-          <a:p>
-            <a:r>
-              <a:rPr lang="pt-BR" b="1" dirty="0">
-                <a:solidFill>
-                  <a:srgbClr val="FF9900"/>
-                </a:solidFill>
-                <a:latin typeface="Courier New" panose="02070309020205020404" pitchFamily="49" charset="0"/>
-                <a:cs typeface="Courier New" panose="02070309020205020404" pitchFamily="49" charset="0"/>
-              </a:rPr>
-              <a:t>import</a:t>
-            </a:r>
-            <a:r>
-              <a:rPr lang="pt-BR" b="1" dirty="0">
-                <a:latin typeface="Courier New" panose="02070309020205020404" pitchFamily="49" charset="0"/>
-                <a:cs typeface="Courier New" panose="02070309020205020404" pitchFamily="49" charset="0"/>
-              </a:rPr>
-              <a:t> pandas </a:t>
-            </a:r>
-            <a:r>
-              <a:rPr lang="pt-BR" b="1" dirty="0">
-                <a:solidFill>
-                  <a:srgbClr val="FF9900"/>
-                </a:solidFill>
-                <a:latin typeface="Courier New" panose="02070309020205020404" pitchFamily="49" charset="0"/>
-                <a:cs typeface="Courier New" panose="02070309020205020404" pitchFamily="49" charset="0"/>
-              </a:rPr>
-              <a:t>as</a:t>
-            </a:r>
-            <a:r>
-              <a:rPr lang="pt-BR" b="1" dirty="0">
-                <a:latin typeface="Courier New" panose="02070309020205020404" pitchFamily="49" charset="0"/>
-                <a:cs typeface="Courier New" panose="02070309020205020404" pitchFamily="49" charset="0"/>
-              </a:rPr>
-              <a:t> pd</a:t>
-            </a:r>
-            <a:endParaRPr lang="pt-BR" b="1" dirty="0">
-              <a:latin typeface="Courier New" panose="02070309020205020404" pitchFamily="49" charset="0"/>
-              <a:cs typeface="Courier New" panose="02070309020205020404" pitchFamily="49" charset="0"/>
-            </a:endParaRPr>
-          </a:p>
-          <a:p>
-            <a:r>
-              <a:rPr lang="pt-BR" b="1" dirty="0">
-                <a:latin typeface="Courier New" panose="02070309020205020404" pitchFamily="49" charset="0"/>
-                <a:cs typeface="Courier New" panose="02070309020205020404" pitchFamily="49" charset="0"/>
-              </a:rPr>
-              <a:t>data </a:t>
-            </a:r>
-            <a:r>
-              <a:rPr lang="pt-BR" b="1" dirty="0">
-                <a:solidFill>
-                  <a:srgbClr val="3E999F"/>
-                </a:solidFill>
-                <a:latin typeface="Courier New" panose="02070309020205020404" pitchFamily="49" charset="0"/>
-                <a:cs typeface="Courier New" panose="02070309020205020404" pitchFamily="49" charset="0"/>
-              </a:rPr>
-              <a:t>=</a:t>
-            </a:r>
-            <a:r>
-              <a:rPr lang="pt-BR" b="1" dirty="0">
-                <a:latin typeface="Courier New" panose="02070309020205020404" pitchFamily="49" charset="0"/>
-                <a:cs typeface="Courier New" panose="02070309020205020404" pitchFamily="49" charset="0"/>
-              </a:rPr>
-              <a:t> {</a:t>
-            </a:r>
-            <a:r>
-              <a:rPr lang="en-US" b="1" dirty="0">
-                <a:solidFill>
-                  <a:srgbClr val="718C00"/>
-                </a:solidFill>
-                <a:latin typeface="Courier New" panose="02070309020205020404" pitchFamily="49" charset="0"/>
-                <a:cs typeface="Courier New" panose="02070309020205020404" pitchFamily="49" charset="0"/>
-              </a:rPr>
-              <a:t>'</a:t>
-            </a:r>
-            <a:r>
-              <a:rPr lang="pt-BR" b="1" dirty="0">
-                <a:solidFill>
-                  <a:srgbClr val="718C00"/>
-                </a:solidFill>
-                <a:latin typeface="Courier New" panose="02070309020205020404" pitchFamily="49" charset="0"/>
-                <a:cs typeface="Courier New" panose="02070309020205020404" pitchFamily="49" charset="0"/>
-              </a:rPr>
-              <a:t>Name</a:t>
-            </a:r>
-            <a:r>
-              <a:rPr lang="en-US" b="1" dirty="0">
-                <a:solidFill>
-                  <a:srgbClr val="718C00"/>
-                </a:solidFill>
-                <a:latin typeface="Courier New" panose="02070309020205020404" pitchFamily="49" charset="0"/>
-                <a:cs typeface="Courier New" panose="02070309020205020404" pitchFamily="49" charset="0"/>
-              </a:rPr>
-              <a:t>'</a:t>
-            </a:r>
-            <a:r>
-              <a:rPr lang="pt-BR" b="1" dirty="0">
-                <a:solidFill>
-                  <a:srgbClr val="718C00"/>
-                </a:solidFill>
-                <a:latin typeface="Courier New" panose="02070309020205020404" pitchFamily="49" charset="0"/>
-                <a:cs typeface="Courier New" panose="02070309020205020404" pitchFamily="49" charset="0"/>
-              </a:rPr>
-              <a:t> </a:t>
-            </a:r>
-            <a:r>
-              <a:rPr lang="pt-BR" b="1" dirty="0">
-                <a:latin typeface="Courier New" panose="02070309020205020404" pitchFamily="49" charset="0"/>
-                <a:cs typeface="Courier New" panose="02070309020205020404" pitchFamily="49" charset="0"/>
-              </a:rPr>
-              <a:t>: [</a:t>
-            </a:r>
-            <a:r>
-              <a:rPr lang="en-US" b="1" dirty="0">
-                <a:solidFill>
-                  <a:srgbClr val="718C00"/>
-                </a:solidFill>
-                <a:latin typeface="Courier New" panose="02070309020205020404" pitchFamily="49" charset="0"/>
-                <a:cs typeface="Courier New" panose="02070309020205020404" pitchFamily="49" charset="0"/>
-              </a:rPr>
-              <a:t>'</a:t>
-            </a:r>
-            <a:r>
-              <a:rPr lang="pt-BR" b="1" dirty="0">
-                <a:solidFill>
-                  <a:srgbClr val="718C00"/>
-                </a:solidFill>
-                <a:latin typeface="Courier New" panose="02070309020205020404" pitchFamily="49" charset="0"/>
-                <a:cs typeface="Courier New" panose="02070309020205020404" pitchFamily="49" charset="0"/>
-              </a:rPr>
-              <a:t>AA</a:t>
-            </a:r>
-            <a:r>
-              <a:rPr lang="en-US" b="1" dirty="0">
-                <a:solidFill>
-                  <a:srgbClr val="718C00"/>
-                </a:solidFill>
-                <a:latin typeface="Courier New" panose="02070309020205020404" pitchFamily="49" charset="0"/>
-                <a:cs typeface="Courier New" panose="02070309020205020404" pitchFamily="49" charset="0"/>
-              </a:rPr>
-              <a:t>',</a:t>
-            </a:r>
-            <a:r>
-              <a:rPr lang="pt-BR" b="1" dirty="0">
-                <a:latin typeface="Courier New" panose="02070309020205020404" pitchFamily="49" charset="0"/>
-                <a:cs typeface="Courier New" panose="02070309020205020404" pitchFamily="49" charset="0"/>
-              </a:rPr>
-              <a:t> </a:t>
-            </a:r>
-            <a:r>
-              <a:rPr lang="en-US" b="1" dirty="0">
-                <a:solidFill>
-                  <a:srgbClr val="718C00"/>
-                </a:solidFill>
-                <a:latin typeface="Courier New" panose="02070309020205020404" pitchFamily="49" charset="0"/>
-                <a:cs typeface="Courier New" panose="02070309020205020404" pitchFamily="49" charset="0"/>
-              </a:rPr>
-              <a:t>'BB'</a:t>
-            </a:r>
-            <a:r>
-              <a:rPr lang="pt-BR" b="1" dirty="0">
-                <a:latin typeface="Courier New" panose="02070309020205020404" pitchFamily="49" charset="0"/>
-                <a:cs typeface="Courier New" panose="02070309020205020404" pitchFamily="49" charset="0"/>
-              </a:rPr>
-              <a:t>], </a:t>
-            </a:r>
-            <a:r>
-              <a:rPr lang="en-US" b="1" dirty="0">
-                <a:solidFill>
-                  <a:srgbClr val="718C00"/>
-                </a:solidFill>
-                <a:latin typeface="Courier New" panose="02070309020205020404" pitchFamily="49" charset="0"/>
-                <a:cs typeface="Courier New" panose="02070309020205020404" pitchFamily="49" charset="0"/>
-              </a:rPr>
-              <a:t>'</a:t>
-            </a:r>
-            <a:r>
-              <a:rPr lang="pt-BR" b="1" dirty="0">
-                <a:solidFill>
-                  <a:srgbClr val="718C00"/>
-                </a:solidFill>
-                <a:latin typeface="Courier New" panose="02070309020205020404" pitchFamily="49" charset="0"/>
-                <a:cs typeface="Courier New" panose="02070309020205020404" pitchFamily="49" charset="0"/>
-              </a:rPr>
-              <a:t>Age</a:t>
-            </a:r>
-            <a:r>
-              <a:rPr lang="en-US" b="1" dirty="0">
-                <a:solidFill>
-                  <a:srgbClr val="718C00"/>
-                </a:solidFill>
-                <a:latin typeface="Courier New" panose="02070309020205020404" pitchFamily="49" charset="0"/>
-                <a:cs typeface="Courier New" panose="02070309020205020404" pitchFamily="49" charset="0"/>
-              </a:rPr>
-              <a:t>'</a:t>
-            </a:r>
-            <a:r>
-              <a:rPr lang="pt-BR" b="1" dirty="0">
-                <a:latin typeface="Courier New" panose="02070309020205020404" pitchFamily="49" charset="0"/>
-                <a:cs typeface="Courier New" panose="02070309020205020404" pitchFamily="49" charset="0"/>
-              </a:rPr>
-              <a:t>: [30,45]}</a:t>
-            </a:r>
-            <a:endParaRPr lang="pt-BR" b="1" dirty="0">
-              <a:latin typeface="Courier New" panose="02070309020205020404" pitchFamily="49" charset="0"/>
-              <a:cs typeface="Courier New" panose="02070309020205020404" pitchFamily="49" charset="0"/>
-            </a:endParaRPr>
-          </a:p>
-          <a:p>
-            <a:r>
-              <a:rPr lang="pt-BR" b="1" dirty="0">
-                <a:latin typeface="Courier New" panose="02070309020205020404" pitchFamily="49" charset="0"/>
-                <a:cs typeface="Courier New" panose="02070309020205020404" pitchFamily="49" charset="0"/>
-              </a:rPr>
-              <a:t>df </a:t>
-            </a:r>
-            <a:r>
-              <a:rPr lang="pt-BR" b="1" dirty="0">
-                <a:solidFill>
-                  <a:srgbClr val="3E999F"/>
-                </a:solidFill>
-                <a:latin typeface="Courier New" panose="02070309020205020404" pitchFamily="49" charset="0"/>
-                <a:cs typeface="Courier New" panose="02070309020205020404" pitchFamily="49" charset="0"/>
-              </a:rPr>
-              <a:t>=</a:t>
-            </a:r>
-            <a:r>
-              <a:rPr lang="pt-BR" b="1" dirty="0">
-                <a:latin typeface="Courier New" panose="02070309020205020404" pitchFamily="49" charset="0"/>
-                <a:cs typeface="Courier New" panose="02070309020205020404" pitchFamily="49" charset="0"/>
-              </a:rPr>
-              <a:t> pd.</a:t>
-            </a:r>
-            <a:r>
-              <a:rPr lang="pt-BR" b="1" dirty="0">
-                <a:solidFill>
-                  <a:srgbClr val="4271AE"/>
-                </a:solidFill>
-                <a:latin typeface="Courier New" panose="02070309020205020404" pitchFamily="49" charset="0"/>
-                <a:cs typeface="Courier New" panose="02070309020205020404" pitchFamily="49" charset="0"/>
-              </a:rPr>
-              <a:t>DataFrame</a:t>
-            </a:r>
-            <a:r>
-              <a:rPr lang="pt-BR" b="1" dirty="0">
-                <a:latin typeface="Courier New" panose="02070309020205020404" pitchFamily="49" charset="0"/>
-                <a:cs typeface="Courier New" panose="02070309020205020404" pitchFamily="49" charset="0"/>
-              </a:rPr>
-              <a:t>(data)</a:t>
-            </a:r>
-            <a:endParaRPr lang="pt-BR" b="1" dirty="0">
-              <a:latin typeface="Courier New" panose="02070309020205020404" pitchFamily="49" charset="0"/>
-              <a:cs typeface="Courier New" panose="02070309020205020404" pitchFamily="49" charset="0"/>
-            </a:endParaRPr>
-          </a:p>
-          <a:p>
-            <a:r>
-              <a:rPr lang="pt-BR" b="1" dirty="0">
-                <a:latin typeface="Courier New" panose="02070309020205020404" pitchFamily="49" charset="0"/>
-                <a:cs typeface="Courier New" panose="02070309020205020404" pitchFamily="49" charset="0"/>
-              </a:rPr>
-              <a:t>print(df)</a:t>
-            </a:r>
-            <a:endParaRPr lang="en-US" b="1" dirty="0">
-              <a:latin typeface="Courier New" panose="02070309020205020404" pitchFamily="49" charset="0"/>
-              <a:cs typeface="Courier New" panose="02070309020205020404" pitchFamily="49" charset="0"/>
-            </a:endParaRPr>
-          </a:p>
-        </p:txBody>
-      </p:sp>
-      <p:pic>
-        <p:nvPicPr>
-          <p:cNvPr id="3" name="Picture 2"/>
-          <p:cNvPicPr>
-            <a:picLocks noChangeAspect="1"/>
-          </p:cNvPicPr>
-          <p:nvPr/>
-        </p:nvPicPr>
-        <p:blipFill>
-          <a:blip r:embed="rId1"/>
-          <a:stretch>
-            <a:fillRect/>
-          </a:stretch>
-        </p:blipFill>
-        <p:spPr>
-          <a:xfrm>
-            <a:off x="10179231" y="1809513"/>
-            <a:ext cx="976449" cy="2301630"/>
-          </a:xfrm>
-          <a:prstGeom prst="rect">
-            <a:avLst/>
-          </a:prstGeom>
-        </p:spPr>
-      </p:pic>
-      <p:sp>
-        <p:nvSpPr>
-          <p:cNvPr id="8" name="Right Arrow 7"/>
-          <p:cNvSpPr/>
-          <p:nvPr/>
-        </p:nvSpPr>
-        <p:spPr>
-          <a:xfrm>
-            <a:off x="8489755" y="2000588"/>
-            <a:ext cx="776177" cy="478465"/>
-          </a:xfrm>
-          <a:prstGeom prst="rightArrow">
-            <a:avLst/>
-          </a:prstGeom>
-        </p:spPr>
-        <p:style>
-          <a:lnRef idx="0">
-            <a:schemeClr val="accent5"/>
-          </a:lnRef>
-          <a:fillRef idx="3">
-            <a:schemeClr val="accent5"/>
-          </a:fillRef>
-          <a:effectRef idx="3">
-            <a:schemeClr val="accent5"/>
-          </a:effectRef>
-          <a:fontRef idx="minor">
-            <a:schemeClr val="lt1"/>
-          </a:fontRef>
-        </p:style>
-        <p:txBody>
-          <a:bodyPr rtlCol="0" anchor="ctr"/>
-          <a:lstStyle/>
-          <a:p>
-            <a:pPr algn="ctr"/>
-            <a:endParaRPr lang="en-US"/>
-          </a:p>
-        </p:txBody>
-      </p:sp>
-      <p:pic>
-        <p:nvPicPr>
-          <p:cNvPr id="9" name="Picture 8"/>
-          <p:cNvPicPr>
-            <a:picLocks noChangeAspect="1"/>
-          </p:cNvPicPr>
-          <p:nvPr/>
-        </p:nvPicPr>
-        <p:blipFill>
-          <a:blip r:embed="rId2"/>
-          <a:stretch>
-            <a:fillRect/>
-          </a:stretch>
-        </p:blipFill>
-        <p:spPr>
-          <a:xfrm>
-            <a:off x="9553285" y="4728114"/>
-            <a:ext cx="1800515" cy="1077231"/>
-          </a:xfrm>
-          <a:prstGeom prst="rect">
-            <a:avLst/>
-          </a:prstGeom>
-        </p:spPr>
-      </p:pic>
-      <p:sp>
-        <p:nvSpPr>
-          <p:cNvPr id="10" name="Right Arrow 9"/>
-          <p:cNvSpPr/>
-          <p:nvPr/>
-        </p:nvSpPr>
-        <p:spPr>
-          <a:xfrm>
-            <a:off x="8289458" y="4788265"/>
-            <a:ext cx="776177" cy="478465"/>
-          </a:xfrm>
-          <a:prstGeom prst="rightArrow">
-            <a:avLst/>
-          </a:prstGeom>
-        </p:spPr>
-        <p:style>
-          <a:lnRef idx="0">
-            <a:schemeClr val="accent5"/>
-          </a:lnRef>
-          <a:fillRef idx="3">
-            <a:schemeClr val="accent5"/>
-          </a:fillRef>
-          <a:effectRef idx="3">
-            <a:schemeClr val="accent5"/>
-          </a:effectRef>
-          <a:fontRef idx="minor">
-            <a:schemeClr val="lt1"/>
-          </a:fontRef>
-        </p:style>
-        <p:txBody>
-          <a:bodyPr rtlCol="0" anchor="ctr"/>
-          <a:lstStyle/>
-          <a:p>
-            <a:pPr algn="ctr"/>
-            <a:endParaRPr lang="en-US"/>
-          </a:p>
-        </p:txBody>
-      </p:sp>
-      <p:cxnSp>
-        <p:nvCxnSpPr>
-          <p:cNvPr id="12" name="Straight Connector 11"/>
-          <p:cNvCxnSpPr/>
-          <p:nvPr/>
-        </p:nvCxnSpPr>
-        <p:spPr>
-          <a:xfrm>
-            <a:off x="785948" y="4280962"/>
-            <a:ext cx="10630989" cy="0"/>
-          </a:xfrm>
-          <a:prstGeom prst="line">
-            <a:avLst/>
-          </a:prstGeom>
-          <a:ln w="38100"/>
-        </p:spPr>
-        <p:style>
-          <a:lnRef idx="3">
-            <a:schemeClr val="dk1"/>
-          </a:lnRef>
-          <a:fillRef idx="0">
-            <a:schemeClr val="dk1"/>
-          </a:fillRef>
-          <a:effectRef idx="2">
-            <a:schemeClr val="dk1"/>
-          </a:effectRef>
-          <a:fontRef idx="minor">
-            <a:schemeClr val="tx1"/>
-          </a:fontRef>
-        </p:style>
-      </p:cxnSp>
+          <a:p>
+            <a:r>
+              <a:rPr lang="en-US" altLang="en-GB"/>
+              <a:t>Missing data</a:t>
+            </a:r>
+            <a:endParaRPr lang="en-US" altLang="en-GB"/>
+          </a:p>
+        </p:txBody>
+      </p:sp>
+      <p:sp>
+        <p:nvSpPr>
+          <p:cNvPr id="3" name="Content Placeholder 2"/>
+          <p:cNvSpPr>
+            <a:spLocks noGrp="1"/>
+          </p:cNvSpPr>
+          <p:nvPr>
+            <p:ph idx="1"/>
+          </p:nvPr>
+        </p:nvSpPr>
+        <p:spPr/>
+        <p:txBody>
+          <a:bodyPr/>
+          <a:p>
+            <a:r>
+              <a:rPr lang="en-US" altLang="en-GB"/>
+              <a:t>Handling missing data is crucial for data cleaning and preprocessing. </a:t>
+            </a:r>
+            <a:endParaRPr lang="en-US" altLang="en-GB"/>
+          </a:p>
+          <a:p>
+            <a:r>
+              <a:rPr lang="en-US" altLang="en-GB"/>
+              <a:t>Pandas provides several methods to detect, remove, or fill missing values effectively.</a:t>
+            </a:r>
+            <a:endParaRPr lang="en-US" altLang="en-GB"/>
+          </a:p>
+          <a:p>
+            <a:endParaRPr lang="en-US" altLang="en-GB"/>
+          </a:p>
+          <a:p>
+            <a:endParaRPr lang="en-US" altLang="en-GB"/>
+          </a:p>
+        </p:txBody>
+      </p:sp>
     </p:spTree>
   </p:cSld>
   <p:clrMapOvr>
@@ -10310,14 +9706,7 @@
         <p:cNvGrpSpPr/>
         <p:nvPr/>
       </p:nvGrpSpPr>
-      <p:grpSpPr>
-        <a:xfrm>
-          <a:off x="0" y="0"/>
-          <a:ext cx="0" cy="0"/>
-          <a:chOff x="0" y="0"/>
-          <a:chExt cx="0" cy="0"/>
-        </a:xfrm>
-      </p:grpSpPr>
+      <p:grpSpPr/>
       <p:sp>
         <p:nvSpPr>
           <p:cNvPr id="2" name="Title 1"/>
@@ -10328,796 +9717,97 @@
             <p:ph type="title"/>
           </p:nvPr>
         </p:nvSpPr>
+        <p:spPr/>
+        <p:txBody>
+          <a:bodyPr/>
+          <a:p>
+            <a:r>
+              <a:rPr lang="en-US" altLang="en-GB"/>
+              <a:t>Detecting Missing Data</a:t>
+            </a:r>
+            <a:endParaRPr lang="en-US" altLang="en-GB"/>
+          </a:p>
+        </p:txBody>
+      </p:sp>
+      <p:sp>
+        <p:nvSpPr>
+          <p:cNvPr id="3" name="Content Placeholder 2"/>
+          <p:cNvSpPr>
+            <a:spLocks noGrp="1"/>
+          </p:cNvSpPr>
+          <p:nvPr>
+            <p:ph idx="1"/>
+          </p:nvPr>
+        </p:nvSpPr>
+        <p:spPr/>
+        <p:txBody>
+          <a:bodyPr/>
+          <a:p>
+            <a:r>
+              <a:rPr lang="en-US" altLang="en-GB"/>
+              <a:t>Pandas represents missing data as NaN (Not a Number). You can check for missing values using:</a:t>
+            </a:r>
+            <a:endParaRPr lang="en-US" altLang="en-GB"/>
+          </a:p>
+          <a:p>
+            <a:endParaRPr lang="en-US" altLang="en-GB"/>
+          </a:p>
+          <a:p>
+            <a:pPr marL="0" indent="0">
+              <a:buNone/>
+            </a:pPr>
+            <a:endParaRPr lang="en-US" altLang="en-GB"/>
+          </a:p>
+        </p:txBody>
+      </p:sp>
+      <p:pic>
+        <p:nvPicPr>
+          <p:cNvPr id="4" name="Picture 3"/>
+          <p:cNvPicPr>
+            <a:picLocks noChangeAspect="1"/>
+          </p:cNvPicPr>
+          <p:nvPr/>
+        </p:nvPicPr>
+        <p:blipFill>
+          <a:blip r:embed="rId1"/>
+          <a:stretch>
+            <a:fillRect/>
+          </a:stretch>
+        </p:blipFill>
         <p:spPr>
           <a:xfrm>
-            <a:off x="838200" y="136342"/>
-            <a:ext cx="10515600" cy="1161235"/>
-          </a:xfrm>
-        </p:spPr>
-        <p:txBody>
-          <a:bodyPr/>
-          <a:lstStyle/>
-          <a:p>
-            <a:pPr algn="ctr"/>
-            <a:r>
-              <a:rPr lang="en-US" b="1" dirty="0"/>
-              <a:t>More Examples</a:t>
-            </a:r>
-            <a:endParaRPr lang="en-US" b="1" dirty="0"/>
-          </a:p>
-        </p:txBody>
-      </p:sp>
-      <p:sp>
-        <p:nvSpPr>
-          <p:cNvPr id="4" name="Rectangle 3"/>
-          <p:cNvSpPr/>
-          <p:nvPr/>
-        </p:nvSpPr>
-        <p:spPr>
-          <a:xfrm>
-            <a:off x="420189" y="1744750"/>
-            <a:ext cx="7365274" cy="1200329"/>
+            <a:off x="419100" y="2649855"/>
+            <a:ext cx="5676900" cy="3962400"/>
           </a:xfrm>
           <a:prstGeom prst="rect">
             <a:avLst/>
           </a:prstGeom>
-          <a:solidFill>
-            <a:schemeClr val="accent4">
-              <a:lumMod val="20000"/>
-              <a:lumOff val="80000"/>
-            </a:schemeClr>
-          </a:solidFill>
-          <a:ln>
-            <a:solidFill>
-              <a:schemeClr val="accent1"/>
-            </a:solidFill>
-          </a:ln>
         </p:spPr>
-        <p:txBody>
-          <a:bodyPr wrap="square">
-            <a:spAutoFit/>
-          </a:bodyPr>
-          <a:lstStyle/>
-          <a:p>
-            <a:r>
-              <a:rPr lang="pt-BR" b="1" dirty="0">
-                <a:solidFill>
-                  <a:srgbClr val="FF9900"/>
-                </a:solidFill>
-                <a:latin typeface="Courier New" panose="02070309020205020404" pitchFamily="49" charset="0"/>
-                <a:cs typeface="Courier New" panose="02070309020205020404" pitchFamily="49" charset="0"/>
-              </a:rPr>
-              <a:t>import</a:t>
-            </a:r>
-            <a:r>
-              <a:rPr lang="pt-BR" b="1" dirty="0">
-                <a:latin typeface="Courier New" panose="02070309020205020404" pitchFamily="49" charset="0"/>
-                <a:cs typeface="Courier New" panose="02070309020205020404" pitchFamily="49" charset="0"/>
-              </a:rPr>
-              <a:t> pandas </a:t>
-            </a:r>
-            <a:r>
-              <a:rPr lang="pt-BR" b="1" dirty="0">
-                <a:solidFill>
-                  <a:srgbClr val="FF9900"/>
-                </a:solidFill>
-                <a:latin typeface="Courier New" panose="02070309020205020404" pitchFamily="49" charset="0"/>
-                <a:cs typeface="Courier New" panose="02070309020205020404" pitchFamily="49" charset="0"/>
-              </a:rPr>
-              <a:t>as</a:t>
-            </a:r>
-            <a:r>
-              <a:rPr lang="pt-BR" b="1" dirty="0">
-                <a:latin typeface="Courier New" panose="02070309020205020404" pitchFamily="49" charset="0"/>
-                <a:cs typeface="Courier New" panose="02070309020205020404" pitchFamily="49" charset="0"/>
-              </a:rPr>
-              <a:t> pd</a:t>
-            </a:r>
-            <a:endParaRPr lang="pt-BR" b="1" dirty="0">
-              <a:latin typeface="Courier New" panose="02070309020205020404" pitchFamily="49" charset="0"/>
-              <a:cs typeface="Courier New" panose="02070309020205020404" pitchFamily="49" charset="0"/>
-            </a:endParaRPr>
-          </a:p>
-          <a:p>
-            <a:r>
-              <a:rPr lang="pt-BR" b="1" dirty="0">
-                <a:latin typeface="Courier New" panose="02070309020205020404" pitchFamily="49" charset="0"/>
-                <a:cs typeface="Courier New" panose="02070309020205020404" pitchFamily="49" charset="0"/>
-              </a:rPr>
-              <a:t>data = [{</a:t>
-            </a:r>
-            <a:r>
-              <a:rPr lang="pt-BR" b="1" dirty="0">
-                <a:solidFill>
-                  <a:srgbClr val="718C00"/>
-                </a:solidFill>
-                <a:latin typeface="Courier New" panose="02070309020205020404" pitchFamily="49" charset="0"/>
-                <a:cs typeface="Courier New" panose="02070309020205020404" pitchFamily="49" charset="0"/>
-              </a:rPr>
-              <a:t>'a'</a:t>
-            </a:r>
-            <a:r>
-              <a:rPr lang="pt-BR" b="1" dirty="0">
-                <a:latin typeface="Courier New" panose="02070309020205020404" pitchFamily="49" charset="0"/>
-                <a:cs typeface="Courier New" panose="02070309020205020404" pitchFamily="49" charset="0"/>
-              </a:rPr>
-              <a:t>: 1, </a:t>
-            </a:r>
-            <a:r>
-              <a:rPr lang="pt-BR" b="1" dirty="0">
-                <a:solidFill>
-                  <a:srgbClr val="718C00"/>
-                </a:solidFill>
-                <a:latin typeface="Courier New" panose="02070309020205020404" pitchFamily="49" charset="0"/>
-                <a:cs typeface="Courier New" panose="02070309020205020404" pitchFamily="49" charset="0"/>
-              </a:rPr>
-              <a:t>'b'</a:t>
-            </a:r>
-            <a:r>
-              <a:rPr lang="pt-BR" b="1" dirty="0">
-                <a:latin typeface="Courier New" panose="02070309020205020404" pitchFamily="49" charset="0"/>
-                <a:cs typeface="Courier New" panose="02070309020205020404" pitchFamily="49" charset="0"/>
-              </a:rPr>
-              <a:t>: 2},{</a:t>
-            </a:r>
-            <a:r>
-              <a:rPr lang="pt-BR" b="1" dirty="0">
-                <a:solidFill>
-                  <a:srgbClr val="718C00"/>
-                </a:solidFill>
-                <a:latin typeface="Courier New" panose="02070309020205020404" pitchFamily="49" charset="0"/>
-                <a:cs typeface="Courier New" panose="02070309020205020404" pitchFamily="49" charset="0"/>
-              </a:rPr>
-              <a:t>'a'</a:t>
-            </a:r>
-            <a:r>
-              <a:rPr lang="pt-BR" b="1" dirty="0">
-                <a:latin typeface="Courier New" panose="02070309020205020404" pitchFamily="49" charset="0"/>
-                <a:cs typeface="Courier New" panose="02070309020205020404" pitchFamily="49" charset="0"/>
-              </a:rPr>
-              <a:t>: 5, </a:t>
-            </a:r>
-            <a:r>
-              <a:rPr lang="pt-BR" b="1" dirty="0">
-                <a:solidFill>
-                  <a:srgbClr val="718C00"/>
-                </a:solidFill>
-                <a:latin typeface="Courier New" panose="02070309020205020404" pitchFamily="49" charset="0"/>
-                <a:cs typeface="Courier New" panose="02070309020205020404" pitchFamily="49" charset="0"/>
-              </a:rPr>
-              <a:t>'b'</a:t>
-            </a:r>
-            <a:r>
-              <a:rPr lang="pt-BR" b="1" dirty="0">
-                <a:latin typeface="Courier New" panose="02070309020205020404" pitchFamily="49" charset="0"/>
-                <a:cs typeface="Courier New" panose="02070309020205020404" pitchFamily="49" charset="0"/>
-              </a:rPr>
-              <a:t>: 10, </a:t>
-            </a:r>
-            <a:r>
-              <a:rPr lang="pt-BR" b="1" dirty="0">
-                <a:solidFill>
-                  <a:srgbClr val="718C00"/>
-                </a:solidFill>
-                <a:latin typeface="Courier New" panose="02070309020205020404" pitchFamily="49" charset="0"/>
-                <a:cs typeface="Courier New" panose="02070309020205020404" pitchFamily="49" charset="0"/>
-              </a:rPr>
-              <a:t>'c'</a:t>
-            </a:r>
-            <a:r>
-              <a:rPr lang="pt-BR" b="1" dirty="0">
-                <a:latin typeface="Courier New" panose="02070309020205020404" pitchFamily="49" charset="0"/>
-                <a:cs typeface="Courier New" panose="02070309020205020404" pitchFamily="49" charset="0"/>
-              </a:rPr>
-              <a:t>: 20}]</a:t>
-            </a:r>
-            <a:endParaRPr lang="pt-BR" b="1" dirty="0">
-              <a:latin typeface="Courier New" panose="02070309020205020404" pitchFamily="49" charset="0"/>
-              <a:cs typeface="Courier New" panose="02070309020205020404" pitchFamily="49" charset="0"/>
-            </a:endParaRPr>
-          </a:p>
-          <a:p>
-            <a:r>
-              <a:rPr lang="pt-BR" b="1" dirty="0">
-                <a:latin typeface="Courier New" panose="02070309020205020404" pitchFamily="49" charset="0"/>
-                <a:cs typeface="Courier New" panose="02070309020205020404" pitchFamily="49" charset="0"/>
-              </a:rPr>
-              <a:t>df = pd.</a:t>
-            </a:r>
-            <a:r>
-              <a:rPr lang="pt-BR" b="1" dirty="0">
-                <a:solidFill>
-                  <a:srgbClr val="4271AE"/>
-                </a:solidFill>
-                <a:latin typeface="Courier New" panose="02070309020205020404" pitchFamily="49" charset="0"/>
-                <a:cs typeface="Courier New" panose="02070309020205020404" pitchFamily="49" charset="0"/>
-              </a:rPr>
-              <a:t>DataFrame</a:t>
-            </a:r>
-            <a:r>
-              <a:rPr lang="pt-BR" b="1" dirty="0">
-                <a:latin typeface="Courier New" panose="02070309020205020404" pitchFamily="49" charset="0"/>
-                <a:cs typeface="Courier New" panose="02070309020205020404" pitchFamily="49" charset="0"/>
-              </a:rPr>
-              <a:t>(data)</a:t>
-            </a:r>
-            <a:endParaRPr lang="pt-BR" b="1" dirty="0">
-              <a:latin typeface="Courier New" panose="02070309020205020404" pitchFamily="49" charset="0"/>
-              <a:cs typeface="Courier New" panose="02070309020205020404" pitchFamily="49" charset="0"/>
-            </a:endParaRPr>
-          </a:p>
-          <a:p>
-            <a:r>
-              <a:rPr lang="pt-BR" b="1" dirty="0">
-                <a:latin typeface="Courier New" panose="02070309020205020404" pitchFamily="49" charset="0"/>
-                <a:cs typeface="Courier New" panose="02070309020205020404" pitchFamily="49" charset="0"/>
-              </a:rPr>
-              <a:t>print(df)</a:t>
-            </a:r>
-            <a:endParaRPr lang="en-US" b="1" dirty="0">
-              <a:latin typeface="Courier New" panose="02070309020205020404" pitchFamily="49" charset="0"/>
-              <a:cs typeface="Courier New" panose="02070309020205020404" pitchFamily="49" charset="0"/>
-            </a:endParaRPr>
-          </a:p>
-        </p:txBody>
-      </p:sp>
-      <p:sp>
-        <p:nvSpPr>
-          <p:cNvPr id="5" name="Rectangle 4"/>
-          <p:cNvSpPr/>
+      </p:pic>
+      <p:pic>
+        <p:nvPicPr>
+          <p:cNvPr id="5" name="Picture 4"/>
+          <p:cNvPicPr>
+            <a:picLocks noChangeAspect="1"/>
+          </p:cNvPicPr>
           <p:nvPr/>
-        </p:nvSpPr>
+        </p:nvPicPr>
+        <p:blipFill>
+          <a:blip r:embed="rId2"/>
+          <a:stretch>
+            <a:fillRect/>
+          </a:stretch>
+        </p:blipFill>
         <p:spPr>
           <a:xfrm>
-            <a:off x="420189" y="3983775"/>
-            <a:ext cx="7365274" cy="1200329"/>
+            <a:off x="7354570" y="2277745"/>
+            <a:ext cx="3533140" cy="4334510"/>
           </a:xfrm>
           <a:prstGeom prst="rect">
             <a:avLst/>
           </a:prstGeom>
-          <a:solidFill>
-            <a:schemeClr val="accent4">
-              <a:lumMod val="20000"/>
-              <a:lumOff val="80000"/>
-            </a:schemeClr>
-          </a:solidFill>
-          <a:ln>
-            <a:solidFill>
-              <a:schemeClr val="accent1"/>
-            </a:solidFill>
-          </a:ln>
         </p:spPr>
-        <p:txBody>
-          <a:bodyPr wrap="square">
-            <a:spAutoFit/>
-          </a:bodyPr>
-          <a:lstStyle/>
-          <a:p>
-            <a:r>
-              <a:rPr lang="pt-BR" b="1" dirty="0">
-                <a:solidFill>
-                  <a:srgbClr val="FF9900"/>
-                </a:solidFill>
-                <a:latin typeface="Courier New" panose="02070309020205020404" pitchFamily="49" charset="0"/>
-                <a:cs typeface="Courier New" panose="02070309020205020404" pitchFamily="49" charset="0"/>
-              </a:rPr>
-              <a:t>import</a:t>
-            </a:r>
-            <a:r>
-              <a:rPr lang="pt-BR" b="1" dirty="0">
-                <a:latin typeface="Courier New" panose="02070309020205020404" pitchFamily="49" charset="0"/>
-                <a:cs typeface="Courier New" panose="02070309020205020404" pitchFamily="49" charset="0"/>
-              </a:rPr>
-              <a:t> pandas </a:t>
-            </a:r>
-            <a:r>
-              <a:rPr lang="pt-BR" b="1" dirty="0">
-                <a:solidFill>
-                  <a:srgbClr val="FF9900"/>
-                </a:solidFill>
-                <a:latin typeface="Courier New" panose="02070309020205020404" pitchFamily="49" charset="0"/>
-                <a:cs typeface="Courier New" panose="02070309020205020404" pitchFamily="49" charset="0"/>
-              </a:rPr>
-              <a:t>as</a:t>
-            </a:r>
-            <a:r>
-              <a:rPr lang="pt-BR" b="1" dirty="0">
-                <a:latin typeface="Courier New" panose="02070309020205020404" pitchFamily="49" charset="0"/>
-                <a:cs typeface="Courier New" panose="02070309020205020404" pitchFamily="49" charset="0"/>
-              </a:rPr>
-              <a:t> pd</a:t>
-            </a:r>
-            <a:endParaRPr lang="pt-BR" b="1" dirty="0">
-              <a:latin typeface="Courier New" panose="02070309020205020404" pitchFamily="49" charset="0"/>
-              <a:cs typeface="Courier New" panose="02070309020205020404" pitchFamily="49" charset="0"/>
-            </a:endParaRPr>
-          </a:p>
-          <a:p>
-            <a:r>
-              <a:rPr lang="pt-BR" b="1" dirty="0">
-                <a:latin typeface="Courier New" panose="02070309020205020404" pitchFamily="49" charset="0"/>
-                <a:cs typeface="Courier New" panose="02070309020205020404" pitchFamily="49" charset="0"/>
-              </a:rPr>
-              <a:t>data = [{</a:t>
-            </a:r>
-            <a:r>
-              <a:rPr lang="pt-BR" b="1" dirty="0">
-                <a:solidFill>
-                  <a:srgbClr val="718C00"/>
-                </a:solidFill>
-                <a:latin typeface="Courier New" panose="02070309020205020404" pitchFamily="49" charset="0"/>
-                <a:cs typeface="Courier New" panose="02070309020205020404" pitchFamily="49" charset="0"/>
-              </a:rPr>
-              <a:t>'a'</a:t>
-            </a:r>
-            <a:r>
-              <a:rPr lang="pt-BR" b="1" dirty="0">
-                <a:latin typeface="Courier New" panose="02070309020205020404" pitchFamily="49" charset="0"/>
-                <a:cs typeface="Courier New" panose="02070309020205020404" pitchFamily="49" charset="0"/>
-              </a:rPr>
-              <a:t>: 1, </a:t>
-            </a:r>
-            <a:r>
-              <a:rPr lang="pt-BR" b="1" dirty="0">
-                <a:solidFill>
-                  <a:srgbClr val="718C00"/>
-                </a:solidFill>
-                <a:latin typeface="Courier New" panose="02070309020205020404" pitchFamily="49" charset="0"/>
-                <a:cs typeface="Courier New" panose="02070309020205020404" pitchFamily="49" charset="0"/>
-              </a:rPr>
-              <a:t>'b'</a:t>
-            </a:r>
-            <a:r>
-              <a:rPr lang="pt-BR" b="1" dirty="0">
-                <a:latin typeface="Courier New" panose="02070309020205020404" pitchFamily="49" charset="0"/>
-                <a:cs typeface="Courier New" panose="02070309020205020404" pitchFamily="49" charset="0"/>
-              </a:rPr>
-              <a:t>: 2},{</a:t>
-            </a:r>
-            <a:r>
-              <a:rPr lang="pt-BR" b="1" dirty="0">
-                <a:solidFill>
-                  <a:srgbClr val="718C00"/>
-                </a:solidFill>
-                <a:latin typeface="Courier New" panose="02070309020205020404" pitchFamily="49" charset="0"/>
-                <a:cs typeface="Courier New" panose="02070309020205020404" pitchFamily="49" charset="0"/>
-              </a:rPr>
-              <a:t>'a'</a:t>
-            </a:r>
-            <a:r>
-              <a:rPr lang="pt-BR" b="1" dirty="0">
-                <a:latin typeface="Courier New" panose="02070309020205020404" pitchFamily="49" charset="0"/>
-                <a:cs typeface="Courier New" panose="02070309020205020404" pitchFamily="49" charset="0"/>
-              </a:rPr>
-              <a:t>: 5, </a:t>
-            </a:r>
-            <a:r>
-              <a:rPr lang="pt-BR" b="1" dirty="0">
-                <a:solidFill>
-                  <a:srgbClr val="718C00"/>
-                </a:solidFill>
-                <a:latin typeface="Courier New" panose="02070309020205020404" pitchFamily="49" charset="0"/>
-                <a:cs typeface="Courier New" panose="02070309020205020404" pitchFamily="49" charset="0"/>
-              </a:rPr>
-              <a:t>'b'</a:t>
-            </a:r>
-            <a:r>
-              <a:rPr lang="pt-BR" b="1" dirty="0">
-                <a:latin typeface="Courier New" panose="02070309020205020404" pitchFamily="49" charset="0"/>
-                <a:cs typeface="Courier New" panose="02070309020205020404" pitchFamily="49" charset="0"/>
-              </a:rPr>
-              <a:t>: 10, </a:t>
-            </a:r>
-            <a:r>
-              <a:rPr lang="pt-BR" b="1" dirty="0">
-                <a:solidFill>
-                  <a:srgbClr val="718C00"/>
-                </a:solidFill>
-                <a:latin typeface="Courier New" panose="02070309020205020404" pitchFamily="49" charset="0"/>
-                <a:cs typeface="Courier New" panose="02070309020205020404" pitchFamily="49" charset="0"/>
-              </a:rPr>
-              <a:t>'c'</a:t>
-            </a:r>
-            <a:r>
-              <a:rPr lang="pt-BR" b="1" dirty="0">
-                <a:latin typeface="Courier New" panose="02070309020205020404" pitchFamily="49" charset="0"/>
-                <a:cs typeface="Courier New" panose="02070309020205020404" pitchFamily="49" charset="0"/>
-              </a:rPr>
-              <a:t>: 20}]</a:t>
-            </a:r>
-            <a:endParaRPr lang="pt-BR" b="1" dirty="0">
-              <a:latin typeface="Courier New" panose="02070309020205020404" pitchFamily="49" charset="0"/>
-              <a:cs typeface="Courier New" panose="02070309020205020404" pitchFamily="49" charset="0"/>
-            </a:endParaRPr>
-          </a:p>
-          <a:p>
-            <a:r>
-              <a:rPr lang="pt-BR" b="1" dirty="0">
-                <a:latin typeface="Courier New" panose="02070309020205020404" pitchFamily="49" charset="0"/>
-                <a:cs typeface="Courier New" panose="02070309020205020404" pitchFamily="49" charset="0"/>
-              </a:rPr>
-              <a:t>df = pd.</a:t>
-            </a:r>
-            <a:r>
-              <a:rPr lang="pt-BR" b="1" dirty="0">
-                <a:solidFill>
-                  <a:srgbClr val="4271AE"/>
-                </a:solidFill>
-                <a:latin typeface="Courier New" panose="02070309020205020404" pitchFamily="49" charset="0"/>
-                <a:cs typeface="Courier New" panose="02070309020205020404" pitchFamily="49" charset="0"/>
-              </a:rPr>
-              <a:t>DataFrame</a:t>
-            </a:r>
-            <a:r>
-              <a:rPr lang="pt-BR" b="1" dirty="0">
-                <a:latin typeface="Courier New" panose="02070309020205020404" pitchFamily="49" charset="0"/>
-                <a:cs typeface="Courier New" panose="02070309020205020404" pitchFamily="49" charset="0"/>
-              </a:rPr>
-              <a:t>(data, index=[</a:t>
-            </a:r>
-            <a:r>
-              <a:rPr lang="pt-BR" b="1" dirty="0">
-                <a:solidFill>
-                  <a:srgbClr val="718C00"/>
-                </a:solidFill>
-                <a:latin typeface="Courier New" panose="02070309020205020404" pitchFamily="49" charset="0"/>
-                <a:cs typeface="Courier New" panose="02070309020205020404" pitchFamily="49" charset="0"/>
-              </a:rPr>
-              <a:t>'first'</a:t>
-            </a:r>
-            <a:r>
-              <a:rPr lang="pt-BR" b="1" dirty="0">
-                <a:latin typeface="Courier New" panose="02070309020205020404" pitchFamily="49" charset="0"/>
-                <a:cs typeface="Courier New" panose="02070309020205020404" pitchFamily="49" charset="0"/>
-              </a:rPr>
-              <a:t>, </a:t>
-            </a:r>
-            <a:r>
-              <a:rPr lang="pt-BR" b="1" dirty="0">
-                <a:solidFill>
-                  <a:srgbClr val="718C00"/>
-                </a:solidFill>
-                <a:latin typeface="Courier New" panose="02070309020205020404" pitchFamily="49" charset="0"/>
-                <a:cs typeface="Courier New" panose="02070309020205020404" pitchFamily="49" charset="0"/>
-              </a:rPr>
-              <a:t>'second'</a:t>
-            </a:r>
-            <a:r>
-              <a:rPr lang="pt-BR" b="1" dirty="0">
-                <a:latin typeface="Courier New" panose="02070309020205020404" pitchFamily="49" charset="0"/>
-                <a:cs typeface="Courier New" panose="02070309020205020404" pitchFamily="49" charset="0"/>
-              </a:rPr>
-              <a:t>])</a:t>
-            </a:r>
-            <a:endParaRPr lang="pt-BR" b="1" dirty="0">
-              <a:latin typeface="Courier New" panose="02070309020205020404" pitchFamily="49" charset="0"/>
-              <a:cs typeface="Courier New" panose="02070309020205020404" pitchFamily="49" charset="0"/>
-            </a:endParaRPr>
-          </a:p>
-          <a:p>
-            <a:r>
-              <a:rPr lang="pt-BR" b="1" dirty="0">
-                <a:latin typeface="Courier New" panose="02070309020205020404" pitchFamily="49" charset="0"/>
-                <a:cs typeface="Courier New" panose="02070309020205020404" pitchFamily="49" charset="0"/>
-              </a:rPr>
-              <a:t>print(df)</a:t>
-            </a:r>
-            <a:endParaRPr lang="en-US" b="1" dirty="0">
-              <a:latin typeface="Courier New" panose="02070309020205020404" pitchFamily="49" charset="0"/>
-              <a:cs typeface="Courier New" panose="02070309020205020404" pitchFamily="49" charset="0"/>
-            </a:endParaRPr>
-          </a:p>
-        </p:txBody>
-      </p:sp>
-      <p:sp>
-        <p:nvSpPr>
-          <p:cNvPr id="7" name="Rectangle 6"/>
-          <p:cNvSpPr/>
-          <p:nvPr/>
-        </p:nvSpPr>
-        <p:spPr>
-          <a:xfrm>
-            <a:off x="8887098" y="1692812"/>
-            <a:ext cx="2886890" cy="1246495"/>
-          </a:xfrm>
-          <a:prstGeom prst="rect">
-            <a:avLst/>
-          </a:prstGeom>
-          <a:solidFill>
-            <a:schemeClr val="accent3">
-              <a:lumMod val="20000"/>
-              <a:lumOff val="80000"/>
-            </a:schemeClr>
-          </a:solidFill>
-          <a:ln>
-            <a:solidFill>
-              <a:schemeClr val="accent1"/>
-            </a:solidFill>
-          </a:ln>
-        </p:spPr>
-        <p:txBody>
-          <a:bodyPr wrap="square" lIns="91440" tIns="0" rIns="0" bIns="0">
-            <a:spAutoFit/>
-          </a:bodyPr>
-          <a:lstStyle/>
-          <a:p>
-            <a:pPr>
-              <a:lnSpc>
-                <a:spcPct val="150000"/>
-              </a:lnSpc>
-            </a:pPr>
-            <a:r>
-              <a:rPr lang="pl-PL" b="1" dirty="0">
-                <a:latin typeface="Courier New" panose="02070309020205020404" pitchFamily="49" charset="0"/>
-                <a:cs typeface="Courier New" panose="02070309020205020404" pitchFamily="49" charset="0"/>
-              </a:rPr>
-              <a:t> </a:t>
-            </a:r>
-            <a:r>
-              <a:rPr lang="en-US" b="1" dirty="0">
-                <a:latin typeface="Courier New" panose="02070309020205020404" pitchFamily="49" charset="0"/>
-                <a:cs typeface="Courier New" panose="02070309020205020404" pitchFamily="49" charset="0"/>
-              </a:rPr>
-              <a:t>  </a:t>
-            </a:r>
-            <a:r>
-              <a:rPr lang="pl-PL" b="1" dirty="0">
-                <a:latin typeface="Courier New" panose="02070309020205020404" pitchFamily="49" charset="0"/>
-                <a:cs typeface="Courier New" panose="02070309020205020404" pitchFamily="49" charset="0"/>
-              </a:rPr>
-              <a:t>a   b     c</a:t>
-            </a:r>
-            <a:endParaRPr lang="pl-PL" b="1" dirty="0">
-              <a:latin typeface="Courier New" panose="02070309020205020404" pitchFamily="49" charset="0"/>
-              <a:cs typeface="Courier New" panose="02070309020205020404" pitchFamily="49" charset="0"/>
-            </a:endParaRPr>
-          </a:p>
-          <a:p>
-            <a:pPr>
-              <a:lnSpc>
-                <a:spcPct val="150000"/>
-              </a:lnSpc>
-            </a:pPr>
-            <a:r>
-              <a:rPr lang="pl-PL" b="1" dirty="0">
-                <a:latin typeface="Courier New" panose="02070309020205020404" pitchFamily="49" charset="0"/>
-                <a:cs typeface="Courier New" panose="02070309020205020404" pitchFamily="49" charset="0"/>
-              </a:rPr>
-              <a:t>0  1   2   NaN</a:t>
-            </a:r>
-            <a:endParaRPr lang="pl-PL" b="1" dirty="0">
-              <a:latin typeface="Courier New" panose="02070309020205020404" pitchFamily="49" charset="0"/>
-              <a:cs typeface="Courier New" panose="02070309020205020404" pitchFamily="49" charset="0"/>
-            </a:endParaRPr>
-          </a:p>
-          <a:p>
-            <a:pPr>
-              <a:lnSpc>
-                <a:spcPct val="150000"/>
-              </a:lnSpc>
-            </a:pPr>
-            <a:r>
-              <a:rPr lang="pl-PL" b="1" dirty="0">
-                <a:latin typeface="Courier New" panose="02070309020205020404" pitchFamily="49" charset="0"/>
-                <a:cs typeface="Courier New" panose="02070309020205020404" pitchFamily="49" charset="0"/>
-              </a:rPr>
-              <a:t>1  5  10  20.0</a:t>
-            </a:r>
-            <a:endParaRPr lang="en-US" b="1" dirty="0">
-              <a:latin typeface="Courier New" panose="02070309020205020404" pitchFamily="49" charset="0"/>
-              <a:cs typeface="Courier New" panose="02070309020205020404" pitchFamily="49" charset="0"/>
-            </a:endParaRPr>
-          </a:p>
-        </p:txBody>
-      </p:sp>
-      <p:sp>
-        <p:nvSpPr>
-          <p:cNvPr id="8" name="Right Arrow 7"/>
-          <p:cNvSpPr/>
-          <p:nvPr/>
-        </p:nvSpPr>
-        <p:spPr>
-          <a:xfrm>
-            <a:off x="7994469" y="2085833"/>
-            <a:ext cx="644434" cy="496388"/>
-          </a:xfrm>
-          <a:prstGeom prst="rightArrow">
-            <a:avLst/>
-          </a:prstGeom>
-        </p:spPr>
-        <p:style>
-          <a:lnRef idx="0">
-            <a:schemeClr val="accent5"/>
-          </a:lnRef>
-          <a:fillRef idx="3">
-            <a:schemeClr val="accent5"/>
-          </a:fillRef>
-          <a:effectRef idx="3">
-            <a:schemeClr val="accent5"/>
-          </a:effectRef>
-          <a:fontRef idx="minor">
-            <a:schemeClr val="lt1"/>
-          </a:fontRef>
-        </p:style>
-        <p:txBody>
-          <a:bodyPr rtlCol="0" anchor="ctr"/>
-          <a:lstStyle/>
-          <a:p>
-            <a:pPr algn="ctr"/>
-            <a:endParaRPr lang="en-US"/>
-          </a:p>
-        </p:txBody>
-      </p:sp>
-      <p:sp>
-        <p:nvSpPr>
-          <p:cNvPr id="9" name="Rectangle 8"/>
-          <p:cNvSpPr/>
-          <p:nvPr/>
-        </p:nvSpPr>
-        <p:spPr>
-          <a:xfrm>
-            <a:off x="8887097" y="3983775"/>
-            <a:ext cx="2886891" cy="1246495"/>
-          </a:xfrm>
-          <a:prstGeom prst="rect">
-            <a:avLst/>
-          </a:prstGeom>
-          <a:solidFill>
-            <a:schemeClr val="accent3">
-              <a:lumMod val="20000"/>
-              <a:lumOff val="80000"/>
-            </a:schemeClr>
-          </a:solidFill>
-          <a:ln>
-            <a:solidFill>
-              <a:schemeClr val="accent1"/>
-            </a:solidFill>
-          </a:ln>
-        </p:spPr>
-        <p:txBody>
-          <a:bodyPr wrap="square" tIns="0" rIns="0" bIns="0">
-            <a:spAutoFit/>
-          </a:bodyPr>
-          <a:lstStyle/>
-          <a:p>
-            <a:pPr>
-              <a:lnSpc>
-                <a:spcPct val="150000"/>
-              </a:lnSpc>
-            </a:pPr>
-            <a:r>
-              <a:rPr lang="pl-PL" b="1" dirty="0">
-                <a:latin typeface="Courier New" panose="02070309020205020404" pitchFamily="49" charset="0"/>
-                <a:cs typeface="Courier New" panose="02070309020205020404" pitchFamily="49" charset="0"/>
-              </a:rPr>
-              <a:t> </a:t>
-            </a:r>
-            <a:r>
-              <a:rPr lang="en-US" b="1" dirty="0">
-                <a:latin typeface="Courier New" panose="02070309020205020404" pitchFamily="49" charset="0"/>
-                <a:cs typeface="Courier New" panose="02070309020205020404" pitchFamily="49" charset="0"/>
-              </a:rPr>
-              <a:t>       a   b     c</a:t>
-            </a:r>
-            <a:endParaRPr lang="en-US" b="1" dirty="0">
-              <a:latin typeface="Courier New" panose="02070309020205020404" pitchFamily="49" charset="0"/>
-              <a:cs typeface="Courier New" panose="02070309020205020404" pitchFamily="49" charset="0"/>
-            </a:endParaRPr>
-          </a:p>
-          <a:p>
-            <a:pPr>
-              <a:lnSpc>
-                <a:spcPct val="150000"/>
-              </a:lnSpc>
-            </a:pPr>
-            <a:r>
-              <a:rPr lang="en-US" b="1" dirty="0">
-                <a:latin typeface="Courier New" panose="02070309020205020404" pitchFamily="49" charset="0"/>
-                <a:cs typeface="Courier New" panose="02070309020205020404" pitchFamily="49" charset="0"/>
-              </a:rPr>
-              <a:t>first   1   2   </a:t>
-            </a:r>
-            <a:r>
-              <a:rPr lang="en-US" b="1" dirty="0" err="1">
-                <a:latin typeface="Courier New" panose="02070309020205020404" pitchFamily="49" charset="0"/>
-                <a:cs typeface="Courier New" panose="02070309020205020404" pitchFamily="49" charset="0"/>
-              </a:rPr>
-              <a:t>NaN</a:t>
-            </a:r>
-            <a:endParaRPr lang="en-US" b="1" dirty="0">
-              <a:latin typeface="Courier New" panose="02070309020205020404" pitchFamily="49" charset="0"/>
-              <a:cs typeface="Courier New" panose="02070309020205020404" pitchFamily="49" charset="0"/>
-            </a:endParaRPr>
-          </a:p>
-          <a:p>
-            <a:pPr>
-              <a:lnSpc>
-                <a:spcPct val="150000"/>
-              </a:lnSpc>
-            </a:pPr>
-            <a:r>
-              <a:rPr lang="en-US" b="1" dirty="0">
-                <a:latin typeface="Courier New" panose="02070309020205020404" pitchFamily="49" charset="0"/>
-                <a:cs typeface="Courier New" panose="02070309020205020404" pitchFamily="49" charset="0"/>
-              </a:rPr>
-              <a:t>second  5  10  20.0</a:t>
-            </a:r>
-            <a:endParaRPr lang="en-US" b="1" dirty="0">
-              <a:latin typeface="Courier New" panose="02070309020205020404" pitchFamily="49" charset="0"/>
-              <a:cs typeface="Courier New" panose="02070309020205020404" pitchFamily="49" charset="0"/>
-            </a:endParaRPr>
-          </a:p>
-        </p:txBody>
-      </p:sp>
-      <p:sp>
-        <p:nvSpPr>
-          <p:cNvPr id="10" name="Right Arrow 9"/>
-          <p:cNvSpPr/>
-          <p:nvPr/>
-        </p:nvSpPr>
-        <p:spPr>
-          <a:xfrm>
-            <a:off x="7994469" y="4376796"/>
-            <a:ext cx="644434" cy="496388"/>
-          </a:xfrm>
-          <a:prstGeom prst="rightArrow">
-            <a:avLst/>
-          </a:prstGeom>
-        </p:spPr>
-        <p:style>
-          <a:lnRef idx="0">
-            <a:schemeClr val="accent5"/>
-          </a:lnRef>
-          <a:fillRef idx="3">
-            <a:schemeClr val="accent5"/>
-          </a:fillRef>
-          <a:effectRef idx="3">
-            <a:schemeClr val="accent5"/>
-          </a:effectRef>
-          <a:fontRef idx="minor">
-            <a:schemeClr val="lt1"/>
-          </a:fontRef>
-        </p:style>
-        <p:txBody>
-          <a:bodyPr rtlCol="0" anchor="ctr"/>
-          <a:lstStyle/>
-          <a:p>
-            <a:pPr algn="ctr"/>
-            <a:endParaRPr lang="en-US"/>
-          </a:p>
-        </p:txBody>
-      </p:sp>
-      <p:cxnSp>
-        <p:nvCxnSpPr>
-          <p:cNvPr id="11" name="Straight Connector 10"/>
-          <p:cNvCxnSpPr/>
-          <p:nvPr/>
-        </p:nvCxnSpPr>
-        <p:spPr>
-          <a:xfrm>
-            <a:off x="420188" y="3719259"/>
-            <a:ext cx="11338560" cy="0"/>
-          </a:xfrm>
-          <a:prstGeom prst="line">
-            <a:avLst/>
-          </a:prstGeom>
-          <a:ln w="38100"/>
-        </p:spPr>
-        <p:style>
-          <a:lnRef idx="3">
-            <a:schemeClr val="dk1"/>
-          </a:lnRef>
-          <a:fillRef idx="0">
-            <a:schemeClr val="dk1"/>
-          </a:fillRef>
-          <a:effectRef idx="2">
-            <a:schemeClr val="dk1"/>
-          </a:effectRef>
-          <a:fontRef idx="minor">
-            <a:schemeClr val="tx1"/>
-          </a:fontRef>
-        </p:style>
-      </p:cxnSp>
+      </p:pic>
     </p:spTree>
   </p:cSld>
   <p:clrMapOvr>
@@ -11135,14 +9825,7 @@
         <p:cNvGrpSpPr/>
         <p:nvPr/>
       </p:nvGrpSpPr>
-      <p:grpSpPr>
-        <a:xfrm>
-          <a:off x="0" y="0"/>
-          <a:ext cx="0" cy="0"/>
-          <a:chOff x="0" y="0"/>
-          <a:chExt cx="0" cy="0"/>
-        </a:xfrm>
-      </p:grpSpPr>
+      <p:grpSpPr/>
       <p:sp>
         <p:nvSpPr>
           <p:cNvPr id="2" name="Title 1"/>
@@ -11153,661 +9836,68 @@
             <p:ph type="title"/>
           </p:nvPr>
         </p:nvSpPr>
+        <p:spPr/>
+        <p:txBody>
+          <a:bodyPr/>
+          <a:p>
+            <a:r>
+              <a:rPr lang="en-US" altLang="en-GB"/>
+              <a:t>Removing Missing Data</a:t>
+            </a:r>
+            <a:endParaRPr lang="en-US" altLang="en-GB"/>
+          </a:p>
+        </p:txBody>
+      </p:sp>
+      <p:pic>
+        <p:nvPicPr>
+          <p:cNvPr id="4" name="Content Placeholder 3"/>
+          <p:cNvPicPr>
+            <a:picLocks noChangeAspect="1"/>
+          </p:cNvPicPr>
+          <p:nvPr>
+            <p:ph idx="1"/>
+          </p:nvPr>
+        </p:nvPicPr>
+        <p:blipFill>
+          <a:blip r:embed="rId1"/>
+          <a:stretch>
+            <a:fillRect/>
+          </a:stretch>
+        </p:blipFill>
         <p:spPr>
           <a:xfrm>
-            <a:off x="706449" y="484094"/>
-            <a:ext cx="10515600" cy="716930"/>
-          </a:xfrm>
-        </p:spPr>
-        <p:txBody>
-          <a:bodyPr>
-            <a:normAutofit fontScale="90000"/>
-          </a:bodyPr>
-          <a:lstStyle/>
-          <a:p>
-            <a:pPr algn="ctr"/>
-            <a:r>
-              <a:rPr lang="en-US" b="1" dirty="0"/>
-              <a:t>More Examples</a:t>
-            </a:r>
-            <a:endParaRPr lang="en-US" b="1" dirty="0"/>
-          </a:p>
-        </p:txBody>
-      </p:sp>
-      <p:sp>
-        <p:nvSpPr>
-          <p:cNvPr id="5" name="Rectangle 4"/>
-          <p:cNvSpPr/>
-          <p:nvPr/>
-        </p:nvSpPr>
-        <p:spPr>
-          <a:xfrm>
-            <a:off x="284018" y="1770643"/>
-            <a:ext cx="9543473" cy="3416320"/>
-          </a:xfrm>
-          <a:prstGeom prst="rect">
-            <a:avLst/>
-          </a:prstGeom>
-          <a:solidFill>
-            <a:schemeClr val="accent4">
-              <a:lumMod val="20000"/>
-              <a:lumOff val="80000"/>
-            </a:schemeClr>
-          </a:solidFill>
-          <a:ln>
-            <a:solidFill>
-              <a:schemeClr val="accent1"/>
-            </a:solidFill>
-          </a:ln>
-        </p:spPr>
-        <p:txBody>
-          <a:bodyPr wrap="square">
-            <a:spAutoFit/>
-          </a:bodyPr>
-          <a:lstStyle/>
-          <a:p>
-            <a:r>
-              <a:rPr lang="pt-BR" b="1" dirty="0">
-                <a:latin typeface="Courier New" panose="02070309020205020404" pitchFamily="49" charset="0"/>
-                <a:cs typeface="Courier New" panose="02070309020205020404" pitchFamily="49" charset="0"/>
-              </a:rPr>
-              <a:t>import pandas as pd</a:t>
-            </a:r>
-            <a:endParaRPr lang="pt-BR" b="1" dirty="0">
-              <a:latin typeface="Courier New" panose="02070309020205020404" pitchFamily="49" charset="0"/>
-              <a:cs typeface="Courier New" panose="02070309020205020404" pitchFamily="49" charset="0"/>
-            </a:endParaRPr>
-          </a:p>
-          <a:p>
-            <a:r>
-              <a:rPr lang="pt-BR" b="1" dirty="0">
-                <a:latin typeface="Courier New" panose="02070309020205020404" pitchFamily="49" charset="0"/>
-                <a:cs typeface="Courier New" panose="02070309020205020404" pitchFamily="49" charset="0"/>
-              </a:rPr>
-              <a:t>data = [{</a:t>
-            </a:r>
-            <a:r>
-              <a:rPr lang="pt-BR" sz="1600" b="1" dirty="0">
-                <a:solidFill>
-                  <a:srgbClr val="718C00"/>
-                </a:solidFill>
-                <a:latin typeface="Courier New" panose="02070309020205020404" pitchFamily="49" charset="0"/>
-                <a:cs typeface="Courier New" panose="02070309020205020404" pitchFamily="49" charset="0"/>
-              </a:rPr>
-              <a:t>'a'</a:t>
-            </a:r>
-            <a:r>
-              <a:rPr lang="pt-BR" b="1" dirty="0">
-                <a:latin typeface="Courier New" panose="02070309020205020404" pitchFamily="49" charset="0"/>
-                <a:cs typeface="Courier New" panose="02070309020205020404" pitchFamily="49" charset="0"/>
-              </a:rPr>
-              <a:t>: 1, </a:t>
-            </a:r>
-            <a:r>
-              <a:rPr lang="pt-BR" sz="1600" b="1" dirty="0">
-                <a:solidFill>
-                  <a:srgbClr val="718C00"/>
-                </a:solidFill>
-                <a:latin typeface="Courier New" panose="02070309020205020404" pitchFamily="49" charset="0"/>
-                <a:cs typeface="Courier New" panose="02070309020205020404" pitchFamily="49" charset="0"/>
-              </a:rPr>
-              <a:t>'b'</a:t>
-            </a:r>
-            <a:r>
-              <a:rPr lang="pt-BR" b="1" dirty="0">
-                <a:latin typeface="Courier New" panose="02070309020205020404" pitchFamily="49" charset="0"/>
-                <a:cs typeface="Courier New" panose="02070309020205020404" pitchFamily="49" charset="0"/>
-              </a:rPr>
-              <a:t>: 2},{</a:t>
-            </a:r>
-            <a:r>
-              <a:rPr lang="pt-BR" sz="1600" b="1" dirty="0">
-                <a:solidFill>
-                  <a:srgbClr val="718C00"/>
-                </a:solidFill>
-                <a:latin typeface="Courier New" panose="02070309020205020404" pitchFamily="49" charset="0"/>
-                <a:cs typeface="Courier New" panose="02070309020205020404" pitchFamily="49" charset="0"/>
-              </a:rPr>
-              <a:t>'a'</a:t>
-            </a:r>
-            <a:r>
-              <a:rPr lang="pt-BR" b="1" dirty="0">
-                <a:latin typeface="Courier New" panose="02070309020205020404" pitchFamily="49" charset="0"/>
-                <a:cs typeface="Courier New" panose="02070309020205020404" pitchFamily="49" charset="0"/>
-              </a:rPr>
-              <a:t>: 5, </a:t>
-            </a:r>
-            <a:r>
-              <a:rPr lang="pt-BR" sz="1600" b="1" dirty="0">
-                <a:solidFill>
-                  <a:srgbClr val="718C00"/>
-                </a:solidFill>
-                <a:latin typeface="Courier New" panose="02070309020205020404" pitchFamily="49" charset="0"/>
-                <a:cs typeface="Courier New" panose="02070309020205020404" pitchFamily="49" charset="0"/>
-              </a:rPr>
-              <a:t>'b'</a:t>
-            </a:r>
-            <a:r>
-              <a:rPr lang="pt-BR" b="1" dirty="0">
-                <a:latin typeface="Courier New" panose="02070309020205020404" pitchFamily="49" charset="0"/>
-                <a:cs typeface="Courier New" panose="02070309020205020404" pitchFamily="49" charset="0"/>
-              </a:rPr>
-              <a:t>: 10, </a:t>
-            </a:r>
-            <a:r>
-              <a:rPr lang="pt-BR" sz="1600" b="1" dirty="0">
-                <a:solidFill>
-                  <a:srgbClr val="718C00"/>
-                </a:solidFill>
-                <a:latin typeface="Courier New" panose="02070309020205020404" pitchFamily="49" charset="0"/>
-                <a:cs typeface="Courier New" panose="02070309020205020404" pitchFamily="49" charset="0"/>
-              </a:rPr>
-              <a:t>'c'</a:t>
-            </a:r>
-            <a:r>
-              <a:rPr lang="pt-BR" b="1" dirty="0">
-                <a:latin typeface="Courier New" panose="02070309020205020404" pitchFamily="49" charset="0"/>
-                <a:cs typeface="Courier New" panose="02070309020205020404" pitchFamily="49" charset="0"/>
-              </a:rPr>
-              <a:t>: 20}]</a:t>
-            </a:r>
-            <a:endParaRPr lang="pt-BR" b="1" dirty="0">
-              <a:latin typeface="Courier New" panose="02070309020205020404" pitchFamily="49" charset="0"/>
-              <a:cs typeface="Courier New" panose="02070309020205020404" pitchFamily="49" charset="0"/>
-            </a:endParaRPr>
-          </a:p>
-          <a:p>
-            <a:endParaRPr lang="pt-BR" b="1" dirty="0">
-              <a:solidFill>
-                <a:srgbClr val="00B050"/>
-              </a:solidFill>
-              <a:latin typeface="Courier New" panose="02070309020205020404" pitchFamily="49" charset="0"/>
-              <a:cs typeface="Courier New" panose="02070309020205020404" pitchFamily="49" charset="0"/>
-            </a:endParaRPr>
-          </a:p>
-          <a:p>
-            <a:r>
-              <a:rPr lang="pt-BR" b="1" dirty="0">
-                <a:solidFill>
-                  <a:srgbClr val="00B050"/>
-                </a:solidFill>
-                <a:latin typeface="Courier New" panose="02070309020205020404" pitchFamily="49" charset="0"/>
-                <a:cs typeface="Courier New" panose="02070309020205020404" pitchFamily="49" charset="0"/>
-              </a:rPr>
-              <a:t>#With two column indices, values same as dictionary keys</a:t>
-            </a:r>
-            <a:endParaRPr lang="pt-BR" b="1" dirty="0">
-              <a:solidFill>
-                <a:srgbClr val="00B050"/>
-              </a:solidFill>
-              <a:latin typeface="Courier New" panose="02070309020205020404" pitchFamily="49" charset="0"/>
-              <a:cs typeface="Courier New" panose="02070309020205020404" pitchFamily="49" charset="0"/>
-            </a:endParaRPr>
-          </a:p>
-          <a:p>
-            <a:r>
-              <a:rPr lang="pt-BR" b="1" dirty="0">
-                <a:latin typeface="Courier New" panose="02070309020205020404" pitchFamily="49" charset="0"/>
-                <a:cs typeface="Courier New" panose="02070309020205020404" pitchFamily="49" charset="0"/>
-              </a:rPr>
-              <a:t>df1 = pd.DataFrame(data,index=[</a:t>
-            </a:r>
-            <a:r>
-              <a:rPr lang="pt-BR" sz="1600" b="1" dirty="0">
-                <a:solidFill>
-                  <a:srgbClr val="718C00"/>
-                </a:solidFill>
-                <a:latin typeface="Courier New" panose="02070309020205020404" pitchFamily="49" charset="0"/>
-                <a:cs typeface="Courier New" panose="02070309020205020404" pitchFamily="49" charset="0"/>
-              </a:rPr>
-              <a:t>'first'</a:t>
-            </a:r>
-            <a:r>
-              <a:rPr lang="pt-BR" b="1" dirty="0">
-                <a:latin typeface="Courier New" panose="02070309020205020404" pitchFamily="49" charset="0"/>
-                <a:cs typeface="Courier New" panose="02070309020205020404" pitchFamily="49" charset="0"/>
-              </a:rPr>
-              <a:t>,</a:t>
-            </a:r>
-            <a:r>
-              <a:rPr lang="pt-BR" sz="1600" b="1" dirty="0">
-                <a:solidFill>
-                  <a:srgbClr val="718C00"/>
-                </a:solidFill>
-                <a:latin typeface="Courier New" panose="02070309020205020404" pitchFamily="49" charset="0"/>
-                <a:cs typeface="Courier New" panose="02070309020205020404" pitchFamily="49" charset="0"/>
-              </a:rPr>
-              <a:t>'second'</a:t>
-            </a:r>
-            <a:r>
-              <a:rPr lang="pt-BR" b="1" dirty="0">
-                <a:latin typeface="Courier New" panose="02070309020205020404" pitchFamily="49" charset="0"/>
-                <a:cs typeface="Courier New" panose="02070309020205020404" pitchFamily="49" charset="0"/>
-              </a:rPr>
-              <a:t>],columns=[</a:t>
-            </a:r>
-            <a:r>
-              <a:rPr lang="pt-BR" sz="1600" b="1" dirty="0">
-                <a:solidFill>
-                  <a:srgbClr val="718C00"/>
-                </a:solidFill>
-                <a:latin typeface="Courier New" panose="02070309020205020404" pitchFamily="49" charset="0"/>
-                <a:cs typeface="Courier New" panose="02070309020205020404" pitchFamily="49" charset="0"/>
-              </a:rPr>
-              <a:t>'a'</a:t>
-            </a:r>
-            <a:r>
-              <a:rPr lang="pt-BR" b="1" dirty="0">
-                <a:latin typeface="Courier New" panose="02070309020205020404" pitchFamily="49" charset="0"/>
-                <a:cs typeface="Courier New" panose="02070309020205020404" pitchFamily="49" charset="0"/>
-              </a:rPr>
-              <a:t>,</a:t>
-            </a:r>
-            <a:r>
-              <a:rPr lang="pt-BR" sz="1600" b="1" dirty="0">
-                <a:solidFill>
-                  <a:srgbClr val="718C00"/>
-                </a:solidFill>
-                <a:latin typeface="Courier New" panose="02070309020205020404" pitchFamily="49" charset="0"/>
-                <a:cs typeface="Courier New" panose="02070309020205020404" pitchFamily="49" charset="0"/>
-              </a:rPr>
-              <a:t>'b'</a:t>
-            </a:r>
-            <a:r>
-              <a:rPr lang="pt-BR" b="1" dirty="0">
-                <a:latin typeface="Courier New" panose="02070309020205020404" pitchFamily="49" charset="0"/>
-                <a:cs typeface="Courier New" panose="02070309020205020404" pitchFamily="49" charset="0"/>
-              </a:rPr>
-              <a:t>])</a:t>
-            </a:r>
-            <a:endParaRPr lang="pt-BR" b="1" dirty="0">
-              <a:latin typeface="Courier New" panose="02070309020205020404" pitchFamily="49" charset="0"/>
-              <a:cs typeface="Courier New" panose="02070309020205020404" pitchFamily="49" charset="0"/>
-            </a:endParaRPr>
-          </a:p>
-          <a:p>
-            <a:endParaRPr lang="pt-BR" b="1" dirty="0">
-              <a:solidFill>
-                <a:srgbClr val="00B050"/>
-              </a:solidFill>
-              <a:latin typeface="Courier New" panose="02070309020205020404" pitchFamily="49" charset="0"/>
-              <a:cs typeface="Courier New" panose="02070309020205020404" pitchFamily="49" charset="0"/>
-            </a:endParaRPr>
-          </a:p>
-          <a:p>
-            <a:r>
-              <a:rPr lang="pt-BR" b="1" dirty="0">
-                <a:solidFill>
-                  <a:srgbClr val="00B050"/>
-                </a:solidFill>
-                <a:latin typeface="Courier New" panose="02070309020205020404" pitchFamily="49" charset="0"/>
-                <a:cs typeface="Courier New" panose="02070309020205020404" pitchFamily="49" charset="0"/>
-              </a:rPr>
-              <a:t>#With two column indices with one index with other name</a:t>
-            </a:r>
-            <a:endParaRPr lang="pt-BR" b="1" dirty="0">
-              <a:solidFill>
-                <a:srgbClr val="00B050"/>
-              </a:solidFill>
-              <a:latin typeface="Courier New" panose="02070309020205020404" pitchFamily="49" charset="0"/>
-              <a:cs typeface="Courier New" panose="02070309020205020404" pitchFamily="49" charset="0"/>
-            </a:endParaRPr>
-          </a:p>
-          <a:p>
-            <a:r>
-              <a:rPr lang="pt-BR" b="1" dirty="0">
-                <a:latin typeface="Courier New" panose="02070309020205020404" pitchFamily="49" charset="0"/>
-                <a:cs typeface="Courier New" panose="02070309020205020404" pitchFamily="49" charset="0"/>
-              </a:rPr>
-              <a:t>df2 = pd.DataFrame(data,index=[</a:t>
-            </a:r>
-            <a:r>
-              <a:rPr lang="pt-BR" sz="1600" b="1" dirty="0">
-                <a:solidFill>
-                  <a:srgbClr val="718C00"/>
-                </a:solidFill>
-                <a:latin typeface="Courier New" panose="02070309020205020404" pitchFamily="49" charset="0"/>
-                <a:cs typeface="Courier New" panose="02070309020205020404" pitchFamily="49" charset="0"/>
-              </a:rPr>
-              <a:t>'first'</a:t>
-            </a:r>
-            <a:r>
-              <a:rPr lang="pt-BR" b="1" dirty="0">
-                <a:latin typeface="Courier New" panose="02070309020205020404" pitchFamily="49" charset="0"/>
-                <a:cs typeface="Courier New" panose="02070309020205020404" pitchFamily="49" charset="0"/>
-              </a:rPr>
-              <a:t>,</a:t>
-            </a:r>
-            <a:r>
-              <a:rPr lang="pt-BR" sz="1600" b="1" dirty="0">
-                <a:solidFill>
-                  <a:srgbClr val="718C00"/>
-                </a:solidFill>
-                <a:latin typeface="Courier New" panose="02070309020205020404" pitchFamily="49" charset="0"/>
-                <a:cs typeface="Courier New" panose="02070309020205020404" pitchFamily="49" charset="0"/>
-              </a:rPr>
-              <a:t>'second'</a:t>
-            </a:r>
-            <a:r>
-              <a:rPr lang="pt-BR" b="1" dirty="0">
-                <a:latin typeface="Courier New" panose="02070309020205020404" pitchFamily="49" charset="0"/>
-                <a:cs typeface="Courier New" panose="02070309020205020404" pitchFamily="49" charset="0"/>
-              </a:rPr>
-              <a:t>],columns=[</a:t>
-            </a:r>
-            <a:r>
-              <a:rPr lang="pt-BR" sz="1600" b="1" dirty="0">
-                <a:solidFill>
-                  <a:srgbClr val="718C00"/>
-                </a:solidFill>
-                <a:latin typeface="Courier New" panose="02070309020205020404" pitchFamily="49" charset="0"/>
-                <a:cs typeface="Courier New" panose="02070309020205020404" pitchFamily="49" charset="0"/>
-              </a:rPr>
-              <a:t>'a'</a:t>
-            </a:r>
-            <a:r>
-              <a:rPr lang="pt-BR" b="1" dirty="0">
-                <a:latin typeface="Courier New" panose="02070309020205020404" pitchFamily="49" charset="0"/>
-                <a:cs typeface="Courier New" panose="02070309020205020404" pitchFamily="49" charset="0"/>
-              </a:rPr>
-              <a:t>,</a:t>
-            </a:r>
-            <a:r>
-              <a:rPr lang="pt-BR" sz="1600" b="1" dirty="0">
-                <a:solidFill>
-                  <a:srgbClr val="718C00"/>
-                </a:solidFill>
-                <a:latin typeface="Courier New" panose="02070309020205020404" pitchFamily="49" charset="0"/>
-                <a:cs typeface="Courier New" panose="02070309020205020404" pitchFamily="49" charset="0"/>
-              </a:rPr>
-              <a:t>'b1'</a:t>
-            </a:r>
-            <a:r>
-              <a:rPr lang="pt-BR" b="1" dirty="0">
-                <a:latin typeface="Courier New" panose="02070309020205020404" pitchFamily="49" charset="0"/>
-                <a:cs typeface="Courier New" panose="02070309020205020404" pitchFamily="49" charset="0"/>
-              </a:rPr>
-              <a:t>])</a:t>
-            </a:r>
-            <a:endParaRPr lang="pt-BR" b="1" dirty="0">
-              <a:latin typeface="Courier New" panose="02070309020205020404" pitchFamily="49" charset="0"/>
-              <a:cs typeface="Courier New" panose="02070309020205020404" pitchFamily="49" charset="0"/>
-            </a:endParaRPr>
-          </a:p>
-          <a:p>
-            <a:endParaRPr lang="pt-BR" b="1" dirty="0">
-              <a:latin typeface="Courier New" panose="02070309020205020404" pitchFamily="49" charset="0"/>
-              <a:cs typeface="Courier New" panose="02070309020205020404" pitchFamily="49" charset="0"/>
-            </a:endParaRPr>
-          </a:p>
-          <a:p>
-            <a:r>
-              <a:rPr lang="pt-BR" b="1" dirty="0">
-                <a:latin typeface="Courier New" panose="02070309020205020404" pitchFamily="49" charset="0"/>
-                <a:cs typeface="Courier New" panose="02070309020205020404" pitchFamily="49" charset="0"/>
-              </a:rPr>
-              <a:t>print(df1)</a:t>
-            </a:r>
-            <a:endParaRPr lang="pt-BR" b="1" dirty="0">
-              <a:latin typeface="Courier New" panose="02070309020205020404" pitchFamily="49" charset="0"/>
-              <a:cs typeface="Courier New" panose="02070309020205020404" pitchFamily="49" charset="0"/>
-            </a:endParaRPr>
-          </a:p>
-          <a:p>
-            <a:r>
-              <a:rPr lang="pt-BR" b="1" dirty="0">
-                <a:latin typeface="Courier New" panose="02070309020205020404" pitchFamily="49" charset="0"/>
-                <a:cs typeface="Courier New" panose="02070309020205020404" pitchFamily="49" charset="0"/>
-              </a:rPr>
-              <a:t>print(</a:t>
-            </a:r>
-            <a:r>
-              <a:rPr lang="pt-BR" sz="1600" b="1" dirty="0">
-                <a:solidFill>
-                  <a:srgbClr val="718C00"/>
-                </a:solidFill>
-                <a:latin typeface="Courier New" panose="02070309020205020404" pitchFamily="49" charset="0"/>
-                <a:cs typeface="Courier New" panose="02070309020205020404" pitchFamily="49" charset="0"/>
-              </a:rPr>
-              <a:t>'...........'</a:t>
-            </a:r>
-            <a:r>
-              <a:rPr lang="pt-BR" b="1" dirty="0">
-                <a:latin typeface="Courier New" panose="02070309020205020404" pitchFamily="49" charset="0"/>
-                <a:cs typeface="Courier New" panose="02070309020205020404" pitchFamily="49" charset="0"/>
-              </a:rPr>
-              <a:t>)</a:t>
-            </a:r>
-            <a:endParaRPr lang="pt-BR" b="1" dirty="0">
-              <a:latin typeface="Courier New" panose="02070309020205020404" pitchFamily="49" charset="0"/>
-              <a:cs typeface="Courier New" panose="02070309020205020404" pitchFamily="49" charset="0"/>
-            </a:endParaRPr>
-          </a:p>
-          <a:p>
-            <a:r>
-              <a:rPr lang="pt-BR" b="1" dirty="0">
-                <a:latin typeface="Courier New" panose="02070309020205020404" pitchFamily="49" charset="0"/>
-                <a:cs typeface="Courier New" panose="02070309020205020404" pitchFamily="49" charset="0"/>
-              </a:rPr>
-              <a:t>print(df2)</a:t>
-            </a:r>
-            <a:endParaRPr lang="en-US" b="1" dirty="0">
-              <a:latin typeface="Courier New" panose="02070309020205020404" pitchFamily="49" charset="0"/>
-              <a:cs typeface="Courier New" panose="02070309020205020404" pitchFamily="49" charset="0"/>
-            </a:endParaRPr>
-          </a:p>
-        </p:txBody>
-      </p:sp>
-      <p:sp>
-        <p:nvSpPr>
-          <p:cNvPr id="3" name="Rectangle 2"/>
-          <p:cNvSpPr/>
-          <p:nvPr/>
-        </p:nvSpPr>
-        <p:spPr>
-          <a:xfrm>
-            <a:off x="284018" y="1189422"/>
-            <a:ext cx="11778409" cy="400110"/>
+            <a:off x="768350" y="2183130"/>
+            <a:ext cx="5292725" cy="3413760"/>
           </a:xfrm>
           <a:prstGeom prst="rect">
             <a:avLst/>
           </a:prstGeom>
         </p:spPr>
-        <p:txBody>
-          <a:bodyPr wrap="square">
-            <a:spAutoFit/>
-          </a:bodyPr>
-          <a:lstStyle/>
-          <a:p>
-            <a:r>
-              <a:rPr lang="en-US" sz="2000" dirty="0"/>
-              <a:t>E.g. This shows how to create a </a:t>
-            </a:r>
-            <a:r>
-              <a:rPr lang="en-US" sz="2000" dirty="0" err="1"/>
-              <a:t>DataFrame</a:t>
-            </a:r>
-            <a:r>
-              <a:rPr lang="en-US" sz="2000" dirty="0"/>
-              <a:t> with a list of dictionaries, row indices, and column indices.</a:t>
-            </a:r>
-            <a:endParaRPr lang="en-US" sz="2000" dirty="0"/>
-          </a:p>
-        </p:txBody>
-      </p:sp>
-      <p:sp>
-        <p:nvSpPr>
-          <p:cNvPr id="6" name="Rectangle 5"/>
-          <p:cNvSpPr/>
+      </p:pic>
+      <p:pic>
+        <p:nvPicPr>
+          <p:cNvPr id="5" name="Picture 4"/>
+          <p:cNvPicPr>
+            <a:picLocks noChangeAspect="1"/>
+          </p:cNvPicPr>
           <p:nvPr/>
-        </p:nvSpPr>
+        </p:nvPicPr>
+        <p:blipFill>
+          <a:blip r:embed="rId2"/>
+          <a:stretch>
+            <a:fillRect/>
+          </a:stretch>
+        </p:blipFill>
         <p:spPr>
           <a:xfrm>
-            <a:off x="9967489" y="3804519"/>
-            <a:ext cx="2094938" cy="2908489"/>
+            <a:off x="6566535" y="2051685"/>
+            <a:ext cx="5007610" cy="3431540"/>
           </a:xfrm>
           <a:prstGeom prst="rect">
             <a:avLst/>
           </a:prstGeom>
-          <a:solidFill>
-            <a:schemeClr val="accent3">
-              <a:lumMod val="20000"/>
-              <a:lumOff val="80000"/>
-            </a:schemeClr>
-          </a:solidFill>
-          <a:ln>
-            <a:solidFill>
-              <a:schemeClr val="accent1"/>
-            </a:solidFill>
-          </a:ln>
         </p:spPr>
-        <p:txBody>
-          <a:bodyPr wrap="square" lIns="91440" tIns="0" rIns="0" bIns="0">
-            <a:spAutoFit/>
-          </a:bodyPr>
-          <a:lstStyle/>
-          <a:p>
-            <a:pPr>
-              <a:lnSpc>
-                <a:spcPct val="150000"/>
-              </a:lnSpc>
-            </a:pPr>
-            <a:r>
-              <a:rPr lang="en-US" b="1" dirty="0">
-                <a:latin typeface="Courier New" panose="02070309020205020404" pitchFamily="49" charset="0"/>
-                <a:cs typeface="Courier New" panose="02070309020205020404" pitchFamily="49" charset="0"/>
-              </a:rPr>
-              <a:t>        a   b</a:t>
-            </a:r>
-            <a:endParaRPr lang="en-US" b="1" dirty="0">
-              <a:latin typeface="Courier New" panose="02070309020205020404" pitchFamily="49" charset="0"/>
-              <a:cs typeface="Courier New" panose="02070309020205020404" pitchFamily="49" charset="0"/>
-            </a:endParaRPr>
-          </a:p>
-          <a:p>
-            <a:pPr>
-              <a:lnSpc>
-                <a:spcPct val="150000"/>
-              </a:lnSpc>
-            </a:pPr>
-            <a:r>
-              <a:rPr lang="en-US" b="1" dirty="0">
-                <a:latin typeface="Courier New" panose="02070309020205020404" pitchFamily="49" charset="0"/>
-                <a:cs typeface="Courier New" panose="02070309020205020404" pitchFamily="49" charset="0"/>
-              </a:rPr>
-              <a:t>first   1   2</a:t>
-            </a:r>
-            <a:endParaRPr lang="en-US" b="1" dirty="0">
-              <a:latin typeface="Courier New" panose="02070309020205020404" pitchFamily="49" charset="0"/>
-              <a:cs typeface="Courier New" panose="02070309020205020404" pitchFamily="49" charset="0"/>
-            </a:endParaRPr>
-          </a:p>
-          <a:p>
-            <a:pPr>
-              <a:lnSpc>
-                <a:spcPct val="150000"/>
-              </a:lnSpc>
-            </a:pPr>
-            <a:r>
-              <a:rPr lang="en-US" b="1" dirty="0">
-                <a:latin typeface="Courier New" panose="02070309020205020404" pitchFamily="49" charset="0"/>
-                <a:cs typeface="Courier New" panose="02070309020205020404" pitchFamily="49" charset="0"/>
-              </a:rPr>
-              <a:t>second  5  10</a:t>
-            </a:r>
-            <a:endParaRPr lang="en-US" b="1" dirty="0">
-              <a:latin typeface="Courier New" panose="02070309020205020404" pitchFamily="49" charset="0"/>
-              <a:cs typeface="Courier New" panose="02070309020205020404" pitchFamily="49" charset="0"/>
-            </a:endParaRPr>
-          </a:p>
-          <a:p>
-            <a:pPr>
-              <a:lnSpc>
-                <a:spcPct val="150000"/>
-              </a:lnSpc>
-            </a:pPr>
-            <a:r>
-              <a:rPr lang="en-US" b="1" dirty="0">
-                <a:latin typeface="Courier New" panose="02070309020205020404" pitchFamily="49" charset="0"/>
-                <a:cs typeface="Courier New" panose="02070309020205020404" pitchFamily="49" charset="0"/>
-              </a:rPr>
-              <a:t>...........</a:t>
-            </a:r>
-            <a:endParaRPr lang="en-US" b="1" dirty="0">
-              <a:latin typeface="Courier New" panose="02070309020205020404" pitchFamily="49" charset="0"/>
-              <a:cs typeface="Courier New" panose="02070309020205020404" pitchFamily="49" charset="0"/>
-            </a:endParaRPr>
-          </a:p>
-          <a:p>
-            <a:pPr>
-              <a:lnSpc>
-                <a:spcPct val="150000"/>
-              </a:lnSpc>
-            </a:pPr>
-            <a:r>
-              <a:rPr lang="en-US" b="1" dirty="0">
-                <a:latin typeface="Courier New" panose="02070309020205020404" pitchFamily="49" charset="0"/>
-                <a:cs typeface="Courier New" panose="02070309020205020404" pitchFamily="49" charset="0"/>
-              </a:rPr>
-              <a:t>        a  b1</a:t>
-            </a:r>
-            <a:endParaRPr lang="en-US" b="1" dirty="0">
-              <a:latin typeface="Courier New" panose="02070309020205020404" pitchFamily="49" charset="0"/>
-              <a:cs typeface="Courier New" panose="02070309020205020404" pitchFamily="49" charset="0"/>
-            </a:endParaRPr>
-          </a:p>
-          <a:p>
-            <a:pPr>
-              <a:lnSpc>
-                <a:spcPct val="150000"/>
-              </a:lnSpc>
-            </a:pPr>
-            <a:r>
-              <a:rPr lang="en-US" b="1" dirty="0">
-                <a:latin typeface="Courier New" panose="02070309020205020404" pitchFamily="49" charset="0"/>
-                <a:cs typeface="Courier New" panose="02070309020205020404" pitchFamily="49" charset="0"/>
-              </a:rPr>
-              <a:t>first   1 </a:t>
-            </a:r>
-            <a:r>
-              <a:rPr lang="en-US" b="1" dirty="0" err="1">
-                <a:latin typeface="Courier New" panose="02070309020205020404" pitchFamily="49" charset="0"/>
-                <a:cs typeface="Courier New" panose="02070309020205020404" pitchFamily="49" charset="0"/>
-              </a:rPr>
-              <a:t>NaN</a:t>
-            </a:r>
-            <a:endParaRPr lang="en-US" b="1" dirty="0">
-              <a:latin typeface="Courier New" panose="02070309020205020404" pitchFamily="49" charset="0"/>
-              <a:cs typeface="Courier New" panose="02070309020205020404" pitchFamily="49" charset="0"/>
-            </a:endParaRPr>
-          </a:p>
-          <a:p>
-            <a:pPr>
-              <a:lnSpc>
-                <a:spcPct val="150000"/>
-              </a:lnSpc>
-            </a:pPr>
-            <a:r>
-              <a:rPr lang="en-US" b="1" dirty="0">
-                <a:latin typeface="Courier New" panose="02070309020205020404" pitchFamily="49" charset="0"/>
-                <a:cs typeface="Courier New" panose="02070309020205020404" pitchFamily="49" charset="0"/>
-              </a:rPr>
-              <a:t>second  5 </a:t>
-            </a:r>
-            <a:r>
-              <a:rPr lang="en-US" b="1" dirty="0" err="1">
-                <a:latin typeface="Courier New" panose="02070309020205020404" pitchFamily="49" charset="0"/>
-                <a:cs typeface="Courier New" panose="02070309020205020404" pitchFamily="49" charset="0"/>
-              </a:rPr>
-              <a:t>NaN</a:t>
-            </a:r>
-            <a:endParaRPr lang="en-US" b="1" dirty="0">
-              <a:latin typeface="Courier New" panose="02070309020205020404" pitchFamily="49" charset="0"/>
-              <a:cs typeface="Courier New" panose="02070309020205020404" pitchFamily="49" charset="0"/>
-            </a:endParaRPr>
-          </a:p>
-        </p:txBody>
-      </p:sp>
+      </p:pic>
     </p:spTree>
   </p:cSld>
   <p:clrMapOvr>
@@ -11825,14 +9915,7 @@
         <p:cNvGrpSpPr/>
         <p:nvPr/>
       </p:nvGrpSpPr>
-      <p:grpSpPr>
-        <a:xfrm>
-          <a:off x="0" y="0"/>
-          <a:ext cx="0" cy="0"/>
-          <a:chOff x="0" y="0"/>
-          <a:chExt cx="0" cy="0"/>
-        </a:xfrm>
-      </p:grpSpPr>
+      <p:grpSpPr/>
       <p:sp>
         <p:nvSpPr>
           <p:cNvPr id="2" name="Title 1"/>
@@ -11845,444 +9928,67 @@
         </p:nvSpPr>
         <p:spPr/>
         <p:txBody>
-          <a:bodyPr>
-            <a:normAutofit fontScale="90000"/>
-          </a:bodyPr>
-          <a:lstStyle/>
-          <a:p>
-            <a:pPr algn="ctr"/>
-            <a:r>
-              <a:rPr lang="en-US" b="1" dirty="0"/>
-              <a:t>More Examples:</a:t>
-            </a:r>
-            <a:br>
-              <a:rPr lang="en-US" b="1" dirty="0"/>
-            </a:br>
-            <a:r>
-              <a:rPr lang="en-US" b="1" dirty="0"/>
-              <a:t>Create a </a:t>
-            </a:r>
-            <a:r>
-              <a:rPr lang="en-US" b="1" dirty="0" err="1"/>
-              <a:t>DataFrame</a:t>
-            </a:r>
-            <a:r>
-              <a:rPr lang="en-US" b="1" dirty="0"/>
-              <a:t> from </a:t>
-            </a:r>
-            <a:r>
-              <a:rPr lang="en-US" b="1" dirty="0" err="1"/>
-              <a:t>Dict</a:t>
-            </a:r>
-            <a:r>
-              <a:rPr lang="en-US" b="1" dirty="0"/>
-              <a:t> of Series</a:t>
-            </a:r>
-            <a:endParaRPr lang="en-US" b="1" dirty="0"/>
-          </a:p>
-        </p:txBody>
-      </p:sp>
-      <p:sp>
-        <p:nvSpPr>
-          <p:cNvPr id="4" name="Rectangle 3"/>
-          <p:cNvSpPr/>
-          <p:nvPr/>
-        </p:nvSpPr>
+          <a:bodyPr/>
+          <a:p>
+            <a:r>
+              <a:rPr lang="en-US" altLang="en-GB"/>
+              <a:t>Filling Missing Data</a:t>
+            </a:r>
+            <a:endParaRPr lang="en-US" altLang="en-GB"/>
+          </a:p>
+        </p:txBody>
+      </p:sp>
+      <p:pic>
+        <p:nvPicPr>
+          <p:cNvPr id="4" name="Content Placeholder 3"/>
+          <p:cNvPicPr>
+            <a:picLocks noChangeAspect="1"/>
+          </p:cNvPicPr>
+          <p:nvPr>
+            <p:ph idx="1"/>
+          </p:nvPr>
+        </p:nvPicPr>
+        <p:blipFill>
+          <a:blip r:embed="rId1"/>
+          <a:stretch>
+            <a:fillRect/>
+          </a:stretch>
+        </p:blipFill>
         <p:spPr>
           <a:xfrm>
-            <a:off x="838200" y="2249718"/>
-            <a:ext cx="8896927" cy="1754326"/>
+            <a:off x="5943600" y="2215515"/>
+            <a:ext cx="4343400" cy="3946525"/>
           </a:xfrm>
           <a:prstGeom prst="rect">
             <a:avLst/>
           </a:prstGeom>
-          <a:solidFill>
-            <a:schemeClr val="accent4">
-              <a:lumMod val="20000"/>
-              <a:lumOff val="80000"/>
-            </a:schemeClr>
-          </a:solidFill>
-          <a:ln>
-            <a:solidFill>
-              <a:schemeClr val="accent1"/>
-            </a:solidFill>
-          </a:ln>
         </p:spPr>
-        <p:txBody>
-          <a:bodyPr wrap="square">
-            <a:spAutoFit/>
-          </a:bodyPr>
-          <a:lstStyle/>
-          <a:p>
-            <a:r>
-              <a:rPr lang="pt-BR" b="1" dirty="0">
-                <a:latin typeface="Courier New" panose="02070309020205020404" pitchFamily="49" charset="0"/>
-                <a:cs typeface="Courier New" panose="02070309020205020404" pitchFamily="49" charset="0"/>
-              </a:rPr>
-              <a:t>import pandas as pd</a:t>
-            </a:r>
-            <a:endParaRPr lang="pt-BR" b="1" dirty="0">
-              <a:latin typeface="Courier New" panose="02070309020205020404" pitchFamily="49" charset="0"/>
-              <a:cs typeface="Courier New" panose="02070309020205020404" pitchFamily="49" charset="0"/>
-            </a:endParaRPr>
-          </a:p>
-          <a:p>
-            <a:r>
-              <a:rPr lang="pt-BR" b="1" dirty="0">
-                <a:latin typeface="Courier New" panose="02070309020205020404" pitchFamily="49" charset="0"/>
-                <a:cs typeface="Courier New" panose="02070309020205020404" pitchFamily="49" charset="0"/>
-              </a:rPr>
-              <a:t>d = {</a:t>
-            </a:r>
-            <a:r>
-              <a:rPr lang="pt-BR" sz="1600" b="1" dirty="0">
-                <a:solidFill>
-                  <a:srgbClr val="718C00"/>
-                </a:solidFill>
-                <a:latin typeface="Courier New" panose="02070309020205020404" pitchFamily="49" charset="0"/>
-                <a:cs typeface="Courier New" panose="02070309020205020404" pitchFamily="49" charset="0"/>
-              </a:rPr>
-              <a:t>'one'</a:t>
-            </a:r>
-            <a:r>
-              <a:rPr lang="pt-BR" b="1" dirty="0">
-                <a:latin typeface="Courier New" panose="02070309020205020404" pitchFamily="49" charset="0"/>
-                <a:cs typeface="Courier New" panose="02070309020205020404" pitchFamily="49" charset="0"/>
-              </a:rPr>
-              <a:t> : pd.Series([1, 2, 3]  , index=[</a:t>
-            </a:r>
-            <a:r>
-              <a:rPr lang="pt-BR" sz="1600" b="1" dirty="0">
-                <a:solidFill>
-                  <a:srgbClr val="718C00"/>
-                </a:solidFill>
-                <a:latin typeface="Courier New" panose="02070309020205020404" pitchFamily="49" charset="0"/>
-                <a:cs typeface="Courier New" panose="02070309020205020404" pitchFamily="49" charset="0"/>
-              </a:rPr>
-              <a:t>'a'</a:t>
-            </a:r>
-            <a:r>
-              <a:rPr lang="pt-BR" b="1" dirty="0">
-                <a:latin typeface="Courier New" panose="02070309020205020404" pitchFamily="49" charset="0"/>
-                <a:cs typeface="Courier New" panose="02070309020205020404" pitchFamily="49" charset="0"/>
-              </a:rPr>
-              <a:t>, </a:t>
-            </a:r>
-            <a:r>
-              <a:rPr lang="pt-BR" sz="1600" b="1" dirty="0">
-                <a:solidFill>
-                  <a:srgbClr val="718C00"/>
-                </a:solidFill>
-                <a:latin typeface="Courier New" panose="02070309020205020404" pitchFamily="49" charset="0"/>
-                <a:cs typeface="Courier New" panose="02070309020205020404" pitchFamily="49" charset="0"/>
-              </a:rPr>
-              <a:t>'b'</a:t>
-            </a:r>
-            <a:r>
-              <a:rPr lang="pt-BR" b="1" dirty="0">
-                <a:latin typeface="Courier New" panose="02070309020205020404" pitchFamily="49" charset="0"/>
-                <a:cs typeface="Courier New" panose="02070309020205020404" pitchFamily="49" charset="0"/>
-              </a:rPr>
-              <a:t>, </a:t>
-            </a:r>
-            <a:r>
-              <a:rPr lang="pt-BR" sz="1600" b="1" dirty="0">
-                <a:solidFill>
-                  <a:srgbClr val="718C00"/>
-                </a:solidFill>
-                <a:latin typeface="Courier New" panose="02070309020205020404" pitchFamily="49" charset="0"/>
-                <a:cs typeface="Courier New" panose="02070309020205020404" pitchFamily="49" charset="0"/>
-              </a:rPr>
-              <a:t>'c'</a:t>
-            </a:r>
-            <a:r>
-              <a:rPr lang="pt-BR" b="1" dirty="0">
-                <a:latin typeface="Courier New" panose="02070309020205020404" pitchFamily="49" charset="0"/>
-                <a:cs typeface="Courier New" panose="02070309020205020404" pitchFamily="49" charset="0"/>
-              </a:rPr>
-              <a:t>]), </a:t>
-            </a:r>
-            <a:endParaRPr lang="pt-BR" b="1" dirty="0">
-              <a:latin typeface="Courier New" panose="02070309020205020404" pitchFamily="49" charset="0"/>
-              <a:cs typeface="Courier New" panose="02070309020205020404" pitchFamily="49" charset="0"/>
-            </a:endParaRPr>
-          </a:p>
-          <a:p>
-            <a:r>
-              <a:rPr lang="pt-BR" b="1" dirty="0">
-                <a:latin typeface="Courier New" panose="02070309020205020404" pitchFamily="49" charset="0"/>
-                <a:cs typeface="Courier New" panose="02070309020205020404" pitchFamily="49" charset="0"/>
-              </a:rPr>
-              <a:t>     </a:t>
-            </a:r>
-            <a:r>
-              <a:rPr lang="pt-BR" sz="1600" b="1" dirty="0">
-                <a:solidFill>
-                  <a:srgbClr val="718C00"/>
-                </a:solidFill>
-                <a:latin typeface="Courier New" panose="02070309020205020404" pitchFamily="49" charset="0"/>
-                <a:cs typeface="Courier New" panose="02070309020205020404" pitchFamily="49" charset="0"/>
-              </a:rPr>
-              <a:t>'two'</a:t>
-            </a:r>
-            <a:r>
-              <a:rPr lang="pt-BR" b="1" dirty="0">
-                <a:latin typeface="Courier New" panose="02070309020205020404" pitchFamily="49" charset="0"/>
-                <a:cs typeface="Courier New" panose="02070309020205020404" pitchFamily="49" charset="0"/>
-              </a:rPr>
-              <a:t> : pd.Series([1,2, 3, 4], index=[</a:t>
-            </a:r>
-            <a:r>
-              <a:rPr lang="pt-BR" sz="1600" b="1" dirty="0">
-                <a:solidFill>
-                  <a:srgbClr val="718C00"/>
-                </a:solidFill>
-                <a:latin typeface="Courier New" panose="02070309020205020404" pitchFamily="49" charset="0"/>
-                <a:cs typeface="Courier New" panose="02070309020205020404" pitchFamily="49" charset="0"/>
-              </a:rPr>
-              <a:t>'a'</a:t>
-            </a:r>
-            <a:r>
-              <a:rPr lang="pt-BR" b="1" dirty="0">
-                <a:latin typeface="Courier New" panose="02070309020205020404" pitchFamily="49" charset="0"/>
-                <a:cs typeface="Courier New" panose="02070309020205020404" pitchFamily="49" charset="0"/>
-              </a:rPr>
-              <a:t>, </a:t>
-            </a:r>
-            <a:r>
-              <a:rPr lang="pt-BR" sz="1600" b="1" dirty="0">
-                <a:solidFill>
-                  <a:srgbClr val="718C00"/>
-                </a:solidFill>
-                <a:latin typeface="Courier New" panose="02070309020205020404" pitchFamily="49" charset="0"/>
-                <a:cs typeface="Courier New" panose="02070309020205020404" pitchFamily="49" charset="0"/>
-              </a:rPr>
-              <a:t>'b'</a:t>
-            </a:r>
-            <a:r>
-              <a:rPr lang="pt-BR" b="1" dirty="0">
-                <a:latin typeface="Courier New" panose="02070309020205020404" pitchFamily="49" charset="0"/>
-                <a:cs typeface="Courier New" panose="02070309020205020404" pitchFamily="49" charset="0"/>
-              </a:rPr>
-              <a:t>, </a:t>
-            </a:r>
-            <a:r>
-              <a:rPr lang="pt-BR" sz="1600" b="1" dirty="0">
-                <a:solidFill>
-                  <a:srgbClr val="718C00"/>
-                </a:solidFill>
-                <a:latin typeface="Courier New" panose="02070309020205020404" pitchFamily="49" charset="0"/>
-                <a:cs typeface="Courier New" panose="02070309020205020404" pitchFamily="49" charset="0"/>
-              </a:rPr>
-              <a:t>'c'</a:t>
-            </a:r>
-            <a:r>
-              <a:rPr lang="pt-BR" b="1" dirty="0">
-                <a:latin typeface="Courier New" panose="02070309020205020404" pitchFamily="49" charset="0"/>
-                <a:cs typeface="Courier New" panose="02070309020205020404" pitchFamily="49" charset="0"/>
-              </a:rPr>
-              <a:t>, </a:t>
-            </a:r>
-            <a:r>
-              <a:rPr lang="pt-BR" sz="1600" b="1" dirty="0">
-                <a:solidFill>
-                  <a:srgbClr val="718C00"/>
-                </a:solidFill>
-                <a:latin typeface="Courier New" panose="02070309020205020404" pitchFamily="49" charset="0"/>
-                <a:cs typeface="Courier New" panose="02070309020205020404" pitchFamily="49" charset="0"/>
-              </a:rPr>
-              <a:t>'d'</a:t>
-            </a:r>
-            <a:r>
-              <a:rPr lang="pt-BR" b="1" dirty="0">
-                <a:latin typeface="Courier New" panose="02070309020205020404" pitchFamily="49" charset="0"/>
-                <a:cs typeface="Courier New" panose="02070309020205020404" pitchFamily="49" charset="0"/>
-              </a:rPr>
-              <a:t>])</a:t>
-            </a:r>
-            <a:endParaRPr lang="pt-BR" b="1" dirty="0">
-              <a:latin typeface="Courier New" panose="02070309020205020404" pitchFamily="49" charset="0"/>
-              <a:cs typeface="Courier New" panose="02070309020205020404" pitchFamily="49" charset="0"/>
-            </a:endParaRPr>
-          </a:p>
-          <a:p>
-            <a:r>
-              <a:rPr lang="pt-BR" b="1" dirty="0">
-                <a:latin typeface="Courier New" panose="02070309020205020404" pitchFamily="49" charset="0"/>
-                <a:cs typeface="Courier New" panose="02070309020205020404" pitchFamily="49" charset="0"/>
-              </a:rPr>
-              <a:t>    }</a:t>
-            </a:r>
-            <a:endParaRPr lang="pt-BR" b="1" dirty="0">
-              <a:latin typeface="Courier New" panose="02070309020205020404" pitchFamily="49" charset="0"/>
-              <a:cs typeface="Courier New" panose="02070309020205020404" pitchFamily="49" charset="0"/>
-            </a:endParaRPr>
-          </a:p>
-          <a:p>
-            <a:r>
-              <a:rPr lang="pt-BR" b="1" dirty="0">
-                <a:latin typeface="Courier New" panose="02070309020205020404" pitchFamily="49" charset="0"/>
-                <a:cs typeface="Courier New" panose="02070309020205020404" pitchFamily="49" charset="0"/>
-              </a:rPr>
-              <a:t>df = pd.DataFrame(d)</a:t>
-            </a:r>
-            <a:endParaRPr lang="pt-BR" b="1" dirty="0">
-              <a:latin typeface="Courier New" panose="02070309020205020404" pitchFamily="49" charset="0"/>
-              <a:cs typeface="Courier New" panose="02070309020205020404" pitchFamily="49" charset="0"/>
-            </a:endParaRPr>
-          </a:p>
-          <a:p>
-            <a:r>
-              <a:rPr lang="pt-BR" b="1" dirty="0">
-                <a:latin typeface="Courier New" panose="02070309020205020404" pitchFamily="49" charset="0"/>
-                <a:cs typeface="Courier New" panose="02070309020205020404" pitchFamily="49" charset="0"/>
-              </a:rPr>
-              <a:t>print(df)</a:t>
-            </a:r>
-            <a:endParaRPr lang="en-US" b="1" dirty="0">
-              <a:latin typeface="Courier New" panose="02070309020205020404" pitchFamily="49" charset="0"/>
-              <a:cs typeface="Courier New" panose="02070309020205020404" pitchFamily="49" charset="0"/>
-            </a:endParaRPr>
-          </a:p>
-        </p:txBody>
-      </p:sp>
-      <p:sp>
-        <p:nvSpPr>
-          <p:cNvPr id="5" name="Rectangle 4"/>
-          <p:cNvSpPr/>
+      </p:pic>
+      <p:pic>
+        <p:nvPicPr>
+          <p:cNvPr id="6" name="Picture 5"/>
+          <p:cNvPicPr>
+            <a:picLocks noChangeAspect="1"/>
+          </p:cNvPicPr>
           <p:nvPr/>
-        </p:nvSpPr>
+        </p:nvPicPr>
+        <p:blipFill>
+          <a:blip r:embed="rId2"/>
+          <a:srcRect r="27408"/>
+          <a:stretch>
+            <a:fillRect/>
+          </a:stretch>
+        </p:blipFill>
         <p:spPr>
           <a:xfrm>
-            <a:off x="838200" y="4452238"/>
-            <a:ext cx="1780903" cy="2077492"/>
+            <a:off x="1354455" y="2021840"/>
+            <a:ext cx="2564765" cy="4334510"/>
           </a:xfrm>
           <a:prstGeom prst="rect">
             <a:avLst/>
           </a:prstGeom>
-          <a:solidFill>
-            <a:schemeClr val="accent3">
-              <a:lumMod val="20000"/>
-              <a:lumOff val="80000"/>
-            </a:schemeClr>
-          </a:solidFill>
-          <a:ln>
-            <a:solidFill>
-              <a:schemeClr val="accent1"/>
-            </a:solidFill>
-          </a:ln>
         </p:spPr>
-        <p:txBody>
-          <a:bodyPr wrap="square" tIns="0" rIns="0" bIns="0">
-            <a:spAutoFit/>
-          </a:bodyPr>
-          <a:lstStyle/>
-          <a:p>
-            <a:pPr>
-              <a:lnSpc>
-                <a:spcPct val="150000"/>
-              </a:lnSpc>
-            </a:pPr>
-            <a:r>
-              <a:rPr lang="en-US" b="1" dirty="0">
-                <a:latin typeface="Courier New" panose="02070309020205020404" pitchFamily="49" charset="0"/>
-                <a:cs typeface="Courier New" panose="02070309020205020404" pitchFamily="49" charset="0"/>
-              </a:rPr>
-              <a:t>   one  two</a:t>
-            </a:r>
-            <a:endParaRPr lang="en-US" b="1" dirty="0">
-              <a:latin typeface="Courier New" panose="02070309020205020404" pitchFamily="49" charset="0"/>
-              <a:cs typeface="Courier New" panose="02070309020205020404" pitchFamily="49" charset="0"/>
-            </a:endParaRPr>
-          </a:p>
-          <a:p>
-            <a:pPr>
-              <a:lnSpc>
-                <a:spcPct val="150000"/>
-              </a:lnSpc>
-            </a:pPr>
-            <a:r>
-              <a:rPr lang="en-US" b="1" dirty="0">
-                <a:latin typeface="Courier New" panose="02070309020205020404" pitchFamily="49" charset="0"/>
-                <a:cs typeface="Courier New" panose="02070309020205020404" pitchFamily="49" charset="0"/>
-              </a:rPr>
-              <a:t>a  1.0    1</a:t>
-            </a:r>
-            <a:endParaRPr lang="en-US" b="1" dirty="0">
-              <a:latin typeface="Courier New" panose="02070309020205020404" pitchFamily="49" charset="0"/>
-              <a:cs typeface="Courier New" panose="02070309020205020404" pitchFamily="49" charset="0"/>
-            </a:endParaRPr>
-          </a:p>
-          <a:p>
-            <a:pPr>
-              <a:lnSpc>
-                <a:spcPct val="150000"/>
-              </a:lnSpc>
-            </a:pPr>
-            <a:r>
-              <a:rPr lang="en-US" b="1" dirty="0">
-                <a:latin typeface="Courier New" panose="02070309020205020404" pitchFamily="49" charset="0"/>
-                <a:cs typeface="Courier New" panose="02070309020205020404" pitchFamily="49" charset="0"/>
-              </a:rPr>
-              <a:t>b  2.0    2</a:t>
-            </a:r>
-            <a:endParaRPr lang="en-US" b="1" dirty="0">
-              <a:latin typeface="Courier New" panose="02070309020205020404" pitchFamily="49" charset="0"/>
-              <a:cs typeface="Courier New" panose="02070309020205020404" pitchFamily="49" charset="0"/>
-            </a:endParaRPr>
-          </a:p>
-          <a:p>
-            <a:pPr>
-              <a:lnSpc>
-                <a:spcPct val="150000"/>
-              </a:lnSpc>
-            </a:pPr>
-            <a:r>
-              <a:rPr lang="en-US" b="1" dirty="0">
-                <a:latin typeface="Courier New" panose="02070309020205020404" pitchFamily="49" charset="0"/>
-                <a:cs typeface="Courier New" panose="02070309020205020404" pitchFamily="49" charset="0"/>
-              </a:rPr>
-              <a:t>c  3.0    3</a:t>
-            </a:r>
-            <a:endParaRPr lang="en-US" b="1" dirty="0">
-              <a:latin typeface="Courier New" panose="02070309020205020404" pitchFamily="49" charset="0"/>
-              <a:cs typeface="Courier New" panose="02070309020205020404" pitchFamily="49" charset="0"/>
-            </a:endParaRPr>
-          </a:p>
-          <a:p>
-            <a:pPr>
-              <a:lnSpc>
-                <a:spcPct val="150000"/>
-              </a:lnSpc>
-            </a:pPr>
-            <a:r>
-              <a:rPr lang="en-US" b="1" dirty="0">
-                <a:latin typeface="Courier New" panose="02070309020205020404" pitchFamily="49" charset="0"/>
-                <a:cs typeface="Courier New" panose="02070309020205020404" pitchFamily="49" charset="0"/>
-              </a:rPr>
-              <a:t>d  </a:t>
-            </a:r>
-            <a:r>
-              <a:rPr lang="en-US" b="1" dirty="0" err="1">
-                <a:latin typeface="Courier New" panose="02070309020205020404" pitchFamily="49" charset="0"/>
-                <a:cs typeface="Courier New" panose="02070309020205020404" pitchFamily="49" charset="0"/>
-              </a:rPr>
-              <a:t>NaN</a:t>
-            </a:r>
-            <a:r>
-              <a:rPr lang="en-US" b="1" dirty="0">
-                <a:latin typeface="Courier New" panose="02070309020205020404" pitchFamily="49" charset="0"/>
-                <a:cs typeface="Courier New" panose="02070309020205020404" pitchFamily="49" charset="0"/>
-              </a:rPr>
-              <a:t>    4</a:t>
-            </a:r>
-            <a:endParaRPr lang="en-US" b="1" dirty="0">
-              <a:latin typeface="Courier New" panose="02070309020205020404" pitchFamily="49" charset="0"/>
-              <a:cs typeface="Courier New" panose="02070309020205020404" pitchFamily="49" charset="0"/>
-            </a:endParaRPr>
-          </a:p>
-        </p:txBody>
-      </p:sp>
+      </p:pic>
     </p:spTree>
   </p:cSld>
   <p:clrMapOvr>
@@ -12300,14 +10006,7 @@
         <p:cNvGrpSpPr/>
         <p:nvPr/>
       </p:nvGrpSpPr>
-      <p:grpSpPr>
-        <a:xfrm>
-          <a:off x="0" y="0"/>
-          <a:ext cx="0" cy="0"/>
-          <a:chOff x="0" y="0"/>
-          <a:chExt cx="0" cy="0"/>
-        </a:xfrm>
-      </p:grpSpPr>
+      <p:grpSpPr/>
       <p:sp>
         <p:nvSpPr>
           <p:cNvPr id="2" name="Title 1"/>
@@ -12318,866 +10017,42 @@
             <p:ph type="title"/>
           </p:nvPr>
         </p:nvSpPr>
+        <p:spPr/>
+        <p:txBody>
+          <a:bodyPr/>
+          <a:p>
+            <a:r>
+              <a:rPr lang="en-US" altLang="en-GB"/>
+              <a:t>fill with mean</a:t>
+            </a:r>
+            <a:endParaRPr lang="en-US" altLang="en-GB"/>
+          </a:p>
+        </p:txBody>
+      </p:sp>
+      <p:pic>
+        <p:nvPicPr>
+          <p:cNvPr id="4" name="Picture 3"/>
+          <p:cNvPicPr>
+            <a:picLocks noChangeAspect="1"/>
+          </p:cNvPicPr>
+          <p:nvPr/>
+        </p:nvPicPr>
+        <p:blipFill>
+          <a:blip r:embed="rId1"/>
+          <a:stretch>
+            <a:fillRect/>
+          </a:stretch>
+        </p:blipFill>
         <p:spPr>
           <a:xfrm>
-            <a:off x="856673" y="144341"/>
-            <a:ext cx="10515600" cy="1325563"/>
-          </a:xfrm>
-        </p:spPr>
-        <p:txBody>
-          <a:bodyPr/>
-          <a:lstStyle/>
-          <a:p>
-            <a:pPr algn="ctr"/>
-            <a:r>
-              <a:rPr lang="en-US" b="1" dirty="0"/>
-              <a:t>More Examples: Column Addition</a:t>
-            </a:r>
-            <a:endParaRPr lang="en-US" b="1" dirty="0"/>
-          </a:p>
-        </p:txBody>
-      </p:sp>
-      <p:sp>
-        <p:nvSpPr>
-          <p:cNvPr id="4" name="Rectangle 3"/>
-          <p:cNvSpPr/>
-          <p:nvPr/>
-        </p:nvSpPr>
-        <p:spPr>
-          <a:xfrm>
-            <a:off x="302492" y="1469904"/>
-            <a:ext cx="7123545" cy="4031873"/>
+            <a:off x="2164080" y="1393825"/>
+            <a:ext cx="5866130" cy="4840605"/>
           </a:xfrm>
           <a:prstGeom prst="rect">
             <a:avLst/>
           </a:prstGeom>
-          <a:solidFill>
-            <a:schemeClr val="accent4">
-              <a:lumMod val="20000"/>
-              <a:lumOff val="80000"/>
-            </a:schemeClr>
-          </a:solidFill>
-          <a:ln>
-            <a:solidFill>
-              <a:schemeClr val="accent1"/>
-            </a:solidFill>
-          </a:ln>
         </p:spPr>
-        <p:txBody>
-          <a:bodyPr wrap="square">
-            <a:spAutoFit/>
-          </a:bodyPr>
-          <a:lstStyle/>
-          <a:p>
-            <a:r>
-              <a:rPr lang="pt-BR" b="1" dirty="0">
-                <a:solidFill>
-                  <a:srgbClr val="FF9900"/>
-                </a:solidFill>
-                <a:latin typeface="Courier New" panose="02070309020205020404" pitchFamily="49" charset="0"/>
-                <a:cs typeface="Courier New" panose="02070309020205020404" pitchFamily="49" charset="0"/>
-              </a:rPr>
-              <a:t>import</a:t>
-            </a:r>
-            <a:r>
-              <a:rPr lang="pt-BR" sz="1600" b="1" dirty="0">
-                <a:latin typeface="Courier New" panose="02070309020205020404" pitchFamily="49" charset="0"/>
-                <a:cs typeface="Courier New" panose="02070309020205020404" pitchFamily="49" charset="0"/>
-              </a:rPr>
-              <a:t> pandas </a:t>
-            </a:r>
-            <a:r>
-              <a:rPr lang="pt-BR" b="1" dirty="0">
-                <a:solidFill>
-                  <a:srgbClr val="FF9900"/>
-                </a:solidFill>
-                <a:latin typeface="Courier New" panose="02070309020205020404" pitchFamily="49" charset="0"/>
-                <a:cs typeface="Courier New" panose="02070309020205020404" pitchFamily="49" charset="0"/>
-              </a:rPr>
-              <a:t>as</a:t>
-            </a:r>
-            <a:r>
-              <a:rPr lang="pt-BR" sz="1600" b="1" dirty="0">
-                <a:latin typeface="Courier New" panose="02070309020205020404" pitchFamily="49" charset="0"/>
-                <a:cs typeface="Courier New" panose="02070309020205020404" pitchFamily="49" charset="0"/>
-              </a:rPr>
-              <a:t> pd</a:t>
-            </a:r>
-            <a:endParaRPr lang="pt-BR" sz="1600" b="1" dirty="0">
-              <a:latin typeface="Courier New" panose="02070309020205020404" pitchFamily="49" charset="0"/>
-              <a:cs typeface="Courier New" panose="02070309020205020404" pitchFamily="49" charset="0"/>
-            </a:endParaRPr>
-          </a:p>
-          <a:p>
-            <a:r>
-              <a:rPr lang="pt-BR" sz="1600" b="1" dirty="0">
-                <a:latin typeface="Courier New" panose="02070309020205020404" pitchFamily="49" charset="0"/>
-                <a:cs typeface="Courier New" panose="02070309020205020404" pitchFamily="49" charset="0"/>
-              </a:rPr>
-              <a:t>d = {</a:t>
-            </a:r>
-            <a:r>
-              <a:rPr lang="pt-BR" sz="1600" b="1" dirty="0">
-                <a:solidFill>
-                  <a:srgbClr val="718C00"/>
-                </a:solidFill>
-                <a:latin typeface="Courier New" panose="02070309020205020404" pitchFamily="49" charset="0"/>
-                <a:cs typeface="Courier New" panose="02070309020205020404" pitchFamily="49" charset="0"/>
-              </a:rPr>
-              <a:t>'one'</a:t>
-            </a:r>
-            <a:r>
-              <a:rPr lang="pt-BR" sz="1600" b="1" dirty="0">
-                <a:latin typeface="Courier New" panose="02070309020205020404" pitchFamily="49" charset="0"/>
-                <a:cs typeface="Courier New" panose="02070309020205020404" pitchFamily="49" charset="0"/>
-              </a:rPr>
-              <a:t>:pd.Series([1,2,3],   index=[</a:t>
-            </a:r>
-            <a:r>
-              <a:rPr lang="pt-BR" sz="1600" b="1" dirty="0">
-                <a:solidFill>
-                  <a:srgbClr val="718C00"/>
-                </a:solidFill>
-                <a:latin typeface="Courier New" panose="02070309020205020404" pitchFamily="49" charset="0"/>
-                <a:cs typeface="Courier New" panose="02070309020205020404" pitchFamily="49" charset="0"/>
-              </a:rPr>
-              <a:t>'a'</a:t>
-            </a:r>
-            <a:r>
-              <a:rPr lang="pt-BR" sz="1600" b="1" dirty="0">
-                <a:latin typeface="Courier New" panose="02070309020205020404" pitchFamily="49" charset="0"/>
-                <a:cs typeface="Courier New" panose="02070309020205020404" pitchFamily="49" charset="0"/>
-              </a:rPr>
-              <a:t>,</a:t>
-            </a:r>
-            <a:r>
-              <a:rPr lang="pt-BR" sz="1600" b="1" dirty="0">
-                <a:solidFill>
-                  <a:srgbClr val="718C00"/>
-                </a:solidFill>
-                <a:latin typeface="Courier New" panose="02070309020205020404" pitchFamily="49" charset="0"/>
-                <a:cs typeface="Courier New" panose="02070309020205020404" pitchFamily="49" charset="0"/>
-              </a:rPr>
-              <a:t>'b'</a:t>
-            </a:r>
-            <a:r>
-              <a:rPr lang="pt-BR" sz="1600" b="1" dirty="0">
-                <a:latin typeface="Courier New" panose="02070309020205020404" pitchFamily="49" charset="0"/>
-                <a:cs typeface="Courier New" panose="02070309020205020404" pitchFamily="49" charset="0"/>
-              </a:rPr>
-              <a:t>,</a:t>
-            </a:r>
-            <a:r>
-              <a:rPr lang="pt-BR" sz="1600" b="1" dirty="0">
-                <a:solidFill>
-                  <a:srgbClr val="718C00"/>
-                </a:solidFill>
-                <a:latin typeface="Courier New" panose="02070309020205020404" pitchFamily="49" charset="0"/>
-                <a:cs typeface="Courier New" panose="02070309020205020404" pitchFamily="49" charset="0"/>
-              </a:rPr>
-              <a:t>'c'</a:t>
-            </a:r>
-            <a:r>
-              <a:rPr lang="pt-BR" sz="1600" b="1" dirty="0">
-                <a:latin typeface="Courier New" panose="02070309020205020404" pitchFamily="49" charset="0"/>
-                <a:cs typeface="Courier New" panose="02070309020205020404" pitchFamily="49" charset="0"/>
-              </a:rPr>
-              <a:t>]), </a:t>
-            </a:r>
-            <a:endParaRPr lang="pt-BR" sz="1600" b="1" dirty="0">
-              <a:latin typeface="Courier New" panose="02070309020205020404" pitchFamily="49" charset="0"/>
-              <a:cs typeface="Courier New" panose="02070309020205020404" pitchFamily="49" charset="0"/>
-            </a:endParaRPr>
-          </a:p>
-          <a:p>
-            <a:r>
-              <a:rPr lang="pt-BR" sz="1600" b="1" dirty="0">
-                <a:latin typeface="Courier New" panose="02070309020205020404" pitchFamily="49" charset="0"/>
-                <a:cs typeface="Courier New" panose="02070309020205020404" pitchFamily="49" charset="0"/>
-              </a:rPr>
-              <a:t>     </a:t>
-            </a:r>
-            <a:r>
-              <a:rPr lang="pt-BR" sz="1600" b="1" dirty="0">
-                <a:solidFill>
-                  <a:srgbClr val="718C00"/>
-                </a:solidFill>
-                <a:latin typeface="Courier New" panose="02070309020205020404" pitchFamily="49" charset="0"/>
-                <a:cs typeface="Courier New" panose="02070309020205020404" pitchFamily="49" charset="0"/>
-              </a:rPr>
-              <a:t>'two'</a:t>
-            </a:r>
-            <a:r>
-              <a:rPr lang="pt-BR" sz="1600" b="1" dirty="0">
-                <a:latin typeface="Courier New" panose="02070309020205020404" pitchFamily="49" charset="0"/>
-                <a:cs typeface="Courier New" panose="02070309020205020404" pitchFamily="49" charset="0"/>
-              </a:rPr>
-              <a:t>:pd.Series([1,2,3,4], index=[</a:t>
-            </a:r>
-            <a:r>
-              <a:rPr lang="pt-BR" sz="1600" b="1" dirty="0">
-                <a:solidFill>
-                  <a:srgbClr val="718C00"/>
-                </a:solidFill>
-                <a:latin typeface="Courier New" panose="02070309020205020404" pitchFamily="49" charset="0"/>
-                <a:cs typeface="Courier New" panose="02070309020205020404" pitchFamily="49" charset="0"/>
-              </a:rPr>
-              <a:t>'a'</a:t>
-            </a:r>
-            <a:r>
-              <a:rPr lang="pt-BR" sz="1600" b="1" dirty="0">
-                <a:latin typeface="Courier New" panose="02070309020205020404" pitchFamily="49" charset="0"/>
-                <a:cs typeface="Courier New" panose="02070309020205020404" pitchFamily="49" charset="0"/>
-              </a:rPr>
-              <a:t>,</a:t>
-            </a:r>
-            <a:r>
-              <a:rPr lang="pt-BR" sz="1600" b="1" dirty="0">
-                <a:solidFill>
-                  <a:srgbClr val="718C00"/>
-                </a:solidFill>
-                <a:latin typeface="Courier New" panose="02070309020205020404" pitchFamily="49" charset="0"/>
-                <a:cs typeface="Courier New" panose="02070309020205020404" pitchFamily="49" charset="0"/>
-              </a:rPr>
-              <a:t>'b'</a:t>
-            </a:r>
-            <a:r>
-              <a:rPr lang="pt-BR" sz="1600" b="1" dirty="0">
-                <a:latin typeface="Courier New" panose="02070309020205020404" pitchFamily="49" charset="0"/>
-                <a:cs typeface="Courier New" panose="02070309020205020404" pitchFamily="49" charset="0"/>
-              </a:rPr>
-              <a:t>,</a:t>
-            </a:r>
-            <a:r>
-              <a:rPr lang="pt-BR" sz="1600" b="1" dirty="0">
-                <a:solidFill>
-                  <a:srgbClr val="718C00"/>
-                </a:solidFill>
-                <a:latin typeface="Courier New" panose="02070309020205020404" pitchFamily="49" charset="0"/>
-                <a:cs typeface="Courier New" panose="02070309020205020404" pitchFamily="49" charset="0"/>
-              </a:rPr>
-              <a:t>'c'</a:t>
-            </a:r>
-            <a:r>
-              <a:rPr lang="pt-BR" sz="1600" b="1" dirty="0">
-                <a:latin typeface="Courier New" panose="02070309020205020404" pitchFamily="49" charset="0"/>
-                <a:cs typeface="Courier New" panose="02070309020205020404" pitchFamily="49" charset="0"/>
-              </a:rPr>
-              <a:t>,</a:t>
-            </a:r>
-            <a:r>
-              <a:rPr lang="pt-BR" sz="1600" b="1" dirty="0">
-                <a:solidFill>
-                  <a:srgbClr val="718C00"/>
-                </a:solidFill>
-                <a:latin typeface="Courier New" panose="02070309020205020404" pitchFamily="49" charset="0"/>
-                <a:cs typeface="Courier New" panose="02070309020205020404" pitchFamily="49" charset="0"/>
-              </a:rPr>
-              <a:t>'d'</a:t>
-            </a:r>
-            <a:r>
-              <a:rPr lang="pt-BR" sz="1600" b="1" dirty="0">
-                <a:latin typeface="Courier New" panose="02070309020205020404" pitchFamily="49" charset="0"/>
-                <a:cs typeface="Courier New" panose="02070309020205020404" pitchFamily="49" charset="0"/>
-              </a:rPr>
-              <a:t>])</a:t>
-            </a:r>
-            <a:endParaRPr lang="pt-BR" sz="1600" b="1" dirty="0">
-              <a:latin typeface="Courier New" panose="02070309020205020404" pitchFamily="49" charset="0"/>
-              <a:cs typeface="Courier New" panose="02070309020205020404" pitchFamily="49" charset="0"/>
-            </a:endParaRPr>
-          </a:p>
-          <a:p>
-            <a:r>
-              <a:rPr lang="pt-BR" sz="1600" b="1" dirty="0">
-                <a:latin typeface="Courier New" panose="02070309020205020404" pitchFamily="49" charset="0"/>
-                <a:cs typeface="Courier New" panose="02070309020205020404" pitchFamily="49" charset="0"/>
-              </a:rPr>
-              <a:t>    }</a:t>
-            </a:r>
-            <a:endParaRPr lang="pt-BR" sz="1600" b="1" dirty="0">
-              <a:latin typeface="Courier New" panose="02070309020205020404" pitchFamily="49" charset="0"/>
-              <a:cs typeface="Courier New" panose="02070309020205020404" pitchFamily="49" charset="0"/>
-            </a:endParaRPr>
-          </a:p>
-          <a:p>
-            <a:r>
-              <a:rPr lang="pt-BR" sz="1600" b="1" dirty="0">
-                <a:latin typeface="Courier New" panose="02070309020205020404" pitchFamily="49" charset="0"/>
-                <a:cs typeface="Courier New" panose="02070309020205020404" pitchFamily="49" charset="0"/>
-              </a:rPr>
-              <a:t>df = pd.DataFrame(d)</a:t>
-            </a:r>
-            <a:endParaRPr lang="pt-BR" sz="1600" b="1" dirty="0">
-              <a:latin typeface="Courier New" panose="02070309020205020404" pitchFamily="49" charset="0"/>
-              <a:cs typeface="Courier New" panose="02070309020205020404" pitchFamily="49" charset="0"/>
-            </a:endParaRPr>
-          </a:p>
-          <a:p>
-            <a:r>
-              <a:rPr lang="pt-BR" sz="1600" b="1" dirty="0">
-                <a:solidFill>
-                  <a:srgbClr val="00B050"/>
-                </a:solidFill>
-                <a:latin typeface="Courier New" panose="02070309020205020404" pitchFamily="49" charset="0"/>
-                <a:cs typeface="Courier New" panose="02070309020205020404" pitchFamily="49" charset="0"/>
-              </a:rPr>
-              <a:t># Adding a new column to an existing DataFrame object</a:t>
-            </a:r>
-            <a:endParaRPr lang="pt-BR" sz="1600" b="1" dirty="0">
-              <a:solidFill>
-                <a:srgbClr val="00B050"/>
-              </a:solidFill>
-              <a:latin typeface="Courier New" panose="02070309020205020404" pitchFamily="49" charset="0"/>
-              <a:cs typeface="Courier New" panose="02070309020205020404" pitchFamily="49" charset="0"/>
-            </a:endParaRPr>
-          </a:p>
-          <a:p>
-            <a:r>
-              <a:rPr lang="pt-BR" sz="1600" b="1" dirty="0">
-                <a:solidFill>
-                  <a:srgbClr val="00B050"/>
-                </a:solidFill>
-                <a:latin typeface="Courier New" panose="02070309020205020404" pitchFamily="49" charset="0"/>
-                <a:cs typeface="Courier New" panose="02070309020205020404" pitchFamily="49" charset="0"/>
-              </a:rPr>
-              <a:t># with column label by passing new series</a:t>
-            </a:r>
-            <a:endParaRPr lang="pt-BR" sz="1600" b="1" dirty="0">
-              <a:solidFill>
-                <a:srgbClr val="00B050"/>
-              </a:solidFill>
-              <a:latin typeface="Courier New" panose="02070309020205020404" pitchFamily="49" charset="0"/>
-              <a:cs typeface="Courier New" panose="02070309020205020404" pitchFamily="49" charset="0"/>
-            </a:endParaRPr>
-          </a:p>
-          <a:p>
-            <a:endParaRPr lang="pt-BR" sz="1600" b="1" dirty="0">
-              <a:latin typeface="Courier New" panose="02070309020205020404" pitchFamily="49" charset="0"/>
-              <a:cs typeface="Courier New" panose="02070309020205020404" pitchFamily="49" charset="0"/>
-            </a:endParaRPr>
-          </a:p>
-          <a:p>
-            <a:r>
-              <a:rPr lang="pt-BR" sz="1600" b="1" dirty="0">
-                <a:latin typeface="Courier New" panose="02070309020205020404" pitchFamily="49" charset="0"/>
-                <a:cs typeface="Courier New" panose="02070309020205020404" pitchFamily="49" charset="0"/>
-              </a:rPr>
-              <a:t>print("Adding a new column by passing as Series:")</a:t>
-            </a:r>
-            <a:endParaRPr lang="pt-BR" sz="1600" b="1" dirty="0">
-              <a:latin typeface="Courier New" panose="02070309020205020404" pitchFamily="49" charset="0"/>
-              <a:cs typeface="Courier New" panose="02070309020205020404" pitchFamily="49" charset="0"/>
-            </a:endParaRPr>
-          </a:p>
-          <a:p>
-            <a:r>
-              <a:rPr lang="pt-BR" sz="1600" b="1" dirty="0">
-                <a:latin typeface="Courier New" panose="02070309020205020404" pitchFamily="49" charset="0"/>
-                <a:cs typeface="Courier New" panose="02070309020205020404" pitchFamily="49" charset="0"/>
-              </a:rPr>
-              <a:t>df[</a:t>
-            </a:r>
-            <a:r>
-              <a:rPr lang="pt-BR" sz="1600" b="1" dirty="0">
-                <a:solidFill>
-                  <a:srgbClr val="718C00"/>
-                </a:solidFill>
-                <a:latin typeface="Courier New" panose="02070309020205020404" pitchFamily="49" charset="0"/>
-                <a:cs typeface="Courier New" panose="02070309020205020404" pitchFamily="49" charset="0"/>
-              </a:rPr>
-              <a:t>'three'</a:t>
-            </a:r>
-            <a:r>
-              <a:rPr lang="pt-BR" sz="1600" b="1" dirty="0">
-                <a:latin typeface="Courier New" panose="02070309020205020404" pitchFamily="49" charset="0"/>
-                <a:cs typeface="Courier New" panose="02070309020205020404" pitchFamily="49" charset="0"/>
-              </a:rPr>
-              <a:t>] = pd.Series([10,20,30],index=[</a:t>
-            </a:r>
-            <a:r>
-              <a:rPr lang="pt-BR" sz="1600" b="1" dirty="0">
-                <a:solidFill>
-                  <a:srgbClr val="718C00"/>
-                </a:solidFill>
-                <a:latin typeface="Courier New" panose="02070309020205020404" pitchFamily="49" charset="0"/>
-                <a:cs typeface="Courier New" panose="02070309020205020404" pitchFamily="49" charset="0"/>
-              </a:rPr>
-              <a:t>'a'</a:t>
-            </a:r>
-            <a:r>
-              <a:rPr lang="pt-BR" sz="1600" b="1" dirty="0">
-                <a:latin typeface="Courier New" panose="02070309020205020404" pitchFamily="49" charset="0"/>
-                <a:cs typeface="Courier New" panose="02070309020205020404" pitchFamily="49" charset="0"/>
-              </a:rPr>
-              <a:t>,</a:t>
-            </a:r>
-            <a:r>
-              <a:rPr lang="pt-BR" sz="1600" b="1" dirty="0">
-                <a:solidFill>
-                  <a:srgbClr val="718C00"/>
-                </a:solidFill>
-                <a:latin typeface="Courier New" panose="02070309020205020404" pitchFamily="49" charset="0"/>
-                <a:cs typeface="Courier New" panose="02070309020205020404" pitchFamily="49" charset="0"/>
-              </a:rPr>
-              <a:t>'b'</a:t>
-            </a:r>
-            <a:r>
-              <a:rPr lang="pt-BR" sz="1600" b="1" dirty="0">
-                <a:latin typeface="Courier New" panose="02070309020205020404" pitchFamily="49" charset="0"/>
-                <a:cs typeface="Courier New" panose="02070309020205020404" pitchFamily="49" charset="0"/>
-              </a:rPr>
-              <a:t>,</a:t>
-            </a:r>
-            <a:r>
-              <a:rPr lang="pt-BR" sz="1600" b="1" dirty="0">
-                <a:solidFill>
-                  <a:srgbClr val="718C00"/>
-                </a:solidFill>
-                <a:latin typeface="Courier New" panose="02070309020205020404" pitchFamily="49" charset="0"/>
-                <a:cs typeface="Courier New" panose="02070309020205020404" pitchFamily="49" charset="0"/>
-              </a:rPr>
-              <a:t>'c'</a:t>
-            </a:r>
-            <a:r>
-              <a:rPr lang="pt-BR" sz="1600" b="1" dirty="0">
-                <a:latin typeface="Courier New" panose="02070309020205020404" pitchFamily="49" charset="0"/>
-                <a:cs typeface="Courier New" panose="02070309020205020404" pitchFamily="49" charset="0"/>
-              </a:rPr>
-              <a:t>])</a:t>
-            </a:r>
-            <a:endParaRPr lang="pt-BR" sz="1600" b="1" dirty="0">
-              <a:latin typeface="Courier New" panose="02070309020205020404" pitchFamily="49" charset="0"/>
-              <a:cs typeface="Courier New" panose="02070309020205020404" pitchFamily="49" charset="0"/>
-            </a:endParaRPr>
-          </a:p>
-          <a:p>
-            <a:r>
-              <a:rPr lang="pt-BR" sz="1600" b="1" dirty="0">
-                <a:latin typeface="Courier New" panose="02070309020205020404" pitchFamily="49" charset="0"/>
-                <a:cs typeface="Courier New" panose="02070309020205020404" pitchFamily="49" charset="0"/>
-              </a:rPr>
-              <a:t>print(df)</a:t>
-            </a:r>
-            <a:endParaRPr lang="pt-BR" sz="1600" b="1" dirty="0">
-              <a:latin typeface="Courier New" panose="02070309020205020404" pitchFamily="49" charset="0"/>
-              <a:cs typeface="Courier New" panose="02070309020205020404" pitchFamily="49" charset="0"/>
-            </a:endParaRPr>
-          </a:p>
-          <a:p>
-            <a:endParaRPr lang="pt-BR" sz="1600" b="1" dirty="0">
-              <a:latin typeface="Courier New" panose="02070309020205020404" pitchFamily="49" charset="0"/>
-              <a:cs typeface="Courier New" panose="02070309020205020404" pitchFamily="49" charset="0"/>
-            </a:endParaRPr>
-          </a:p>
-          <a:p>
-            <a:r>
-              <a:rPr lang="pt-BR" sz="1600" b="1" dirty="0">
-                <a:latin typeface="Courier New" panose="02070309020205020404" pitchFamily="49" charset="0"/>
-                <a:cs typeface="Courier New" panose="02070309020205020404" pitchFamily="49" charset="0"/>
-              </a:rPr>
-              <a:t>print("Adding a column using an existing columns in DataFrame:")</a:t>
-            </a:r>
-            <a:endParaRPr lang="pt-BR" sz="1600" b="1" dirty="0">
-              <a:latin typeface="Courier New" panose="02070309020205020404" pitchFamily="49" charset="0"/>
-              <a:cs typeface="Courier New" panose="02070309020205020404" pitchFamily="49" charset="0"/>
-            </a:endParaRPr>
-          </a:p>
-          <a:p>
-            <a:r>
-              <a:rPr lang="pt-BR" sz="1600" b="1" dirty="0">
-                <a:latin typeface="Courier New" panose="02070309020205020404" pitchFamily="49" charset="0"/>
-                <a:cs typeface="Courier New" panose="02070309020205020404" pitchFamily="49" charset="0"/>
-              </a:rPr>
-              <a:t>df[</a:t>
-            </a:r>
-            <a:r>
-              <a:rPr lang="pt-BR" sz="1600" b="1" dirty="0">
-                <a:solidFill>
-                  <a:srgbClr val="718C00"/>
-                </a:solidFill>
-                <a:latin typeface="Courier New" panose="02070309020205020404" pitchFamily="49" charset="0"/>
-                <a:cs typeface="Courier New" panose="02070309020205020404" pitchFamily="49" charset="0"/>
-              </a:rPr>
-              <a:t>'four'</a:t>
-            </a:r>
-            <a:r>
-              <a:rPr lang="pt-BR" sz="1600" b="1" dirty="0">
-                <a:latin typeface="Courier New" panose="02070309020205020404" pitchFamily="49" charset="0"/>
-                <a:cs typeface="Courier New" panose="02070309020205020404" pitchFamily="49" charset="0"/>
-              </a:rPr>
-              <a:t>] = df[</a:t>
-            </a:r>
-            <a:r>
-              <a:rPr lang="pt-BR" sz="1600" b="1" dirty="0">
-                <a:solidFill>
-                  <a:srgbClr val="718C00"/>
-                </a:solidFill>
-                <a:latin typeface="Courier New" panose="02070309020205020404" pitchFamily="49" charset="0"/>
-                <a:cs typeface="Courier New" panose="02070309020205020404" pitchFamily="49" charset="0"/>
-              </a:rPr>
-              <a:t>'one'</a:t>
-            </a:r>
-            <a:r>
-              <a:rPr lang="pt-BR" sz="1600" b="1" dirty="0">
-                <a:latin typeface="Courier New" panose="02070309020205020404" pitchFamily="49" charset="0"/>
-                <a:cs typeface="Courier New" panose="02070309020205020404" pitchFamily="49" charset="0"/>
-              </a:rPr>
-              <a:t>]+df[</a:t>
-            </a:r>
-            <a:r>
-              <a:rPr lang="pt-BR" sz="1600" b="1" dirty="0">
-                <a:solidFill>
-                  <a:srgbClr val="718C00"/>
-                </a:solidFill>
-                <a:latin typeface="Courier New" panose="02070309020205020404" pitchFamily="49" charset="0"/>
-                <a:cs typeface="Courier New" panose="02070309020205020404" pitchFamily="49" charset="0"/>
-              </a:rPr>
-              <a:t>'three'</a:t>
-            </a:r>
-            <a:r>
-              <a:rPr lang="pt-BR" sz="1600" b="1" dirty="0">
-                <a:latin typeface="Courier New" panose="02070309020205020404" pitchFamily="49" charset="0"/>
-                <a:cs typeface="Courier New" panose="02070309020205020404" pitchFamily="49" charset="0"/>
-              </a:rPr>
-              <a:t>]</a:t>
-            </a:r>
-            <a:endParaRPr lang="pt-BR" sz="1600" b="1" dirty="0">
-              <a:latin typeface="Courier New" panose="02070309020205020404" pitchFamily="49" charset="0"/>
-              <a:cs typeface="Courier New" panose="02070309020205020404" pitchFamily="49" charset="0"/>
-            </a:endParaRPr>
-          </a:p>
-          <a:p>
-            <a:r>
-              <a:rPr lang="pt-BR" sz="1600" b="1" dirty="0">
-                <a:latin typeface="Courier New" panose="02070309020205020404" pitchFamily="49" charset="0"/>
-                <a:cs typeface="Courier New" panose="02070309020205020404" pitchFamily="49" charset="0"/>
-              </a:rPr>
-              <a:t>print(df)</a:t>
-            </a:r>
-            <a:endParaRPr lang="en-US" sz="1600" b="1" dirty="0">
-              <a:latin typeface="Courier New" panose="02070309020205020404" pitchFamily="49" charset="0"/>
-              <a:cs typeface="Courier New" panose="02070309020205020404" pitchFamily="49" charset="0"/>
-            </a:endParaRPr>
-          </a:p>
-        </p:txBody>
-      </p:sp>
-      <p:sp>
-        <p:nvSpPr>
-          <p:cNvPr id="5" name="Rectangle 4"/>
-          <p:cNvSpPr/>
-          <p:nvPr/>
-        </p:nvSpPr>
-        <p:spPr>
-          <a:xfrm>
-            <a:off x="8007927" y="1494692"/>
-            <a:ext cx="3860800" cy="4770537"/>
-          </a:xfrm>
-          <a:prstGeom prst="rect">
-            <a:avLst/>
-          </a:prstGeom>
-          <a:solidFill>
-            <a:schemeClr val="accent3">
-              <a:lumMod val="20000"/>
-              <a:lumOff val="80000"/>
-            </a:schemeClr>
-          </a:solidFill>
-          <a:ln>
-            <a:solidFill>
-              <a:schemeClr val="accent1"/>
-            </a:solidFill>
-          </a:ln>
-        </p:spPr>
-        <p:txBody>
-          <a:bodyPr wrap="square" tIns="0" rIns="0" bIns="0">
-            <a:spAutoFit/>
-          </a:bodyPr>
-          <a:lstStyle/>
-          <a:p>
-            <a:pPr>
-              <a:lnSpc>
-                <a:spcPct val="150000"/>
-              </a:lnSpc>
-            </a:pPr>
-            <a:r>
-              <a:rPr lang="en-US" sz="1600" u="sng" dirty="0">
-                <a:latin typeface="Courier New" panose="02070309020205020404" pitchFamily="49" charset="0"/>
-                <a:cs typeface="Courier New" panose="02070309020205020404" pitchFamily="49" charset="0"/>
-              </a:rPr>
-              <a:t>Adding a column using Series:</a:t>
-            </a:r>
-            <a:endParaRPr lang="en-US" sz="1600" u="sng" dirty="0">
-              <a:latin typeface="Courier New" panose="02070309020205020404" pitchFamily="49" charset="0"/>
-              <a:cs typeface="Courier New" panose="02070309020205020404" pitchFamily="49" charset="0"/>
-            </a:endParaRPr>
-          </a:p>
-          <a:p>
-            <a:pPr>
-              <a:lnSpc>
-                <a:spcPct val="150000"/>
-              </a:lnSpc>
-            </a:pPr>
-            <a:r>
-              <a:rPr lang="en-US" sz="1600" dirty="0">
-                <a:latin typeface="Courier New" panose="02070309020205020404" pitchFamily="49" charset="0"/>
-                <a:cs typeface="Courier New" panose="02070309020205020404" pitchFamily="49" charset="0"/>
-              </a:rPr>
-              <a:t>   one  two  three</a:t>
-            </a:r>
-            <a:endParaRPr lang="en-US" sz="1600" dirty="0">
-              <a:latin typeface="Courier New" panose="02070309020205020404" pitchFamily="49" charset="0"/>
-              <a:cs typeface="Courier New" panose="02070309020205020404" pitchFamily="49" charset="0"/>
-            </a:endParaRPr>
-          </a:p>
-          <a:p>
-            <a:pPr>
-              <a:lnSpc>
-                <a:spcPct val="150000"/>
-              </a:lnSpc>
-            </a:pPr>
-            <a:r>
-              <a:rPr lang="en-US" sz="1600" dirty="0">
-                <a:latin typeface="Courier New" panose="02070309020205020404" pitchFamily="49" charset="0"/>
-                <a:cs typeface="Courier New" panose="02070309020205020404" pitchFamily="49" charset="0"/>
-              </a:rPr>
-              <a:t>a  1.0    1   10.0</a:t>
-            </a:r>
-            <a:endParaRPr lang="en-US" sz="1600" dirty="0">
-              <a:latin typeface="Courier New" panose="02070309020205020404" pitchFamily="49" charset="0"/>
-              <a:cs typeface="Courier New" panose="02070309020205020404" pitchFamily="49" charset="0"/>
-            </a:endParaRPr>
-          </a:p>
-          <a:p>
-            <a:pPr>
-              <a:lnSpc>
-                <a:spcPct val="150000"/>
-              </a:lnSpc>
-            </a:pPr>
-            <a:r>
-              <a:rPr lang="en-US" sz="1600" dirty="0">
-                <a:latin typeface="Courier New" panose="02070309020205020404" pitchFamily="49" charset="0"/>
-                <a:cs typeface="Courier New" panose="02070309020205020404" pitchFamily="49" charset="0"/>
-              </a:rPr>
-              <a:t>b  2.0    2   20.0</a:t>
-            </a:r>
-            <a:endParaRPr lang="en-US" sz="1600" dirty="0">
-              <a:latin typeface="Courier New" panose="02070309020205020404" pitchFamily="49" charset="0"/>
-              <a:cs typeface="Courier New" panose="02070309020205020404" pitchFamily="49" charset="0"/>
-            </a:endParaRPr>
-          </a:p>
-          <a:p>
-            <a:pPr>
-              <a:lnSpc>
-                <a:spcPct val="150000"/>
-              </a:lnSpc>
-            </a:pPr>
-            <a:r>
-              <a:rPr lang="en-US" sz="1600" dirty="0">
-                <a:latin typeface="Courier New" panose="02070309020205020404" pitchFamily="49" charset="0"/>
-                <a:cs typeface="Courier New" panose="02070309020205020404" pitchFamily="49" charset="0"/>
-              </a:rPr>
-              <a:t>c  3.0    3   30.0</a:t>
-            </a:r>
-            <a:endParaRPr lang="en-US" sz="1600" dirty="0">
-              <a:latin typeface="Courier New" panose="02070309020205020404" pitchFamily="49" charset="0"/>
-              <a:cs typeface="Courier New" panose="02070309020205020404" pitchFamily="49" charset="0"/>
-            </a:endParaRPr>
-          </a:p>
-          <a:p>
-            <a:pPr>
-              <a:lnSpc>
-                <a:spcPct val="150000"/>
-              </a:lnSpc>
-            </a:pPr>
-            <a:r>
-              <a:rPr lang="en-US" sz="1600" dirty="0">
-                <a:latin typeface="Courier New" panose="02070309020205020404" pitchFamily="49" charset="0"/>
-                <a:cs typeface="Courier New" panose="02070309020205020404" pitchFamily="49" charset="0"/>
-              </a:rPr>
-              <a:t>d  </a:t>
-            </a:r>
-            <a:r>
-              <a:rPr lang="en-US" sz="1600" dirty="0" err="1">
-                <a:latin typeface="Courier New" panose="02070309020205020404" pitchFamily="49" charset="0"/>
-                <a:cs typeface="Courier New" panose="02070309020205020404" pitchFamily="49" charset="0"/>
-              </a:rPr>
-              <a:t>NaN</a:t>
-            </a:r>
-            <a:r>
-              <a:rPr lang="en-US" sz="1600" dirty="0">
-                <a:latin typeface="Courier New" panose="02070309020205020404" pitchFamily="49" charset="0"/>
-                <a:cs typeface="Courier New" panose="02070309020205020404" pitchFamily="49" charset="0"/>
-              </a:rPr>
-              <a:t>    4    </a:t>
-            </a:r>
-            <a:r>
-              <a:rPr lang="en-US" sz="1600" dirty="0" err="1">
-                <a:latin typeface="Courier New" panose="02070309020205020404" pitchFamily="49" charset="0"/>
-                <a:cs typeface="Courier New" panose="02070309020205020404" pitchFamily="49" charset="0"/>
-              </a:rPr>
-              <a:t>NaN</a:t>
-            </a:r>
-            <a:endParaRPr lang="en-US" sz="1600" dirty="0">
-              <a:latin typeface="Courier New" panose="02070309020205020404" pitchFamily="49" charset="0"/>
-              <a:cs typeface="Courier New" panose="02070309020205020404" pitchFamily="49" charset="0"/>
-            </a:endParaRPr>
-          </a:p>
-          <a:p>
-            <a:pPr>
-              <a:lnSpc>
-                <a:spcPct val="150000"/>
-              </a:lnSpc>
-            </a:pPr>
-            <a:endParaRPr lang="en-US" sz="1600" u="sng" dirty="0">
-              <a:latin typeface="Courier New" panose="02070309020205020404" pitchFamily="49" charset="0"/>
-              <a:cs typeface="Courier New" panose="02070309020205020404" pitchFamily="49" charset="0"/>
-            </a:endParaRPr>
-          </a:p>
-          <a:p>
-            <a:pPr>
-              <a:lnSpc>
-                <a:spcPct val="150000"/>
-              </a:lnSpc>
-            </a:pPr>
-            <a:r>
-              <a:rPr lang="en-US" sz="1600" u="sng" dirty="0">
-                <a:latin typeface="Courier New" panose="02070309020205020404" pitchFamily="49" charset="0"/>
-                <a:cs typeface="Courier New" panose="02070309020205020404" pitchFamily="49" charset="0"/>
-              </a:rPr>
-              <a:t>Adding a column using columns:</a:t>
-            </a:r>
-            <a:endParaRPr lang="en-US" sz="1600" u="sng" dirty="0">
-              <a:latin typeface="Courier New" panose="02070309020205020404" pitchFamily="49" charset="0"/>
-              <a:cs typeface="Courier New" panose="02070309020205020404" pitchFamily="49" charset="0"/>
-            </a:endParaRPr>
-          </a:p>
-          <a:p>
-            <a:pPr>
-              <a:lnSpc>
-                <a:spcPct val="150000"/>
-              </a:lnSpc>
-            </a:pPr>
-            <a:r>
-              <a:rPr lang="en-US" sz="1600" dirty="0">
-                <a:latin typeface="Courier New" panose="02070309020205020404" pitchFamily="49" charset="0"/>
-                <a:cs typeface="Courier New" panose="02070309020205020404" pitchFamily="49" charset="0"/>
-              </a:rPr>
-              <a:t>   one  two  three  four</a:t>
-            </a:r>
-            <a:endParaRPr lang="en-US" sz="1600" dirty="0">
-              <a:latin typeface="Courier New" panose="02070309020205020404" pitchFamily="49" charset="0"/>
-              <a:cs typeface="Courier New" panose="02070309020205020404" pitchFamily="49" charset="0"/>
-            </a:endParaRPr>
-          </a:p>
-          <a:p>
-            <a:pPr>
-              <a:lnSpc>
-                <a:spcPct val="150000"/>
-              </a:lnSpc>
-            </a:pPr>
-            <a:r>
-              <a:rPr lang="en-US" sz="1600" dirty="0">
-                <a:latin typeface="Courier New" panose="02070309020205020404" pitchFamily="49" charset="0"/>
-                <a:cs typeface="Courier New" panose="02070309020205020404" pitchFamily="49" charset="0"/>
-              </a:rPr>
-              <a:t>a  1.0    1   10.0  11.0</a:t>
-            </a:r>
-            <a:endParaRPr lang="en-US" sz="1600" dirty="0">
-              <a:latin typeface="Courier New" panose="02070309020205020404" pitchFamily="49" charset="0"/>
-              <a:cs typeface="Courier New" panose="02070309020205020404" pitchFamily="49" charset="0"/>
-            </a:endParaRPr>
-          </a:p>
-          <a:p>
-            <a:pPr>
-              <a:lnSpc>
-                <a:spcPct val="150000"/>
-              </a:lnSpc>
-            </a:pPr>
-            <a:r>
-              <a:rPr lang="en-US" sz="1600" dirty="0">
-                <a:latin typeface="Courier New" panose="02070309020205020404" pitchFamily="49" charset="0"/>
-                <a:cs typeface="Courier New" panose="02070309020205020404" pitchFamily="49" charset="0"/>
-              </a:rPr>
-              <a:t>b  2.0    2   20.0  22.0</a:t>
-            </a:r>
-            <a:endParaRPr lang="en-US" sz="1600" dirty="0">
-              <a:latin typeface="Courier New" panose="02070309020205020404" pitchFamily="49" charset="0"/>
-              <a:cs typeface="Courier New" panose="02070309020205020404" pitchFamily="49" charset="0"/>
-            </a:endParaRPr>
-          </a:p>
-          <a:p>
-            <a:pPr>
-              <a:lnSpc>
-                <a:spcPct val="150000"/>
-              </a:lnSpc>
-            </a:pPr>
-            <a:r>
-              <a:rPr lang="en-US" sz="1600" dirty="0">
-                <a:latin typeface="Courier New" panose="02070309020205020404" pitchFamily="49" charset="0"/>
-                <a:cs typeface="Courier New" panose="02070309020205020404" pitchFamily="49" charset="0"/>
-              </a:rPr>
-              <a:t>c  3.0    3   30.0  33.0</a:t>
-            </a:r>
-            <a:endParaRPr lang="en-US" sz="1600" dirty="0">
-              <a:latin typeface="Courier New" panose="02070309020205020404" pitchFamily="49" charset="0"/>
-              <a:cs typeface="Courier New" panose="02070309020205020404" pitchFamily="49" charset="0"/>
-            </a:endParaRPr>
-          </a:p>
-          <a:p>
-            <a:pPr>
-              <a:lnSpc>
-                <a:spcPct val="150000"/>
-              </a:lnSpc>
-            </a:pPr>
-            <a:r>
-              <a:rPr lang="en-US" sz="1600" dirty="0">
-                <a:latin typeface="Courier New" panose="02070309020205020404" pitchFamily="49" charset="0"/>
-                <a:cs typeface="Courier New" panose="02070309020205020404" pitchFamily="49" charset="0"/>
-              </a:rPr>
-              <a:t>d  </a:t>
-            </a:r>
-            <a:r>
-              <a:rPr lang="en-US" sz="1600" dirty="0" err="1">
-                <a:latin typeface="Courier New" panose="02070309020205020404" pitchFamily="49" charset="0"/>
-                <a:cs typeface="Courier New" panose="02070309020205020404" pitchFamily="49" charset="0"/>
-              </a:rPr>
-              <a:t>NaN</a:t>
-            </a:r>
-            <a:r>
-              <a:rPr lang="en-US" sz="1600" dirty="0">
-                <a:latin typeface="Courier New" panose="02070309020205020404" pitchFamily="49" charset="0"/>
-                <a:cs typeface="Courier New" panose="02070309020205020404" pitchFamily="49" charset="0"/>
-              </a:rPr>
-              <a:t>    4    </a:t>
-            </a:r>
-            <a:r>
-              <a:rPr lang="en-US" sz="1600" dirty="0" err="1">
-                <a:latin typeface="Courier New" panose="02070309020205020404" pitchFamily="49" charset="0"/>
-                <a:cs typeface="Courier New" panose="02070309020205020404" pitchFamily="49" charset="0"/>
-              </a:rPr>
-              <a:t>NaN</a:t>
-            </a:r>
-            <a:r>
-              <a:rPr lang="en-US" sz="1600" dirty="0">
-                <a:latin typeface="Courier New" panose="02070309020205020404" pitchFamily="49" charset="0"/>
-                <a:cs typeface="Courier New" panose="02070309020205020404" pitchFamily="49" charset="0"/>
-              </a:rPr>
-              <a:t>   </a:t>
-            </a:r>
-            <a:r>
-              <a:rPr lang="en-US" sz="1600" dirty="0" err="1">
-                <a:latin typeface="Courier New" panose="02070309020205020404" pitchFamily="49" charset="0"/>
-                <a:cs typeface="Courier New" panose="02070309020205020404" pitchFamily="49" charset="0"/>
-              </a:rPr>
-              <a:t>NaN</a:t>
-            </a:r>
-            <a:endParaRPr lang="en-US" sz="1600" dirty="0">
-              <a:latin typeface="Courier New" panose="02070309020205020404" pitchFamily="49" charset="0"/>
-              <a:cs typeface="Courier New" panose="02070309020205020404" pitchFamily="49" charset="0"/>
-            </a:endParaRPr>
-          </a:p>
-        </p:txBody>
-      </p:sp>
+      </p:pic>
     </p:spTree>
   </p:cSld>
   <p:clrMapOvr>
@@ -13285,965 +10160,144 @@
             <p:ph type="title"/>
           </p:nvPr>
         </p:nvSpPr>
-        <p:spPr>
-          <a:xfrm>
-            <a:off x="865909" y="510988"/>
-            <a:ext cx="10515600" cy="717177"/>
-          </a:xfrm>
-        </p:spPr>
+        <p:spPr/>
+        <p:txBody>
+          <a:bodyPr/>
+          <a:lstStyle/>
+          <a:p>
+            <a:pPr algn="ctr"/>
+            <a:r>
+              <a:rPr lang="en-US" dirty="0"/>
+              <a:t>References</a:t>
+            </a:r>
+            <a:endParaRPr lang="en-US" dirty="0"/>
+          </a:p>
+        </p:txBody>
+      </p:sp>
+      <p:sp>
+        <p:nvSpPr>
+          <p:cNvPr id="3" name="Content Placeholder 2"/>
+          <p:cNvSpPr>
+            <a:spLocks noGrp="1"/>
+          </p:cNvSpPr>
+          <p:nvPr>
+            <p:ph idx="1"/>
+          </p:nvPr>
+        </p:nvSpPr>
+        <p:spPr/>
         <p:txBody>
           <a:bodyPr>
-            <a:normAutofit fontScale="90000"/>
+            <a:normAutofit/>
           </a:bodyPr>
           <a:lstStyle/>
           <a:p>
-            <a:pPr algn="ctr"/>
-            <a:r>
-              <a:rPr lang="en-US" b="1" dirty="0"/>
-              <a:t>More Examples: Column Deletion</a:t>
-            </a:r>
-            <a:endParaRPr lang="en-US" b="1" dirty="0"/>
-          </a:p>
-        </p:txBody>
-      </p:sp>
-      <p:sp>
-        <p:nvSpPr>
-          <p:cNvPr id="4" name="Rectangle 3"/>
-          <p:cNvSpPr/>
-          <p:nvPr/>
-        </p:nvSpPr>
-        <p:spPr>
-          <a:xfrm>
-            <a:off x="145473" y="1459085"/>
-            <a:ext cx="8388927" cy="5016758"/>
-          </a:xfrm>
-          <a:prstGeom prst="rect">
-            <a:avLst/>
-          </a:prstGeom>
-          <a:solidFill>
-            <a:schemeClr val="accent4">
-              <a:lumMod val="20000"/>
-              <a:lumOff val="80000"/>
-            </a:schemeClr>
-          </a:solidFill>
-          <a:ln>
-            <a:solidFill>
-              <a:schemeClr val="accent1"/>
-            </a:solidFill>
-          </a:ln>
-        </p:spPr>
-        <p:txBody>
-          <a:bodyPr wrap="square">
-            <a:spAutoFit/>
-          </a:bodyPr>
-          <a:lstStyle/>
-          <a:p>
-            <a:r>
-              <a:rPr lang="pt-BR" sz="1600" b="1" dirty="0">
-                <a:solidFill>
-                  <a:srgbClr val="00B050"/>
-                </a:solidFill>
-                <a:latin typeface="Courier New" panose="02070309020205020404" pitchFamily="49" charset="0"/>
-                <a:cs typeface="Courier New" panose="02070309020205020404" pitchFamily="49" charset="0"/>
-              </a:rPr>
-              <a:t># Using the previous DataFrame, we will delete a column</a:t>
-            </a:r>
-            <a:endParaRPr lang="pt-BR" sz="1600" b="1" dirty="0">
-              <a:solidFill>
-                <a:srgbClr val="00B050"/>
-              </a:solidFill>
-              <a:latin typeface="Courier New" panose="02070309020205020404" pitchFamily="49" charset="0"/>
-              <a:cs typeface="Courier New" panose="02070309020205020404" pitchFamily="49" charset="0"/>
-            </a:endParaRPr>
-          </a:p>
-          <a:p>
-            <a:r>
-              <a:rPr lang="pt-BR" sz="1600" b="1" dirty="0">
-                <a:solidFill>
-                  <a:srgbClr val="00B050"/>
-                </a:solidFill>
-                <a:latin typeface="Courier New" panose="02070309020205020404" pitchFamily="49" charset="0"/>
-                <a:cs typeface="Courier New" panose="02070309020205020404" pitchFamily="49" charset="0"/>
-              </a:rPr>
-              <a:t># using del function</a:t>
-            </a:r>
-            <a:endParaRPr lang="pt-BR" sz="1600" b="1" dirty="0">
-              <a:solidFill>
-                <a:srgbClr val="00B050"/>
-              </a:solidFill>
-              <a:latin typeface="Courier New" panose="02070309020205020404" pitchFamily="49" charset="0"/>
-              <a:cs typeface="Courier New" panose="02070309020205020404" pitchFamily="49" charset="0"/>
-            </a:endParaRPr>
-          </a:p>
-          <a:p>
-            <a:r>
-              <a:rPr lang="pt-BR" sz="1600" b="1" dirty="0">
-                <a:solidFill>
-                  <a:srgbClr val="FF9900"/>
-                </a:solidFill>
-                <a:latin typeface="Courier New" panose="02070309020205020404" pitchFamily="49" charset="0"/>
-                <a:cs typeface="Courier New" panose="02070309020205020404" pitchFamily="49" charset="0"/>
-              </a:rPr>
-              <a:t>import</a:t>
-            </a:r>
-            <a:r>
-              <a:rPr lang="pt-BR" sz="1600" b="1" dirty="0">
-                <a:latin typeface="Courier New" panose="02070309020205020404" pitchFamily="49" charset="0"/>
-                <a:cs typeface="Courier New" panose="02070309020205020404" pitchFamily="49" charset="0"/>
-              </a:rPr>
-              <a:t> pandas </a:t>
-            </a:r>
-            <a:r>
-              <a:rPr lang="pt-BR" sz="1600" b="1" dirty="0">
-                <a:solidFill>
-                  <a:srgbClr val="FF9900"/>
-                </a:solidFill>
-                <a:latin typeface="Courier New" panose="02070309020205020404" pitchFamily="49" charset="0"/>
-                <a:cs typeface="Courier New" panose="02070309020205020404" pitchFamily="49" charset="0"/>
-              </a:rPr>
-              <a:t>as</a:t>
-            </a:r>
-            <a:r>
-              <a:rPr lang="pt-BR" sz="1600" b="1" dirty="0">
-                <a:latin typeface="Courier New" panose="02070309020205020404" pitchFamily="49" charset="0"/>
-                <a:cs typeface="Courier New" panose="02070309020205020404" pitchFamily="49" charset="0"/>
-              </a:rPr>
-              <a:t> pd</a:t>
-            </a:r>
-            <a:endParaRPr lang="pt-BR" sz="1600" b="1" dirty="0">
-              <a:latin typeface="Courier New" panose="02070309020205020404" pitchFamily="49" charset="0"/>
-              <a:cs typeface="Courier New" panose="02070309020205020404" pitchFamily="49" charset="0"/>
-            </a:endParaRPr>
-          </a:p>
-          <a:p>
-            <a:r>
-              <a:rPr lang="pt-BR" sz="1600" b="1" dirty="0">
-                <a:latin typeface="Courier New" panose="02070309020205020404" pitchFamily="49" charset="0"/>
-                <a:cs typeface="Courier New" panose="02070309020205020404" pitchFamily="49" charset="0"/>
-              </a:rPr>
-              <a:t>d = {</a:t>
-            </a:r>
-            <a:r>
-              <a:rPr lang="pt-BR" sz="1600" b="1" dirty="0">
-                <a:solidFill>
-                  <a:srgbClr val="718C00"/>
-                </a:solidFill>
-                <a:latin typeface="Courier New" panose="02070309020205020404" pitchFamily="49" charset="0"/>
-                <a:cs typeface="Courier New" panose="02070309020205020404" pitchFamily="49" charset="0"/>
-              </a:rPr>
-              <a:t>'one'</a:t>
-            </a:r>
-            <a:r>
-              <a:rPr lang="pt-BR" sz="1600" b="1" dirty="0">
-                <a:latin typeface="Courier New" panose="02070309020205020404" pitchFamily="49" charset="0"/>
-                <a:cs typeface="Courier New" panose="02070309020205020404" pitchFamily="49" charset="0"/>
-              </a:rPr>
-              <a:t>   : pd.Series([1, 2, 3],    index=[</a:t>
-            </a:r>
-            <a:r>
-              <a:rPr lang="pt-BR" sz="1600" b="1" dirty="0">
-                <a:solidFill>
-                  <a:srgbClr val="718C00"/>
-                </a:solidFill>
-                <a:latin typeface="Courier New" panose="02070309020205020404" pitchFamily="49" charset="0"/>
-                <a:cs typeface="Courier New" panose="02070309020205020404" pitchFamily="49" charset="0"/>
-              </a:rPr>
-              <a:t>'a'</a:t>
-            </a:r>
-            <a:r>
-              <a:rPr lang="pt-BR" sz="1600" b="1" dirty="0">
-                <a:latin typeface="Courier New" panose="02070309020205020404" pitchFamily="49" charset="0"/>
-                <a:cs typeface="Courier New" panose="02070309020205020404" pitchFamily="49" charset="0"/>
-              </a:rPr>
-              <a:t>, </a:t>
-            </a:r>
-            <a:r>
-              <a:rPr lang="pt-BR" sz="1600" b="1" dirty="0">
-                <a:solidFill>
-                  <a:srgbClr val="718C00"/>
-                </a:solidFill>
-                <a:latin typeface="Courier New" panose="02070309020205020404" pitchFamily="49" charset="0"/>
-                <a:cs typeface="Courier New" panose="02070309020205020404" pitchFamily="49" charset="0"/>
-              </a:rPr>
-              <a:t>'b'</a:t>
-            </a:r>
-            <a:r>
-              <a:rPr lang="pt-BR" sz="1600" b="1" dirty="0">
-                <a:latin typeface="Courier New" panose="02070309020205020404" pitchFamily="49" charset="0"/>
-                <a:cs typeface="Courier New" panose="02070309020205020404" pitchFamily="49" charset="0"/>
-              </a:rPr>
-              <a:t>, </a:t>
-            </a:r>
-            <a:r>
-              <a:rPr lang="pt-BR" sz="1600" b="1" dirty="0">
-                <a:solidFill>
-                  <a:srgbClr val="718C00"/>
-                </a:solidFill>
-                <a:latin typeface="Courier New" panose="02070309020205020404" pitchFamily="49" charset="0"/>
-                <a:cs typeface="Courier New" panose="02070309020205020404" pitchFamily="49" charset="0"/>
-              </a:rPr>
-              <a:t>'c'</a:t>
-            </a:r>
-            <a:r>
-              <a:rPr lang="pt-BR" sz="1600" b="1" dirty="0">
-                <a:latin typeface="Courier New" panose="02070309020205020404" pitchFamily="49" charset="0"/>
-                <a:cs typeface="Courier New" panose="02070309020205020404" pitchFamily="49" charset="0"/>
-              </a:rPr>
-              <a:t>]),</a:t>
-            </a:r>
-            <a:endParaRPr lang="pt-BR" sz="1600" b="1" dirty="0">
-              <a:latin typeface="Courier New" panose="02070309020205020404" pitchFamily="49" charset="0"/>
-              <a:cs typeface="Courier New" panose="02070309020205020404" pitchFamily="49" charset="0"/>
-            </a:endParaRPr>
-          </a:p>
-          <a:p>
-            <a:r>
-              <a:rPr lang="pt-BR" sz="1600" b="1" dirty="0">
-                <a:latin typeface="Courier New" panose="02070309020205020404" pitchFamily="49" charset="0"/>
-                <a:cs typeface="Courier New" panose="02070309020205020404" pitchFamily="49" charset="0"/>
-              </a:rPr>
-              <a:t>     </a:t>
-            </a:r>
-            <a:r>
-              <a:rPr lang="pt-BR" sz="1600" b="1" dirty="0">
-                <a:solidFill>
-                  <a:srgbClr val="718C00"/>
-                </a:solidFill>
-                <a:latin typeface="Courier New" panose="02070309020205020404" pitchFamily="49" charset="0"/>
-                <a:cs typeface="Courier New" panose="02070309020205020404" pitchFamily="49" charset="0"/>
-              </a:rPr>
-              <a:t>'two'</a:t>
-            </a:r>
-            <a:r>
-              <a:rPr lang="pt-BR" sz="1600" b="1" dirty="0">
-                <a:latin typeface="Courier New" panose="02070309020205020404" pitchFamily="49" charset="0"/>
-                <a:cs typeface="Courier New" panose="02070309020205020404" pitchFamily="49" charset="0"/>
-              </a:rPr>
-              <a:t>   : pd.Series([1, 2, 3, 4], index=[</a:t>
-            </a:r>
-            <a:r>
-              <a:rPr lang="pt-BR" sz="1600" b="1" dirty="0">
-                <a:solidFill>
-                  <a:srgbClr val="718C00"/>
-                </a:solidFill>
-                <a:latin typeface="Courier New" panose="02070309020205020404" pitchFamily="49" charset="0"/>
-                <a:cs typeface="Courier New" panose="02070309020205020404" pitchFamily="49" charset="0"/>
-              </a:rPr>
-              <a:t>'a'</a:t>
-            </a:r>
-            <a:r>
-              <a:rPr lang="pt-BR" sz="1600" b="1" dirty="0">
-                <a:latin typeface="Courier New" panose="02070309020205020404" pitchFamily="49" charset="0"/>
-                <a:cs typeface="Courier New" panose="02070309020205020404" pitchFamily="49" charset="0"/>
-              </a:rPr>
-              <a:t>, </a:t>
-            </a:r>
-            <a:r>
-              <a:rPr lang="pt-BR" sz="1600" b="1" dirty="0">
-                <a:solidFill>
-                  <a:srgbClr val="718C00"/>
-                </a:solidFill>
-                <a:latin typeface="Courier New" panose="02070309020205020404" pitchFamily="49" charset="0"/>
-                <a:cs typeface="Courier New" panose="02070309020205020404" pitchFamily="49" charset="0"/>
-              </a:rPr>
-              <a:t>'b'</a:t>
-            </a:r>
-            <a:r>
-              <a:rPr lang="pt-BR" sz="1600" b="1" dirty="0">
-                <a:latin typeface="Courier New" panose="02070309020205020404" pitchFamily="49" charset="0"/>
-                <a:cs typeface="Courier New" panose="02070309020205020404" pitchFamily="49" charset="0"/>
-              </a:rPr>
-              <a:t>, </a:t>
-            </a:r>
-            <a:r>
-              <a:rPr lang="pt-BR" sz="1600" b="1" dirty="0">
-                <a:solidFill>
-                  <a:srgbClr val="718C00"/>
-                </a:solidFill>
-                <a:latin typeface="Courier New" panose="02070309020205020404" pitchFamily="49" charset="0"/>
-                <a:cs typeface="Courier New" panose="02070309020205020404" pitchFamily="49" charset="0"/>
-              </a:rPr>
-              <a:t>'c'</a:t>
-            </a:r>
-            <a:r>
-              <a:rPr lang="pt-BR" sz="1600" b="1" dirty="0">
-                <a:latin typeface="Courier New" panose="02070309020205020404" pitchFamily="49" charset="0"/>
-                <a:cs typeface="Courier New" panose="02070309020205020404" pitchFamily="49" charset="0"/>
-              </a:rPr>
-              <a:t>, </a:t>
-            </a:r>
-            <a:r>
-              <a:rPr lang="pt-BR" sz="1600" b="1" dirty="0">
-                <a:solidFill>
-                  <a:srgbClr val="718C00"/>
-                </a:solidFill>
-                <a:latin typeface="Courier New" panose="02070309020205020404" pitchFamily="49" charset="0"/>
-                <a:cs typeface="Courier New" panose="02070309020205020404" pitchFamily="49" charset="0"/>
-              </a:rPr>
-              <a:t>'d'</a:t>
-            </a:r>
-            <a:r>
-              <a:rPr lang="pt-BR" sz="1600" b="1" dirty="0">
-                <a:latin typeface="Courier New" panose="02070309020205020404" pitchFamily="49" charset="0"/>
-                <a:cs typeface="Courier New" panose="02070309020205020404" pitchFamily="49" charset="0"/>
-              </a:rPr>
-              <a:t>]),</a:t>
-            </a:r>
-            <a:endParaRPr lang="pt-BR" sz="1600" b="1" dirty="0">
-              <a:latin typeface="Courier New" panose="02070309020205020404" pitchFamily="49" charset="0"/>
-              <a:cs typeface="Courier New" panose="02070309020205020404" pitchFamily="49" charset="0"/>
-            </a:endParaRPr>
-          </a:p>
-          <a:p>
-            <a:r>
-              <a:rPr lang="pt-BR" sz="1600" b="1" dirty="0">
-                <a:latin typeface="Courier New" panose="02070309020205020404" pitchFamily="49" charset="0"/>
-                <a:cs typeface="Courier New" panose="02070309020205020404" pitchFamily="49" charset="0"/>
-              </a:rPr>
-              <a:t>     </a:t>
-            </a:r>
-            <a:r>
-              <a:rPr lang="pt-BR" sz="1600" b="1" dirty="0">
-                <a:solidFill>
-                  <a:srgbClr val="718C00"/>
-                </a:solidFill>
-                <a:latin typeface="Courier New" panose="02070309020205020404" pitchFamily="49" charset="0"/>
-                <a:cs typeface="Courier New" panose="02070309020205020404" pitchFamily="49" charset="0"/>
-              </a:rPr>
-              <a:t>'three'</a:t>
-            </a:r>
-            <a:r>
-              <a:rPr lang="pt-BR" sz="1600" b="1" dirty="0">
-                <a:latin typeface="Courier New" panose="02070309020205020404" pitchFamily="49" charset="0"/>
-                <a:cs typeface="Courier New" panose="02070309020205020404" pitchFamily="49" charset="0"/>
-              </a:rPr>
-              <a:t> : pd.Series([10,20,30],   index=[</a:t>
-            </a:r>
-            <a:r>
-              <a:rPr lang="pt-BR" sz="1600" b="1" dirty="0">
-                <a:solidFill>
-                  <a:srgbClr val="718C00"/>
-                </a:solidFill>
-                <a:latin typeface="Courier New" panose="02070309020205020404" pitchFamily="49" charset="0"/>
-                <a:cs typeface="Courier New" panose="02070309020205020404" pitchFamily="49" charset="0"/>
-              </a:rPr>
-              <a:t>'a'</a:t>
-            </a:r>
-            <a:r>
-              <a:rPr lang="pt-BR" sz="1600" b="1" dirty="0">
-                <a:latin typeface="Courier New" panose="02070309020205020404" pitchFamily="49" charset="0"/>
-                <a:cs typeface="Courier New" panose="02070309020205020404" pitchFamily="49" charset="0"/>
-              </a:rPr>
-              <a:t>,</a:t>
-            </a:r>
-            <a:r>
-              <a:rPr lang="pt-BR" sz="1600" b="1" dirty="0">
-                <a:solidFill>
-                  <a:srgbClr val="718C00"/>
-                </a:solidFill>
-                <a:latin typeface="Courier New" panose="02070309020205020404" pitchFamily="49" charset="0"/>
-                <a:cs typeface="Courier New" panose="02070309020205020404" pitchFamily="49" charset="0"/>
-              </a:rPr>
-              <a:t>'b'</a:t>
-            </a:r>
-            <a:r>
-              <a:rPr lang="pt-BR" sz="1600" b="1" dirty="0">
-                <a:latin typeface="Courier New" panose="02070309020205020404" pitchFamily="49" charset="0"/>
-                <a:cs typeface="Courier New" panose="02070309020205020404" pitchFamily="49" charset="0"/>
-              </a:rPr>
-              <a:t>,</a:t>
-            </a:r>
-            <a:r>
-              <a:rPr lang="pt-BR" sz="1600" b="1" dirty="0">
-                <a:solidFill>
-                  <a:srgbClr val="718C00"/>
-                </a:solidFill>
-                <a:latin typeface="Courier New" panose="02070309020205020404" pitchFamily="49" charset="0"/>
-                <a:cs typeface="Courier New" panose="02070309020205020404" pitchFamily="49" charset="0"/>
-              </a:rPr>
-              <a:t>'c'</a:t>
-            </a:r>
-            <a:r>
-              <a:rPr lang="pt-BR" sz="1600" b="1" dirty="0">
-                <a:latin typeface="Courier New" panose="02070309020205020404" pitchFamily="49" charset="0"/>
-                <a:cs typeface="Courier New" panose="02070309020205020404" pitchFamily="49" charset="0"/>
-              </a:rPr>
-              <a:t>])</a:t>
-            </a:r>
-            <a:endParaRPr lang="pt-BR" sz="1600" b="1" dirty="0">
-              <a:latin typeface="Courier New" panose="02070309020205020404" pitchFamily="49" charset="0"/>
-              <a:cs typeface="Courier New" panose="02070309020205020404" pitchFamily="49" charset="0"/>
-            </a:endParaRPr>
-          </a:p>
-          <a:p>
-            <a:r>
-              <a:rPr lang="pt-BR" sz="1600" b="1" dirty="0">
-                <a:latin typeface="Courier New" panose="02070309020205020404" pitchFamily="49" charset="0"/>
-                <a:cs typeface="Courier New" panose="02070309020205020404" pitchFamily="49" charset="0"/>
-              </a:rPr>
-              <a:t>    }</a:t>
-            </a:r>
-            <a:endParaRPr lang="pt-BR" sz="1600" b="1" dirty="0">
-              <a:latin typeface="Courier New" panose="02070309020205020404" pitchFamily="49" charset="0"/>
-              <a:cs typeface="Courier New" panose="02070309020205020404" pitchFamily="49" charset="0"/>
-            </a:endParaRPr>
-          </a:p>
-          <a:p>
-            <a:r>
-              <a:rPr lang="pt-BR" sz="1600" b="1" dirty="0">
-                <a:latin typeface="Courier New" panose="02070309020205020404" pitchFamily="49" charset="0"/>
-                <a:cs typeface="Courier New" panose="02070309020205020404" pitchFamily="49" charset="0"/>
-              </a:rPr>
-              <a:t>df = pd.DataFrame(d)</a:t>
-            </a:r>
-            <a:endParaRPr lang="pt-BR" sz="1600" b="1" dirty="0">
-              <a:latin typeface="Courier New" panose="02070309020205020404" pitchFamily="49" charset="0"/>
-              <a:cs typeface="Courier New" panose="02070309020205020404" pitchFamily="49" charset="0"/>
-            </a:endParaRPr>
-          </a:p>
-          <a:p>
-            <a:r>
-              <a:rPr lang="en-US" sz="1600" b="1" dirty="0">
-                <a:latin typeface="Courier New" panose="02070309020205020404" pitchFamily="49" charset="0"/>
-                <a:cs typeface="Courier New" panose="02070309020205020404" pitchFamily="49" charset="0"/>
-              </a:rPr>
-              <a:t>print ("Our </a:t>
-            </a:r>
-            <a:r>
-              <a:rPr lang="en-US" sz="1600" b="1" dirty="0" err="1">
-                <a:latin typeface="Courier New" panose="02070309020205020404" pitchFamily="49" charset="0"/>
-                <a:cs typeface="Courier New" panose="02070309020205020404" pitchFamily="49" charset="0"/>
-              </a:rPr>
-              <a:t>dataframe</a:t>
-            </a:r>
-            <a:r>
-              <a:rPr lang="en-US" sz="1600" b="1" dirty="0">
-                <a:latin typeface="Courier New" panose="02070309020205020404" pitchFamily="49" charset="0"/>
-                <a:cs typeface="Courier New" panose="02070309020205020404" pitchFamily="49" charset="0"/>
-              </a:rPr>
-              <a:t> is:")</a:t>
-            </a:r>
-            <a:endParaRPr lang="en-US" sz="1600" b="1" dirty="0">
-              <a:latin typeface="Courier New" panose="02070309020205020404" pitchFamily="49" charset="0"/>
-              <a:cs typeface="Courier New" panose="02070309020205020404" pitchFamily="49" charset="0"/>
-            </a:endParaRPr>
-          </a:p>
-          <a:p>
-            <a:r>
-              <a:rPr lang="pt-BR" sz="1600" b="1" dirty="0">
-                <a:latin typeface="Courier New" panose="02070309020205020404" pitchFamily="49" charset="0"/>
-                <a:cs typeface="Courier New" panose="02070309020205020404" pitchFamily="49" charset="0"/>
-              </a:rPr>
-              <a:t>print(df)</a:t>
-            </a:r>
-            <a:endParaRPr lang="pt-BR" sz="1600" b="1" dirty="0">
-              <a:latin typeface="Courier New" panose="02070309020205020404" pitchFamily="49" charset="0"/>
-              <a:cs typeface="Courier New" panose="02070309020205020404" pitchFamily="49" charset="0"/>
-            </a:endParaRPr>
-          </a:p>
-          <a:p>
-            <a:endParaRPr lang="en-US" sz="1600" b="1" dirty="0">
-              <a:solidFill>
-                <a:srgbClr val="00B050"/>
-              </a:solidFill>
-              <a:latin typeface="Courier New" panose="02070309020205020404" pitchFamily="49" charset="0"/>
-              <a:cs typeface="Courier New" panose="02070309020205020404" pitchFamily="49" charset="0"/>
-            </a:endParaRPr>
-          </a:p>
-          <a:p>
-            <a:r>
-              <a:rPr lang="en-US" sz="1600" b="1" dirty="0">
-                <a:solidFill>
-                  <a:srgbClr val="00B050"/>
-                </a:solidFill>
-                <a:latin typeface="Courier New" panose="02070309020205020404" pitchFamily="49" charset="0"/>
-                <a:cs typeface="Courier New" panose="02070309020205020404" pitchFamily="49" charset="0"/>
-              </a:rPr>
-              <a:t># using del function</a:t>
-            </a:r>
-            <a:endParaRPr lang="en-US" sz="1600" b="1" dirty="0">
-              <a:solidFill>
-                <a:srgbClr val="00B050"/>
-              </a:solidFill>
-              <a:latin typeface="Courier New" panose="02070309020205020404" pitchFamily="49" charset="0"/>
-              <a:cs typeface="Courier New" panose="02070309020205020404" pitchFamily="49" charset="0"/>
-            </a:endParaRPr>
-          </a:p>
-          <a:p>
-            <a:r>
-              <a:rPr lang="en-US" sz="1600" b="1" dirty="0">
-                <a:latin typeface="Courier New" panose="02070309020205020404" pitchFamily="49" charset="0"/>
-                <a:cs typeface="Courier New" panose="02070309020205020404" pitchFamily="49" charset="0"/>
-              </a:rPr>
-              <a:t>print("Deleting the first column using DEL function:")</a:t>
-            </a:r>
-            <a:endParaRPr lang="en-US" sz="1600" b="1" dirty="0">
-              <a:latin typeface="Courier New" panose="02070309020205020404" pitchFamily="49" charset="0"/>
-              <a:cs typeface="Courier New" panose="02070309020205020404" pitchFamily="49" charset="0"/>
-            </a:endParaRPr>
-          </a:p>
-          <a:p>
-            <a:r>
-              <a:rPr lang="en-US" sz="1600" b="1" dirty="0">
-                <a:latin typeface="Courier New" panose="02070309020205020404" pitchFamily="49" charset="0"/>
-                <a:cs typeface="Courier New" panose="02070309020205020404" pitchFamily="49" charset="0"/>
-              </a:rPr>
-              <a:t>del </a:t>
-            </a:r>
-            <a:r>
-              <a:rPr lang="en-US" sz="1600" b="1" dirty="0" err="1">
-                <a:latin typeface="Courier New" panose="02070309020205020404" pitchFamily="49" charset="0"/>
-                <a:cs typeface="Courier New" panose="02070309020205020404" pitchFamily="49" charset="0"/>
-              </a:rPr>
-              <a:t>df</a:t>
-            </a:r>
-            <a:r>
-              <a:rPr lang="en-US" sz="1600" b="1" dirty="0">
-                <a:latin typeface="Courier New" panose="02070309020205020404" pitchFamily="49" charset="0"/>
-                <a:cs typeface="Courier New" panose="02070309020205020404" pitchFamily="49" charset="0"/>
-              </a:rPr>
-              <a:t>[</a:t>
-            </a:r>
-            <a:r>
-              <a:rPr lang="en-US" sz="1600" b="1" dirty="0">
-                <a:solidFill>
-                  <a:srgbClr val="718C00"/>
-                </a:solidFill>
-                <a:latin typeface="Courier New" panose="02070309020205020404" pitchFamily="49" charset="0"/>
-                <a:cs typeface="Courier New" panose="02070309020205020404" pitchFamily="49" charset="0"/>
-              </a:rPr>
-              <a:t>'one'</a:t>
-            </a:r>
-            <a:r>
-              <a:rPr lang="en-US" sz="1600" b="1" dirty="0">
-                <a:latin typeface="Courier New" panose="02070309020205020404" pitchFamily="49" charset="0"/>
-                <a:cs typeface="Courier New" panose="02070309020205020404" pitchFamily="49" charset="0"/>
-              </a:rPr>
-              <a:t>]</a:t>
-            </a:r>
-            <a:endParaRPr lang="en-US" sz="1600" b="1" dirty="0">
-              <a:latin typeface="Courier New" panose="02070309020205020404" pitchFamily="49" charset="0"/>
-              <a:cs typeface="Courier New" panose="02070309020205020404" pitchFamily="49" charset="0"/>
-            </a:endParaRPr>
-          </a:p>
-          <a:p>
-            <a:r>
-              <a:rPr lang="pt-BR" sz="1600" b="1" dirty="0">
-                <a:latin typeface="Courier New" panose="02070309020205020404" pitchFamily="49" charset="0"/>
-                <a:cs typeface="Courier New" panose="02070309020205020404" pitchFamily="49" charset="0"/>
-              </a:rPr>
-              <a:t>print(df)</a:t>
-            </a:r>
-            <a:endParaRPr lang="pt-BR" sz="1600" b="1" dirty="0">
-              <a:latin typeface="Courier New" panose="02070309020205020404" pitchFamily="49" charset="0"/>
-              <a:cs typeface="Courier New" panose="02070309020205020404" pitchFamily="49" charset="0"/>
-            </a:endParaRPr>
-          </a:p>
-          <a:p>
-            <a:endParaRPr lang="en-US" sz="1600" b="1" dirty="0">
-              <a:solidFill>
-                <a:srgbClr val="00B050"/>
-              </a:solidFill>
-              <a:latin typeface="Courier New" panose="02070309020205020404" pitchFamily="49" charset="0"/>
-              <a:cs typeface="Courier New" panose="02070309020205020404" pitchFamily="49" charset="0"/>
-            </a:endParaRPr>
-          </a:p>
-          <a:p>
-            <a:r>
-              <a:rPr lang="en-US" sz="1600" b="1" dirty="0">
-                <a:solidFill>
-                  <a:srgbClr val="00B050"/>
-                </a:solidFill>
-                <a:latin typeface="Courier New" panose="02070309020205020404" pitchFamily="49" charset="0"/>
-                <a:cs typeface="Courier New" panose="02070309020205020404" pitchFamily="49" charset="0"/>
-              </a:rPr>
-              <a:t># using pop function</a:t>
-            </a:r>
-            <a:endParaRPr lang="en-US" sz="1600" b="1" dirty="0">
-              <a:solidFill>
-                <a:srgbClr val="00B050"/>
-              </a:solidFill>
-              <a:latin typeface="Courier New" panose="02070309020205020404" pitchFamily="49" charset="0"/>
-              <a:cs typeface="Courier New" panose="02070309020205020404" pitchFamily="49" charset="0"/>
-            </a:endParaRPr>
-          </a:p>
-          <a:p>
-            <a:r>
-              <a:rPr lang="en-US" sz="1600" b="1" dirty="0">
-                <a:latin typeface="Courier New" panose="02070309020205020404" pitchFamily="49" charset="0"/>
-                <a:cs typeface="Courier New" panose="02070309020205020404" pitchFamily="49" charset="0"/>
-              </a:rPr>
-              <a:t>print("Deleting another column using POP function:")</a:t>
-            </a:r>
-            <a:endParaRPr lang="en-US" sz="1600" b="1" dirty="0">
-              <a:latin typeface="Courier New" panose="02070309020205020404" pitchFamily="49" charset="0"/>
-              <a:cs typeface="Courier New" panose="02070309020205020404" pitchFamily="49" charset="0"/>
-            </a:endParaRPr>
-          </a:p>
-          <a:p>
-            <a:r>
-              <a:rPr lang="en-US" sz="1600" b="1" dirty="0" err="1">
-                <a:latin typeface="Courier New" panose="02070309020205020404" pitchFamily="49" charset="0"/>
-                <a:cs typeface="Courier New" panose="02070309020205020404" pitchFamily="49" charset="0"/>
-              </a:rPr>
-              <a:t>df.pop</a:t>
-            </a:r>
-            <a:r>
-              <a:rPr lang="en-US" sz="1600" b="1" dirty="0">
-                <a:latin typeface="Courier New" panose="02070309020205020404" pitchFamily="49" charset="0"/>
-                <a:cs typeface="Courier New" panose="02070309020205020404" pitchFamily="49" charset="0"/>
-              </a:rPr>
-              <a:t>(</a:t>
-            </a:r>
-            <a:r>
-              <a:rPr lang="en-US" sz="1600" b="1" dirty="0">
-                <a:solidFill>
-                  <a:srgbClr val="718C00"/>
-                </a:solidFill>
-                <a:latin typeface="Courier New" panose="02070309020205020404" pitchFamily="49" charset="0"/>
-                <a:cs typeface="Courier New" panose="02070309020205020404" pitchFamily="49" charset="0"/>
-              </a:rPr>
-              <a:t>'two'</a:t>
-            </a:r>
-            <a:r>
-              <a:rPr lang="en-US" sz="1600" b="1" dirty="0">
-                <a:latin typeface="Courier New" panose="02070309020205020404" pitchFamily="49" charset="0"/>
-                <a:cs typeface="Courier New" panose="02070309020205020404" pitchFamily="49" charset="0"/>
-              </a:rPr>
-              <a:t>)</a:t>
-            </a:r>
-            <a:endParaRPr lang="en-US" sz="1600" b="1" dirty="0">
-              <a:latin typeface="Courier New" panose="02070309020205020404" pitchFamily="49" charset="0"/>
-              <a:cs typeface="Courier New" panose="02070309020205020404" pitchFamily="49" charset="0"/>
-            </a:endParaRPr>
-          </a:p>
-          <a:p>
-            <a:r>
-              <a:rPr lang="pt-BR" sz="1600" b="1" dirty="0">
-                <a:latin typeface="Courier New" panose="02070309020205020404" pitchFamily="49" charset="0"/>
-                <a:cs typeface="Courier New" panose="02070309020205020404" pitchFamily="49" charset="0"/>
-              </a:rPr>
-              <a:t>print(df)</a:t>
-            </a:r>
-            <a:endParaRPr lang="pt-BR" sz="1600" b="1" dirty="0">
-              <a:latin typeface="Courier New" panose="02070309020205020404" pitchFamily="49" charset="0"/>
-              <a:cs typeface="Courier New" panose="02070309020205020404" pitchFamily="49" charset="0"/>
-            </a:endParaRPr>
-          </a:p>
-        </p:txBody>
-      </p:sp>
-      <p:sp>
-        <p:nvSpPr>
-          <p:cNvPr id="5" name="Rectangle 4"/>
-          <p:cNvSpPr/>
-          <p:nvPr/>
-        </p:nvSpPr>
-        <p:spPr>
-          <a:xfrm>
-            <a:off x="8719127" y="2029206"/>
-            <a:ext cx="3373582" cy="4678204"/>
-          </a:xfrm>
-          <a:prstGeom prst="rect">
-            <a:avLst/>
-          </a:prstGeom>
-          <a:solidFill>
-            <a:schemeClr val="accent3">
-              <a:lumMod val="20000"/>
-              <a:lumOff val="80000"/>
-            </a:schemeClr>
-          </a:solidFill>
-          <a:ln>
-            <a:solidFill>
-              <a:schemeClr val="accent1"/>
-            </a:solidFill>
-          </a:ln>
-        </p:spPr>
-        <p:txBody>
-          <a:bodyPr wrap="square" tIns="0" rIns="0" bIns="0">
-            <a:spAutoFit/>
-          </a:bodyPr>
-          <a:lstStyle/>
-          <a:p>
-            <a:r>
-              <a:rPr lang="en-US" sz="1600" u="sng" dirty="0">
-                <a:latin typeface="Courier New" panose="02070309020205020404" pitchFamily="49" charset="0"/>
-                <a:cs typeface="Courier New" panose="02070309020205020404" pitchFamily="49" charset="0"/>
-              </a:rPr>
-              <a:t>Our </a:t>
-            </a:r>
-            <a:r>
-              <a:rPr lang="en-US" sz="1600" u="sng" dirty="0" err="1">
-                <a:latin typeface="Courier New" panose="02070309020205020404" pitchFamily="49" charset="0"/>
-                <a:cs typeface="Courier New" panose="02070309020205020404" pitchFamily="49" charset="0"/>
-              </a:rPr>
-              <a:t>dataframe</a:t>
-            </a:r>
-            <a:r>
-              <a:rPr lang="en-US" sz="1600" u="sng" dirty="0">
-                <a:latin typeface="Courier New" panose="02070309020205020404" pitchFamily="49" charset="0"/>
-                <a:cs typeface="Courier New" panose="02070309020205020404" pitchFamily="49" charset="0"/>
-              </a:rPr>
-              <a:t> is:</a:t>
-            </a:r>
-            <a:endParaRPr lang="en-US" sz="1600" u="sng" dirty="0">
-              <a:latin typeface="Courier New" panose="02070309020205020404" pitchFamily="49" charset="0"/>
-              <a:cs typeface="Courier New" panose="02070309020205020404" pitchFamily="49" charset="0"/>
-            </a:endParaRPr>
-          </a:p>
-          <a:p>
-            <a:r>
-              <a:rPr lang="en-US" sz="1600" dirty="0">
-                <a:latin typeface="Courier New" panose="02070309020205020404" pitchFamily="49" charset="0"/>
-                <a:cs typeface="Courier New" panose="02070309020205020404" pitchFamily="49" charset="0"/>
-              </a:rPr>
-              <a:t>   one  two  three</a:t>
-            </a:r>
-            <a:endParaRPr lang="en-US" sz="1600" dirty="0">
-              <a:latin typeface="Courier New" panose="02070309020205020404" pitchFamily="49" charset="0"/>
-              <a:cs typeface="Courier New" panose="02070309020205020404" pitchFamily="49" charset="0"/>
-            </a:endParaRPr>
-          </a:p>
-          <a:p>
-            <a:r>
-              <a:rPr lang="en-US" sz="1600" dirty="0">
-                <a:latin typeface="Courier New" panose="02070309020205020404" pitchFamily="49" charset="0"/>
-                <a:cs typeface="Courier New" panose="02070309020205020404" pitchFamily="49" charset="0"/>
-              </a:rPr>
-              <a:t>a  1.0    1   10.0</a:t>
-            </a:r>
-            <a:endParaRPr lang="en-US" sz="1600" dirty="0">
-              <a:latin typeface="Courier New" panose="02070309020205020404" pitchFamily="49" charset="0"/>
-              <a:cs typeface="Courier New" panose="02070309020205020404" pitchFamily="49" charset="0"/>
-            </a:endParaRPr>
-          </a:p>
-          <a:p>
-            <a:r>
-              <a:rPr lang="en-US" sz="1600" dirty="0">
-                <a:latin typeface="Courier New" panose="02070309020205020404" pitchFamily="49" charset="0"/>
-                <a:cs typeface="Courier New" panose="02070309020205020404" pitchFamily="49" charset="0"/>
-              </a:rPr>
-              <a:t>b  2.0    2   20.0</a:t>
-            </a:r>
-            <a:endParaRPr lang="en-US" sz="1600" dirty="0">
-              <a:latin typeface="Courier New" panose="02070309020205020404" pitchFamily="49" charset="0"/>
-              <a:cs typeface="Courier New" panose="02070309020205020404" pitchFamily="49" charset="0"/>
-            </a:endParaRPr>
-          </a:p>
-          <a:p>
-            <a:r>
-              <a:rPr lang="en-US" sz="1600" dirty="0">
-                <a:latin typeface="Courier New" panose="02070309020205020404" pitchFamily="49" charset="0"/>
-                <a:cs typeface="Courier New" panose="02070309020205020404" pitchFamily="49" charset="0"/>
-              </a:rPr>
-              <a:t>c  3.0    3   30.0</a:t>
-            </a:r>
-            <a:endParaRPr lang="en-US" sz="1600" dirty="0">
-              <a:latin typeface="Courier New" panose="02070309020205020404" pitchFamily="49" charset="0"/>
-              <a:cs typeface="Courier New" panose="02070309020205020404" pitchFamily="49" charset="0"/>
-            </a:endParaRPr>
-          </a:p>
-          <a:p>
-            <a:r>
-              <a:rPr lang="en-US" sz="1600" dirty="0">
-                <a:latin typeface="Courier New" panose="02070309020205020404" pitchFamily="49" charset="0"/>
-                <a:cs typeface="Courier New" panose="02070309020205020404" pitchFamily="49" charset="0"/>
-              </a:rPr>
-              <a:t>d  </a:t>
-            </a:r>
-            <a:r>
-              <a:rPr lang="en-US" sz="1600" dirty="0" err="1">
-                <a:latin typeface="Courier New" panose="02070309020205020404" pitchFamily="49" charset="0"/>
-                <a:cs typeface="Courier New" panose="02070309020205020404" pitchFamily="49" charset="0"/>
-              </a:rPr>
-              <a:t>NaN</a:t>
-            </a:r>
-            <a:r>
-              <a:rPr lang="en-US" sz="1600" dirty="0">
-                <a:latin typeface="Courier New" panose="02070309020205020404" pitchFamily="49" charset="0"/>
-                <a:cs typeface="Courier New" panose="02070309020205020404" pitchFamily="49" charset="0"/>
-              </a:rPr>
-              <a:t>    4    </a:t>
-            </a:r>
-            <a:r>
-              <a:rPr lang="en-US" sz="1600" dirty="0" err="1">
-                <a:latin typeface="Courier New" panose="02070309020205020404" pitchFamily="49" charset="0"/>
-                <a:cs typeface="Courier New" panose="02070309020205020404" pitchFamily="49" charset="0"/>
-              </a:rPr>
-              <a:t>NaN</a:t>
-            </a:r>
-            <a:endParaRPr lang="en-US" sz="1600" dirty="0">
-              <a:latin typeface="Courier New" panose="02070309020205020404" pitchFamily="49" charset="0"/>
-              <a:cs typeface="Courier New" panose="02070309020205020404" pitchFamily="49" charset="0"/>
-            </a:endParaRPr>
-          </a:p>
-          <a:p>
-            <a:endParaRPr lang="en-US" sz="1600" dirty="0">
-              <a:latin typeface="Courier New" panose="02070309020205020404" pitchFamily="49" charset="0"/>
-              <a:cs typeface="Courier New" panose="02070309020205020404" pitchFamily="49" charset="0"/>
-            </a:endParaRPr>
-          </a:p>
-          <a:p>
-            <a:r>
-              <a:rPr lang="en-US" sz="1600" u="sng" dirty="0">
-                <a:latin typeface="Courier New" panose="02070309020205020404" pitchFamily="49" charset="0"/>
-                <a:cs typeface="Courier New" panose="02070309020205020404" pitchFamily="49" charset="0"/>
-              </a:rPr>
-              <a:t>Deleting the first column:</a:t>
-            </a:r>
-            <a:endParaRPr lang="en-US" sz="1600" u="sng" dirty="0">
-              <a:latin typeface="Courier New" panose="02070309020205020404" pitchFamily="49" charset="0"/>
-              <a:cs typeface="Courier New" panose="02070309020205020404" pitchFamily="49" charset="0"/>
-            </a:endParaRPr>
-          </a:p>
-          <a:p>
-            <a:r>
-              <a:rPr lang="en-US" sz="1600" dirty="0">
-                <a:latin typeface="Courier New" panose="02070309020205020404" pitchFamily="49" charset="0"/>
-                <a:cs typeface="Courier New" panose="02070309020205020404" pitchFamily="49" charset="0"/>
-              </a:rPr>
-              <a:t>    two  three</a:t>
-            </a:r>
-            <a:endParaRPr lang="en-US" sz="1600" dirty="0">
-              <a:latin typeface="Courier New" panose="02070309020205020404" pitchFamily="49" charset="0"/>
-              <a:cs typeface="Courier New" panose="02070309020205020404" pitchFamily="49" charset="0"/>
-            </a:endParaRPr>
-          </a:p>
-          <a:p>
-            <a:r>
-              <a:rPr lang="en-US" sz="1600" dirty="0">
-                <a:latin typeface="Courier New" panose="02070309020205020404" pitchFamily="49" charset="0"/>
-                <a:cs typeface="Courier New" panose="02070309020205020404" pitchFamily="49" charset="0"/>
-              </a:rPr>
-              <a:t>a    1   10.0</a:t>
-            </a:r>
-            <a:endParaRPr lang="en-US" sz="1600" dirty="0">
-              <a:latin typeface="Courier New" panose="02070309020205020404" pitchFamily="49" charset="0"/>
-              <a:cs typeface="Courier New" panose="02070309020205020404" pitchFamily="49" charset="0"/>
-            </a:endParaRPr>
-          </a:p>
-          <a:p>
-            <a:r>
-              <a:rPr lang="en-US" sz="1600" dirty="0">
-                <a:latin typeface="Courier New" panose="02070309020205020404" pitchFamily="49" charset="0"/>
-                <a:cs typeface="Courier New" panose="02070309020205020404" pitchFamily="49" charset="0"/>
-              </a:rPr>
-              <a:t>b    2   20.0</a:t>
-            </a:r>
-            <a:endParaRPr lang="en-US" sz="1600" dirty="0">
-              <a:latin typeface="Courier New" panose="02070309020205020404" pitchFamily="49" charset="0"/>
-              <a:cs typeface="Courier New" panose="02070309020205020404" pitchFamily="49" charset="0"/>
-            </a:endParaRPr>
-          </a:p>
-          <a:p>
-            <a:r>
-              <a:rPr lang="en-US" sz="1600" dirty="0">
-                <a:latin typeface="Courier New" panose="02070309020205020404" pitchFamily="49" charset="0"/>
-                <a:cs typeface="Courier New" panose="02070309020205020404" pitchFamily="49" charset="0"/>
-              </a:rPr>
-              <a:t>c    3   30.0</a:t>
-            </a:r>
-            <a:endParaRPr lang="en-US" sz="1600" dirty="0">
-              <a:latin typeface="Courier New" panose="02070309020205020404" pitchFamily="49" charset="0"/>
-              <a:cs typeface="Courier New" panose="02070309020205020404" pitchFamily="49" charset="0"/>
-            </a:endParaRPr>
-          </a:p>
-          <a:p>
-            <a:r>
-              <a:rPr lang="en-US" sz="1600" dirty="0">
-                <a:latin typeface="Courier New" panose="02070309020205020404" pitchFamily="49" charset="0"/>
-                <a:cs typeface="Courier New" panose="02070309020205020404" pitchFamily="49" charset="0"/>
-              </a:rPr>
-              <a:t>d    4    </a:t>
-            </a:r>
-            <a:r>
-              <a:rPr lang="en-US" sz="1600" dirty="0" err="1">
-                <a:latin typeface="Courier New" panose="02070309020205020404" pitchFamily="49" charset="0"/>
-                <a:cs typeface="Courier New" panose="02070309020205020404" pitchFamily="49" charset="0"/>
-              </a:rPr>
-              <a:t>NaN</a:t>
-            </a:r>
-            <a:endParaRPr lang="en-US" sz="1600" dirty="0">
-              <a:latin typeface="Courier New" panose="02070309020205020404" pitchFamily="49" charset="0"/>
-              <a:cs typeface="Courier New" panose="02070309020205020404" pitchFamily="49" charset="0"/>
-            </a:endParaRPr>
-          </a:p>
-          <a:p>
-            <a:endParaRPr lang="en-US" sz="1600" dirty="0">
-              <a:latin typeface="Courier New" panose="02070309020205020404" pitchFamily="49" charset="0"/>
-              <a:cs typeface="Courier New" panose="02070309020205020404" pitchFamily="49" charset="0"/>
-            </a:endParaRPr>
-          </a:p>
-          <a:p>
-            <a:r>
-              <a:rPr lang="en-US" sz="1600" u="sng" dirty="0">
-                <a:latin typeface="Courier New" panose="02070309020205020404" pitchFamily="49" charset="0"/>
-                <a:cs typeface="Courier New" panose="02070309020205020404" pitchFamily="49" charset="0"/>
-              </a:rPr>
-              <a:t>Deleting another column:</a:t>
-            </a:r>
-            <a:endParaRPr lang="en-US" sz="1600" u="sng" dirty="0">
-              <a:latin typeface="Courier New" panose="02070309020205020404" pitchFamily="49" charset="0"/>
-              <a:cs typeface="Courier New" panose="02070309020205020404" pitchFamily="49" charset="0"/>
-            </a:endParaRPr>
-          </a:p>
-          <a:p>
-            <a:r>
-              <a:rPr lang="en-US" sz="1600" dirty="0">
-                <a:latin typeface="Courier New" panose="02070309020205020404" pitchFamily="49" charset="0"/>
-                <a:cs typeface="Courier New" panose="02070309020205020404" pitchFamily="49" charset="0"/>
-              </a:rPr>
-              <a:t>a   10.0</a:t>
-            </a:r>
-            <a:endParaRPr lang="en-US" sz="1600" dirty="0">
-              <a:latin typeface="Courier New" panose="02070309020205020404" pitchFamily="49" charset="0"/>
-              <a:cs typeface="Courier New" panose="02070309020205020404" pitchFamily="49" charset="0"/>
-            </a:endParaRPr>
-          </a:p>
-          <a:p>
-            <a:r>
-              <a:rPr lang="en-US" sz="1600" dirty="0">
-                <a:latin typeface="Courier New" panose="02070309020205020404" pitchFamily="49" charset="0"/>
-                <a:cs typeface="Courier New" panose="02070309020205020404" pitchFamily="49" charset="0"/>
-              </a:rPr>
-              <a:t>b   20.0</a:t>
-            </a:r>
-            <a:endParaRPr lang="en-US" sz="1600" dirty="0">
-              <a:latin typeface="Courier New" panose="02070309020205020404" pitchFamily="49" charset="0"/>
-              <a:cs typeface="Courier New" panose="02070309020205020404" pitchFamily="49" charset="0"/>
-            </a:endParaRPr>
-          </a:p>
-          <a:p>
-            <a:r>
-              <a:rPr lang="en-US" sz="1600" dirty="0">
-                <a:latin typeface="Courier New" panose="02070309020205020404" pitchFamily="49" charset="0"/>
-                <a:cs typeface="Courier New" panose="02070309020205020404" pitchFamily="49" charset="0"/>
-              </a:rPr>
-              <a:t>c   30.0</a:t>
-            </a:r>
-            <a:endParaRPr lang="en-US" sz="1600" dirty="0">
-              <a:latin typeface="Courier New" panose="02070309020205020404" pitchFamily="49" charset="0"/>
-              <a:cs typeface="Courier New" panose="02070309020205020404" pitchFamily="49" charset="0"/>
-            </a:endParaRPr>
-          </a:p>
-          <a:p>
-            <a:r>
-              <a:rPr lang="en-US" sz="1600" dirty="0">
-                <a:latin typeface="Courier New" panose="02070309020205020404" pitchFamily="49" charset="0"/>
-                <a:cs typeface="Courier New" panose="02070309020205020404" pitchFamily="49" charset="0"/>
-              </a:rPr>
-              <a:t>d    </a:t>
-            </a:r>
-            <a:r>
-              <a:rPr lang="en-US" sz="1600" dirty="0" err="1">
-                <a:latin typeface="Courier New" panose="02070309020205020404" pitchFamily="49" charset="0"/>
-                <a:cs typeface="Courier New" panose="02070309020205020404" pitchFamily="49" charset="0"/>
-              </a:rPr>
-              <a:t>NaN</a:t>
-            </a:r>
-            <a:endParaRPr lang="en-US" sz="1600" dirty="0">
-              <a:latin typeface="Courier New" panose="02070309020205020404" pitchFamily="49" charset="0"/>
-              <a:cs typeface="Courier New" panose="02070309020205020404" pitchFamily="49" charset="0"/>
-            </a:endParaRPr>
+            <a:r>
+              <a:rPr lang="en-US" dirty="0"/>
+              <a:t>pandas documentation</a:t>
+            </a:r>
+            <a:endParaRPr lang="en-US" dirty="0"/>
+          </a:p>
+          <a:p>
+            <a:pPr lvl="1"/>
+            <a:r>
+              <a:rPr lang="en-US" sz="2000" dirty="0">
+                <a:hlinkClick r:id="rId1"/>
+              </a:rPr>
+              <a:t>https://pandas.pydata.org/pandas-docs/stable/index.html</a:t>
+            </a:r>
+            <a:r>
+              <a:rPr lang="en-US" sz="2000" dirty="0"/>
+              <a:t> </a:t>
+            </a:r>
+            <a:endParaRPr lang="en-US" sz="2000" dirty="0"/>
+          </a:p>
+          <a:p>
+            <a:r>
+              <a:rPr lang="en-US" sz="2400" dirty="0"/>
+              <a:t>pandas: Input/output</a:t>
+            </a:r>
+            <a:endParaRPr lang="en-US" sz="2400" dirty="0"/>
+          </a:p>
+          <a:p>
+            <a:pPr lvl="1"/>
+            <a:r>
+              <a:rPr lang="en-US" sz="2000" dirty="0">
+                <a:hlinkClick r:id="rId2"/>
+              </a:rPr>
+              <a:t>https://pandas.pydata.org/pandas-docs/stable/reference/io.html</a:t>
+            </a:r>
+            <a:r>
+              <a:rPr lang="en-US" sz="2000" dirty="0"/>
+              <a:t> </a:t>
+            </a:r>
+            <a:endParaRPr lang="en-US" sz="2000" dirty="0"/>
+          </a:p>
+          <a:p>
+            <a:r>
+              <a:rPr lang="en-US" sz="2400" dirty="0"/>
+              <a:t>pandas: </a:t>
+            </a:r>
+            <a:r>
+              <a:rPr lang="en-US" sz="2400" dirty="0" err="1"/>
+              <a:t>DataFrame</a:t>
+            </a:r>
+            <a:endParaRPr lang="en-US" sz="2400" dirty="0"/>
+          </a:p>
+          <a:p>
+            <a:pPr lvl="1"/>
+            <a:r>
+              <a:rPr lang="en-US" sz="2000" dirty="0">
+                <a:hlinkClick r:id="rId3"/>
+              </a:rPr>
+              <a:t>https://pandas.pydata.org/pandas-docs/stable/reference/frame.html</a:t>
+            </a:r>
+            <a:r>
+              <a:rPr lang="en-US" sz="2000" dirty="0"/>
+              <a:t> </a:t>
+            </a:r>
+            <a:endParaRPr lang="en-US" sz="2000" dirty="0"/>
+          </a:p>
+          <a:p>
+            <a:r>
+              <a:rPr lang="en-US" sz="2400" dirty="0"/>
+              <a:t>pandas: Series</a:t>
+            </a:r>
+            <a:endParaRPr lang="en-US" sz="2400" dirty="0"/>
+          </a:p>
+          <a:p>
+            <a:pPr lvl="1"/>
+            <a:r>
+              <a:rPr lang="en-US" sz="2000" dirty="0">
+                <a:hlinkClick r:id="rId4"/>
+              </a:rPr>
+              <a:t>https://pandas.pydata.org/pandas-docs/stable/reference/series.html</a:t>
+            </a:r>
+            <a:r>
+              <a:rPr lang="en-US" sz="2000" dirty="0"/>
+              <a:t> </a:t>
+            </a:r>
+            <a:endParaRPr lang="en-US" sz="2000" dirty="0"/>
+          </a:p>
+          <a:p>
+            <a:r>
+              <a:rPr lang="en-US" sz="2400" dirty="0"/>
+              <a:t>pandas: Plotting</a:t>
+            </a:r>
+            <a:endParaRPr lang="en-US" sz="2400" dirty="0"/>
+          </a:p>
+          <a:p>
+            <a:pPr lvl="1"/>
+            <a:r>
+              <a:rPr lang="en-US" sz="2000" dirty="0">
+                <a:hlinkClick r:id="rId5"/>
+              </a:rPr>
+              <a:t>https://pandas.pydata.org/pandas-docs/stable/reference/plotting.html</a:t>
+            </a:r>
+            <a:r>
+              <a:rPr lang="en-US" sz="2000" dirty="0"/>
+              <a:t> </a:t>
+            </a:r>
+            <a:endParaRPr lang="en-US" sz="2000" dirty="0"/>
           </a:p>
         </p:txBody>
       </p:sp>
@@ -14256,3384 +10310,6 @@
 </file>
 
 <file path=ppt/slides/slide31.xml><?xml version="1.0" encoding="utf-8"?>
-<p:sld xmlns:a="http://schemas.openxmlformats.org/drawingml/2006/main" xmlns:r="http://schemas.openxmlformats.org/officeDocument/2006/relationships" xmlns:p="http://schemas.openxmlformats.org/presentationml/2006/main">
-  <p:cSld>
-    <p:spTree>
-      <p:nvGrpSpPr>
-        <p:cNvPr id="1" name=""/>
-        <p:cNvGrpSpPr/>
-        <p:nvPr/>
-      </p:nvGrpSpPr>
-      <p:grpSpPr>
-        <a:xfrm>
-          <a:off x="0" y="0"/>
-          <a:ext cx="0" cy="0"/>
-          <a:chOff x="0" y="0"/>
-          <a:chExt cx="0" cy="0"/>
-        </a:xfrm>
-      </p:grpSpPr>
-      <p:sp>
-        <p:nvSpPr>
-          <p:cNvPr id="2" name="Title 1"/>
-          <p:cNvSpPr>
-            <a:spLocks noGrp="1"/>
-          </p:cNvSpPr>
-          <p:nvPr>
-            <p:ph type="title"/>
-          </p:nvPr>
-        </p:nvSpPr>
-        <p:spPr/>
-        <p:txBody>
-          <a:bodyPr/>
-          <a:lstStyle/>
-          <a:p>
-            <a:pPr algn="ctr"/>
-            <a:r>
-              <a:rPr lang="en-US" b="1" dirty="0"/>
-              <a:t>More Examples: </a:t>
-            </a:r>
-            <a:r>
-              <a:rPr lang="en-US" b="1" dirty="0">
-                <a:solidFill>
-                  <a:srgbClr val="FF0000"/>
-                </a:solidFill>
-              </a:rPr>
-              <a:t>Slicing</a:t>
-            </a:r>
-            <a:r>
-              <a:rPr lang="en-US" b="1" dirty="0"/>
-              <a:t> in </a:t>
-            </a:r>
-            <a:r>
-              <a:rPr lang="en-US" b="1" dirty="0" err="1"/>
-              <a:t>DataFrames</a:t>
-            </a:r>
-            <a:endParaRPr lang="en-US" b="1" dirty="0"/>
-          </a:p>
-        </p:txBody>
-      </p:sp>
-      <p:sp>
-        <p:nvSpPr>
-          <p:cNvPr id="4" name="Rectangle 3"/>
-          <p:cNvSpPr/>
-          <p:nvPr/>
-        </p:nvSpPr>
-        <p:spPr>
-          <a:xfrm>
-            <a:off x="764309" y="1843318"/>
-            <a:ext cx="8601364" cy="1754326"/>
-          </a:xfrm>
-          <a:prstGeom prst="rect">
-            <a:avLst/>
-          </a:prstGeom>
-          <a:solidFill>
-            <a:schemeClr val="accent4">
-              <a:lumMod val="20000"/>
-              <a:lumOff val="80000"/>
-            </a:schemeClr>
-          </a:solidFill>
-          <a:ln>
-            <a:solidFill>
-              <a:schemeClr val="accent1"/>
-            </a:solidFill>
-          </a:ln>
-        </p:spPr>
-        <p:txBody>
-          <a:bodyPr wrap="square">
-            <a:spAutoFit/>
-          </a:bodyPr>
-          <a:lstStyle/>
-          <a:p>
-            <a:r>
-              <a:rPr lang="pt-BR" b="1" dirty="0">
-                <a:solidFill>
-                  <a:srgbClr val="FF9900"/>
-                </a:solidFill>
-                <a:latin typeface="Courier New" panose="02070309020205020404" pitchFamily="49" charset="0"/>
-                <a:cs typeface="Courier New" panose="02070309020205020404" pitchFamily="49" charset="0"/>
-              </a:rPr>
-              <a:t>import</a:t>
-            </a:r>
-            <a:r>
-              <a:rPr lang="pt-BR" b="1" dirty="0">
-                <a:latin typeface="Courier New" panose="02070309020205020404" pitchFamily="49" charset="0"/>
-                <a:cs typeface="Courier New" panose="02070309020205020404" pitchFamily="49" charset="0"/>
-              </a:rPr>
-              <a:t> pandas </a:t>
-            </a:r>
-            <a:r>
-              <a:rPr lang="pt-BR" b="1" dirty="0">
-                <a:solidFill>
-                  <a:srgbClr val="FF9900"/>
-                </a:solidFill>
-                <a:latin typeface="Courier New" panose="02070309020205020404" pitchFamily="49" charset="0"/>
-                <a:cs typeface="Courier New" panose="02070309020205020404" pitchFamily="49" charset="0"/>
-              </a:rPr>
-              <a:t>as</a:t>
-            </a:r>
-            <a:r>
-              <a:rPr lang="pt-BR" b="1" dirty="0">
-                <a:latin typeface="Courier New" panose="02070309020205020404" pitchFamily="49" charset="0"/>
-                <a:cs typeface="Courier New" panose="02070309020205020404" pitchFamily="49" charset="0"/>
-              </a:rPr>
-              <a:t> pd</a:t>
-            </a:r>
-            <a:endParaRPr lang="pt-BR" b="1" dirty="0">
-              <a:latin typeface="Courier New" panose="02070309020205020404" pitchFamily="49" charset="0"/>
-              <a:cs typeface="Courier New" panose="02070309020205020404" pitchFamily="49" charset="0"/>
-            </a:endParaRPr>
-          </a:p>
-          <a:p>
-            <a:r>
-              <a:rPr lang="pt-BR" b="1" dirty="0">
-                <a:latin typeface="Courier New" panose="02070309020205020404" pitchFamily="49" charset="0"/>
-                <a:cs typeface="Courier New" panose="02070309020205020404" pitchFamily="49" charset="0"/>
-              </a:rPr>
-              <a:t>d = {</a:t>
-            </a:r>
-            <a:r>
-              <a:rPr lang="pt-BR" sz="1600" b="1" dirty="0">
-                <a:solidFill>
-                  <a:srgbClr val="718C00"/>
-                </a:solidFill>
-                <a:latin typeface="Courier New" panose="02070309020205020404" pitchFamily="49" charset="0"/>
-                <a:cs typeface="Courier New" panose="02070309020205020404" pitchFamily="49" charset="0"/>
-              </a:rPr>
-              <a:t>'one'</a:t>
-            </a:r>
-            <a:r>
-              <a:rPr lang="pt-BR" b="1" dirty="0">
-                <a:latin typeface="Courier New" panose="02070309020205020404" pitchFamily="49" charset="0"/>
-                <a:cs typeface="Courier New" panose="02070309020205020404" pitchFamily="49" charset="0"/>
-              </a:rPr>
-              <a:t> : pd.Series([1, 2, 3],    index=[</a:t>
-            </a:r>
-            <a:r>
-              <a:rPr lang="pt-BR" sz="1600" b="1" dirty="0">
-                <a:solidFill>
-                  <a:srgbClr val="718C00"/>
-                </a:solidFill>
-                <a:latin typeface="Courier New" panose="02070309020205020404" pitchFamily="49" charset="0"/>
-                <a:cs typeface="Courier New" panose="02070309020205020404" pitchFamily="49" charset="0"/>
-              </a:rPr>
-              <a:t>'a'</a:t>
-            </a:r>
-            <a:r>
-              <a:rPr lang="pt-BR" b="1" dirty="0">
-                <a:latin typeface="Courier New" panose="02070309020205020404" pitchFamily="49" charset="0"/>
-                <a:cs typeface="Courier New" panose="02070309020205020404" pitchFamily="49" charset="0"/>
-              </a:rPr>
-              <a:t>, </a:t>
-            </a:r>
-            <a:r>
-              <a:rPr lang="pt-BR" sz="1600" b="1" dirty="0">
-                <a:solidFill>
-                  <a:srgbClr val="718C00"/>
-                </a:solidFill>
-                <a:latin typeface="Courier New" panose="02070309020205020404" pitchFamily="49" charset="0"/>
-                <a:cs typeface="Courier New" panose="02070309020205020404" pitchFamily="49" charset="0"/>
-              </a:rPr>
-              <a:t>'b'</a:t>
-            </a:r>
-            <a:r>
-              <a:rPr lang="pt-BR" b="1" dirty="0">
-                <a:latin typeface="Courier New" panose="02070309020205020404" pitchFamily="49" charset="0"/>
-                <a:cs typeface="Courier New" panose="02070309020205020404" pitchFamily="49" charset="0"/>
-              </a:rPr>
-              <a:t>, </a:t>
-            </a:r>
-            <a:r>
-              <a:rPr lang="pt-BR" sz="1600" b="1" dirty="0">
-                <a:solidFill>
-                  <a:srgbClr val="718C00"/>
-                </a:solidFill>
-                <a:latin typeface="Courier New" panose="02070309020205020404" pitchFamily="49" charset="0"/>
-                <a:cs typeface="Courier New" panose="02070309020205020404" pitchFamily="49" charset="0"/>
-              </a:rPr>
-              <a:t>'c'</a:t>
-            </a:r>
-            <a:r>
-              <a:rPr lang="pt-BR" b="1" dirty="0">
-                <a:latin typeface="Courier New" panose="02070309020205020404" pitchFamily="49" charset="0"/>
-                <a:cs typeface="Courier New" panose="02070309020205020404" pitchFamily="49" charset="0"/>
-              </a:rPr>
-              <a:t>]),</a:t>
-            </a:r>
-            <a:endParaRPr lang="pt-BR" b="1" dirty="0">
-              <a:latin typeface="Courier New" panose="02070309020205020404" pitchFamily="49" charset="0"/>
-              <a:cs typeface="Courier New" panose="02070309020205020404" pitchFamily="49" charset="0"/>
-            </a:endParaRPr>
-          </a:p>
-          <a:p>
-            <a:r>
-              <a:rPr lang="pt-BR" b="1" dirty="0">
-                <a:latin typeface="Courier New" panose="02070309020205020404" pitchFamily="49" charset="0"/>
-                <a:cs typeface="Courier New" panose="02070309020205020404" pitchFamily="49" charset="0"/>
-              </a:rPr>
-              <a:t>     </a:t>
-            </a:r>
-            <a:r>
-              <a:rPr lang="pt-BR" sz="1600" b="1" dirty="0">
-                <a:solidFill>
-                  <a:srgbClr val="718C00"/>
-                </a:solidFill>
-                <a:latin typeface="Courier New" panose="02070309020205020404" pitchFamily="49" charset="0"/>
-                <a:cs typeface="Courier New" panose="02070309020205020404" pitchFamily="49" charset="0"/>
-              </a:rPr>
-              <a:t>'two'</a:t>
-            </a:r>
-            <a:r>
-              <a:rPr lang="pt-BR" b="1" dirty="0">
-                <a:latin typeface="Courier New" panose="02070309020205020404" pitchFamily="49" charset="0"/>
-                <a:cs typeface="Courier New" panose="02070309020205020404" pitchFamily="49" charset="0"/>
-              </a:rPr>
-              <a:t> : pd.Series([1, 2, 3, 4], index=[</a:t>
-            </a:r>
-            <a:r>
-              <a:rPr lang="pt-BR" sz="1600" b="1" dirty="0">
-                <a:solidFill>
-                  <a:srgbClr val="718C00"/>
-                </a:solidFill>
-                <a:latin typeface="Courier New" panose="02070309020205020404" pitchFamily="49" charset="0"/>
-                <a:cs typeface="Courier New" panose="02070309020205020404" pitchFamily="49" charset="0"/>
-              </a:rPr>
-              <a:t>'a'</a:t>
-            </a:r>
-            <a:r>
-              <a:rPr lang="pt-BR" b="1" dirty="0">
-                <a:latin typeface="Courier New" panose="02070309020205020404" pitchFamily="49" charset="0"/>
-                <a:cs typeface="Courier New" panose="02070309020205020404" pitchFamily="49" charset="0"/>
-              </a:rPr>
-              <a:t>, </a:t>
-            </a:r>
-            <a:r>
-              <a:rPr lang="pt-BR" sz="1600" b="1" dirty="0">
-                <a:solidFill>
-                  <a:srgbClr val="718C00"/>
-                </a:solidFill>
-                <a:latin typeface="Courier New" panose="02070309020205020404" pitchFamily="49" charset="0"/>
-                <a:cs typeface="Courier New" panose="02070309020205020404" pitchFamily="49" charset="0"/>
-              </a:rPr>
-              <a:t>'b'</a:t>
-            </a:r>
-            <a:r>
-              <a:rPr lang="pt-BR" b="1" dirty="0">
-                <a:latin typeface="Courier New" panose="02070309020205020404" pitchFamily="49" charset="0"/>
-                <a:cs typeface="Courier New" panose="02070309020205020404" pitchFamily="49" charset="0"/>
-              </a:rPr>
-              <a:t>, </a:t>
-            </a:r>
-            <a:r>
-              <a:rPr lang="pt-BR" sz="1600" b="1" dirty="0">
-                <a:solidFill>
-                  <a:srgbClr val="718C00"/>
-                </a:solidFill>
-                <a:latin typeface="Courier New" panose="02070309020205020404" pitchFamily="49" charset="0"/>
-                <a:cs typeface="Courier New" panose="02070309020205020404" pitchFamily="49" charset="0"/>
-              </a:rPr>
-              <a:t>'c'</a:t>
-            </a:r>
-            <a:r>
-              <a:rPr lang="pt-BR" b="1" dirty="0">
-                <a:latin typeface="Courier New" panose="02070309020205020404" pitchFamily="49" charset="0"/>
-                <a:cs typeface="Courier New" panose="02070309020205020404" pitchFamily="49" charset="0"/>
-              </a:rPr>
-              <a:t>,</a:t>
-            </a:r>
-            <a:r>
-              <a:rPr lang="pt-BR" sz="1600" b="1" dirty="0">
-                <a:solidFill>
-                  <a:srgbClr val="718C00"/>
-                </a:solidFill>
-                <a:latin typeface="Courier New" panose="02070309020205020404" pitchFamily="49" charset="0"/>
-                <a:cs typeface="Courier New" panose="02070309020205020404" pitchFamily="49" charset="0"/>
-              </a:rPr>
-              <a:t>'d'</a:t>
-            </a:r>
-            <a:r>
-              <a:rPr lang="pt-BR" b="1" dirty="0">
-                <a:latin typeface="Courier New" panose="02070309020205020404" pitchFamily="49" charset="0"/>
-                <a:cs typeface="Courier New" panose="02070309020205020404" pitchFamily="49" charset="0"/>
-              </a:rPr>
-              <a:t>])</a:t>
-            </a:r>
-            <a:endParaRPr lang="pt-BR" b="1" dirty="0">
-              <a:latin typeface="Courier New" panose="02070309020205020404" pitchFamily="49" charset="0"/>
-              <a:cs typeface="Courier New" panose="02070309020205020404" pitchFamily="49" charset="0"/>
-            </a:endParaRPr>
-          </a:p>
-          <a:p>
-            <a:r>
-              <a:rPr lang="pt-BR" b="1" dirty="0">
-                <a:latin typeface="Courier New" panose="02070309020205020404" pitchFamily="49" charset="0"/>
-                <a:cs typeface="Courier New" panose="02070309020205020404" pitchFamily="49" charset="0"/>
-              </a:rPr>
-              <a:t>    }</a:t>
-            </a:r>
-            <a:endParaRPr lang="pt-BR" b="1" dirty="0">
-              <a:latin typeface="Courier New" panose="02070309020205020404" pitchFamily="49" charset="0"/>
-              <a:cs typeface="Courier New" panose="02070309020205020404" pitchFamily="49" charset="0"/>
-            </a:endParaRPr>
-          </a:p>
-          <a:p>
-            <a:r>
-              <a:rPr lang="pt-BR" b="1" dirty="0">
-                <a:latin typeface="Courier New" panose="02070309020205020404" pitchFamily="49" charset="0"/>
-                <a:cs typeface="Courier New" panose="02070309020205020404" pitchFamily="49" charset="0"/>
-              </a:rPr>
-              <a:t>df = pd.DataFrame(d)</a:t>
-            </a:r>
-            <a:endParaRPr lang="pt-BR" b="1" dirty="0">
-              <a:latin typeface="Courier New" panose="02070309020205020404" pitchFamily="49" charset="0"/>
-              <a:cs typeface="Courier New" panose="02070309020205020404" pitchFamily="49" charset="0"/>
-            </a:endParaRPr>
-          </a:p>
-          <a:p>
-            <a:r>
-              <a:rPr lang="pt-BR" b="1" dirty="0">
-                <a:latin typeface="Courier New" panose="02070309020205020404" pitchFamily="49" charset="0"/>
-                <a:cs typeface="Courier New" panose="02070309020205020404" pitchFamily="49" charset="0"/>
-              </a:rPr>
-              <a:t>print(df[2:4])</a:t>
-            </a:r>
-            <a:endParaRPr lang="en-US" b="1" dirty="0">
-              <a:latin typeface="Courier New" panose="02070309020205020404" pitchFamily="49" charset="0"/>
-              <a:cs typeface="Courier New" panose="02070309020205020404" pitchFamily="49" charset="0"/>
-            </a:endParaRPr>
-          </a:p>
-        </p:txBody>
-      </p:sp>
-      <p:sp>
-        <p:nvSpPr>
-          <p:cNvPr id="5" name="Rectangle 4"/>
-          <p:cNvSpPr/>
-          <p:nvPr/>
-        </p:nvSpPr>
-        <p:spPr>
-          <a:xfrm>
-            <a:off x="764309" y="4443002"/>
-            <a:ext cx="2194230" cy="1246495"/>
-          </a:xfrm>
-          <a:prstGeom prst="rect">
-            <a:avLst/>
-          </a:prstGeom>
-          <a:solidFill>
-            <a:schemeClr val="accent3">
-              <a:lumMod val="20000"/>
-              <a:lumOff val="80000"/>
-            </a:schemeClr>
-          </a:solidFill>
-          <a:ln>
-            <a:solidFill>
-              <a:schemeClr val="accent1"/>
-            </a:solidFill>
-          </a:ln>
-        </p:spPr>
-        <p:txBody>
-          <a:bodyPr wrap="square" tIns="0" rIns="0" bIns="0">
-            <a:spAutoFit/>
-          </a:bodyPr>
-          <a:lstStyle/>
-          <a:p>
-            <a:pPr>
-              <a:lnSpc>
-                <a:spcPct val="150000"/>
-              </a:lnSpc>
-            </a:pPr>
-            <a:r>
-              <a:rPr lang="en-US" b="1" dirty="0">
-                <a:latin typeface="Courier New" panose="02070309020205020404" pitchFamily="49" charset="0"/>
-                <a:cs typeface="Courier New" panose="02070309020205020404" pitchFamily="49" charset="0"/>
-              </a:rPr>
-              <a:t>   one    two</a:t>
-            </a:r>
-            <a:endParaRPr lang="en-US" b="1" dirty="0">
-              <a:latin typeface="Courier New" panose="02070309020205020404" pitchFamily="49" charset="0"/>
-              <a:cs typeface="Courier New" panose="02070309020205020404" pitchFamily="49" charset="0"/>
-            </a:endParaRPr>
-          </a:p>
-          <a:p>
-            <a:pPr>
-              <a:lnSpc>
-                <a:spcPct val="150000"/>
-              </a:lnSpc>
-            </a:pPr>
-            <a:r>
-              <a:rPr lang="en-US" b="1" dirty="0">
-                <a:latin typeface="Courier New" panose="02070309020205020404" pitchFamily="49" charset="0"/>
-                <a:cs typeface="Courier New" panose="02070309020205020404" pitchFamily="49" charset="0"/>
-              </a:rPr>
-              <a:t>c  3.0    3</a:t>
-            </a:r>
-            <a:endParaRPr lang="en-US" b="1" dirty="0">
-              <a:latin typeface="Courier New" panose="02070309020205020404" pitchFamily="49" charset="0"/>
-              <a:cs typeface="Courier New" panose="02070309020205020404" pitchFamily="49" charset="0"/>
-            </a:endParaRPr>
-          </a:p>
-          <a:p>
-            <a:pPr>
-              <a:lnSpc>
-                <a:spcPct val="150000"/>
-              </a:lnSpc>
-            </a:pPr>
-            <a:r>
-              <a:rPr lang="en-US" b="1" dirty="0">
-                <a:latin typeface="Courier New" panose="02070309020205020404" pitchFamily="49" charset="0"/>
-                <a:cs typeface="Courier New" panose="02070309020205020404" pitchFamily="49" charset="0"/>
-              </a:rPr>
-              <a:t>d  </a:t>
-            </a:r>
-            <a:r>
-              <a:rPr lang="en-US" b="1" dirty="0" err="1">
-                <a:latin typeface="Courier New" panose="02070309020205020404" pitchFamily="49" charset="0"/>
-                <a:cs typeface="Courier New" panose="02070309020205020404" pitchFamily="49" charset="0"/>
-              </a:rPr>
-              <a:t>NaN</a:t>
-            </a:r>
-            <a:r>
-              <a:rPr lang="en-US" b="1" dirty="0">
-                <a:latin typeface="Courier New" panose="02070309020205020404" pitchFamily="49" charset="0"/>
-                <a:cs typeface="Courier New" panose="02070309020205020404" pitchFamily="49" charset="0"/>
-              </a:rPr>
-              <a:t>    4</a:t>
-            </a:r>
-            <a:endParaRPr lang="en-US" b="1" dirty="0">
-              <a:latin typeface="Courier New" panose="02070309020205020404" pitchFamily="49" charset="0"/>
-              <a:cs typeface="Courier New" panose="02070309020205020404" pitchFamily="49" charset="0"/>
-            </a:endParaRPr>
-          </a:p>
-        </p:txBody>
-      </p:sp>
-    </p:spTree>
-  </p:cSld>
-  <p:clrMapOvr>
-    <a:masterClrMapping/>
-  </p:clrMapOvr>
-</p:sld>
-</file>
-
-<file path=ppt/slides/slide32.xml><?xml version="1.0" encoding="utf-8"?>
-<p:sld xmlns:a="http://schemas.openxmlformats.org/drawingml/2006/main" xmlns:r="http://schemas.openxmlformats.org/officeDocument/2006/relationships" xmlns:p="http://schemas.openxmlformats.org/presentationml/2006/main">
-  <p:cSld>
-    <p:spTree>
-      <p:nvGrpSpPr>
-        <p:cNvPr id="1" name=""/>
-        <p:cNvGrpSpPr/>
-        <p:nvPr/>
-      </p:nvGrpSpPr>
-      <p:grpSpPr>
-        <a:xfrm>
-          <a:off x="0" y="0"/>
-          <a:ext cx="0" cy="0"/>
-          <a:chOff x="0" y="0"/>
-          <a:chExt cx="0" cy="0"/>
-        </a:xfrm>
-      </p:grpSpPr>
-      <p:sp>
-        <p:nvSpPr>
-          <p:cNvPr id="2" name="Title 1"/>
-          <p:cNvSpPr>
-            <a:spLocks noGrp="1"/>
-          </p:cNvSpPr>
-          <p:nvPr>
-            <p:ph type="title"/>
-          </p:nvPr>
-        </p:nvSpPr>
-        <p:spPr/>
-        <p:txBody>
-          <a:bodyPr/>
-          <a:lstStyle/>
-          <a:p>
-            <a:pPr algn="ctr"/>
-            <a:r>
-              <a:rPr lang="en-US" b="1" dirty="0"/>
-              <a:t>More Examples: </a:t>
-            </a:r>
-            <a:r>
-              <a:rPr lang="en-US" b="1" dirty="0">
-                <a:solidFill>
-                  <a:srgbClr val="FF0000"/>
-                </a:solidFill>
-              </a:rPr>
-              <a:t>Addition</a:t>
-            </a:r>
-            <a:r>
-              <a:rPr lang="en-US" b="1" dirty="0"/>
-              <a:t> of rows</a:t>
-            </a:r>
-            <a:endParaRPr lang="en-US" b="1" dirty="0"/>
-          </a:p>
-        </p:txBody>
-      </p:sp>
-      <p:sp>
-        <p:nvSpPr>
-          <p:cNvPr id="4" name="Rectangle 3"/>
-          <p:cNvSpPr/>
-          <p:nvPr/>
-        </p:nvSpPr>
-        <p:spPr>
-          <a:xfrm>
-            <a:off x="293255" y="1483099"/>
-            <a:ext cx="7927110" cy="2554545"/>
-          </a:xfrm>
-          <a:prstGeom prst="rect">
-            <a:avLst/>
-          </a:prstGeom>
-          <a:solidFill>
-            <a:schemeClr val="accent4">
-              <a:lumMod val="20000"/>
-              <a:lumOff val="80000"/>
-            </a:schemeClr>
-          </a:solidFill>
-          <a:ln>
-            <a:solidFill>
-              <a:schemeClr val="accent1"/>
-            </a:solidFill>
-          </a:ln>
-        </p:spPr>
-        <p:txBody>
-          <a:bodyPr wrap="square">
-            <a:spAutoFit/>
-          </a:bodyPr>
-          <a:lstStyle/>
-          <a:p>
-            <a:r>
-              <a:rPr lang="pt-BR" sz="1600" b="1" dirty="0">
-                <a:solidFill>
-                  <a:srgbClr val="FF9900"/>
-                </a:solidFill>
-                <a:latin typeface="Courier New" panose="02070309020205020404" pitchFamily="49" charset="0"/>
-                <a:cs typeface="Courier New" panose="02070309020205020404" pitchFamily="49" charset="0"/>
-              </a:rPr>
-              <a:t>import</a:t>
-            </a:r>
-            <a:r>
-              <a:rPr lang="pt-BR" sz="1600" b="1" dirty="0">
-                <a:latin typeface="Courier New" panose="02070309020205020404" pitchFamily="49" charset="0"/>
-                <a:cs typeface="Courier New" panose="02070309020205020404" pitchFamily="49" charset="0"/>
-              </a:rPr>
-              <a:t> pandas </a:t>
-            </a:r>
-            <a:r>
-              <a:rPr lang="pt-BR" sz="1600" b="1" dirty="0">
-                <a:solidFill>
-                  <a:srgbClr val="FF9900"/>
-                </a:solidFill>
-                <a:latin typeface="Courier New" panose="02070309020205020404" pitchFamily="49" charset="0"/>
-                <a:cs typeface="Courier New" panose="02070309020205020404" pitchFamily="49" charset="0"/>
-              </a:rPr>
-              <a:t>as</a:t>
-            </a:r>
-            <a:r>
-              <a:rPr lang="pt-BR" sz="1600" b="1" dirty="0">
-                <a:latin typeface="Courier New" panose="02070309020205020404" pitchFamily="49" charset="0"/>
-                <a:cs typeface="Courier New" panose="02070309020205020404" pitchFamily="49" charset="0"/>
-              </a:rPr>
-              <a:t> pd</a:t>
-            </a:r>
-            <a:endParaRPr lang="pt-BR" sz="1600" b="1" dirty="0">
-              <a:latin typeface="Courier New" panose="02070309020205020404" pitchFamily="49" charset="0"/>
-              <a:cs typeface="Courier New" panose="02070309020205020404" pitchFamily="49" charset="0"/>
-            </a:endParaRPr>
-          </a:p>
-          <a:p>
-            <a:r>
-              <a:rPr lang="pt-BR" sz="1600" b="1" dirty="0">
-                <a:latin typeface="Courier New" panose="02070309020205020404" pitchFamily="49" charset="0"/>
-                <a:cs typeface="Courier New" panose="02070309020205020404" pitchFamily="49" charset="0"/>
-              </a:rPr>
-              <a:t>d = {</a:t>
-            </a:r>
-            <a:r>
-              <a:rPr lang="pt-BR" sz="1600" b="1" dirty="0">
-                <a:solidFill>
-                  <a:srgbClr val="718C00"/>
-                </a:solidFill>
-                <a:latin typeface="Courier New" panose="02070309020205020404" pitchFamily="49" charset="0"/>
-                <a:cs typeface="Courier New" panose="02070309020205020404" pitchFamily="49" charset="0"/>
-              </a:rPr>
-              <a:t>'one'</a:t>
-            </a:r>
-            <a:r>
-              <a:rPr lang="pt-BR" sz="1600" b="1" dirty="0">
-                <a:latin typeface="Courier New" panose="02070309020205020404" pitchFamily="49" charset="0"/>
-                <a:cs typeface="Courier New" panose="02070309020205020404" pitchFamily="49" charset="0"/>
-              </a:rPr>
-              <a:t> : pd.Series([1, 2, 3],    index=[</a:t>
-            </a:r>
-            <a:r>
-              <a:rPr lang="pt-BR" sz="1600" b="1" dirty="0">
-                <a:solidFill>
-                  <a:srgbClr val="718C00"/>
-                </a:solidFill>
-                <a:latin typeface="Courier New" panose="02070309020205020404" pitchFamily="49" charset="0"/>
-                <a:cs typeface="Courier New" panose="02070309020205020404" pitchFamily="49" charset="0"/>
-              </a:rPr>
-              <a:t>'a'</a:t>
-            </a:r>
-            <a:r>
-              <a:rPr lang="pt-BR" sz="1600" b="1" dirty="0">
-                <a:latin typeface="Courier New" panose="02070309020205020404" pitchFamily="49" charset="0"/>
-                <a:cs typeface="Courier New" panose="02070309020205020404" pitchFamily="49" charset="0"/>
-              </a:rPr>
-              <a:t>, </a:t>
-            </a:r>
-            <a:r>
-              <a:rPr lang="pt-BR" sz="1600" b="1" dirty="0">
-                <a:solidFill>
-                  <a:srgbClr val="718C00"/>
-                </a:solidFill>
-                <a:latin typeface="Courier New" panose="02070309020205020404" pitchFamily="49" charset="0"/>
-                <a:cs typeface="Courier New" panose="02070309020205020404" pitchFamily="49" charset="0"/>
-              </a:rPr>
-              <a:t>'b'</a:t>
-            </a:r>
-            <a:r>
-              <a:rPr lang="pt-BR" sz="1600" b="1" dirty="0">
-                <a:latin typeface="Courier New" panose="02070309020205020404" pitchFamily="49" charset="0"/>
-                <a:cs typeface="Courier New" panose="02070309020205020404" pitchFamily="49" charset="0"/>
-              </a:rPr>
-              <a:t>, </a:t>
-            </a:r>
-            <a:r>
-              <a:rPr lang="pt-BR" sz="1600" b="1" dirty="0">
-                <a:solidFill>
-                  <a:srgbClr val="718C00"/>
-                </a:solidFill>
-                <a:latin typeface="Courier New" panose="02070309020205020404" pitchFamily="49" charset="0"/>
-                <a:cs typeface="Courier New" panose="02070309020205020404" pitchFamily="49" charset="0"/>
-              </a:rPr>
-              <a:t>'c'</a:t>
-            </a:r>
-            <a:r>
-              <a:rPr lang="pt-BR" sz="1600" b="1" dirty="0">
-                <a:latin typeface="Courier New" panose="02070309020205020404" pitchFamily="49" charset="0"/>
-                <a:cs typeface="Courier New" panose="02070309020205020404" pitchFamily="49" charset="0"/>
-              </a:rPr>
-              <a:t>]),</a:t>
-            </a:r>
-            <a:endParaRPr lang="pt-BR" sz="1600" b="1" dirty="0">
-              <a:latin typeface="Courier New" panose="02070309020205020404" pitchFamily="49" charset="0"/>
-              <a:cs typeface="Courier New" panose="02070309020205020404" pitchFamily="49" charset="0"/>
-            </a:endParaRPr>
-          </a:p>
-          <a:p>
-            <a:r>
-              <a:rPr lang="pt-BR" sz="1600" b="1" dirty="0">
-                <a:latin typeface="Courier New" panose="02070309020205020404" pitchFamily="49" charset="0"/>
-                <a:cs typeface="Courier New" panose="02070309020205020404" pitchFamily="49" charset="0"/>
-              </a:rPr>
-              <a:t>     </a:t>
-            </a:r>
-            <a:r>
-              <a:rPr lang="pt-BR" sz="1600" b="1" dirty="0">
-                <a:solidFill>
-                  <a:srgbClr val="718C00"/>
-                </a:solidFill>
-                <a:latin typeface="Courier New" panose="02070309020205020404" pitchFamily="49" charset="0"/>
-                <a:cs typeface="Courier New" panose="02070309020205020404" pitchFamily="49" charset="0"/>
-              </a:rPr>
-              <a:t>'two'</a:t>
-            </a:r>
-            <a:r>
-              <a:rPr lang="pt-BR" sz="1600" b="1" dirty="0">
-                <a:latin typeface="Courier New" panose="02070309020205020404" pitchFamily="49" charset="0"/>
-                <a:cs typeface="Courier New" panose="02070309020205020404" pitchFamily="49" charset="0"/>
-              </a:rPr>
-              <a:t> : pd.Series([1, 2, 3, 4], index=[</a:t>
-            </a:r>
-            <a:r>
-              <a:rPr lang="pt-BR" sz="1600" b="1" dirty="0">
-                <a:solidFill>
-                  <a:srgbClr val="718C00"/>
-                </a:solidFill>
-                <a:latin typeface="Courier New" panose="02070309020205020404" pitchFamily="49" charset="0"/>
-                <a:cs typeface="Courier New" panose="02070309020205020404" pitchFamily="49" charset="0"/>
-              </a:rPr>
-              <a:t>'a'</a:t>
-            </a:r>
-            <a:r>
-              <a:rPr lang="pt-BR" sz="1600" b="1" dirty="0">
-                <a:latin typeface="Courier New" panose="02070309020205020404" pitchFamily="49" charset="0"/>
-                <a:cs typeface="Courier New" panose="02070309020205020404" pitchFamily="49" charset="0"/>
-              </a:rPr>
-              <a:t>, </a:t>
-            </a:r>
-            <a:r>
-              <a:rPr lang="pt-BR" sz="1600" b="1" dirty="0">
-                <a:solidFill>
-                  <a:srgbClr val="718C00"/>
-                </a:solidFill>
-                <a:latin typeface="Courier New" panose="02070309020205020404" pitchFamily="49" charset="0"/>
-                <a:cs typeface="Courier New" panose="02070309020205020404" pitchFamily="49" charset="0"/>
-              </a:rPr>
-              <a:t>'b'</a:t>
-            </a:r>
-            <a:r>
-              <a:rPr lang="pt-BR" sz="1600" b="1" dirty="0">
-                <a:latin typeface="Courier New" panose="02070309020205020404" pitchFamily="49" charset="0"/>
-                <a:cs typeface="Courier New" panose="02070309020205020404" pitchFamily="49" charset="0"/>
-              </a:rPr>
-              <a:t>, </a:t>
-            </a:r>
-            <a:r>
-              <a:rPr lang="pt-BR" sz="1600" b="1" dirty="0">
-                <a:solidFill>
-                  <a:srgbClr val="718C00"/>
-                </a:solidFill>
-                <a:latin typeface="Courier New" panose="02070309020205020404" pitchFamily="49" charset="0"/>
-                <a:cs typeface="Courier New" panose="02070309020205020404" pitchFamily="49" charset="0"/>
-              </a:rPr>
-              <a:t>'c'</a:t>
-            </a:r>
-            <a:r>
-              <a:rPr lang="pt-BR" sz="1600" b="1" dirty="0">
-                <a:latin typeface="Courier New" panose="02070309020205020404" pitchFamily="49" charset="0"/>
-                <a:cs typeface="Courier New" panose="02070309020205020404" pitchFamily="49" charset="0"/>
-              </a:rPr>
-              <a:t>,</a:t>
-            </a:r>
-            <a:r>
-              <a:rPr lang="pt-BR" sz="1600" b="1" dirty="0">
-                <a:solidFill>
-                  <a:srgbClr val="718C00"/>
-                </a:solidFill>
-                <a:latin typeface="Courier New" panose="02070309020205020404" pitchFamily="49" charset="0"/>
-                <a:cs typeface="Courier New" panose="02070309020205020404" pitchFamily="49" charset="0"/>
-              </a:rPr>
-              <a:t>'d'</a:t>
-            </a:r>
-            <a:r>
-              <a:rPr lang="pt-BR" sz="1600" b="1" dirty="0">
-                <a:latin typeface="Courier New" panose="02070309020205020404" pitchFamily="49" charset="0"/>
-                <a:cs typeface="Courier New" panose="02070309020205020404" pitchFamily="49" charset="0"/>
-              </a:rPr>
-              <a:t>])</a:t>
-            </a:r>
-            <a:endParaRPr lang="pt-BR" sz="1600" b="1" dirty="0">
-              <a:latin typeface="Courier New" panose="02070309020205020404" pitchFamily="49" charset="0"/>
-              <a:cs typeface="Courier New" panose="02070309020205020404" pitchFamily="49" charset="0"/>
-            </a:endParaRPr>
-          </a:p>
-          <a:p>
-            <a:r>
-              <a:rPr lang="pt-BR" sz="1600" b="1" dirty="0">
-                <a:latin typeface="Courier New" panose="02070309020205020404" pitchFamily="49" charset="0"/>
-                <a:cs typeface="Courier New" panose="02070309020205020404" pitchFamily="49" charset="0"/>
-              </a:rPr>
-              <a:t>    }</a:t>
-            </a:r>
-            <a:endParaRPr lang="pt-BR" sz="1600" b="1" dirty="0">
-              <a:latin typeface="Courier New" panose="02070309020205020404" pitchFamily="49" charset="0"/>
-              <a:cs typeface="Courier New" panose="02070309020205020404" pitchFamily="49" charset="0"/>
-            </a:endParaRPr>
-          </a:p>
-          <a:p>
-            <a:r>
-              <a:rPr lang="pt-BR" sz="1600" b="1" dirty="0">
-                <a:latin typeface="Courier New" panose="02070309020205020404" pitchFamily="49" charset="0"/>
-                <a:cs typeface="Courier New" panose="02070309020205020404" pitchFamily="49" charset="0"/>
-              </a:rPr>
-              <a:t>df = pd.DataFrame(d)</a:t>
-            </a:r>
-            <a:endParaRPr lang="pt-BR" sz="1600" b="1" dirty="0">
-              <a:latin typeface="Courier New" panose="02070309020205020404" pitchFamily="49" charset="0"/>
-              <a:cs typeface="Courier New" panose="02070309020205020404" pitchFamily="49" charset="0"/>
-            </a:endParaRPr>
-          </a:p>
-          <a:p>
-            <a:r>
-              <a:rPr lang="pt-BR" sz="1600" b="1" dirty="0">
-                <a:latin typeface="Courier New" panose="02070309020205020404" pitchFamily="49" charset="0"/>
-                <a:cs typeface="Courier New" panose="02070309020205020404" pitchFamily="49" charset="0"/>
-              </a:rPr>
-              <a:t>print(df)</a:t>
-            </a:r>
-            <a:endParaRPr lang="pt-BR" sz="1600" b="1" dirty="0">
-              <a:latin typeface="Courier New" panose="02070309020205020404" pitchFamily="49" charset="0"/>
-              <a:cs typeface="Courier New" panose="02070309020205020404" pitchFamily="49" charset="0"/>
-            </a:endParaRPr>
-          </a:p>
-          <a:p>
-            <a:endParaRPr lang="pt-BR" sz="1600" b="1" dirty="0">
-              <a:latin typeface="Courier New" panose="02070309020205020404" pitchFamily="49" charset="0"/>
-              <a:cs typeface="Courier New" panose="02070309020205020404" pitchFamily="49" charset="0"/>
-            </a:endParaRPr>
-          </a:p>
-          <a:p>
-            <a:r>
-              <a:rPr lang="pt-BR" sz="1600" b="1" dirty="0">
-                <a:latin typeface="Courier New" panose="02070309020205020404" pitchFamily="49" charset="0"/>
-                <a:cs typeface="Courier New" panose="02070309020205020404" pitchFamily="49" charset="0"/>
-              </a:rPr>
-              <a:t>df2 = pd.DataFrame([[5,6], [7,8]], columns = [</a:t>
-            </a:r>
-            <a:r>
-              <a:rPr lang="pt-BR" sz="1600" b="1" dirty="0">
-                <a:solidFill>
-                  <a:srgbClr val="718C00"/>
-                </a:solidFill>
-                <a:latin typeface="Courier New" panose="02070309020205020404" pitchFamily="49" charset="0"/>
-                <a:cs typeface="Courier New" panose="02070309020205020404" pitchFamily="49" charset="0"/>
-              </a:rPr>
-              <a:t>'a'</a:t>
-            </a:r>
-            <a:r>
-              <a:rPr lang="pt-BR" sz="1600" b="1" dirty="0">
-                <a:latin typeface="Courier New" panose="02070309020205020404" pitchFamily="49" charset="0"/>
-                <a:cs typeface="Courier New" panose="02070309020205020404" pitchFamily="49" charset="0"/>
-              </a:rPr>
-              <a:t>, </a:t>
-            </a:r>
-            <a:r>
-              <a:rPr lang="pt-BR" sz="1600" b="1" dirty="0">
-                <a:solidFill>
-                  <a:srgbClr val="718C00"/>
-                </a:solidFill>
-                <a:latin typeface="Courier New" panose="02070309020205020404" pitchFamily="49" charset="0"/>
-                <a:cs typeface="Courier New" panose="02070309020205020404" pitchFamily="49" charset="0"/>
-              </a:rPr>
-              <a:t>'b'</a:t>
-            </a:r>
-            <a:r>
-              <a:rPr lang="pt-BR" sz="1600" b="1" dirty="0">
-                <a:latin typeface="Courier New" panose="02070309020205020404" pitchFamily="49" charset="0"/>
-                <a:cs typeface="Courier New" panose="02070309020205020404" pitchFamily="49" charset="0"/>
-              </a:rPr>
-              <a:t>])</a:t>
-            </a:r>
-            <a:endParaRPr lang="pt-BR" sz="1600" b="1" dirty="0">
-              <a:latin typeface="Courier New" panose="02070309020205020404" pitchFamily="49" charset="0"/>
-              <a:cs typeface="Courier New" panose="02070309020205020404" pitchFamily="49" charset="0"/>
-            </a:endParaRPr>
-          </a:p>
-          <a:p>
-            <a:r>
-              <a:rPr lang="pt-BR" sz="1600" b="1" dirty="0">
-                <a:latin typeface="Courier New" panose="02070309020205020404" pitchFamily="49" charset="0"/>
-                <a:cs typeface="Courier New" panose="02070309020205020404" pitchFamily="49" charset="0"/>
-              </a:rPr>
-              <a:t>df = df.append(df2 )</a:t>
-            </a:r>
-            <a:endParaRPr lang="pt-BR" sz="1600" b="1" dirty="0">
-              <a:latin typeface="Courier New" panose="02070309020205020404" pitchFamily="49" charset="0"/>
-              <a:cs typeface="Courier New" panose="02070309020205020404" pitchFamily="49" charset="0"/>
-            </a:endParaRPr>
-          </a:p>
-          <a:p>
-            <a:r>
-              <a:rPr lang="pt-BR" sz="1600" b="1" dirty="0">
-                <a:latin typeface="Courier New" panose="02070309020205020404" pitchFamily="49" charset="0"/>
-                <a:cs typeface="Courier New" panose="02070309020205020404" pitchFamily="49" charset="0"/>
-              </a:rPr>
-              <a:t>print(df)</a:t>
-            </a:r>
-            <a:endParaRPr lang="pt-BR" sz="1600" b="1" dirty="0">
-              <a:latin typeface="Courier New" panose="02070309020205020404" pitchFamily="49" charset="0"/>
-              <a:cs typeface="Courier New" panose="02070309020205020404" pitchFamily="49" charset="0"/>
-            </a:endParaRPr>
-          </a:p>
-        </p:txBody>
-      </p:sp>
-      <p:sp>
-        <p:nvSpPr>
-          <p:cNvPr id="5" name="Rectangle 4"/>
-          <p:cNvSpPr/>
-          <p:nvPr/>
-        </p:nvSpPr>
-        <p:spPr>
-          <a:xfrm>
-            <a:off x="8610599" y="1483099"/>
-            <a:ext cx="2981037" cy="4801314"/>
-          </a:xfrm>
-          <a:prstGeom prst="rect">
-            <a:avLst/>
-          </a:prstGeom>
-          <a:solidFill>
-            <a:schemeClr val="accent3">
-              <a:lumMod val="20000"/>
-              <a:lumOff val="80000"/>
-            </a:schemeClr>
-          </a:solidFill>
-          <a:ln>
-            <a:solidFill>
-              <a:schemeClr val="accent1"/>
-            </a:solidFill>
-          </a:ln>
-        </p:spPr>
-        <p:txBody>
-          <a:bodyPr wrap="square" tIns="0" rIns="0" bIns="0">
-            <a:spAutoFit/>
-          </a:bodyPr>
-          <a:lstStyle/>
-          <a:p>
-            <a:pPr>
-              <a:lnSpc>
-                <a:spcPct val="150000"/>
-              </a:lnSpc>
-            </a:pPr>
-            <a:r>
-              <a:rPr lang="en-US" sz="1600" b="1" dirty="0">
-                <a:latin typeface="Courier New" panose="02070309020205020404" pitchFamily="49" charset="0"/>
-                <a:cs typeface="Courier New" panose="02070309020205020404" pitchFamily="49" charset="0"/>
-              </a:rPr>
-              <a:t>   one   two</a:t>
-            </a:r>
-            <a:endParaRPr lang="en-US" sz="1600" b="1" dirty="0">
-              <a:latin typeface="Courier New" panose="02070309020205020404" pitchFamily="49" charset="0"/>
-              <a:cs typeface="Courier New" panose="02070309020205020404" pitchFamily="49" charset="0"/>
-            </a:endParaRPr>
-          </a:p>
-          <a:p>
-            <a:pPr>
-              <a:lnSpc>
-                <a:spcPct val="150000"/>
-              </a:lnSpc>
-            </a:pPr>
-            <a:r>
-              <a:rPr lang="en-US" sz="1600" b="1" dirty="0">
-                <a:latin typeface="Courier New" panose="02070309020205020404" pitchFamily="49" charset="0"/>
-                <a:cs typeface="Courier New" panose="02070309020205020404" pitchFamily="49" charset="0"/>
-              </a:rPr>
-              <a:t>a  1.0    1</a:t>
-            </a:r>
-            <a:endParaRPr lang="en-US" sz="1600" b="1" dirty="0">
-              <a:latin typeface="Courier New" panose="02070309020205020404" pitchFamily="49" charset="0"/>
-              <a:cs typeface="Courier New" panose="02070309020205020404" pitchFamily="49" charset="0"/>
-            </a:endParaRPr>
-          </a:p>
-          <a:p>
-            <a:pPr>
-              <a:lnSpc>
-                <a:spcPct val="150000"/>
-              </a:lnSpc>
-            </a:pPr>
-            <a:r>
-              <a:rPr lang="en-US" sz="1600" b="1" dirty="0">
-                <a:latin typeface="Courier New" panose="02070309020205020404" pitchFamily="49" charset="0"/>
-                <a:cs typeface="Courier New" panose="02070309020205020404" pitchFamily="49" charset="0"/>
-              </a:rPr>
-              <a:t>b  2.0    2</a:t>
-            </a:r>
-            <a:endParaRPr lang="en-US" sz="1600" b="1" dirty="0">
-              <a:latin typeface="Courier New" panose="02070309020205020404" pitchFamily="49" charset="0"/>
-              <a:cs typeface="Courier New" panose="02070309020205020404" pitchFamily="49" charset="0"/>
-            </a:endParaRPr>
-          </a:p>
-          <a:p>
-            <a:pPr>
-              <a:lnSpc>
-                <a:spcPct val="150000"/>
-              </a:lnSpc>
-            </a:pPr>
-            <a:r>
-              <a:rPr lang="en-US" sz="1600" b="1" dirty="0">
-                <a:latin typeface="Courier New" panose="02070309020205020404" pitchFamily="49" charset="0"/>
-                <a:cs typeface="Courier New" panose="02070309020205020404" pitchFamily="49" charset="0"/>
-              </a:rPr>
-              <a:t>c  3.0    3</a:t>
-            </a:r>
-            <a:endParaRPr lang="en-US" sz="1600" b="1" dirty="0">
-              <a:latin typeface="Courier New" panose="02070309020205020404" pitchFamily="49" charset="0"/>
-              <a:cs typeface="Courier New" panose="02070309020205020404" pitchFamily="49" charset="0"/>
-            </a:endParaRPr>
-          </a:p>
-          <a:p>
-            <a:pPr>
-              <a:lnSpc>
-                <a:spcPct val="150000"/>
-              </a:lnSpc>
-            </a:pPr>
-            <a:r>
-              <a:rPr lang="en-US" sz="1600" b="1" dirty="0">
-                <a:latin typeface="Courier New" panose="02070309020205020404" pitchFamily="49" charset="0"/>
-                <a:cs typeface="Courier New" panose="02070309020205020404" pitchFamily="49" charset="0"/>
-              </a:rPr>
-              <a:t>d  </a:t>
-            </a:r>
-            <a:r>
-              <a:rPr lang="en-US" sz="1600" b="1" dirty="0" err="1">
-                <a:latin typeface="Courier New" panose="02070309020205020404" pitchFamily="49" charset="0"/>
-                <a:cs typeface="Courier New" panose="02070309020205020404" pitchFamily="49" charset="0"/>
-              </a:rPr>
-              <a:t>NaN</a:t>
-            </a:r>
-            <a:r>
-              <a:rPr lang="en-US" sz="1600" b="1" dirty="0">
-                <a:latin typeface="Courier New" panose="02070309020205020404" pitchFamily="49" charset="0"/>
-                <a:cs typeface="Courier New" panose="02070309020205020404" pitchFamily="49" charset="0"/>
-              </a:rPr>
-              <a:t>    4</a:t>
-            </a:r>
-            <a:endParaRPr lang="en-US" sz="1600" b="1" dirty="0">
-              <a:latin typeface="Courier New" panose="02070309020205020404" pitchFamily="49" charset="0"/>
-              <a:cs typeface="Courier New" panose="02070309020205020404" pitchFamily="49" charset="0"/>
-            </a:endParaRPr>
-          </a:p>
-          <a:p>
-            <a:pPr>
-              <a:lnSpc>
-                <a:spcPct val="150000"/>
-              </a:lnSpc>
-            </a:pPr>
-            <a:endParaRPr lang="en-US" sz="1600" b="1" dirty="0">
-              <a:latin typeface="Courier New" panose="02070309020205020404" pitchFamily="49" charset="0"/>
-              <a:cs typeface="Courier New" panose="02070309020205020404" pitchFamily="49" charset="0"/>
-            </a:endParaRPr>
-          </a:p>
-          <a:p>
-            <a:pPr>
-              <a:lnSpc>
-                <a:spcPct val="150000"/>
-              </a:lnSpc>
-            </a:pPr>
-            <a:r>
-              <a:rPr lang="en-US" sz="1600" b="1" dirty="0">
-                <a:latin typeface="Courier New" panose="02070309020205020404" pitchFamily="49" charset="0"/>
-                <a:cs typeface="Courier New" panose="02070309020205020404" pitchFamily="49" charset="0"/>
-              </a:rPr>
-              <a:t>   one  two    a    b</a:t>
-            </a:r>
-            <a:endParaRPr lang="en-US" sz="1600" b="1" dirty="0">
-              <a:latin typeface="Courier New" panose="02070309020205020404" pitchFamily="49" charset="0"/>
-              <a:cs typeface="Courier New" panose="02070309020205020404" pitchFamily="49" charset="0"/>
-            </a:endParaRPr>
-          </a:p>
-          <a:p>
-            <a:pPr>
-              <a:lnSpc>
-                <a:spcPct val="150000"/>
-              </a:lnSpc>
-            </a:pPr>
-            <a:r>
-              <a:rPr lang="en-US" sz="1600" b="1" dirty="0">
-                <a:latin typeface="Courier New" panose="02070309020205020404" pitchFamily="49" charset="0"/>
-                <a:cs typeface="Courier New" panose="02070309020205020404" pitchFamily="49" charset="0"/>
-              </a:rPr>
-              <a:t>a  1.0  1.0  </a:t>
-            </a:r>
-            <a:r>
-              <a:rPr lang="en-US" sz="1600" b="1" dirty="0" err="1">
-                <a:latin typeface="Courier New" panose="02070309020205020404" pitchFamily="49" charset="0"/>
-                <a:cs typeface="Courier New" panose="02070309020205020404" pitchFamily="49" charset="0"/>
-              </a:rPr>
-              <a:t>NaN</a:t>
-            </a:r>
-            <a:r>
-              <a:rPr lang="en-US" sz="1600" b="1" dirty="0">
-                <a:latin typeface="Courier New" panose="02070309020205020404" pitchFamily="49" charset="0"/>
-                <a:cs typeface="Courier New" panose="02070309020205020404" pitchFamily="49" charset="0"/>
-              </a:rPr>
-              <a:t>  </a:t>
-            </a:r>
-            <a:r>
-              <a:rPr lang="en-US" sz="1600" b="1" dirty="0" err="1">
-                <a:latin typeface="Courier New" panose="02070309020205020404" pitchFamily="49" charset="0"/>
-                <a:cs typeface="Courier New" panose="02070309020205020404" pitchFamily="49" charset="0"/>
-              </a:rPr>
-              <a:t>NaN</a:t>
-            </a:r>
-            <a:endParaRPr lang="en-US" sz="1600" b="1" dirty="0">
-              <a:latin typeface="Courier New" panose="02070309020205020404" pitchFamily="49" charset="0"/>
-              <a:cs typeface="Courier New" panose="02070309020205020404" pitchFamily="49" charset="0"/>
-            </a:endParaRPr>
-          </a:p>
-          <a:p>
-            <a:pPr>
-              <a:lnSpc>
-                <a:spcPct val="150000"/>
-              </a:lnSpc>
-            </a:pPr>
-            <a:r>
-              <a:rPr lang="en-US" sz="1600" b="1" dirty="0">
-                <a:latin typeface="Courier New" panose="02070309020205020404" pitchFamily="49" charset="0"/>
-                <a:cs typeface="Courier New" panose="02070309020205020404" pitchFamily="49" charset="0"/>
-              </a:rPr>
-              <a:t>b  2.0  2.0  </a:t>
-            </a:r>
-            <a:r>
-              <a:rPr lang="en-US" sz="1600" b="1" dirty="0" err="1">
-                <a:latin typeface="Courier New" panose="02070309020205020404" pitchFamily="49" charset="0"/>
-                <a:cs typeface="Courier New" panose="02070309020205020404" pitchFamily="49" charset="0"/>
-              </a:rPr>
-              <a:t>NaN</a:t>
-            </a:r>
-            <a:r>
-              <a:rPr lang="en-US" sz="1600" b="1" dirty="0">
-                <a:latin typeface="Courier New" panose="02070309020205020404" pitchFamily="49" charset="0"/>
-                <a:cs typeface="Courier New" panose="02070309020205020404" pitchFamily="49" charset="0"/>
-              </a:rPr>
-              <a:t>  </a:t>
-            </a:r>
-            <a:r>
-              <a:rPr lang="en-US" sz="1600" b="1" dirty="0" err="1">
-                <a:latin typeface="Courier New" panose="02070309020205020404" pitchFamily="49" charset="0"/>
-                <a:cs typeface="Courier New" panose="02070309020205020404" pitchFamily="49" charset="0"/>
-              </a:rPr>
-              <a:t>NaN</a:t>
-            </a:r>
-            <a:endParaRPr lang="en-US" sz="1600" b="1" dirty="0">
-              <a:latin typeface="Courier New" panose="02070309020205020404" pitchFamily="49" charset="0"/>
-              <a:cs typeface="Courier New" panose="02070309020205020404" pitchFamily="49" charset="0"/>
-            </a:endParaRPr>
-          </a:p>
-          <a:p>
-            <a:pPr>
-              <a:lnSpc>
-                <a:spcPct val="150000"/>
-              </a:lnSpc>
-            </a:pPr>
-            <a:r>
-              <a:rPr lang="en-US" sz="1600" b="1" dirty="0">
-                <a:latin typeface="Courier New" panose="02070309020205020404" pitchFamily="49" charset="0"/>
-                <a:cs typeface="Courier New" panose="02070309020205020404" pitchFamily="49" charset="0"/>
-              </a:rPr>
-              <a:t>c  3.0  3.0  </a:t>
-            </a:r>
-            <a:r>
-              <a:rPr lang="en-US" sz="1600" b="1" dirty="0" err="1">
-                <a:latin typeface="Courier New" panose="02070309020205020404" pitchFamily="49" charset="0"/>
-                <a:cs typeface="Courier New" panose="02070309020205020404" pitchFamily="49" charset="0"/>
-              </a:rPr>
-              <a:t>NaN</a:t>
-            </a:r>
-            <a:r>
-              <a:rPr lang="en-US" sz="1600" b="1" dirty="0">
-                <a:latin typeface="Courier New" panose="02070309020205020404" pitchFamily="49" charset="0"/>
-                <a:cs typeface="Courier New" panose="02070309020205020404" pitchFamily="49" charset="0"/>
-              </a:rPr>
-              <a:t>  </a:t>
-            </a:r>
-            <a:r>
-              <a:rPr lang="en-US" sz="1600" b="1" dirty="0" err="1">
-                <a:latin typeface="Courier New" panose="02070309020205020404" pitchFamily="49" charset="0"/>
-                <a:cs typeface="Courier New" panose="02070309020205020404" pitchFamily="49" charset="0"/>
-              </a:rPr>
-              <a:t>NaN</a:t>
-            </a:r>
-            <a:endParaRPr lang="en-US" sz="1600" b="1" dirty="0">
-              <a:latin typeface="Courier New" panose="02070309020205020404" pitchFamily="49" charset="0"/>
-              <a:cs typeface="Courier New" panose="02070309020205020404" pitchFamily="49" charset="0"/>
-            </a:endParaRPr>
-          </a:p>
-          <a:p>
-            <a:pPr>
-              <a:lnSpc>
-                <a:spcPct val="150000"/>
-              </a:lnSpc>
-            </a:pPr>
-            <a:r>
-              <a:rPr lang="en-US" sz="1600" b="1" dirty="0">
-                <a:latin typeface="Courier New" panose="02070309020205020404" pitchFamily="49" charset="0"/>
-                <a:cs typeface="Courier New" panose="02070309020205020404" pitchFamily="49" charset="0"/>
-              </a:rPr>
-              <a:t>d  </a:t>
-            </a:r>
-            <a:r>
-              <a:rPr lang="en-US" sz="1600" b="1" dirty="0" err="1">
-                <a:latin typeface="Courier New" panose="02070309020205020404" pitchFamily="49" charset="0"/>
-                <a:cs typeface="Courier New" panose="02070309020205020404" pitchFamily="49" charset="0"/>
-              </a:rPr>
-              <a:t>NaN</a:t>
-            </a:r>
-            <a:r>
-              <a:rPr lang="en-US" sz="1600" b="1" dirty="0">
-                <a:latin typeface="Courier New" panose="02070309020205020404" pitchFamily="49" charset="0"/>
-                <a:cs typeface="Courier New" panose="02070309020205020404" pitchFamily="49" charset="0"/>
-              </a:rPr>
-              <a:t>  4.0  </a:t>
-            </a:r>
-            <a:r>
-              <a:rPr lang="en-US" sz="1600" b="1" dirty="0" err="1">
-                <a:latin typeface="Courier New" panose="02070309020205020404" pitchFamily="49" charset="0"/>
-                <a:cs typeface="Courier New" panose="02070309020205020404" pitchFamily="49" charset="0"/>
-              </a:rPr>
-              <a:t>NaN</a:t>
-            </a:r>
-            <a:r>
-              <a:rPr lang="en-US" sz="1600" b="1" dirty="0">
-                <a:latin typeface="Courier New" panose="02070309020205020404" pitchFamily="49" charset="0"/>
-                <a:cs typeface="Courier New" panose="02070309020205020404" pitchFamily="49" charset="0"/>
-              </a:rPr>
-              <a:t>  </a:t>
-            </a:r>
-            <a:r>
-              <a:rPr lang="en-US" sz="1600" b="1" dirty="0" err="1">
-                <a:latin typeface="Courier New" panose="02070309020205020404" pitchFamily="49" charset="0"/>
-                <a:cs typeface="Courier New" panose="02070309020205020404" pitchFamily="49" charset="0"/>
-              </a:rPr>
-              <a:t>NaN</a:t>
-            </a:r>
-            <a:endParaRPr lang="en-US" sz="1600" b="1" dirty="0">
-              <a:latin typeface="Courier New" panose="02070309020205020404" pitchFamily="49" charset="0"/>
-              <a:cs typeface="Courier New" panose="02070309020205020404" pitchFamily="49" charset="0"/>
-            </a:endParaRPr>
-          </a:p>
-          <a:p>
-            <a:pPr>
-              <a:lnSpc>
-                <a:spcPct val="150000"/>
-              </a:lnSpc>
-            </a:pPr>
-            <a:r>
-              <a:rPr lang="en-US" sz="1600" b="1" dirty="0">
-                <a:latin typeface="Courier New" panose="02070309020205020404" pitchFamily="49" charset="0"/>
-                <a:cs typeface="Courier New" panose="02070309020205020404" pitchFamily="49" charset="0"/>
-              </a:rPr>
-              <a:t>0  </a:t>
-            </a:r>
-            <a:r>
-              <a:rPr lang="en-US" sz="1600" b="1" dirty="0" err="1">
-                <a:latin typeface="Courier New" panose="02070309020205020404" pitchFamily="49" charset="0"/>
-                <a:cs typeface="Courier New" panose="02070309020205020404" pitchFamily="49" charset="0"/>
-              </a:rPr>
-              <a:t>NaN</a:t>
-            </a:r>
-            <a:r>
-              <a:rPr lang="en-US" sz="1600" b="1" dirty="0">
-                <a:latin typeface="Courier New" panose="02070309020205020404" pitchFamily="49" charset="0"/>
-                <a:cs typeface="Courier New" panose="02070309020205020404" pitchFamily="49" charset="0"/>
-              </a:rPr>
-              <a:t>  </a:t>
-            </a:r>
-            <a:r>
-              <a:rPr lang="en-US" sz="1600" b="1" dirty="0" err="1">
-                <a:latin typeface="Courier New" panose="02070309020205020404" pitchFamily="49" charset="0"/>
-                <a:cs typeface="Courier New" panose="02070309020205020404" pitchFamily="49" charset="0"/>
-              </a:rPr>
-              <a:t>NaN</a:t>
-            </a:r>
-            <a:r>
-              <a:rPr lang="en-US" sz="1600" b="1" dirty="0">
-                <a:latin typeface="Courier New" panose="02070309020205020404" pitchFamily="49" charset="0"/>
-                <a:cs typeface="Courier New" panose="02070309020205020404" pitchFamily="49" charset="0"/>
-              </a:rPr>
-              <a:t>  5.0  6.0</a:t>
-            </a:r>
-            <a:endParaRPr lang="en-US" sz="1600" b="1" dirty="0">
-              <a:latin typeface="Courier New" panose="02070309020205020404" pitchFamily="49" charset="0"/>
-              <a:cs typeface="Courier New" panose="02070309020205020404" pitchFamily="49" charset="0"/>
-            </a:endParaRPr>
-          </a:p>
-          <a:p>
-            <a:pPr>
-              <a:lnSpc>
-                <a:spcPct val="150000"/>
-              </a:lnSpc>
-            </a:pPr>
-            <a:r>
-              <a:rPr lang="en-US" sz="1600" b="1" dirty="0">
-                <a:latin typeface="Courier New" panose="02070309020205020404" pitchFamily="49" charset="0"/>
-                <a:cs typeface="Courier New" panose="02070309020205020404" pitchFamily="49" charset="0"/>
-              </a:rPr>
-              <a:t>1  </a:t>
-            </a:r>
-            <a:r>
-              <a:rPr lang="en-US" sz="1600" b="1" dirty="0" err="1">
-                <a:latin typeface="Courier New" panose="02070309020205020404" pitchFamily="49" charset="0"/>
-                <a:cs typeface="Courier New" panose="02070309020205020404" pitchFamily="49" charset="0"/>
-              </a:rPr>
-              <a:t>NaN</a:t>
-            </a:r>
-            <a:r>
-              <a:rPr lang="en-US" sz="1600" b="1" dirty="0">
-                <a:latin typeface="Courier New" panose="02070309020205020404" pitchFamily="49" charset="0"/>
-                <a:cs typeface="Courier New" panose="02070309020205020404" pitchFamily="49" charset="0"/>
-              </a:rPr>
-              <a:t>  </a:t>
-            </a:r>
-            <a:r>
-              <a:rPr lang="en-US" sz="1600" b="1" dirty="0" err="1">
-                <a:latin typeface="Courier New" panose="02070309020205020404" pitchFamily="49" charset="0"/>
-                <a:cs typeface="Courier New" panose="02070309020205020404" pitchFamily="49" charset="0"/>
-              </a:rPr>
-              <a:t>NaN</a:t>
-            </a:r>
-            <a:r>
-              <a:rPr lang="en-US" sz="1600" b="1" dirty="0">
-                <a:latin typeface="Courier New" panose="02070309020205020404" pitchFamily="49" charset="0"/>
-                <a:cs typeface="Courier New" panose="02070309020205020404" pitchFamily="49" charset="0"/>
-              </a:rPr>
-              <a:t>  7.0  8.0</a:t>
-            </a:r>
-            <a:endParaRPr lang="en-US" sz="1600" b="1" dirty="0">
-              <a:latin typeface="Courier New" panose="02070309020205020404" pitchFamily="49" charset="0"/>
-              <a:cs typeface="Courier New" panose="02070309020205020404" pitchFamily="49" charset="0"/>
-            </a:endParaRPr>
-          </a:p>
-        </p:txBody>
-      </p:sp>
-    </p:spTree>
-  </p:cSld>
-  <p:clrMapOvr>
-    <a:masterClrMapping/>
-  </p:clrMapOvr>
-</p:sld>
-</file>
-
-<file path=ppt/slides/slide33.xml><?xml version="1.0" encoding="utf-8"?>
-<p:sld xmlns:a="http://schemas.openxmlformats.org/drawingml/2006/main" xmlns:r="http://schemas.openxmlformats.org/officeDocument/2006/relationships" xmlns:p="http://schemas.openxmlformats.org/presentationml/2006/main">
-  <p:cSld>
-    <p:spTree>
-      <p:nvGrpSpPr>
-        <p:cNvPr id="1" name=""/>
-        <p:cNvGrpSpPr/>
-        <p:nvPr/>
-      </p:nvGrpSpPr>
-      <p:grpSpPr>
-        <a:xfrm>
-          <a:off x="0" y="0"/>
-          <a:ext cx="0" cy="0"/>
-          <a:chOff x="0" y="0"/>
-          <a:chExt cx="0" cy="0"/>
-        </a:xfrm>
-      </p:grpSpPr>
-      <p:sp>
-        <p:nvSpPr>
-          <p:cNvPr id="2" name="Title 1"/>
-          <p:cNvSpPr>
-            <a:spLocks noGrp="1"/>
-          </p:cNvSpPr>
-          <p:nvPr>
-            <p:ph type="title"/>
-          </p:nvPr>
-        </p:nvSpPr>
-        <p:spPr/>
-        <p:txBody>
-          <a:bodyPr/>
-          <a:lstStyle/>
-          <a:p>
-            <a:pPr algn="ctr"/>
-            <a:r>
-              <a:rPr lang="en-US" b="1" dirty="0"/>
-              <a:t>More Examples: </a:t>
-            </a:r>
-            <a:r>
-              <a:rPr lang="en-US" b="1" dirty="0">
-                <a:solidFill>
-                  <a:srgbClr val="FF0000"/>
-                </a:solidFill>
-              </a:rPr>
-              <a:t>Deletion</a:t>
-            </a:r>
-            <a:r>
-              <a:rPr lang="en-US" b="1" dirty="0"/>
-              <a:t> of rows</a:t>
-            </a:r>
-            <a:endParaRPr lang="en-US" b="1" dirty="0"/>
-          </a:p>
-        </p:txBody>
-      </p:sp>
-      <p:sp>
-        <p:nvSpPr>
-          <p:cNvPr id="4" name="Rectangle 3"/>
-          <p:cNvSpPr/>
-          <p:nvPr/>
-        </p:nvSpPr>
-        <p:spPr>
-          <a:xfrm>
-            <a:off x="265545" y="1511242"/>
-            <a:ext cx="8037946" cy="3693319"/>
-          </a:xfrm>
-          <a:prstGeom prst="rect">
-            <a:avLst/>
-          </a:prstGeom>
-          <a:solidFill>
-            <a:schemeClr val="accent4">
-              <a:lumMod val="20000"/>
-              <a:lumOff val="80000"/>
-            </a:schemeClr>
-          </a:solidFill>
-          <a:ln>
-            <a:solidFill>
-              <a:schemeClr val="accent1"/>
-            </a:solidFill>
-          </a:ln>
-        </p:spPr>
-        <p:txBody>
-          <a:bodyPr wrap="square">
-            <a:spAutoFit/>
-          </a:bodyPr>
-          <a:lstStyle/>
-          <a:p>
-            <a:r>
-              <a:rPr lang="pt-BR" b="1" dirty="0">
-                <a:solidFill>
-                  <a:srgbClr val="FF9900"/>
-                </a:solidFill>
-                <a:latin typeface="Courier New" panose="02070309020205020404" pitchFamily="49" charset="0"/>
-                <a:cs typeface="Courier New" panose="02070309020205020404" pitchFamily="49" charset="0"/>
-              </a:rPr>
-              <a:t>import</a:t>
-            </a:r>
-            <a:r>
-              <a:rPr lang="pt-BR" b="1" dirty="0">
-                <a:latin typeface="Courier New" panose="02070309020205020404" pitchFamily="49" charset="0"/>
-                <a:cs typeface="Courier New" panose="02070309020205020404" pitchFamily="49" charset="0"/>
-              </a:rPr>
-              <a:t> pandas </a:t>
-            </a:r>
-            <a:r>
-              <a:rPr lang="pt-BR" b="1" dirty="0">
-                <a:solidFill>
-                  <a:srgbClr val="FF9900"/>
-                </a:solidFill>
-                <a:latin typeface="Courier New" panose="02070309020205020404" pitchFamily="49" charset="0"/>
-                <a:cs typeface="Courier New" panose="02070309020205020404" pitchFamily="49" charset="0"/>
-              </a:rPr>
-              <a:t>as</a:t>
-            </a:r>
-            <a:r>
-              <a:rPr lang="pt-BR" b="1" dirty="0">
-                <a:latin typeface="Courier New" panose="02070309020205020404" pitchFamily="49" charset="0"/>
-                <a:cs typeface="Courier New" panose="02070309020205020404" pitchFamily="49" charset="0"/>
-              </a:rPr>
-              <a:t> pd</a:t>
-            </a:r>
-            <a:endParaRPr lang="pt-BR" b="1" dirty="0">
-              <a:latin typeface="Courier New" panose="02070309020205020404" pitchFamily="49" charset="0"/>
-              <a:cs typeface="Courier New" panose="02070309020205020404" pitchFamily="49" charset="0"/>
-            </a:endParaRPr>
-          </a:p>
-          <a:p>
-            <a:r>
-              <a:rPr lang="pt-BR" b="1" dirty="0">
-                <a:latin typeface="Courier New" panose="02070309020205020404" pitchFamily="49" charset="0"/>
-                <a:cs typeface="Courier New" panose="02070309020205020404" pitchFamily="49" charset="0"/>
-              </a:rPr>
-              <a:t>d = {</a:t>
-            </a:r>
-            <a:r>
-              <a:rPr lang="pt-BR" sz="1600" b="1" dirty="0">
-                <a:solidFill>
-                  <a:srgbClr val="718C00"/>
-                </a:solidFill>
-                <a:latin typeface="Courier New" panose="02070309020205020404" pitchFamily="49" charset="0"/>
-                <a:cs typeface="Courier New" panose="02070309020205020404" pitchFamily="49" charset="0"/>
-              </a:rPr>
-              <a:t>'one'</a:t>
-            </a:r>
-            <a:r>
-              <a:rPr lang="pt-BR" b="1" dirty="0">
-                <a:latin typeface="Courier New" panose="02070309020205020404" pitchFamily="49" charset="0"/>
-                <a:cs typeface="Courier New" panose="02070309020205020404" pitchFamily="49" charset="0"/>
-              </a:rPr>
-              <a:t>:pd.Series([1, 2, 3],    index=[</a:t>
-            </a:r>
-            <a:r>
-              <a:rPr lang="pt-BR" sz="1600" b="1" dirty="0">
-                <a:solidFill>
-                  <a:srgbClr val="718C00"/>
-                </a:solidFill>
-                <a:latin typeface="Courier New" panose="02070309020205020404" pitchFamily="49" charset="0"/>
-                <a:cs typeface="Courier New" panose="02070309020205020404" pitchFamily="49" charset="0"/>
-              </a:rPr>
-              <a:t>'a'</a:t>
-            </a:r>
-            <a:r>
-              <a:rPr lang="pt-BR" b="1" dirty="0">
-                <a:latin typeface="Courier New" panose="02070309020205020404" pitchFamily="49" charset="0"/>
-                <a:cs typeface="Courier New" panose="02070309020205020404" pitchFamily="49" charset="0"/>
-              </a:rPr>
-              <a:t>,</a:t>
-            </a:r>
-            <a:r>
-              <a:rPr lang="pt-BR" sz="1600" b="1" dirty="0">
-                <a:solidFill>
-                  <a:srgbClr val="718C00"/>
-                </a:solidFill>
-                <a:latin typeface="Courier New" panose="02070309020205020404" pitchFamily="49" charset="0"/>
-                <a:cs typeface="Courier New" panose="02070309020205020404" pitchFamily="49" charset="0"/>
-              </a:rPr>
-              <a:t>'b'</a:t>
-            </a:r>
-            <a:r>
-              <a:rPr lang="pt-BR" b="1" dirty="0">
-                <a:latin typeface="Courier New" panose="02070309020205020404" pitchFamily="49" charset="0"/>
-                <a:cs typeface="Courier New" panose="02070309020205020404" pitchFamily="49" charset="0"/>
-              </a:rPr>
-              <a:t>,</a:t>
-            </a:r>
-            <a:r>
-              <a:rPr lang="pt-BR" sz="1600" b="1" dirty="0">
-                <a:solidFill>
-                  <a:srgbClr val="718C00"/>
-                </a:solidFill>
-                <a:latin typeface="Courier New" panose="02070309020205020404" pitchFamily="49" charset="0"/>
-                <a:cs typeface="Courier New" panose="02070309020205020404" pitchFamily="49" charset="0"/>
-              </a:rPr>
-              <a:t>'c'</a:t>
-            </a:r>
-            <a:r>
-              <a:rPr lang="pt-BR" b="1" dirty="0">
-                <a:latin typeface="Courier New" panose="02070309020205020404" pitchFamily="49" charset="0"/>
-                <a:cs typeface="Courier New" panose="02070309020205020404" pitchFamily="49" charset="0"/>
-              </a:rPr>
-              <a:t>]),</a:t>
-            </a:r>
-            <a:endParaRPr lang="pt-BR" b="1" dirty="0">
-              <a:latin typeface="Courier New" panose="02070309020205020404" pitchFamily="49" charset="0"/>
-              <a:cs typeface="Courier New" panose="02070309020205020404" pitchFamily="49" charset="0"/>
-            </a:endParaRPr>
-          </a:p>
-          <a:p>
-            <a:r>
-              <a:rPr lang="pt-BR" b="1" dirty="0">
-                <a:latin typeface="Courier New" panose="02070309020205020404" pitchFamily="49" charset="0"/>
-                <a:cs typeface="Courier New" panose="02070309020205020404" pitchFamily="49" charset="0"/>
-              </a:rPr>
-              <a:t>     </a:t>
-            </a:r>
-            <a:r>
-              <a:rPr lang="pt-BR" sz="1600" b="1" dirty="0">
-                <a:solidFill>
-                  <a:srgbClr val="718C00"/>
-                </a:solidFill>
-                <a:latin typeface="Courier New" panose="02070309020205020404" pitchFamily="49" charset="0"/>
-                <a:cs typeface="Courier New" panose="02070309020205020404" pitchFamily="49" charset="0"/>
-              </a:rPr>
-              <a:t>'two'</a:t>
-            </a:r>
-            <a:r>
-              <a:rPr lang="pt-BR" b="1" dirty="0">
-                <a:latin typeface="Courier New" panose="02070309020205020404" pitchFamily="49" charset="0"/>
-                <a:cs typeface="Courier New" panose="02070309020205020404" pitchFamily="49" charset="0"/>
-              </a:rPr>
-              <a:t>:pd.Series([1, 2, 3, 4], index=[</a:t>
-            </a:r>
-            <a:r>
-              <a:rPr lang="pt-BR" sz="1600" b="1" dirty="0">
-                <a:solidFill>
-                  <a:srgbClr val="718C00"/>
-                </a:solidFill>
-                <a:latin typeface="Courier New" panose="02070309020205020404" pitchFamily="49" charset="0"/>
-                <a:cs typeface="Courier New" panose="02070309020205020404" pitchFamily="49" charset="0"/>
-              </a:rPr>
-              <a:t>'a'</a:t>
-            </a:r>
-            <a:r>
-              <a:rPr lang="pt-BR" b="1" dirty="0">
-                <a:latin typeface="Courier New" panose="02070309020205020404" pitchFamily="49" charset="0"/>
-                <a:cs typeface="Courier New" panose="02070309020205020404" pitchFamily="49" charset="0"/>
-              </a:rPr>
-              <a:t>,</a:t>
-            </a:r>
-            <a:r>
-              <a:rPr lang="pt-BR" sz="1600" b="1" dirty="0">
-                <a:solidFill>
-                  <a:srgbClr val="718C00"/>
-                </a:solidFill>
-                <a:latin typeface="Courier New" panose="02070309020205020404" pitchFamily="49" charset="0"/>
-                <a:cs typeface="Courier New" panose="02070309020205020404" pitchFamily="49" charset="0"/>
-              </a:rPr>
-              <a:t>'b'</a:t>
-            </a:r>
-            <a:r>
-              <a:rPr lang="pt-BR" b="1" dirty="0">
-                <a:latin typeface="Courier New" panose="02070309020205020404" pitchFamily="49" charset="0"/>
-                <a:cs typeface="Courier New" panose="02070309020205020404" pitchFamily="49" charset="0"/>
-              </a:rPr>
-              <a:t>,</a:t>
-            </a:r>
-            <a:r>
-              <a:rPr lang="pt-BR" sz="1600" b="1" dirty="0">
-                <a:solidFill>
-                  <a:srgbClr val="718C00"/>
-                </a:solidFill>
-                <a:latin typeface="Courier New" panose="02070309020205020404" pitchFamily="49" charset="0"/>
-                <a:cs typeface="Courier New" panose="02070309020205020404" pitchFamily="49" charset="0"/>
-              </a:rPr>
-              <a:t>'c'</a:t>
-            </a:r>
-            <a:r>
-              <a:rPr lang="pt-BR" b="1" dirty="0">
-                <a:latin typeface="Courier New" panose="02070309020205020404" pitchFamily="49" charset="0"/>
-                <a:cs typeface="Courier New" panose="02070309020205020404" pitchFamily="49" charset="0"/>
-              </a:rPr>
-              <a:t>,</a:t>
-            </a:r>
-            <a:r>
-              <a:rPr lang="pt-BR" sz="1600" b="1" dirty="0">
-                <a:solidFill>
-                  <a:srgbClr val="718C00"/>
-                </a:solidFill>
-                <a:latin typeface="Courier New" panose="02070309020205020404" pitchFamily="49" charset="0"/>
-                <a:cs typeface="Courier New" panose="02070309020205020404" pitchFamily="49" charset="0"/>
-              </a:rPr>
-              <a:t>'d'</a:t>
-            </a:r>
-            <a:r>
-              <a:rPr lang="pt-BR" b="1" dirty="0">
-                <a:latin typeface="Courier New" panose="02070309020205020404" pitchFamily="49" charset="0"/>
-                <a:cs typeface="Courier New" panose="02070309020205020404" pitchFamily="49" charset="0"/>
-              </a:rPr>
-              <a:t>])</a:t>
-            </a:r>
-            <a:endParaRPr lang="pt-BR" b="1" dirty="0">
-              <a:latin typeface="Courier New" panose="02070309020205020404" pitchFamily="49" charset="0"/>
-              <a:cs typeface="Courier New" panose="02070309020205020404" pitchFamily="49" charset="0"/>
-            </a:endParaRPr>
-          </a:p>
-          <a:p>
-            <a:r>
-              <a:rPr lang="pt-BR" b="1" dirty="0">
-                <a:latin typeface="Courier New" panose="02070309020205020404" pitchFamily="49" charset="0"/>
-                <a:cs typeface="Courier New" panose="02070309020205020404" pitchFamily="49" charset="0"/>
-              </a:rPr>
-              <a:t>    }</a:t>
-            </a:r>
-            <a:endParaRPr lang="pt-BR" b="1" dirty="0">
-              <a:latin typeface="Courier New" panose="02070309020205020404" pitchFamily="49" charset="0"/>
-              <a:cs typeface="Courier New" panose="02070309020205020404" pitchFamily="49" charset="0"/>
-            </a:endParaRPr>
-          </a:p>
-          <a:p>
-            <a:r>
-              <a:rPr lang="pt-BR" b="1" dirty="0">
-                <a:latin typeface="Courier New" panose="02070309020205020404" pitchFamily="49" charset="0"/>
-                <a:cs typeface="Courier New" panose="02070309020205020404" pitchFamily="49" charset="0"/>
-              </a:rPr>
-              <a:t>df = pd.DataFrame(d)</a:t>
-            </a:r>
-            <a:endParaRPr lang="pt-BR" b="1" dirty="0">
-              <a:latin typeface="Courier New" panose="02070309020205020404" pitchFamily="49" charset="0"/>
-              <a:cs typeface="Courier New" panose="02070309020205020404" pitchFamily="49" charset="0"/>
-            </a:endParaRPr>
-          </a:p>
-          <a:p>
-            <a:r>
-              <a:rPr lang="pt-BR" b="1" dirty="0">
-                <a:latin typeface="Courier New" panose="02070309020205020404" pitchFamily="49" charset="0"/>
-                <a:cs typeface="Courier New" panose="02070309020205020404" pitchFamily="49" charset="0"/>
-              </a:rPr>
-              <a:t>print(df)</a:t>
-            </a:r>
-            <a:endParaRPr lang="pt-BR" b="1" dirty="0">
-              <a:latin typeface="Courier New" panose="02070309020205020404" pitchFamily="49" charset="0"/>
-              <a:cs typeface="Courier New" panose="02070309020205020404" pitchFamily="49" charset="0"/>
-            </a:endParaRPr>
-          </a:p>
-          <a:p>
-            <a:endParaRPr lang="pt-BR" b="1" dirty="0">
-              <a:latin typeface="Courier New" panose="02070309020205020404" pitchFamily="49" charset="0"/>
-              <a:cs typeface="Courier New" panose="02070309020205020404" pitchFamily="49" charset="0"/>
-            </a:endParaRPr>
-          </a:p>
-          <a:p>
-            <a:r>
-              <a:rPr lang="pt-BR" b="1" dirty="0">
-                <a:latin typeface="Courier New" panose="02070309020205020404" pitchFamily="49" charset="0"/>
-                <a:cs typeface="Courier New" panose="02070309020205020404" pitchFamily="49" charset="0"/>
-              </a:rPr>
-              <a:t>df2 = pd.DataFrame([[5,6], [7,8]], columns = [</a:t>
-            </a:r>
-            <a:r>
-              <a:rPr lang="pt-BR" sz="1600" b="1" dirty="0">
-                <a:solidFill>
-                  <a:srgbClr val="718C00"/>
-                </a:solidFill>
-                <a:latin typeface="Courier New" panose="02070309020205020404" pitchFamily="49" charset="0"/>
-                <a:cs typeface="Courier New" panose="02070309020205020404" pitchFamily="49" charset="0"/>
-              </a:rPr>
-              <a:t>'a'</a:t>
-            </a:r>
-            <a:r>
-              <a:rPr lang="pt-BR" b="1" dirty="0">
-                <a:latin typeface="Courier New" panose="02070309020205020404" pitchFamily="49" charset="0"/>
-                <a:cs typeface="Courier New" panose="02070309020205020404" pitchFamily="49" charset="0"/>
-              </a:rPr>
-              <a:t>, </a:t>
-            </a:r>
-            <a:r>
-              <a:rPr lang="pt-BR" sz="1600" b="1" dirty="0">
-                <a:solidFill>
-                  <a:srgbClr val="718C00"/>
-                </a:solidFill>
-                <a:latin typeface="Courier New" panose="02070309020205020404" pitchFamily="49" charset="0"/>
-                <a:cs typeface="Courier New" panose="02070309020205020404" pitchFamily="49" charset="0"/>
-              </a:rPr>
-              <a:t>'b'</a:t>
-            </a:r>
-            <a:r>
-              <a:rPr lang="pt-BR" b="1" dirty="0">
-                <a:latin typeface="Courier New" panose="02070309020205020404" pitchFamily="49" charset="0"/>
-                <a:cs typeface="Courier New" panose="02070309020205020404" pitchFamily="49" charset="0"/>
-              </a:rPr>
-              <a:t>])</a:t>
-            </a:r>
-            <a:endParaRPr lang="pt-BR" b="1" dirty="0">
-              <a:latin typeface="Courier New" panose="02070309020205020404" pitchFamily="49" charset="0"/>
-              <a:cs typeface="Courier New" panose="02070309020205020404" pitchFamily="49" charset="0"/>
-            </a:endParaRPr>
-          </a:p>
-          <a:p>
-            <a:r>
-              <a:rPr lang="pt-BR" b="1" dirty="0">
-                <a:latin typeface="Courier New" panose="02070309020205020404" pitchFamily="49" charset="0"/>
-                <a:cs typeface="Courier New" panose="02070309020205020404" pitchFamily="49" charset="0"/>
-              </a:rPr>
-              <a:t>df = df.append(df2 )</a:t>
-            </a:r>
-            <a:endParaRPr lang="pt-BR" b="1" dirty="0">
-              <a:latin typeface="Courier New" panose="02070309020205020404" pitchFamily="49" charset="0"/>
-              <a:cs typeface="Courier New" panose="02070309020205020404" pitchFamily="49" charset="0"/>
-            </a:endParaRPr>
-          </a:p>
-          <a:p>
-            <a:r>
-              <a:rPr lang="pt-BR" b="1" dirty="0">
-                <a:latin typeface="Courier New" panose="02070309020205020404" pitchFamily="49" charset="0"/>
-                <a:cs typeface="Courier New" panose="02070309020205020404" pitchFamily="49" charset="0"/>
-              </a:rPr>
-              <a:t>print(df)</a:t>
-            </a:r>
-            <a:endParaRPr lang="pt-BR" b="1" dirty="0">
-              <a:latin typeface="Courier New" panose="02070309020205020404" pitchFamily="49" charset="0"/>
-              <a:cs typeface="Courier New" panose="02070309020205020404" pitchFamily="49" charset="0"/>
-            </a:endParaRPr>
-          </a:p>
-          <a:p>
-            <a:endParaRPr lang="pt-BR" b="1" dirty="0">
-              <a:latin typeface="Courier New" panose="02070309020205020404" pitchFamily="49" charset="0"/>
-              <a:cs typeface="Courier New" panose="02070309020205020404" pitchFamily="49" charset="0"/>
-            </a:endParaRPr>
-          </a:p>
-          <a:p>
-            <a:r>
-              <a:rPr lang="pt-BR" b="1" dirty="0">
-                <a:latin typeface="Courier New" panose="02070309020205020404" pitchFamily="49" charset="0"/>
-                <a:cs typeface="Courier New" panose="02070309020205020404" pitchFamily="49" charset="0"/>
-              </a:rPr>
-              <a:t>df = df.drop(0)</a:t>
-            </a:r>
-            <a:endParaRPr lang="pt-BR" b="1" dirty="0">
-              <a:latin typeface="Courier New" panose="02070309020205020404" pitchFamily="49" charset="0"/>
-              <a:cs typeface="Courier New" panose="02070309020205020404" pitchFamily="49" charset="0"/>
-            </a:endParaRPr>
-          </a:p>
-          <a:p>
-            <a:r>
-              <a:rPr lang="pt-BR" b="1" dirty="0">
-                <a:latin typeface="Courier New" panose="02070309020205020404" pitchFamily="49" charset="0"/>
-                <a:cs typeface="Courier New" panose="02070309020205020404" pitchFamily="49" charset="0"/>
-              </a:rPr>
-              <a:t>print(df)</a:t>
-            </a:r>
-            <a:endParaRPr lang="pt-BR" b="1" dirty="0">
-              <a:latin typeface="Courier New" panose="02070309020205020404" pitchFamily="49" charset="0"/>
-              <a:cs typeface="Courier New" panose="02070309020205020404" pitchFamily="49" charset="0"/>
-            </a:endParaRPr>
-          </a:p>
-        </p:txBody>
-      </p:sp>
-      <p:sp>
-        <p:nvSpPr>
-          <p:cNvPr id="5" name="Rectangle 4"/>
-          <p:cNvSpPr/>
-          <p:nvPr/>
-        </p:nvSpPr>
-        <p:spPr>
-          <a:xfrm>
-            <a:off x="8610599" y="1483099"/>
-            <a:ext cx="2981037" cy="4924425"/>
-          </a:xfrm>
-          <a:prstGeom prst="rect">
-            <a:avLst/>
-          </a:prstGeom>
-          <a:solidFill>
-            <a:schemeClr val="accent3">
-              <a:lumMod val="20000"/>
-              <a:lumOff val="80000"/>
-            </a:schemeClr>
-          </a:solidFill>
-          <a:ln>
-            <a:solidFill>
-              <a:schemeClr val="accent1"/>
-            </a:solidFill>
-          </a:ln>
-        </p:spPr>
-        <p:txBody>
-          <a:bodyPr wrap="square" tIns="0" rIns="0" bIns="0">
-            <a:spAutoFit/>
-          </a:bodyPr>
-          <a:lstStyle/>
-          <a:p>
-            <a:r>
-              <a:rPr lang="en-US" sz="1600" b="1" dirty="0">
-                <a:latin typeface="Courier New" panose="02070309020205020404" pitchFamily="49" charset="0"/>
-                <a:cs typeface="Courier New" panose="02070309020205020404" pitchFamily="49" charset="0"/>
-              </a:rPr>
-              <a:t>   one  two</a:t>
-            </a:r>
-            <a:endParaRPr lang="en-US" sz="1600" b="1" dirty="0">
-              <a:latin typeface="Courier New" panose="02070309020205020404" pitchFamily="49" charset="0"/>
-              <a:cs typeface="Courier New" panose="02070309020205020404" pitchFamily="49" charset="0"/>
-            </a:endParaRPr>
-          </a:p>
-          <a:p>
-            <a:r>
-              <a:rPr lang="en-US" sz="1600" b="1" dirty="0">
-                <a:latin typeface="Courier New" panose="02070309020205020404" pitchFamily="49" charset="0"/>
-                <a:cs typeface="Courier New" panose="02070309020205020404" pitchFamily="49" charset="0"/>
-              </a:rPr>
-              <a:t>a  1.0    1</a:t>
-            </a:r>
-            <a:endParaRPr lang="en-US" sz="1600" b="1" dirty="0">
-              <a:latin typeface="Courier New" panose="02070309020205020404" pitchFamily="49" charset="0"/>
-              <a:cs typeface="Courier New" panose="02070309020205020404" pitchFamily="49" charset="0"/>
-            </a:endParaRPr>
-          </a:p>
-          <a:p>
-            <a:r>
-              <a:rPr lang="en-US" sz="1600" b="1" dirty="0">
-                <a:latin typeface="Courier New" panose="02070309020205020404" pitchFamily="49" charset="0"/>
-                <a:cs typeface="Courier New" panose="02070309020205020404" pitchFamily="49" charset="0"/>
-              </a:rPr>
-              <a:t>b  2.0    2</a:t>
-            </a:r>
-            <a:endParaRPr lang="en-US" sz="1600" b="1" dirty="0">
-              <a:latin typeface="Courier New" panose="02070309020205020404" pitchFamily="49" charset="0"/>
-              <a:cs typeface="Courier New" panose="02070309020205020404" pitchFamily="49" charset="0"/>
-            </a:endParaRPr>
-          </a:p>
-          <a:p>
-            <a:r>
-              <a:rPr lang="en-US" sz="1600" b="1" dirty="0">
-                <a:latin typeface="Courier New" panose="02070309020205020404" pitchFamily="49" charset="0"/>
-                <a:cs typeface="Courier New" panose="02070309020205020404" pitchFamily="49" charset="0"/>
-              </a:rPr>
-              <a:t>c  3.0    3</a:t>
-            </a:r>
-            <a:endParaRPr lang="en-US" sz="1600" b="1" dirty="0">
-              <a:latin typeface="Courier New" panose="02070309020205020404" pitchFamily="49" charset="0"/>
-              <a:cs typeface="Courier New" panose="02070309020205020404" pitchFamily="49" charset="0"/>
-            </a:endParaRPr>
-          </a:p>
-          <a:p>
-            <a:r>
-              <a:rPr lang="en-US" sz="1600" b="1" dirty="0">
-                <a:latin typeface="Courier New" panose="02070309020205020404" pitchFamily="49" charset="0"/>
-                <a:cs typeface="Courier New" panose="02070309020205020404" pitchFamily="49" charset="0"/>
-              </a:rPr>
-              <a:t>d  </a:t>
-            </a:r>
-            <a:r>
-              <a:rPr lang="en-US" sz="1600" b="1" dirty="0" err="1">
-                <a:latin typeface="Courier New" panose="02070309020205020404" pitchFamily="49" charset="0"/>
-                <a:cs typeface="Courier New" panose="02070309020205020404" pitchFamily="49" charset="0"/>
-              </a:rPr>
-              <a:t>NaN</a:t>
-            </a:r>
-            <a:r>
-              <a:rPr lang="en-US" sz="1600" b="1" dirty="0">
-                <a:latin typeface="Courier New" panose="02070309020205020404" pitchFamily="49" charset="0"/>
-                <a:cs typeface="Courier New" panose="02070309020205020404" pitchFamily="49" charset="0"/>
-              </a:rPr>
-              <a:t>    4</a:t>
-            </a:r>
-            <a:endParaRPr lang="en-US" sz="1600" b="1" dirty="0">
-              <a:latin typeface="Courier New" panose="02070309020205020404" pitchFamily="49" charset="0"/>
-              <a:cs typeface="Courier New" panose="02070309020205020404" pitchFamily="49" charset="0"/>
-            </a:endParaRPr>
-          </a:p>
-          <a:p>
-            <a:endParaRPr lang="en-US" sz="1600" b="1" dirty="0">
-              <a:latin typeface="Courier New" panose="02070309020205020404" pitchFamily="49" charset="0"/>
-              <a:cs typeface="Courier New" panose="02070309020205020404" pitchFamily="49" charset="0"/>
-            </a:endParaRPr>
-          </a:p>
-          <a:p>
-            <a:r>
-              <a:rPr lang="en-US" sz="1600" b="1" dirty="0">
-                <a:latin typeface="Courier New" panose="02070309020205020404" pitchFamily="49" charset="0"/>
-                <a:cs typeface="Courier New" panose="02070309020205020404" pitchFamily="49" charset="0"/>
-              </a:rPr>
-              <a:t>   one  two    a    b</a:t>
-            </a:r>
-            <a:endParaRPr lang="en-US" sz="1600" b="1" dirty="0">
-              <a:latin typeface="Courier New" panose="02070309020205020404" pitchFamily="49" charset="0"/>
-              <a:cs typeface="Courier New" panose="02070309020205020404" pitchFamily="49" charset="0"/>
-            </a:endParaRPr>
-          </a:p>
-          <a:p>
-            <a:r>
-              <a:rPr lang="en-US" sz="1600" b="1" dirty="0">
-                <a:latin typeface="Courier New" panose="02070309020205020404" pitchFamily="49" charset="0"/>
-                <a:cs typeface="Courier New" panose="02070309020205020404" pitchFamily="49" charset="0"/>
-              </a:rPr>
-              <a:t>a  1.0  1.0  </a:t>
-            </a:r>
-            <a:r>
-              <a:rPr lang="en-US" sz="1600" b="1" dirty="0" err="1">
-                <a:latin typeface="Courier New" panose="02070309020205020404" pitchFamily="49" charset="0"/>
-                <a:cs typeface="Courier New" panose="02070309020205020404" pitchFamily="49" charset="0"/>
-              </a:rPr>
-              <a:t>NaN</a:t>
-            </a:r>
-            <a:r>
-              <a:rPr lang="en-US" sz="1600" b="1" dirty="0">
-                <a:latin typeface="Courier New" panose="02070309020205020404" pitchFamily="49" charset="0"/>
-                <a:cs typeface="Courier New" panose="02070309020205020404" pitchFamily="49" charset="0"/>
-              </a:rPr>
-              <a:t>  </a:t>
-            </a:r>
-            <a:r>
-              <a:rPr lang="en-US" sz="1600" b="1" dirty="0" err="1">
-                <a:latin typeface="Courier New" panose="02070309020205020404" pitchFamily="49" charset="0"/>
-                <a:cs typeface="Courier New" panose="02070309020205020404" pitchFamily="49" charset="0"/>
-              </a:rPr>
-              <a:t>NaN</a:t>
-            </a:r>
-            <a:endParaRPr lang="en-US" sz="1600" b="1" dirty="0">
-              <a:latin typeface="Courier New" panose="02070309020205020404" pitchFamily="49" charset="0"/>
-              <a:cs typeface="Courier New" panose="02070309020205020404" pitchFamily="49" charset="0"/>
-            </a:endParaRPr>
-          </a:p>
-          <a:p>
-            <a:r>
-              <a:rPr lang="en-US" sz="1600" b="1" dirty="0">
-                <a:latin typeface="Courier New" panose="02070309020205020404" pitchFamily="49" charset="0"/>
-                <a:cs typeface="Courier New" panose="02070309020205020404" pitchFamily="49" charset="0"/>
-              </a:rPr>
-              <a:t>b  2.0  2.0  </a:t>
-            </a:r>
-            <a:r>
-              <a:rPr lang="en-US" sz="1600" b="1" dirty="0" err="1">
-                <a:latin typeface="Courier New" panose="02070309020205020404" pitchFamily="49" charset="0"/>
-                <a:cs typeface="Courier New" panose="02070309020205020404" pitchFamily="49" charset="0"/>
-              </a:rPr>
-              <a:t>NaN</a:t>
-            </a:r>
-            <a:r>
-              <a:rPr lang="en-US" sz="1600" b="1" dirty="0">
-                <a:latin typeface="Courier New" panose="02070309020205020404" pitchFamily="49" charset="0"/>
-                <a:cs typeface="Courier New" panose="02070309020205020404" pitchFamily="49" charset="0"/>
-              </a:rPr>
-              <a:t>  </a:t>
-            </a:r>
-            <a:r>
-              <a:rPr lang="en-US" sz="1600" b="1" dirty="0" err="1">
-                <a:latin typeface="Courier New" panose="02070309020205020404" pitchFamily="49" charset="0"/>
-                <a:cs typeface="Courier New" panose="02070309020205020404" pitchFamily="49" charset="0"/>
-              </a:rPr>
-              <a:t>NaN</a:t>
-            </a:r>
-            <a:endParaRPr lang="en-US" sz="1600" b="1" dirty="0">
-              <a:latin typeface="Courier New" panose="02070309020205020404" pitchFamily="49" charset="0"/>
-              <a:cs typeface="Courier New" panose="02070309020205020404" pitchFamily="49" charset="0"/>
-            </a:endParaRPr>
-          </a:p>
-          <a:p>
-            <a:r>
-              <a:rPr lang="en-US" sz="1600" b="1" dirty="0">
-                <a:latin typeface="Courier New" panose="02070309020205020404" pitchFamily="49" charset="0"/>
-                <a:cs typeface="Courier New" panose="02070309020205020404" pitchFamily="49" charset="0"/>
-              </a:rPr>
-              <a:t>c  3.0  3.0  </a:t>
-            </a:r>
-            <a:r>
-              <a:rPr lang="en-US" sz="1600" b="1" dirty="0" err="1">
-                <a:latin typeface="Courier New" panose="02070309020205020404" pitchFamily="49" charset="0"/>
-                <a:cs typeface="Courier New" panose="02070309020205020404" pitchFamily="49" charset="0"/>
-              </a:rPr>
-              <a:t>NaN</a:t>
-            </a:r>
-            <a:r>
-              <a:rPr lang="en-US" sz="1600" b="1" dirty="0">
-                <a:latin typeface="Courier New" panose="02070309020205020404" pitchFamily="49" charset="0"/>
-                <a:cs typeface="Courier New" panose="02070309020205020404" pitchFamily="49" charset="0"/>
-              </a:rPr>
-              <a:t>  </a:t>
-            </a:r>
-            <a:r>
-              <a:rPr lang="en-US" sz="1600" b="1" dirty="0" err="1">
-                <a:latin typeface="Courier New" panose="02070309020205020404" pitchFamily="49" charset="0"/>
-                <a:cs typeface="Courier New" panose="02070309020205020404" pitchFamily="49" charset="0"/>
-              </a:rPr>
-              <a:t>NaN</a:t>
-            </a:r>
-            <a:endParaRPr lang="en-US" sz="1600" b="1" dirty="0">
-              <a:latin typeface="Courier New" panose="02070309020205020404" pitchFamily="49" charset="0"/>
-              <a:cs typeface="Courier New" panose="02070309020205020404" pitchFamily="49" charset="0"/>
-            </a:endParaRPr>
-          </a:p>
-          <a:p>
-            <a:r>
-              <a:rPr lang="en-US" sz="1600" b="1" dirty="0">
-                <a:latin typeface="Courier New" panose="02070309020205020404" pitchFamily="49" charset="0"/>
-                <a:cs typeface="Courier New" panose="02070309020205020404" pitchFamily="49" charset="0"/>
-              </a:rPr>
-              <a:t>d  </a:t>
-            </a:r>
-            <a:r>
-              <a:rPr lang="en-US" sz="1600" b="1" dirty="0" err="1">
-                <a:latin typeface="Courier New" panose="02070309020205020404" pitchFamily="49" charset="0"/>
-                <a:cs typeface="Courier New" panose="02070309020205020404" pitchFamily="49" charset="0"/>
-              </a:rPr>
-              <a:t>NaN</a:t>
-            </a:r>
-            <a:r>
-              <a:rPr lang="en-US" sz="1600" b="1" dirty="0">
-                <a:latin typeface="Courier New" panose="02070309020205020404" pitchFamily="49" charset="0"/>
-                <a:cs typeface="Courier New" panose="02070309020205020404" pitchFamily="49" charset="0"/>
-              </a:rPr>
-              <a:t>  4.0  </a:t>
-            </a:r>
-            <a:r>
-              <a:rPr lang="en-US" sz="1600" b="1" dirty="0" err="1">
-                <a:latin typeface="Courier New" panose="02070309020205020404" pitchFamily="49" charset="0"/>
-                <a:cs typeface="Courier New" panose="02070309020205020404" pitchFamily="49" charset="0"/>
-              </a:rPr>
-              <a:t>NaN</a:t>
-            </a:r>
-            <a:r>
-              <a:rPr lang="en-US" sz="1600" b="1" dirty="0">
-                <a:latin typeface="Courier New" panose="02070309020205020404" pitchFamily="49" charset="0"/>
-                <a:cs typeface="Courier New" panose="02070309020205020404" pitchFamily="49" charset="0"/>
-              </a:rPr>
-              <a:t>  </a:t>
-            </a:r>
-            <a:r>
-              <a:rPr lang="en-US" sz="1600" b="1" dirty="0" err="1">
-                <a:latin typeface="Courier New" panose="02070309020205020404" pitchFamily="49" charset="0"/>
-                <a:cs typeface="Courier New" panose="02070309020205020404" pitchFamily="49" charset="0"/>
-              </a:rPr>
-              <a:t>NaN</a:t>
-            </a:r>
-            <a:endParaRPr lang="en-US" sz="1600" b="1" dirty="0">
-              <a:latin typeface="Courier New" panose="02070309020205020404" pitchFamily="49" charset="0"/>
-              <a:cs typeface="Courier New" panose="02070309020205020404" pitchFamily="49" charset="0"/>
-            </a:endParaRPr>
-          </a:p>
-          <a:p>
-            <a:r>
-              <a:rPr lang="en-US" sz="1600" b="1" dirty="0">
-                <a:latin typeface="Courier New" panose="02070309020205020404" pitchFamily="49" charset="0"/>
-                <a:cs typeface="Courier New" panose="02070309020205020404" pitchFamily="49" charset="0"/>
-              </a:rPr>
-              <a:t>0  </a:t>
-            </a:r>
-            <a:r>
-              <a:rPr lang="en-US" sz="1600" b="1" dirty="0" err="1">
-                <a:latin typeface="Courier New" panose="02070309020205020404" pitchFamily="49" charset="0"/>
-                <a:cs typeface="Courier New" panose="02070309020205020404" pitchFamily="49" charset="0"/>
-              </a:rPr>
-              <a:t>NaN</a:t>
-            </a:r>
-            <a:r>
-              <a:rPr lang="en-US" sz="1600" b="1" dirty="0">
-                <a:latin typeface="Courier New" panose="02070309020205020404" pitchFamily="49" charset="0"/>
-                <a:cs typeface="Courier New" panose="02070309020205020404" pitchFamily="49" charset="0"/>
-              </a:rPr>
-              <a:t>  </a:t>
-            </a:r>
-            <a:r>
-              <a:rPr lang="en-US" sz="1600" b="1" dirty="0" err="1">
-                <a:latin typeface="Courier New" panose="02070309020205020404" pitchFamily="49" charset="0"/>
-                <a:cs typeface="Courier New" panose="02070309020205020404" pitchFamily="49" charset="0"/>
-              </a:rPr>
-              <a:t>NaN</a:t>
-            </a:r>
-            <a:r>
-              <a:rPr lang="en-US" sz="1600" b="1" dirty="0">
-                <a:latin typeface="Courier New" panose="02070309020205020404" pitchFamily="49" charset="0"/>
-                <a:cs typeface="Courier New" panose="02070309020205020404" pitchFamily="49" charset="0"/>
-              </a:rPr>
-              <a:t>  5.0  6.0</a:t>
-            </a:r>
-            <a:endParaRPr lang="en-US" sz="1600" b="1" dirty="0">
-              <a:latin typeface="Courier New" panose="02070309020205020404" pitchFamily="49" charset="0"/>
-              <a:cs typeface="Courier New" panose="02070309020205020404" pitchFamily="49" charset="0"/>
-            </a:endParaRPr>
-          </a:p>
-          <a:p>
-            <a:pPr marL="342900" indent="-342900">
-              <a:buAutoNum type="arabicPlain"/>
-            </a:pPr>
-            <a:r>
-              <a:rPr lang="en-US" sz="1600" b="1" dirty="0" err="1">
-                <a:latin typeface="Courier New" panose="02070309020205020404" pitchFamily="49" charset="0"/>
-                <a:cs typeface="Courier New" panose="02070309020205020404" pitchFamily="49" charset="0"/>
-              </a:rPr>
-              <a:t>NaN</a:t>
-            </a:r>
-            <a:r>
-              <a:rPr lang="en-US" sz="1600" b="1" dirty="0">
-                <a:latin typeface="Courier New" panose="02070309020205020404" pitchFamily="49" charset="0"/>
-                <a:cs typeface="Courier New" panose="02070309020205020404" pitchFamily="49" charset="0"/>
-              </a:rPr>
-              <a:t>  </a:t>
-            </a:r>
-            <a:r>
-              <a:rPr lang="en-US" sz="1600" b="1" dirty="0" err="1">
-                <a:latin typeface="Courier New" panose="02070309020205020404" pitchFamily="49" charset="0"/>
-                <a:cs typeface="Courier New" panose="02070309020205020404" pitchFamily="49" charset="0"/>
-              </a:rPr>
-              <a:t>NaN</a:t>
-            </a:r>
-            <a:r>
-              <a:rPr lang="en-US" sz="1600" b="1" dirty="0">
-                <a:latin typeface="Courier New" panose="02070309020205020404" pitchFamily="49" charset="0"/>
-                <a:cs typeface="Courier New" panose="02070309020205020404" pitchFamily="49" charset="0"/>
-              </a:rPr>
-              <a:t>  7.0  8.0</a:t>
-            </a:r>
-            <a:endParaRPr lang="en-US" sz="1600" b="1" dirty="0">
-              <a:latin typeface="Courier New" panose="02070309020205020404" pitchFamily="49" charset="0"/>
-              <a:cs typeface="Courier New" panose="02070309020205020404" pitchFamily="49" charset="0"/>
-            </a:endParaRPr>
-          </a:p>
-          <a:p>
-            <a:pPr marL="342900" indent="-342900">
-              <a:buAutoNum type="arabicPlain"/>
-            </a:pPr>
-            <a:endParaRPr lang="en-US" sz="1600" b="1" dirty="0">
-              <a:latin typeface="Courier New" panose="02070309020205020404" pitchFamily="49" charset="0"/>
-              <a:cs typeface="Courier New" panose="02070309020205020404" pitchFamily="49" charset="0"/>
-            </a:endParaRPr>
-          </a:p>
-          <a:p>
-            <a:r>
-              <a:rPr lang="en-US" sz="1600" b="1" dirty="0">
-                <a:latin typeface="Courier New" panose="02070309020205020404" pitchFamily="49" charset="0"/>
-                <a:cs typeface="Courier New" panose="02070309020205020404" pitchFamily="49" charset="0"/>
-              </a:rPr>
-              <a:t>   one  two    a    b</a:t>
-            </a:r>
-            <a:endParaRPr lang="en-US" sz="1600" b="1" dirty="0">
-              <a:latin typeface="Courier New" panose="02070309020205020404" pitchFamily="49" charset="0"/>
-              <a:cs typeface="Courier New" panose="02070309020205020404" pitchFamily="49" charset="0"/>
-            </a:endParaRPr>
-          </a:p>
-          <a:p>
-            <a:r>
-              <a:rPr lang="en-US" sz="1600" b="1" dirty="0">
-                <a:latin typeface="Courier New" panose="02070309020205020404" pitchFamily="49" charset="0"/>
-                <a:cs typeface="Courier New" panose="02070309020205020404" pitchFamily="49" charset="0"/>
-              </a:rPr>
-              <a:t>a  1.0  1.0  </a:t>
-            </a:r>
-            <a:r>
-              <a:rPr lang="en-US" sz="1600" b="1" dirty="0" err="1">
-                <a:latin typeface="Courier New" panose="02070309020205020404" pitchFamily="49" charset="0"/>
-                <a:cs typeface="Courier New" panose="02070309020205020404" pitchFamily="49" charset="0"/>
-              </a:rPr>
-              <a:t>NaN</a:t>
-            </a:r>
-            <a:r>
-              <a:rPr lang="en-US" sz="1600" b="1" dirty="0">
-                <a:latin typeface="Courier New" panose="02070309020205020404" pitchFamily="49" charset="0"/>
-                <a:cs typeface="Courier New" panose="02070309020205020404" pitchFamily="49" charset="0"/>
-              </a:rPr>
-              <a:t>  </a:t>
-            </a:r>
-            <a:r>
-              <a:rPr lang="en-US" sz="1600" b="1" dirty="0" err="1">
-                <a:latin typeface="Courier New" panose="02070309020205020404" pitchFamily="49" charset="0"/>
-                <a:cs typeface="Courier New" panose="02070309020205020404" pitchFamily="49" charset="0"/>
-              </a:rPr>
-              <a:t>NaN</a:t>
-            </a:r>
-            <a:endParaRPr lang="en-US" sz="1600" b="1" dirty="0">
-              <a:latin typeface="Courier New" panose="02070309020205020404" pitchFamily="49" charset="0"/>
-              <a:cs typeface="Courier New" panose="02070309020205020404" pitchFamily="49" charset="0"/>
-            </a:endParaRPr>
-          </a:p>
-          <a:p>
-            <a:r>
-              <a:rPr lang="en-US" sz="1600" b="1" dirty="0">
-                <a:latin typeface="Courier New" panose="02070309020205020404" pitchFamily="49" charset="0"/>
-                <a:cs typeface="Courier New" panose="02070309020205020404" pitchFamily="49" charset="0"/>
-              </a:rPr>
-              <a:t>b  2.0  2.0  </a:t>
-            </a:r>
-            <a:r>
-              <a:rPr lang="en-US" sz="1600" b="1" dirty="0" err="1">
-                <a:latin typeface="Courier New" panose="02070309020205020404" pitchFamily="49" charset="0"/>
-                <a:cs typeface="Courier New" panose="02070309020205020404" pitchFamily="49" charset="0"/>
-              </a:rPr>
-              <a:t>NaN</a:t>
-            </a:r>
-            <a:r>
-              <a:rPr lang="en-US" sz="1600" b="1" dirty="0">
-                <a:latin typeface="Courier New" panose="02070309020205020404" pitchFamily="49" charset="0"/>
-                <a:cs typeface="Courier New" panose="02070309020205020404" pitchFamily="49" charset="0"/>
-              </a:rPr>
-              <a:t>  </a:t>
-            </a:r>
-            <a:r>
-              <a:rPr lang="en-US" sz="1600" b="1" dirty="0" err="1">
-                <a:latin typeface="Courier New" panose="02070309020205020404" pitchFamily="49" charset="0"/>
-                <a:cs typeface="Courier New" panose="02070309020205020404" pitchFamily="49" charset="0"/>
-              </a:rPr>
-              <a:t>NaN</a:t>
-            </a:r>
-            <a:endParaRPr lang="en-US" sz="1600" b="1" dirty="0">
-              <a:latin typeface="Courier New" panose="02070309020205020404" pitchFamily="49" charset="0"/>
-              <a:cs typeface="Courier New" panose="02070309020205020404" pitchFamily="49" charset="0"/>
-            </a:endParaRPr>
-          </a:p>
-          <a:p>
-            <a:r>
-              <a:rPr lang="en-US" sz="1600" b="1" dirty="0">
-                <a:latin typeface="Courier New" panose="02070309020205020404" pitchFamily="49" charset="0"/>
-                <a:cs typeface="Courier New" panose="02070309020205020404" pitchFamily="49" charset="0"/>
-              </a:rPr>
-              <a:t>c  3.0  3.0  </a:t>
-            </a:r>
-            <a:r>
-              <a:rPr lang="en-US" sz="1600" b="1" dirty="0" err="1">
-                <a:latin typeface="Courier New" panose="02070309020205020404" pitchFamily="49" charset="0"/>
-                <a:cs typeface="Courier New" panose="02070309020205020404" pitchFamily="49" charset="0"/>
-              </a:rPr>
-              <a:t>NaN</a:t>
-            </a:r>
-            <a:r>
-              <a:rPr lang="en-US" sz="1600" b="1" dirty="0">
-                <a:latin typeface="Courier New" panose="02070309020205020404" pitchFamily="49" charset="0"/>
-                <a:cs typeface="Courier New" panose="02070309020205020404" pitchFamily="49" charset="0"/>
-              </a:rPr>
-              <a:t>  </a:t>
-            </a:r>
-            <a:r>
-              <a:rPr lang="en-US" sz="1600" b="1" dirty="0" err="1">
-                <a:latin typeface="Courier New" panose="02070309020205020404" pitchFamily="49" charset="0"/>
-                <a:cs typeface="Courier New" panose="02070309020205020404" pitchFamily="49" charset="0"/>
-              </a:rPr>
-              <a:t>NaN</a:t>
-            </a:r>
-            <a:endParaRPr lang="en-US" sz="1600" b="1" dirty="0">
-              <a:latin typeface="Courier New" panose="02070309020205020404" pitchFamily="49" charset="0"/>
-              <a:cs typeface="Courier New" panose="02070309020205020404" pitchFamily="49" charset="0"/>
-            </a:endParaRPr>
-          </a:p>
-          <a:p>
-            <a:r>
-              <a:rPr lang="en-US" sz="1600" b="1" dirty="0">
-                <a:latin typeface="Courier New" panose="02070309020205020404" pitchFamily="49" charset="0"/>
-                <a:cs typeface="Courier New" panose="02070309020205020404" pitchFamily="49" charset="0"/>
-              </a:rPr>
-              <a:t>d  </a:t>
-            </a:r>
-            <a:r>
-              <a:rPr lang="en-US" sz="1600" b="1" dirty="0" err="1">
-                <a:latin typeface="Courier New" panose="02070309020205020404" pitchFamily="49" charset="0"/>
-                <a:cs typeface="Courier New" panose="02070309020205020404" pitchFamily="49" charset="0"/>
-              </a:rPr>
-              <a:t>NaN</a:t>
-            </a:r>
-            <a:r>
-              <a:rPr lang="en-US" sz="1600" b="1" dirty="0">
-                <a:latin typeface="Courier New" panose="02070309020205020404" pitchFamily="49" charset="0"/>
-                <a:cs typeface="Courier New" panose="02070309020205020404" pitchFamily="49" charset="0"/>
-              </a:rPr>
-              <a:t>  4.0  </a:t>
-            </a:r>
-            <a:r>
-              <a:rPr lang="en-US" sz="1600" b="1" dirty="0" err="1">
-                <a:latin typeface="Courier New" panose="02070309020205020404" pitchFamily="49" charset="0"/>
-                <a:cs typeface="Courier New" panose="02070309020205020404" pitchFamily="49" charset="0"/>
-              </a:rPr>
-              <a:t>NaN</a:t>
-            </a:r>
-            <a:r>
-              <a:rPr lang="en-US" sz="1600" b="1" dirty="0">
-                <a:latin typeface="Courier New" panose="02070309020205020404" pitchFamily="49" charset="0"/>
-                <a:cs typeface="Courier New" panose="02070309020205020404" pitchFamily="49" charset="0"/>
-              </a:rPr>
-              <a:t>  </a:t>
-            </a:r>
-            <a:r>
-              <a:rPr lang="en-US" sz="1600" b="1" dirty="0" err="1">
-                <a:latin typeface="Courier New" panose="02070309020205020404" pitchFamily="49" charset="0"/>
-                <a:cs typeface="Courier New" panose="02070309020205020404" pitchFamily="49" charset="0"/>
-              </a:rPr>
-              <a:t>NaN</a:t>
-            </a:r>
-            <a:endParaRPr lang="en-US" sz="1600" b="1" dirty="0">
-              <a:latin typeface="Courier New" panose="02070309020205020404" pitchFamily="49" charset="0"/>
-              <a:cs typeface="Courier New" panose="02070309020205020404" pitchFamily="49" charset="0"/>
-            </a:endParaRPr>
-          </a:p>
-          <a:p>
-            <a:r>
-              <a:rPr lang="en-US" sz="1600" b="1" dirty="0">
-                <a:latin typeface="Courier New" panose="02070309020205020404" pitchFamily="49" charset="0"/>
-                <a:cs typeface="Courier New" panose="02070309020205020404" pitchFamily="49" charset="0"/>
-              </a:rPr>
-              <a:t>1  </a:t>
-            </a:r>
-            <a:r>
-              <a:rPr lang="en-US" sz="1600" b="1" dirty="0" err="1">
-                <a:latin typeface="Courier New" panose="02070309020205020404" pitchFamily="49" charset="0"/>
-                <a:cs typeface="Courier New" panose="02070309020205020404" pitchFamily="49" charset="0"/>
-              </a:rPr>
-              <a:t>NaN</a:t>
-            </a:r>
-            <a:r>
-              <a:rPr lang="en-US" sz="1600" b="1" dirty="0">
-                <a:latin typeface="Courier New" panose="02070309020205020404" pitchFamily="49" charset="0"/>
-                <a:cs typeface="Courier New" panose="02070309020205020404" pitchFamily="49" charset="0"/>
-              </a:rPr>
-              <a:t>  </a:t>
-            </a:r>
-            <a:r>
-              <a:rPr lang="en-US" sz="1600" b="1" dirty="0" err="1">
-                <a:latin typeface="Courier New" panose="02070309020205020404" pitchFamily="49" charset="0"/>
-                <a:cs typeface="Courier New" panose="02070309020205020404" pitchFamily="49" charset="0"/>
-              </a:rPr>
-              <a:t>NaN</a:t>
-            </a:r>
-            <a:r>
-              <a:rPr lang="en-US" sz="1600" b="1" dirty="0">
-                <a:latin typeface="Courier New" panose="02070309020205020404" pitchFamily="49" charset="0"/>
-                <a:cs typeface="Courier New" panose="02070309020205020404" pitchFamily="49" charset="0"/>
-              </a:rPr>
-              <a:t>  7.0  8.0</a:t>
-            </a:r>
-            <a:endParaRPr lang="en-US" sz="1600" b="1" dirty="0">
-              <a:latin typeface="Courier New" panose="02070309020205020404" pitchFamily="49" charset="0"/>
-              <a:cs typeface="Courier New" panose="02070309020205020404" pitchFamily="49" charset="0"/>
-            </a:endParaRPr>
-          </a:p>
-        </p:txBody>
-      </p:sp>
-    </p:spTree>
-  </p:cSld>
-  <p:clrMapOvr>
-    <a:masterClrMapping/>
-  </p:clrMapOvr>
-</p:sld>
-</file>
-
-<file path=ppt/slides/slide34.xml><?xml version="1.0" encoding="utf-8"?>
-<p:sld xmlns:a="http://schemas.openxmlformats.org/drawingml/2006/main" xmlns:r="http://schemas.openxmlformats.org/officeDocument/2006/relationships" xmlns:p="http://schemas.openxmlformats.org/presentationml/2006/main">
-  <p:cSld>
-    <p:spTree>
-      <p:nvGrpSpPr>
-        <p:cNvPr id="1" name=""/>
-        <p:cNvGrpSpPr/>
-        <p:nvPr/>
-      </p:nvGrpSpPr>
-      <p:grpSpPr>
-        <a:xfrm>
-          <a:off x="0" y="0"/>
-          <a:ext cx="0" cy="0"/>
-          <a:chOff x="0" y="0"/>
-          <a:chExt cx="0" cy="0"/>
-        </a:xfrm>
-      </p:grpSpPr>
-      <p:sp>
-        <p:nvSpPr>
-          <p:cNvPr id="2" name="Title 1"/>
-          <p:cNvSpPr>
-            <a:spLocks noGrp="1"/>
-          </p:cNvSpPr>
-          <p:nvPr>
-            <p:ph type="title"/>
-          </p:nvPr>
-        </p:nvSpPr>
-        <p:spPr>
-          <a:xfrm>
-            <a:off x="261257" y="221434"/>
-            <a:ext cx="10515600" cy="1325563"/>
-          </a:xfrm>
-        </p:spPr>
-        <p:txBody>
-          <a:bodyPr/>
-          <a:lstStyle/>
-          <a:p>
-            <a:pPr algn="ctr"/>
-            <a:r>
-              <a:rPr lang="en-US" b="1" dirty="0"/>
-              <a:t>More Examples: </a:t>
-            </a:r>
-            <a:r>
-              <a:rPr lang="en-US" b="1" dirty="0" err="1">
-                <a:solidFill>
-                  <a:srgbClr val="FF0000"/>
-                </a:solidFill>
-              </a:rPr>
-              <a:t>Reindexing</a:t>
-            </a:r>
-            <a:endParaRPr lang="en-US" b="1" dirty="0">
-              <a:solidFill>
-                <a:srgbClr val="FF0000"/>
-              </a:solidFill>
-            </a:endParaRPr>
-          </a:p>
-        </p:txBody>
-      </p:sp>
-      <p:sp>
-        <p:nvSpPr>
-          <p:cNvPr id="4" name="Rectangle 3"/>
-          <p:cNvSpPr/>
-          <p:nvPr/>
-        </p:nvSpPr>
-        <p:spPr>
-          <a:xfrm>
-            <a:off x="261258" y="1526451"/>
-            <a:ext cx="7276011" cy="5016758"/>
-          </a:xfrm>
-          <a:prstGeom prst="rect">
-            <a:avLst/>
-          </a:prstGeom>
-          <a:solidFill>
-            <a:schemeClr val="accent4">
-              <a:lumMod val="20000"/>
-              <a:lumOff val="80000"/>
-            </a:schemeClr>
-          </a:solidFill>
-          <a:ln>
-            <a:solidFill>
-              <a:schemeClr val="accent1"/>
-            </a:solidFill>
-          </a:ln>
-        </p:spPr>
-        <p:txBody>
-          <a:bodyPr wrap="square">
-            <a:spAutoFit/>
-          </a:bodyPr>
-          <a:lstStyle/>
-          <a:p>
-            <a:r>
-              <a:rPr lang="pt-BR" sz="1600" b="1" dirty="0">
-                <a:solidFill>
-                  <a:srgbClr val="FF9900"/>
-                </a:solidFill>
-                <a:latin typeface="Courier New" panose="02070309020205020404" pitchFamily="49" charset="0"/>
-                <a:cs typeface="Courier New" panose="02070309020205020404" pitchFamily="49" charset="0"/>
-              </a:rPr>
-              <a:t>import</a:t>
-            </a:r>
-            <a:r>
-              <a:rPr lang="pt-BR" sz="1600" b="1" dirty="0">
-                <a:latin typeface="Courier New" panose="02070309020205020404" pitchFamily="49" charset="0"/>
-                <a:cs typeface="Courier New" panose="02070309020205020404" pitchFamily="49" charset="0"/>
-              </a:rPr>
-              <a:t> pandas </a:t>
-            </a:r>
-            <a:r>
-              <a:rPr lang="pt-BR" sz="1600" b="1" dirty="0">
-                <a:solidFill>
-                  <a:srgbClr val="FF9900"/>
-                </a:solidFill>
-                <a:latin typeface="Courier New" panose="02070309020205020404" pitchFamily="49" charset="0"/>
-                <a:cs typeface="Courier New" panose="02070309020205020404" pitchFamily="49" charset="0"/>
-              </a:rPr>
-              <a:t>as</a:t>
-            </a:r>
-            <a:r>
-              <a:rPr lang="pt-BR" sz="1600" b="1" dirty="0">
-                <a:latin typeface="Courier New" panose="02070309020205020404" pitchFamily="49" charset="0"/>
-                <a:cs typeface="Courier New" panose="02070309020205020404" pitchFamily="49" charset="0"/>
-              </a:rPr>
-              <a:t> pd</a:t>
-            </a:r>
-            <a:endParaRPr lang="pt-BR" sz="1600" b="1" dirty="0">
-              <a:latin typeface="Courier New" panose="02070309020205020404" pitchFamily="49" charset="0"/>
-              <a:cs typeface="Courier New" panose="02070309020205020404" pitchFamily="49" charset="0"/>
-            </a:endParaRPr>
-          </a:p>
-          <a:p>
-            <a:r>
-              <a:rPr lang="pt-BR" sz="1600" b="1" dirty="0">
-                <a:solidFill>
-                  <a:srgbClr val="00B050"/>
-                </a:solidFill>
-                <a:latin typeface="Courier New" panose="02070309020205020404" pitchFamily="49" charset="0"/>
-                <a:cs typeface="Courier New" panose="02070309020205020404" pitchFamily="49" charset="0"/>
-              </a:rPr>
-              <a:t># Creating the first dataframe</a:t>
-            </a:r>
-            <a:endParaRPr lang="pt-BR" sz="1600" b="1" dirty="0">
-              <a:solidFill>
-                <a:srgbClr val="00B050"/>
-              </a:solidFill>
-              <a:latin typeface="Courier New" panose="02070309020205020404" pitchFamily="49" charset="0"/>
-              <a:cs typeface="Courier New" panose="02070309020205020404" pitchFamily="49" charset="0"/>
-            </a:endParaRPr>
-          </a:p>
-          <a:p>
-            <a:r>
-              <a:rPr lang="pt-BR" sz="1600" b="1" dirty="0">
-                <a:latin typeface="Courier New" panose="02070309020205020404" pitchFamily="49" charset="0"/>
-                <a:cs typeface="Courier New" panose="02070309020205020404" pitchFamily="49" charset="0"/>
-              </a:rPr>
-              <a:t>df1 = pd.DataFrame({"A":[1, 5, 3, 4, 2],</a:t>
-            </a:r>
-            <a:endParaRPr lang="pt-BR" sz="1600" b="1" dirty="0">
-              <a:latin typeface="Courier New" panose="02070309020205020404" pitchFamily="49" charset="0"/>
-              <a:cs typeface="Courier New" panose="02070309020205020404" pitchFamily="49" charset="0"/>
-            </a:endParaRPr>
-          </a:p>
-          <a:p>
-            <a:r>
-              <a:rPr lang="pt-BR" sz="1600" b="1" dirty="0">
-                <a:latin typeface="Courier New" panose="02070309020205020404" pitchFamily="49" charset="0"/>
-                <a:cs typeface="Courier New" panose="02070309020205020404" pitchFamily="49" charset="0"/>
-              </a:rPr>
-              <a:t>		     "B":[3, 2, 4, 3, 4],</a:t>
-            </a:r>
-            <a:endParaRPr lang="pt-BR" sz="1600" b="1" dirty="0">
-              <a:latin typeface="Courier New" panose="02070309020205020404" pitchFamily="49" charset="0"/>
-              <a:cs typeface="Courier New" panose="02070309020205020404" pitchFamily="49" charset="0"/>
-            </a:endParaRPr>
-          </a:p>
-          <a:p>
-            <a:r>
-              <a:rPr lang="pt-BR" sz="1600" b="1" dirty="0">
-                <a:latin typeface="Courier New" panose="02070309020205020404" pitchFamily="49" charset="0"/>
-                <a:cs typeface="Courier New" panose="02070309020205020404" pitchFamily="49" charset="0"/>
-              </a:rPr>
-              <a:t>		     "C":[2, 2, 7, 3, 4],</a:t>
-            </a:r>
-            <a:endParaRPr lang="pt-BR" sz="1600" b="1" dirty="0">
-              <a:latin typeface="Courier New" panose="02070309020205020404" pitchFamily="49" charset="0"/>
-              <a:cs typeface="Courier New" panose="02070309020205020404" pitchFamily="49" charset="0"/>
-            </a:endParaRPr>
-          </a:p>
-          <a:p>
-            <a:r>
-              <a:rPr lang="pt-BR" sz="1600" b="1" dirty="0">
-                <a:latin typeface="Courier New" panose="02070309020205020404" pitchFamily="49" charset="0"/>
-                <a:cs typeface="Courier New" panose="02070309020205020404" pitchFamily="49" charset="0"/>
-              </a:rPr>
-              <a:t>		     "D":[4, 3, 6, 12, 7]},</a:t>
-            </a:r>
-            <a:endParaRPr lang="pt-BR" sz="1600" b="1" dirty="0">
-              <a:latin typeface="Courier New" panose="02070309020205020404" pitchFamily="49" charset="0"/>
-              <a:cs typeface="Courier New" panose="02070309020205020404" pitchFamily="49" charset="0"/>
-            </a:endParaRPr>
-          </a:p>
-          <a:p>
-            <a:r>
-              <a:rPr lang="pt-BR" sz="1600" b="1" dirty="0">
-                <a:latin typeface="Courier New" panose="02070309020205020404" pitchFamily="49" charset="0"/>
-                <a:cs typeface="Courier New" panose="02070309020205020404" pitchFamily="49" charset="0"/>
-              </a:rPr>
-              <a:t>		     index =["A1", "A2", "A3", "A4", "A5"])</a:t>
-            </a:r>
-            <a:endParaRPr lang="pt-BR" sz="1600" b="1" dirty="0">
-              <a:latin typeface="Courier New" panose="02070309020205020404" pitchFamily="49" charset="0"/>
-              <a:cs typeface="Courier New" panose="02070309020205020404" pitchFamily="49" charset="0"/>
-            </a:endParaRPr>
-          </a:p>
-          <a:p>
-            <a:endParaRPr lang="pt-BR" sz="1600" b="1" dirty="0">
-              <a:latin typeface="Courier New" panose="02070309020205020404" pitchFamily="49" charset="0"/>
-              <a:cs typeface="Courier New" panose="02070309020205020404" pitchFamily="49" charset="0"/>
-            </a:endParaRPr>
-          </a:p>
-          <a:p>
-            <a:r>
-              <a:rPr lang="pt-BR" sz="1600" b="1" dirty="0">
-                <a:solidFill>
-                  <a:srgbClr val="00B050"/>
-                </a:solidFill>
-                <a:latin typeface="Courier New" panose="02070309020205020404" pitchFamily="49" charset="0"/>
-                <a:cs typeface="Courier New" panose="02070309020205020404" pitchFamily="49" charset="0"/>
-              </a:rPr>
-              <a:t># Creating the second dataframe</a:t>
-            </a:r>
-            <a:endParaRPr lang="pt-BR" sz="1600" b="1" dirty="0">
-              <a:solidFill>
-                <a:srgbClr val="00B050"/>
-              </a:solidFill>
-              <a:latin typeface="Courier New" panose="02070309020205020404" pitchFamily="49" charset="0"/>
-              <a:cs typeface="Courier New" panose="02070309020205020404" pitchFamily="49" charset="0"/>
-            </a:endParaRPr>
-          </a:p>
-          <a:p>
-            <a:r>
-              <a:rPr lang="pt-BR" sz="1600" b="1" dirty="0">
-                <a:latin typeface="Courier New" panose="02070309020205020404" pitchFamily="49" charset="0"/>
-                <a:cs typeface="Courier New" panose="02070309020205020404" pitchFamily="49" charset="0"/>
-              </a:rPr>
-              <a:t>df2 = pd.DataFrame({"A":[10, 11, 7, 8, 5],</a:t>
-            </a:r>
-            <a:endParaRPr lang="pt-BR" sz="1600" b="1" dirty="0">
-              <a:latin typeface="Courier New" panose="02070309020205020404" pitchFamily="49" charset="0"/>
-              <a:cs typeface="Courier New" panose="02070309020205020404" pitchFamily="49" charset="0"/>
-            </a:endParaRPr>
-          </a:p>
-          <a:p>
-            <a:r>
-              <a:rPr lang="pt-BR" sz="1600" b="1" dirty="0">
-                <a:latin typeface="Courier New" panose="02070309020205020404" pitchFamily="49" charset="0"/>
-                <a:cs typeface="Courier New" panose="02070309020205020404" pitchFamily="49" charset="0"/>
-              </a:rPr>
-              <a:t>		     "B":[21, 5, 32, 4, 6],</a:t>
-            </a:r>
-            <a:endParaRPr lang="pt-BR" sz="1600" b="1" dirty="0">
-              <a:latin typeface="Courier New" panose="02070309020205020404" pitchFamily="49" charset="0"/>
-              <a:cs typeface="Courier New" panose="02070309020205020404" pitchFamily="49" charset="0"/>
-            </a:endParaRPr>
-          </a:p>
-          <a:p>
-            <a:r>
-              <a:rPr lang="pt-BR" sz="1600" b="1" dirty="0">
-                <a:latin typeface="Courier New" panose="02070309020205020404" pitchFamily="49" charset="0"/>
-                <a:cs typeface="Courier New" panose="02070309020205020404" pitchFamily="49" charset="0"/>
-              </a:rPr>
-              <a:t>		     "C":[11, 21, 23, 7, 9],</a:t>
-            </a:r>
-            <a:endParaRPr lang="pt-BR" sz="1600" b="1" dirty="0">
-              <a:latin typeface="Courier New" panose="02070309020205020404" pitchFamily="49" charset="0"/>
-              <a:cs typeface="Courier New" panose="02070309020205020404" pitchFamily="49" charset="0"/>
-            </a:endParaRPr>
-          </a:p>
-          <a:p>
-            <a:r>
-              <a:rPr lang="pt-BR" sz="1600" b="1" dirty="0">
-                <a:latin typeface="Courier New" panose="02070309020205020404" pitchFamily="49" charset="0"/>
-                <a:cs typeface="Courier New" panose="02070309020205020404" pitchFamily="49" charset="0"/>
-              </a:rPr>
-              <a:t>		     "D":[1, 5, 3, 8, 6]},</a:t>
-            </a:r>
-            <a:endParaRPr lang="pt-BR" sz="1600" b="1" dirty="0">
-              <a:latin typeface="Courier New" panose="02070309020205020404" pitchFamily="49" charset="0"/>
-              <a:cs typeface="Courier New" panose="02070309020205020404" pitchFamily="49" charset="0"/>
-            </a:endParaRPr>
-          </a:p>
-          <a:p>
-            <a:r>
-              <a:rPr lang="pt-BR" sz="1600" b="1" dirty="0">
-                <a:latin typeface="Courier New" panose="02070309020205020404" pitchFamily="49" charset="0"/>
-                <a:cs typeface="Courier New" panose="02070309020205020404" pitchFamily="49" charset="0"/>
-              </a:rPr>
-              <a:t>		     index =["A1", "A3", "A4", "A7", "A8"])</a:t>
-            </a:r>
-            <a:endParaRPr lang="pt-BR" sz="1600" b="1" dirty="0">
-              <a:latin typeface="Courier New" panose="02070309020205020404" pitchFamily="49" charset="0"/>
-              <a:cs typeface="Courier New" panose="02070309020205020404" pitchFamily="49" charset="0"/>
-            </a:endParaRPr>
-          </a:p>
-          <a:p>
-            <a:endParaRPr lang="pt-BR" sz="1600" b="1" dirty="0">
-              <a:latin typeface="Courier New" panose="02070309020205020404" pitchFamily="49" charset="0"/>
-              <a:cs typeface="Courier New" panose="02070309020205020404" pitchFamily="49" charset="0"/>
-            </a:endParaRPr>
-          </a:p>
-          <a:p>
-            <a:r>
-              <a:rPr lang="pt-BR" sz="1600" b="1" dirty="0">
-                <a:solidFill>
-                  <a:srgbClr val="00B050"/>
-                </a:solidFill>
-                <a:latin typeface="Courier New" panose="02070309020205020404" pitchFamily="49" charset="0"/>
-                <a:cs typeface="Courier New" panose="02070309020205020404" pitchFamily="49" charset="0"/>
-              </a:rPr>
-              <a:t># Print the first dataframe</a:t>
-            </a:r>
-            <a:endParaRPr lang="pt-BR" sz="1600" b="1" dirty="0">
-              <a:solidFill>
-                <a:srgbClr val="00B050"/>
-              </a:solidFill>
-              <a:latin typeface="Courier New" panose="02070309020205020404" pitchFamily="49" charset="0"/>
-              <a:cs typeface="Courier New" panose="02070309020205020404" pitchFamily="49" charset="0"/>
-            </a:endParaRPr>
-          </a:p>
-          <a:p>
-            <a:r>
-              <a:rPr lang="pt-BR" sz="1600" b="1" dirty="0">
-                <a:latin typeface="Courier New" panose="02070309020205020404" pitchFamily="49" charset="0"/>
-                <a:cs typeface="Courier New" panose="02070309020205020404" pitchFamily="49" charset="0"/>
-              </a:rPr>
-              <a:t>print(df1)</a:t>
-            </a:r>
-            <a:endParaRPr lang="pt-BR" sz="1600" b="1" dirty="0">
-              <a:latin typeface="Courier New" panose="02070309020205020404" pitchFamily="49" charset="0"/>
-              <a:cs typeface="Courier New" panose="02070309020205020404" pitchFamily="49" charset="0"/>
-            </a:endParaRPr>
-          </a:p>
-          <a:p>
-            <a:r>
-              <a:rPr lang="pt-BR" sz="1600" b="1" dirty="0">
-                <a:latin typeface="Courier New" panose="02070309020205020404" pitchFamily="49" charset="0"/>
-                <a:cs typeface="Courier New" panose="02070309020205020404" pitchFamily="49" charset="0"/>
-              </a:rPr>
-              <a:t>print(df2)</a:t>
-            </a:r>
-            <a:endParaRPr lang="pt-BR" sz="1600" b="1" dirty="0">
-              <a:latin typeface="Courier New" panose="02070309020205020404" pitchFamily="49" charset="0"/>
-              <a:cs typeface="Courier New" panose="02070309020205020404" pitchFamily="49" charset="0"/>
-            </a:endParaRPr>
-          </a:p>
-          <a:p>
-            <a:r>
-              <a:rPr lang="pt-BR" sz="1600" b="1" dirty="0">
-                <a:solidFill>
-                  <a:srgbClr val="00B050"/>
-                </a:solidFill>
-                <a:latin typeface="Courier New" panose="02070309020205020404" pitchFamily="49" charset="0"/>
-                <a:cs typeface="Courier New" panose="02070309020205020404" pitchFamily="49" charset="0"/>
-              </a:rPr>
-              <a:t># find matching indexes</a:t>
-            </a:r>
-            <a:endParaRPr lang="pt-BR" sz="1600" b="1" dirty="0">
-              <a:solidFill>
-                <a:srgbClr val="00B050"/>
-              </a:solidFill>
-              <a:latin typeface="Courier New" panose="02070309020205020404" pitchFamily="49" charset="0"/>
-              <a:cs typeface="Courier New" panose="02070309020205020404" pitchFamily="49" charset="0"/>
-            </a:endParaRPr>
-          </a:p>
-          <a:p>
-            <a:r>
-              <a:rPr lang="pt-BR" sz="1600" b="1" dirty="0">
-                <a:latin typeface="Courier New" panose="02070309020205020404" pitchFamily="49" charset="0"/>
-                <a:cs typeface="Courier New" panose="02070309020205020404" pitchFamily="49" charset="0"/>
-              </a:rPr>
-              <a:t>df1.reindex_like(df2)</a:t>
-            </a:r>
-            <a:endParaRPr lang="pt-BR" sz="1600" b="1" dirty="0">
-              <a:latin typeface="Courier New" panose="02070309020205020404" pitchFamily="49" charset="0"/>
-              <a:cs typeface="Courier New" panose="02070309020205020404" pitchFamily="49" charset="0"/>
-            </a:endParaRPr>
-          </a:p>
-        </p:txBody>
-      </p:sp>
-      <p:sp>
-        <p:nvSpPr>
-          <p:cNvPr id="3" name="Rectangle 2"/>
-          <p:cNvSpPr/>
-          <p:nvPr/>
-        </p:nvSpPr>
-        <p:spPr>
-          <a:xfrm>
-            <a:off x="7776483" y="1058091"/>
-            <a:ext cx="4303430" cy="1938992"/>
-          </a:xfrm>
-          <a:prstGeom prst="rect">
-            <a:avLst/>
-          </a:prstGeom>
-        </p:spPr>
-        <p:txBody>
-          <a:bodyPr wrap="square">
-            <a:spAutoFit/>
-          </a:bodyPr>
-          <a:lstStyle/>
-          <a:p>
-            <a:pPr marL="342900" indent="-342900">
-              <a:buFont typeface="Arial" panose="020B0604020202020204" pitchFamily="34" charset="0"/>
-              <a:buChar char="•"/>
-            </a:pPr>
-            <a:r>
-              <a:rPr lang="en-US" sz="2000" dirty="0"/>
-              <a:t>Pandas </a:t>
-            </a:r>
-            <a:r>
-              <a:rPr lang="en-US" sz="2000" b="1" dirty="0" err="1">
-                <a:latin typeface="Courier New" panose="02070309020205020404" pitchFamily="49" charset="0"/>
-                <a:cs typeface="Courier New" panose="02070309020205020404" pitchFamily="49" charset="0"/>
-              </a:rPr>
-              <a:t>dataframe.reindex_like</a:t>
-            </a:r>
-            <a:r>
-              <a:rPr lang="en-US" sz="2000" b="1" dirty="0">
-                <a:latin typeface="Courier New" panose="02070309020205020404" pitchFamily="49" charset="0"/>
-                <a:cs typeface="Courier New" panose="02070309020205020404" pitchFamily="49" charset="0"/>
-              </a:rPr>
-              <a:t>() </a:t>
-            </a:r>
-            <a:r>
-              <a:rPr lang="en-US" sz="2000" dirty="0"/>
-              <a:t>function return an object with matching indices to myself.</a:t>
-            </a:r>
-            <a:endParaRPr lang="en-US" sz="2000" dirty="0"/>
-          </a:p>
-          <a:p>
-            <a:pPr marL="342900" indent="-342900">
-              <a:buFont typeface="Arial" panose="020B0604020202020204" pitchFamily="34" charset="0"/>
-              <a:buChar char="•"/>
-            </a:pPr>
-            <a:r>
-              <a:rPr lang="en-US" sz="2000" dirty="0"/>
-              <a:t>Any non-matching indexes are filled with </a:t>
-            </a:r>
-            <a:r>
-              <a:rPr lang="en-US" sz="2000" dirty="0" err="1"/>
-              <a:t>NaN</a:t>
-            </a:r>
-            <a:r>
-              <a:rPr lang="en-US" sz="2000" dirty="0"/>
-              <a:t> values.</a:t>
-            </a:r>
-            <a:endParaRPr lang="en-US" sz="2000" dirty="0"/>
-          </a:p>
-        </p:txBody>
-      </p:sp>
-      <p:pic>
-        <p:nvPicPr>
-          <p:cNvPr id="5" name="Picture 4"/>
-          <p:cNvPicPr>
-            <a:picLocks noChangeAspect="1"/>
-          </p:cNvPicPr>
-          <p:nvPr/>
-        </p:nvPicPr>
-        <p:blipFill>
-          <a:blip r:embed="rId1"/>
-          <a:stretch>
-            <a:fillRect/>
-          </a:stretch>
-        </p:blipFill>
-        <p:spPr>
-          <a:xfrm>
-            <a:off x="7776482" y="2948506"/>
-            <a:ext cx="4064217" cy="2851403"/>
-          </a:xfrm>
-          <a:prstGeom prst="rect">
-            <a:avLst/>
-          </a:prstGeom>
-        </p:spPr>
-      </p:pic>
-    </p:spTree>
-  </p:cSld>
-  <p:clrMapOvr>
-    <a:masterClrMapping/>
-  </p:clrMapOvr>
-</p:sld>
-</file>
-
-<file path=ppt/slides/slide35.xml><?xml version="1.0" encoding="utf-8"?>
-<p:sld xmlns:a="http://schemas.openxmlformats.org/drawingml/2006/main" xmlns:r="http://schemas.openxmlformats.org/officeDocument/2006/relationships" xmlns:p="http://schemas.openxmlformats.org/presentationml/2006/main">
-  <p:cSld>
-    <p:spTree>
-      <p:nvGrpSpPr>
-        <p:cNvPr id="1" name=""/>
-        <p:cNvGrpSpPr/>
-        <p:nvPr/>
-      </p:nvGrpSpPr>
-      <p:grpSpPr>
-        <a:xfrm>
-          <a:off x="0" y="0"/>
-          <a:ext cx="0" cy="0"/>
-          <a:chOff x="0" y="0"/>
-          <a:chExt cx="0" cy="0"/>
-        </a:xfrm>
-      </p:grpSpPr>
-      <p:sp>
-        <p:nvSpPr>
-          <p:cNvPr id="2" name="Title 1"/>
-          <p:cNvSpPr>
-            <a:spLocks noGrp="1"/>
-          </p:cNvSpPr>
-          <p:nvPr>
-            <p:ph type="title"/>
-          </p:nvPr>
-        </p:nvSpPr>
-        <p:spPr/>
-        <p:txBody>
-          <a:bodyPr>
-            <a:normAutofit fontScale="90000"/>
-          </a:bodyPr>
-          <a:lstStyle/>
-          <a:p>
-            <a:pPr algn="ctr"/>
-            <a:r>
-              <a:rPr lang="en-US" b="1" dirty="0"/>
-              <a:t>More Examples:</a:t>
-            </a:r>
-            <a:br>
-              <a:rPr lang="en-US" b="1" dirty="0"/>
-            </a:br>
-            <a:r>
-              <a:rPr lang="en-US" b="1" dirty="0">
-                <a:solidFill>
-                  <a:srgbClr val="FF0000"/>
-                </a:solidFill>
-              </a:rPr>
-              <a:t>Concatenating</a:t>
-            </a:r>
-            <a:r>
-              <a:rPr lang="en-US" b="1" dirty="0"/>
-              <a:t> Objects (Data Frames)</a:t>
-            </a:r>
-            <a:endParaRPr lang="en-US" b="1" dirty="0"/>
-          </a:p>
-        </p:txBody>
-      </p:sp>
-      <p:sp>
-        <p:nvSpPr>
-          <p:cNvPr id="4" name="Rectangle 3"/>
-          <p:cNvSpPr/>
-          <p:nvPr/>
-        </p:nvSpPr>
-        <p:spPr>
-          <a:xfrm>
-            <a:off x="606334" y="2371638"/>
-            <a:ext cx="10979331" cy="1477328"/>
-          </a:xfrm>
-          <a:prstGeom prst="rect">
-            <a:avLst/>
-          </a:prstGeom>
-          <a:solidFill>
-            <a:schemeClr val="accent4">
-              <a:lumMod val="20000"/>
-              <a:lumOff val="80000"/>
-            </a:schemeClr>
-          </a:solidFill>
-          <a:ln>
-            <a:solidFill>
-              <a:schemeClr val="accent1"/>
-            </a:solidFill>
-          </a:ln>
-        </p:spPr>
-        <p:txBody>
-          <a:bodyPr wrap="square">
-            <a:spAutoFit/>
-          </a:bodyPr>
-          <a:lstStyle/>
-          <a:p>
-            <a:r>
-              <a:rPr lang="pt-BR" b="1" dirty="0">
-                <a:solidFill>
-                  <a:srgbClr val="FF9900"/>
-                </a:solidFill>
-                <a:latin typeface="Courier New" panose="02070309020205020404" pitchFamily="49" charset="0"/>
-                <a:cs typeface="Courier New" panose="02070309020205020404" pitchFamily="49" charset="0"/>
-              </a:rPr>
-              <a:t>import</a:t>
-            </a:r>
-            <a:r>
-              <a:rPr lang="pt-BR" b="1" dirty="0">
-                <a:latin typeface="Courier New" panose="02070309020205020404" pitchFamily="49" charset="0"/>
-                <a:cs typeface="Courier New" panose="02070309020205020404" pitchFamily="49" charset="0"/>
-              </a:rPr>
-              <a:t> pandas </a:t>
-            </a:r>
-            <a:r>
-              <a:rPr lang="pt-BR" b="1" dirty="0">
-                <a:solidFill>
-                  <a:srgbClr val="FF9900"/>
-                </a:solidFill>
-                <a:latin typeface="Courier New" panose="02070309020205020404" pitchFamily="49" charset="0"/>
-                <a:cs typeface="Courier New" panose="02070309020205020404" pitchFamily="49" charset="0"/>
-              </a:rPr>
-              <a:t>as</a:t>
-            </a:r>
-            <a:r>
-              <a:rPr lang="pt-BR" b="1" dirty="0">
-                <a:latin typeface="Courier New" panose="02070309020205020404" pitchFamily="49" charset="0"/>
-                <a:cs typeface="Courier New" panose="02070309020205020404" pitchFamily="49" charset="0"/>
-              </a:rPr>
-              <a:t> pd</a:t>
-            </a:r>
-            <a:endParaRPr lang="pt-BR" b="1" dirty="0">
-              <a:latin typeface="Courier New" panose="02070309020205020404" pitchFamily="49" charset="0"/>
-              <a:cs typeface="Courier New" panose="02070309020205020404" pitchFamily="49" charset="0"/>
-            </a:endParaRPr>
-          </a:p>
-          <a:p>
-            <a:r>
-              <a:rPr lang="pt-BR" b="1" dirty="0">
-                <a:latin typeface="Courier New" panose="02070309020205020404" pitchFamily="49" charset="0"/>
-                <a:cs typeface="Courier New" panose="02070309020205020404" pitchFamily="49" charset="0"/>
-              </a:rPr>
-              <a:t>df1 = pd.DataFrame({</a:t>
-            </a:r>
-            <a:r>
-              <a:rPr lang="pt-BR" b="1" dirty="0">
-                <a:solidFill>
-                  <a:srgbClr val="718C00"/>
-                </a:solidFill>
-                <a:latin typeface="Courier New" panose="02070309020205020404" pitchFamily="49" charset="0"/>
-                <a:cs typeface="Courier New" panose="02070309020205020404" pitchFamily="49" charset="0"/>
-              </a:rPr>
-              <a:t>'Name'</a:t>
-            </a:r>
-            <a:r>
-              <a:rPr lang="pt-BR" b="1" dirty="0">
-                <a:latin typeface="Courier New" panose="02070309020205020404" pitchFamily="49" charset="0"/>
-                <a:cs typeface="Courier New" panose="02070309020205020404" pitchFamily="49" charset="0"/>
-              </a:rPr>
-              <a:t>:[</a:t>
-            </a:r>
-            <a:r>
-              <a:rPr lang="pt-BR" b="1" dirty="0">
-                <a:solidFill>
-                  <a:srgbClr val="718C00"/>
-                </a:solidFill>
-                <a:latin typeface="Courier New" panose="02070309020205020404" pitchFamily="49" charset="0"/>
-                <a:cs typeface="Courier New" panose="02070309020205020404" pitchFamily="49" charset="0"/>
-              </a:rPr>
-              <a:t>'A'</a:t>
-            </a:r>
-            <a:r>
-              <a:rPr lang="pt-BR" b="1" dirty="0">
-                <a:latin typeface="Courier New" panose="02070309020205020404" pitchFamily="49" charset="0"/>
-                <a:cs typeface="Courier New" panose="02070309020205020404" pitchFamily="49" charset="0"/>
-              </a:rPr>
-              <a:t>,</a:t>
-            </a:r>
-            <a:r>
-              <a:rPr lang="pt-BR" b="1" dirty="0">
-                <a:solidFill>
-                  <a:srgbClr val="718C00"/>
-                </a:solidFill>
-                <a:latin typeface="Courier New" panose="02070309020205020404" pitchFamily="49" charset="0"/>
-                <a:cs typeface="Courier New" panose="02070309020205020404" pitchFamily="49" charset="0"/>
-              </a:rPr>
-              <a:t>'B'</a:t>
-            </a:r>
-            <a:r>
-              <a:rPr lang="pt-BR" b="1" dirty="0">
-                <a:latin typeface="Courier New" panose="02070309020205020404" pitchFamily="49" charset="0"/>
-                <a:cs typeface="Courier New" panose="02070309020205020404" pitchFamily="49" charset="0"/>
-              </a:rPr>
-              <a:t>], </a:t>
-            </a:r>
-            <a:r>
-              <a:rPr lang="pt-BR" b="1" dirty="0">
-                <a:solidFill>
-                  <a:srgbClr val="718C00"/>
-                </a:solidFill>
-                <a:latin typeface="Courier New" panose="02070309020205020404" pitchFamily="49" charset="0"/>
-                <a:cs typeface="Courier New" panose="02070309020205020404" pitchFamily="49" charset="0"/>
-              </a:rPr>
-              <a:t>'SSN'</a:t>
-            </a:r>
-            <a:r>
-              <a:rPr lang="pt-BR" b="1" dirty="0">
-                <a:latin typeface="Courier New" panose="02070309020205020404" pitchFamily="49" charset="0"/>
-                <a:cs typeface="Courier New" panose="02070309020205020404" pitchFamily="49" charset="0"/>
-              </a:rPr>
-              <a:t>:[10,20], </a:t>
-            </a:r>
-            <a:r>
-              <a:rPr lang="pt-BR" b="1" dirty="0">
-                <a:solidFill>
-                  <a:srgbClr val="718C00"/>
-                </a:solidFill>
-                <a:latin typeface="Courier New" panose="02070309020205020404" pitchFamily="49" charset="0"/>
-                <a:cs typeface="Courier New" panose="02070309020205020404" pitchFamily="49" charset="0"/>
-              </a:rPr>
-              <a:t>'marks'</a:t>
-            </a:r>
-            <a:r>
-              <a:rPr lang="pt-BR" b="1" dirty="0">
-                <a:latin typeface="Courier New" panose="02070309020205020404" pitchFamily="49" charset="0"/>
-                <a:cs typeface="Courier New" panose="02070309020205020404" pitchFamily="49" charset="0"/>
-              </a:rPr>
-              <a:t>:[90, 95] })</a:t>
-            </a:r>
-            <a:endParaRPr lang="pt-BR" b="1" dirty="0">
-              <a:latin typeface="Courier New" panose="02070309020205020404" pitchFamily="49" charset="0"/>
-              <a:cs typeface="Courier New" panose="02070309020205020404" pitchFamily="49" charset="0"/>
-            </a:endParaRPr>
-          </a:p>
-          <a:p>
-            <a:r>
-              <a:rPr lang="pt-BR" b="1" dirty="0">
-                <a:latin typeface="Courier New" panose="02070309020205020404" pitchFamily="49" charset="0"/>
-                <a:cs typeface="Courier New" panose="02070309020205020404" pitchFamily="49" charset="0"/>
-              </a:rPr>
-              <a:t>df2 = pd.DataFrame({</a:t>
-            </a:r>
-            <a:r>
-              <a:rPr lang="pt-BR" b="1" dirty="0">
-                <a:solidFill>
-                  <a:srgbClr val="718C00"/>
-                </a:solidFill>
-                <a:latin typeface="Courier New" panose="02070309020205020404" pitchFamily="49" charset="0"/>
-                <a:cs typeface="Courier New" panose="02070309020205020404" pitchFamily="49" charset="0"/>
-              </a:rPr>
-              <a:t>'Name'</a:t>
-            </a:r>
-            <a:r>
-              <a:rPr lang="pt-BR" b="1" dirty="0">
-                <a:latin typeface="Courier New" panose="02070309020205020404" pitchFamily="49" charset="0"/>
-                <a:cs typeface="Courier New" panose="02070309020205020404" pitchFamily="49" charset="0"/>
-              </a:rPr>
-              <a:t>:[</a:t>
-            </a:r>
-            <a:r>
-              <a:rPr lang="pt-BR" b="1" dirty="0">
-                <a:solidFill>
-                  <a:srgbClr val="718C00"/>
-                </a:solidFill>
-                <a:latin typeface="Courier New" panose="02070309020205020404" pitchFamily="49" charset="0"/>
-                <a:cs typeface="Courier New" panose="02070309020205020404" pitchFamily="49" charset="0"/>
-              </a:rPr>
-              <a:t>'B'</a:t>
-            </a:r>
-            <a:r>
-              <a:rPr lang="pt-BR" b="1" dirty="0">
-                <a:latin typeface="Courier New" panose="02070309020205020404" pitchFamily="49" charset="0"/>
-                <a:cs typeface="Courier New" panose="02070309020205020404" pitchFamily="49" charset="0"/>
-              </a:rPr>
-              <a:t>,</a:t>
-            </a:r>
-            <a:r>
-              <a:rPr lang="pt-BR" b="1" dirty="0">
-                <a:solidFill>
-                  <a:srgbClr val="718C00"/>
-                </a:solidFill>
-                <a:latin typeface="Courier New" panose="02070309020205020404" pitchFamily="49" charset="0"/>
-                <a:cs typeface="Courier New" panose="02070309020205020404" pitchFamily="49" charset="0"/>
-              </a:rPr>
-              <a:t>'C'</a:t>
-            </a:r>
-            <a:r>
-              <a:rPr lang="pt-BR" b="1" dirty="0">
-                <a:latin typeface="Courier New" panose="02070309020205020404" pitchFamily="49" charset="0"/>
-                <a:cs typeface="Courier New" panose="02070309020205020404" pitchFamily="49" charset="0"/>
-              </a:rPr>
-              <a:t>], </a:t>
-            </a:r>
-            <a:r>
-              <a:rPr lang="pt-BR" b="1" dirty="0">
-                <a:solidFill>
-                  <a:srgbClr val="718C00"/>
-                </a:solidFill>
-                <a:latin typeface="Courier New" panose="02070309020205020404" pitchFamily="49" charset="0"/>
-                <a:cs typeface="Courier New" panose="02070309020205020404" pitchFamily="49" charset="0"/>
-              </a:rPr>
-              <a:t>'SSN'</a:t>
-            </a:r>
-            <a:r>
-              <a:rPr lang="pt-BR" b="1" dirty="0">
-                <a:latin typeface="Courier New" panose="02070309020205020404" pitchFamily="49" charset="0"/>
-                <a:cs typeface="Courier New" panose="02070309020205020404" pitchFamily="49" charset="0"/>
-              </a:rPr>
-              <a:t>:[25,30], </a:t>
-            </a:r>
-            <a:r>
-              <a:rPr lang="pt-BR" b="1" dirty="0">
-                <a:solidFill>
-                  <a:srgbClr val="718C00"/>
-                </a:solidFill>
-                <a:latin typeface="Courier New" panose="02070309020205020404" pitchFamily="49" charset="0"/>
-                <a:cs typeface="Courier New" panose="02070309020205020404" pitchFamily="49" charset="0"/>
-              </a:rPr>
-              <a:t>'marks'</a:t>
-            </a:r>
-            <a:r>
-              <a:rPr lang="pt-BR" b="1" dirty="0">
-                <a:latin typeface="Courier New" panose="02070309020205020404" pitchFamily="49" charset="0"/>
-                <a:cs typeface="Courier New" panose="02070309020205020404" pitchFamily="49" charset="0"/>
-              </a:rPr>
-              <a:t>:[80, 97] })</a:t>
-            </a:r>
-            <a:endParaRPr lang="pt-BR" b="1" dirty="0">
-              <a:latin typeface="Courier New" panose="02070309020205020404" pitchFamily="49" charset="0"/>
-              <a:cs typeface="Courier New" panose="02070309020205020404" pitchFamily="49" charset="0"/>
-            </a:endParaRPr>
-          </a:p>
-          <a:p>
-            <a:r>
-              <a:rPr lang="pt-BR" b="1" dirty="0">
-                <a:latin typeface="Courier New" panose="02070309020205020404" pitchFamily="49" charset="0"/>
-                <a:cs typeface="Courier New" panose="02070309020205020404" pitchFamily="49" charset="0"/>
-              </a:rPr>
-              <a:t>df3 = pd.concat([df1, df2])</a:t>
-            </a:r>
-            <a:endParaRPr lang="pt-BR" b="1" dirty="0">
-              <a:latin typeface="Courier New" panose="02070309020205020404" pitchFamily="49" charset="0"/>
-              <a:cs typeface="Courier New" panose="02070309020205020404" pitchFamily="49" charset="0"/>
-            </a:endParaRPr>
-          </a:p>
-          <a:p>
-            <a:r>
-              <a:rPr lang="pt-BR" b="1" dirty="0">
-                <a:latin typeface="Courier New" panose="02070309020205020404" pitchFamily="49" charset="0"/>
-                <a:cs typeface="Courier New" panose="02070309020205020404" pitchFamily="49" charset="0"/>
-              </a:rPr>
-              <a:t>df3</a:t>
-            </a:r>
-            <a:endParaRPr lang="pt-BR" b="1" dirty="0">
-              <a:latin typeface="Courier New" panose="02070309020205020404" pitchFamily="49" charset="0"/>
-              <a:cs typeface="Courier New" panose="02070309020205020404" pitchFamily="49" charset="0"/>
-            </a:endParaRPr>
-          </a:p>
-        </p:txBody>
-      </p:sp>
-    </p:spTree>
-  </p:cSld>
-  <p:clrMapOvr>
-    <a:masterClrMapping/>
-  </p:clrMapOvr>
-</p:sld>
-</file>
-
-<file path=ppt/slides/slide36.xml><?xml version="1.0" encoding="utf-8"?>
-<p:sld xmlns:a="http://schemas.openxmlformats.org/drawingml/2006/main" xmlns:r="http://schemas.openxmlformats.org/officeDocument/2006/relationships" xmlns:p="http://schemas.openxmlformats.org/presentationml/2006/main">
-  <p:cSld>
-    <p:spTree>
-      <p:nvGrpSpPr>
-        <p:cNvPr id="1" name=""/>
-        <p:cNvGrpSpPr/>
-        <p:nvPr/>
-      </p:nvGrpSpPr>
-      <p:grpSpPr>
-        <a:xfrm>
-          <a:off x="0" y="0"/>
-          <a:ext cx="0" cy="0"/>
-          <a:chOff x="0" y="0"/>
-          <a:chExt cx="0" cy="0"/>
-        </a:xfrm>
-      </p:grpSpPr>
-      <p:sp>
-        <p:nvSpPr>
-          <p:cNvPr id="2" name="Title 1"/>
-          <p:cNvSpPr>
-            <a:spLocks noGrp="1"/>
-          </p:cNvSpPr>
-          <p:nvPr>
-            <p:ph type="title"/>
-          </p:nvPr>
-        </p:nvSpPr>
-        <p:spPr/>
-        <p:txBody>
-          <a:bodyPr/>
-          <a:lstStyle/>
-          <a:p>
-            <a:pPr algn="ctr"/>
-            <a:r>
-              <a:rPr lang="en-US" dirty="0"/>
-              <a:t>References</a:t>
-            </a:r>
-            <a:endParaRPr lang="en-US" dirty="0"/>
-          </a:p>
-        </p:txBody>
-      </p:sp>
-      <p:sp>
-        <p:nvSpPr>
-          <p:cNvPr id="3" name="Content Placeholder 2"/>
-          <p:cNvSpPr>
-            <a:spLocks noGrp="1"/>
-          </p:cNvSpPr>
-          <p:nvPr>
-            <p:ph idx="1"/>
-          </p:nvPr>
-        </p:nvSpPr>
-        <p:spPr/>
-        <p:txBody>
-          <a:bodyPr>
-            <a:normAutofit/>
-          </a:bodyPr>
-          <a:lstStyle/>
-          <a:p>
-            <a:r>
-              <a:rPr lang="en-US" dirty="0"/>
-              <a:t>pandas documentation</a:t>
-            </a:r>
-            <a:endParaRPr lang="en-US" dirty="0"/>
-          </a:p>
-          <a:p>
-            <a:pPr lvl="1"/>
-            <a:r>
-              <a:rPr lang="en-US" sz="2000" dirty="0">
-                <a:hlinkClick r:id="rId1"/>
-              </a:rPr>
-              <a:t>https://pandas.pydata.org/pandas-docs/stable/index.html</a:t>
-            </a:r>
-            <a:r>
-              <a:rPr lang="en-US" sz="2000" dirty="0"/>
-              <a:t> </a:t>
-            </a:r>
-            <a:endParaRPr lang="en-US" sz="2000" dirty="0"/>
-          </a:p>
-          <a:p>
-            <a:r>
-              <a:rPr lang="en-US" sz="2400" dirty="0"/>
-              <a:t>pandas: Input/output</a:t>
-            </a:r>
-            <a:endParaRPr lang="en-US" sz="2400" dirty="0"/>
-          </a:p>
-          <a:p>
-            <a:pPr lvl="1"/>
-            <a:r>
-              <a:rPr lang="en-US" sz="2000" dirty="0">
-                <a:hlinkClick r:id="rId2"/>
-              </a:rPr>
-              <a:t>https://pandas.pydata.org/pandas-docs/stable/reference/io.html</a:t>
-            </a:r>
-            <a:r>
-              <a:rPr lang="en-US" sz="2000" dirty="0"/>
-              <a:t> </a:t>
-            </a:r>
-            <a:endParaRPr lang="en-US" sz="2000" dirty="0"/>
-          </a:p>
-          <a:p>
-            <a:r>
-              <a:rPr lang="en-US" sz="2400" dirty="0"/>
-              <a:t>pandas: </a:t>
-            </a:r>
-            <a:r>
-              <a:rPr lang="en-US" sz="2400" dirty="0" err="1"/>
-              <a:t>DataFrame</a:t>
-            </a:r>
-            <a:endParaRPr lang="en-US" sz="2400" dirty="0"/>
-          </a:p>
-          <a:p>
-            <a:pPr lvl="1"/>
-            <a:r>
-              <a:rPr lang="en-US" sz="2000" dirty="0">
-                <a:hlinkClick r:id="rId3"/>
-              </a:rPr>
-              <a:t>https://pandas.pydata.org/pandas-docs/stable/reference/frame.html</a:t>
-            </a:r>
-            <a:r>
-              <a:rPr lang="en-US" sz="2000" dirty="0"/>
-              <a:t> </a:t>
-            </a:r>
-            <a:endParaRPr lang="en-US" sz="2000" dirty="0"/>
-          </a:p>
-          <a:p>
-            <a:r>
-              <a:rPr lang="en-US" sz="2400" dirty="0"/>
-              <a:t>pandas: Series</a:t>
-            </a:r>
-            <a:endParaRPr lang="en-US" sz="2400" dirty="0"/>
-          </a:p>
-          <a:p>
-            <a:pPr lvl="1"/>
-            <a:r>
-              <a:rPr lang="en-US" sz="2000" dirty="0">
-                <a:hlinkClick r:id="rId4"/>
-              </a:rPr>
-              <a:t>https://pandas.pydata.org/pandas-docs/stable/reference/series.html</a:t>
-            </a:r>
-            <a:r>
-              <a:rPr lang="en-US" sz="2000" dirty="0"/>
-              <a:t> </a:t>
-            </a:r>
-            <a:endParaRPr lang="en-US" sz="2000" dirty="0"/>
-          </a:p>
-          <a:p>
-            <a:r>
-              <a:rPr lang="en-US" sz="2400" dirty="0"/>
-              <a:t>pandas: Plotting</a:t>
-            </a:r>
-            <a:endParaRPr lang="en-US" sz="2400" dirty="0"/>
-          </a:p>
-          <a:p>
-            <a:pPr lvl="1"/>
-            <a:r>
-              <a:rPr lang="en-US" sz="2000" dirty="0">
-                <a:hlinkClick r:id="rId5"/>
-              </a:rPr>
-              <a:t>https://pandas.pydata.org/pandas-docs/stable/reference/plotting.html</a:t>
-            </a:r>
-            <a:r>
-              <a:rPr lang="en-US" sz="2000" dirty="0"/>
-              <a:t> </a:t>
-            </a:r>
-            <a:endParaRPr lang="en-US" sz="2000" dirty="0"/>
-          </a:p>
-        </p:txBody>
-      </p:sp>
-    </p:spTree>
-  </p:cSld>
-  <p:clrMapOvr>
-    <a:masterClrMapping/>
-  </p:clrMapOvr>
-</p:sld>
-</file>
-
-<file path=ppt/slides/slide37.xml><?xml version="1.0" encoding="utf-8"?>
 <p:sld xmlns:a="http://schemas.openxmlformats.org/drawingml/2006/main" xmlns:r="http://schemas.openxmlformats.org/officeDocument/2006/relationships" xmlns:p="http://schemas.openxmlformats.org/presentationml/2006/main">
   <p:cSld>
     <p:spTree>
